--- a/slides/ppslides/08-EffectsofEconomicCircumstancesonCrime.pptx
+++ b/slides/ppslides/08-EffectsofEconomicCircumstancesonCrime.pptx
@@ -1,46 +1,557 @@
 
 <file path=ppt/presentation.xml><?xml version="1.0" encoding="utf-8"?>
-<p:presentation xmlns:a="http://schemas.openxmlformats.org/drawingml/2006/main" xmlns:p="http://schemas.openxmlformats.org/presentationml/2006/main" xmlns:r="http://schemas.openxmlformats.org/officeDocument/2006/relationships" xmlns:p14="http://schemas.microsoft.com/office/powerpoint/2010/main" xmlns:p15="http://schemas.microsoft.com/office/powerpoint/2012/main" xmlns:mc="http://schemas.openxmlformats.org/markup-compatibility/2006">
+<p:presentation xmlns:a="http://schemas.openxmlformats.org/drawingml/2006/main" xmlns:r="http://schemas.openxmlformats.org/officeDocument/2006/relationships" xmlns:p="http://schemas.openxmlformats.org/presentationml/2006/main">
   <p:sldMasterIdLst>
-    <p:sldMasterId id="2147483648" r:id="rId2"/>
-    <p:sldMasterId id="2147483661" r:id="rId3"/>
+    <p:sldMasterId id="2147483648" r:id="rId1"/>
+    <p:sldMasterId id="2147483661" r:id="rId2"/>
   </p:sldMasterIdLst>
   <p:notesMasterIdLst>
-    <p:notesMasterId r:id="rId4"/>
+    <p:notesMasterId r:id="rId26"/>
   </p:notesMasterIdLst>
   <p:sldIdLst>
-    <p:sldId id="256" r:id="rId5"/>
-    <p:sldId id="257" r:id="rId6"/>
-    <p:sldId id="258" r:id="rId7"/>
-    <p:sldId id="259" r:id="rId8"/>
-    <p:sldId id="260" r:id="rId9"/>
-    <p:sldId id="261" r:id="rId10"/>
-    <p:sldId id="262" r:id="rId11"/>
-    <p:sldId id="263" r:id="rId12"/>
-    <p:sldId id="264" r:id="rId13"/>
-    <p:sldId id="265" r:id="rId14"/>
-    <p:sldId id="266" r:id="rId15"/>
-    <p:sldId id="267" r:id="rId16"/>
-    <p:sldId id="268" r:id="rId17"/>
-    <p:sldId id="269" r:id="rId18"/>
-    <p:sldId id="270" r:id="rId19"/>
-    <p:sldId id="271" r:id="rId20"/>
-    <p:sldId id="272" r:id="rId21"/>
-    <p:sldId id="273" r:id="rId22"/>
-    <p:sldId id="274" r:id="rId23"/>
-    <p:sldId id="275" r:id="rId24"/>
-    <p:sldId id="276" r:id="rId25"/>
-    <p:sldId id="277" r:id="rId26"/>
-    <p:sldId id="278" r:id="rId27"/>
-    <p:sldId id="279" r:id="rId28"/>
+    <p:sldId id="256" r:id="rId3"/>
+    <p:sldId id="257" r:id="rId4"/>
+    <p:sldId id="258" r:id="rId5"/>
+    <p:sldId id="259" r:id="rId6"/>
+    <p:sldId id="260" r:id="rId7"/>
+    <p:sldId id="261" r:id="rId8"/>
+    <p:sldId id="262" r:id="rId9"/>
+    <p:sldId id="263" r:id="rId10"/>
+    <p:sldId id="264" r:id="rId11"/>
+    <p:sldId id="265" r:id="rId12"/>
+    <p:sldId id="266" r:id="rId13"/>
+    <p:sldId id="267" r:id="rId14"/>
+    <p:sldId id="268" r:id="rId15"/>
+    <p:sldId id="269" r:id="rId16"/>
+    <p:sldId id="270" r:id="rId17"/>
+    <p:sldId id="271" r:id="rId18"/>
+    <p:sldId id="272" r:id="rId19"/>
+    <p:sldId id="273" r:id="rId20"/>
+    <p:sldId id="274" r:id="rId21"/>
+    <p:sldId id="275" r:id="rId22"/>
+    <p:sldId id="276" r:id="rId23"/>
+    <p:sldId id="277" r:id="rId24"/>
+    <p:sldId id="278" r:id="rId25"/>
   </p:sldIdLst>
   <p:sldSz cx="12192000" cy="6858000"/>
   <p:notesSz cx="6858000" cy="9144000"/>
+  <p:defaultTextStyle>
+    <a:defPPr>
+      <a:defRPr lang="en-US"/>
+    </a:defPPr>
+    <a:lvl1pPr marL="0" algn="l" defTabSz="914400" rtl="0" eaLnBrk="1" latinLnBrk="0" hangingPunct="1">
+      <a:defRPr sz="1800" kern="1200">
+        <a:solidFill>
+          <a:schemeClr val="tx1"/>
+        </a:solidFill>
+        <a:latin typeface="+mn-lt"/>
+        <a:ea typeface="+mn-ea"/>
+        <a:cs typeface="+mn-cs"/>
+      </a:defRPr>
+    </a:lvl1pPr>
+    <a:lvl2pPr marL="457200" algn="l" defTabSz="914400" rtl="0" eaLnBrk="1" latinLnBrk="0" hangingPunct="1">
+      <a:defRPr sz="1800" kern="1200">
+        <a:solidFill>
+          <a:schemeClr val="tx1"/>
+        </a:solidFill>
+        <a:latin typeface="+mn-lt"/>
+        <a:ea typeface="+mn-ea"/>
+        <a:cs typeface="+mn-cs"/>
+      </a:defRPr>
+    </a:lvl2pPr>
+    <a:lvl3pPr marL="914400" algn="l" defTabSz="914400" rtl="0" eaLnBrk="1" latinLnBrk="0" hangingPunct="1">
+      <a:defRPr sz="1800" kern="1200">
+        <a:solidFill>
+          <a:schemeClr val="tx1"/>
+        </a:solidFill>
+        <a:latin typeface="+mn-lt"/>
+        <a:ea typeface="+mn-ea"/>
+        <a:cs typeface="+mn-cs"/>
+      </a:defRPr>
+    </a:lvl3pPr>
+    <a:lvl4pPr marL="1371600" algn="l" defTabSz="914400" rtl="0" eaLnBrk="1" latinLnBrk="0" hangingPunct="1">
+      <a:defRPr sz="1800" kern="1200">
+        <a:solidFill>
+          <a:schemeClr val="tx1"/>
+        </a:solidFill>
+        <a:latin typeface="+mn-lt"/>
+        <a:ea typeface="+mn-ea"/>
+        <a:cs typeface="+mn-cs"/>
+      </a:defRPr>
+    </a:lvl4pPr>
+    <a:lvl5pPr marL="1828800" algn="l" defTabSz="914400" rtl="0" eaLnBrk="1" latinLnBrk="0" hangingPunct="1">
+      <a:defRPr sz="1800" kern="1200">
+        <a:solidFill>
+          <a:schemeClr val="tx1"/>
+        </a:solidFill>
+        <a:latin typeface="+mn-lt"/>
+        <a:ea typeface="+mn-ea"/>
+        <a:cs typeface="+mn-cs"/>
+      </a:defRPr>
+    </a:lvl5pPr>
+    <a:lvl6pPr marL="2286000" algn="l" defTabSz="914400" rtl="0" eaLnBrk="1" latinLnBrk="0" hangingPunct="1">
+      <a:defRPr sz="1800" kern="1200">
+        <a:solidFill>
+          <a:schemeClr val="tx1"/>
+        </a:solidFill>
+        <a:latin typeface="+mn-lt"/>
+        <a:ea typeface="+mn-ea"/>
+        <a:cs typeface="+mn-cs"/>
+      </a:defRPr>
+    </a:lvl6pPr>
+    <a:lvl7pPr marL="2743200" algn="l" defTabSz="914400" rtl="0" eaLnBrk="1" latinLnBrk="0" hangingPunct="1">
+      <a:defRPr sz="1800" kern="1200">
+        <a:solidFill>
+          <a:schemeClr val="tx1"/>
+        </a:solidFill>
+        <a:latin typeface="+mn-lt"/>
+        <a:ea typeface="+mn-ea"/>
+        <a:cs typeface="+mn-cs"/>
+      </a:defRPr>
+    </a:lvl7pPr>
+    <a:lvl8pPr marL="3200400" algn="l" defTabSz="914400" rtl="0" eaLnBrk="1" latinLnBrk="0" hangingPunct="1">
+      <a:defRPr sz="1800" kern="1200">
+        <a:solidFill>
+          <a:schemeClr val="tx1"/>
+        </a:solidFill>
+        <a:latin typeface="+mn-lt"/>
+        <a:ea typeface="+mn-ea"/>
+        <a:cs typeface="+mn-cs"/>
+      </a:defRPr>
+    </a:lvl8pPr>
+    <a:lvl9pPr marL="3657600" algn="l" defTabSz="914400" rtl="0" eaLnBrk="1" latinLnBrk="0" hangingPunct="1">
+      <a:defRPr sz="1800" kern="1200">
+        <a:solidFill>
+          <a:schemeClr val="tx1"/>
+        </a:solidFill>
+        <a:latin typeface="+mn-lt"/>
+        <a:ea typeface="+mn-ea"/>
+        <a:cs typeface="+mn-cs"/>
+      </a:defRPr>
+    </a:lvl9pPr>
+  </p:defaultTextStyle>
 </p:presentation>
 </file>
 
 <file path=ppt/notesMasters/notesMaster1.xml><?xml version="1.0" encoding="utf-8"?>
-<p:notesMaster xmlns:a="http://schemas.openxmlformats.org/drawingml/2006/main" xmlns:p="http://schemas.openxmlformats.org/presentationml/2006/main" xmlns:r="http://schemas.openxmlformats.org/officeDocument/2006/relationships" xmlns:p14="http://schemas.microsoft.com/office/powerpoint/2010/main" xmlns:p15="http://schemas.microsoft.com/office/powerpoint/2012/main" xmlns:mc="http://schemas.openxmlformats.org/markup-compatibility/2006">
+<p:notesMaster xmlns:a="http://schemas.openxmlformats.org/drawingml/2006/main" xmlns:r="http://schemas.openxmlformats.org/officeDocument/2006/relationships" xmlns:p="http://schemas.openxmlformats.org/presentationml/2006/main">
+  <p:cSld>
+    <p:bg>
+      <p:bgRef idx="1001">
+        <a:schemeClr val="bg1"/>
+      </p:bgRef>
+    </p:bg>
+    <p:spTree>
+      <p:nvGrpSpPr>
+        <p:cNvPr id="1" name=""/>
+        <p:cNvGrpSpPr/>
+        <p:nvPr/>
+      </p:nvGrpSpPr>
+      <p:grpSpPr>
+        <a:xfrm>
+          <a:off x="0" y="0"/>
+          <a:ext cx="0" cy="0"/>
+          <a:chOff x="0" y="0"/>
+          <a:chExt cx="0" cy="0"/>
+        </a:xfrm>
+      </p:grpSpPr>
+      <p:sp>
+        <p:nvSpPr>
+          <p:cNvPr id="82" name="PlaceHolder 1"/>
+          <p:cNvSpPr>
+            <a:spLocks noGrp="1" noRot="1" noChangeAspect="1"/>
+          </p:cNvSpPr>
+          <p:nvPr>
+            <p:ph type="sldImg"/>
+          </p:nvPr>
+        </p:nvSpPr>
+        <p:spPr>
+          <a:xfrm>
+            <a:off x="533520" y="764280"/>
+            <a:ext cx="6704640" cy="3771360"/>
+          </a:xfrm>
+          <a:prstGeom prst="rect">
+            <a:avLst/>
+          </a:prstGeom>
+          <a:noFill/>
+          <a:ln w="0">
+            <a:noFill/>
+          </a:ln>
+        </p:spPr>
+        <p:txBody>
+          <a:bodyPr lIns="0" tIns="0" rIns="0" bIns="0" anchor="ctr">
+            <a:noAutofit/>
+          </a:bodyPr>
+          <a:lstStyle/>
+          <a:p>
+            <a:r>
+              <a:rPr lang="en-US" sz="3800" b="0" strike="noStrike" spc="-1">
+                <a:solidFill>
+                  <a:srgbClr val="000000"/>
+                </a:solidFill>
+                <a:latin typeface="Calibri"/>
+              </a:rPr>
+              <a:t>Click to move the slide</a:t>
+            </a:r>
+          </a:p>
+        </p:txBody>
+      </p:sp>
+      <p:sp>
+        <p:nvSpPr>
+          <p:cNvPr id="83" name="PlaceHolder 2"/>
+          <p:cNvSpPr>
+            <a:spLocks noGrp="1"/>
+          </p:cNvSpPr>
+          <p:nvPr>
+            <p:ph type="body"/>
+          </p:nvPr>
+        </p:nvSpPr>
+        <p:spPr>
+          <a:xfrm>
+            <a:off x="777240" y="4777560"/>
+            <a:ext cx="6217560" cy="4525920"/>
+          </a:xfrm>
+          <a:prstGeom prst="rect">
+            <a:avLst/>
+          </a:prstGeom>
+          <a:noFill/>
+          <a:ln w="0">
+            <a:noFill/>
+          </a:ln>
+        </p:spPr>
+        <p:txBody>
+          <a:bodyPr lIns="0" tIns="0" rIns="0" bIns="0" anchor="t">
+            <a:noAutofit/>
+          </a:bodyPr>
+          <a:lstStyle/>
+          <a:p>
+            <a:pPr marL="216000" indent="0">
+              <a:buNone/>
+            </a:pPr>
+            <a:r>
+              <a:rPr lang="en-US" sz="2000" b="0" strike="noStrike" spc="-1">
+                <a:solidFill>
+                  <a:srgbClr val="000000"/>
+                </a:solidFill>
+                <a:latin typeface="Arial"/>
+              </a:rPr>
+              <a:t>Click to edit the notes format</a:t>
+            </a:r>
+          </a:p>
+        </p:txBody>
+      </p:sp>
+      <p:sp>
+        <p:nvSpPr>
+          <p:cNvPr id="84" name="PlaceHolder 3"/>
+          <p:cNvSpPr>
+            <a:spLocks noGrp="1"/>
+          </p:cNvSpPr>
+          <p:nvPr>
+            <p:ph type="hdr"/>
+          </p:nvPr>
+        </p:nvSpPr>
+        <p:spPr>
+          <a:xfrm>
+            <a:off x="0" y="0"/>
+            <a:ext cx="3372840" cy="502560"/>
+          </a:xfrm>
+          <a:prstGeom prst="rect">
+            <a:avLst/>
+          </a:prstGeom>
+          <a:noFill/>
+          <a:ln w="0">
+            <a:noFill/>
+          </a:ln>
+        </p:spPr>
+        <p:txBody>
+          <a:bodyPr lIns="0" tIns="0" rIns="0" bIns="0" anchor="t">
+            <a:noAutofit/>
+          </a:bodyPr>
+          <a:lstStyle/>
+          <a:p>
+            <a:pPr indent="0">
+              <a:buNone/>
+            </a:pPr>
+            <a:r>
+              <a:rPr lang="en-US" sz="1400" b="0" strike="noStrike" spc="-1">
+                <a:solidFill>
+                  <a:srgbClr val="000000"/>
+                </a:solidFill>
+                <a:latin typeface="Times New Roman"/>
+              </a:rPr>
+              <a:t>&lt;header&gt;</a:t>
+            </a:r>
+          </a:p>
+        </p:txBody>
+      </p:sp>
+      <p:sp>
+        <p:nvSpPr>
+          <p:cNvPr id="85" name="PlaceHolder 4"/>
+          <p:cNvSpPr>
+            <a:spLocks noGrp="1"/>
+          </p:cNvSpPr>
+          <p:nvPr>
+            <p:ph type="dt" idx="5"/>
+          </p:nvPr>
+        </p:nvSpPr>
+        <p:spPr>
+          <a:xfrm>
+            <a:off x="4399200" y="0"/>
+            <a:ext cx="3372840" cy="502560"/>
+          </a:xfrm>
+          <a:prstGeom prst="rect">
+            <a:avLst/>
+          </a:prstGeom>
+          <a:noFill/>
+          <a:ln w="0">
+            <a:noFill/>
+          </a:ln>
+        </p:spPr>
+        <p:txBody>
+          <a:bodyPr lIns="0" tIns="0" rIns="0" bIns="0" anchor="t">
+            <a:noAutofit/>
+          </a:bodyPr>
+          <a:lstStyle>
+            <a:lvl1pPr indent="0" algn="r">
+              <a:buNone/>
+              <a:defRPr lang="en-US" sz="1400" b="0" strike="noStrike" spc="-1">
+                <a:solidFill>
+                  <a:srgbClr val="000000"/>
+                </a:solidFill>
+                <a:latin typeface="Times New Roman"/>
+              </a:defRPr>
+            </a:lvl1pPr>
+          </a:lstStyle>
+          <a:p>
+            <a:pPr indent="0" algn="r">
+              <a:buNone/>
+            </a:pPr>
+            <a:r>
+              <a:rPr lang="en-US" sz="1400" b="0" strike="noStrike" spc="-1">
+                <a:solidFill>
+                  <a:srgbClr val="000000"/>
+                </a:solidFill>
+                <a:latin typeface="Times New Roman"/>
+              </a:rPr>
+              <a:t>&lt;date/time&gt;</a:t>
+            </a:r>
+          </a:p>
+        </p:txBody>
+      </p:sp>
+      <p:sp>
+        <p:nvSpPr>
+          <p:cNvPr id="86" name="PlaceHolder 5"/>
+          <p:cNvSpPr>
+            <a:spLocks noGrp="1"/>
+          </p:cNvSpPr>
+          <p:nvPr>
+            <p:ph type="ftr" idx="6"/>
+          </p:nvPr>
+        </p:nvSpPr>
+        <p:spPr>
+          <a:xfrm>
+            <a:off x="0" y="9555480"/>
+            <a:ext cx="3372840" cy="502560"/>
+          </a:xfrm>
+          <a:prstGeom prst="rect">
+            <a:avLst/>
+          </a:prstGeom>
+          <a:noFill/>
+          <a:ln w="0">
+            <a:noFill/>
+          </a:ln>
+        </p:spPr>
+        <p:txBody>
+          <a:bodyPr lIns="0" tIns="0" rIns="0" bIns="0" anchor="b">
+            <a:noAutofit/>
+          </a:bodyPr>
+          <a:lstStyle>
+            <a:lvl1pPr indent="0">
+              <a:buNone/>
+              <a:defRPr lang="en-US" sz="1400" b="0" strike="noStrike" spc="-1">
+                <a:solidFill>
+                  <a:srgbClr val="000000"/>
+                </a:solidFill>
+                <a:latin typeface="Times New Roman"/>
+              </a:defRPr>
+            </a:lvl1pPr>
+          </a:lstStyle>
+          <a:p>
+            <a:pPr indent="0">
+              <a:buNone/>
+            </a:pPr>
+            <a:r>
+              <a:rPr lang="en-US" sz="1400" b="0" strike="noStrike" spc="-1">
+                <a:solidFill>
+                  <a:srgbClr val="000000"/>
+                </a:solidFill>
+                <a:latin typeface="Times New Roman"/>
+              </a:rPr>
+              <a:t>&lt;footer&gt;</a:t>
+            </a:r>
+          </a:p>
+        </p:txBody>
+      </p:sp>
+      <p:sp>
+        <p:nvSpPr>
+          <p:cNvPr id="87" name="PlaceHolder 6"/>
+          <p:cNvSpPr>
+            <a:spLocks noGrp="1"/>
+          </p:cNvSpPr>
+          <p:nvPr>
+            <p:ph type="sldNum" idx="7"/>
+          </p:nvPr>
+        </p:nvSpPr>
+        <p:spPr>
+          <a:xfrm>
+            <a:off x="4399200" y="9555480"/>
+            <a:ext cx="3372840" cy="502560"/>
+          </a:xfrm>
+          <a:prstGeom prst="rect">
+            <a:avLst/>
+          </a:prstGeom>
+          <a:noFill/>
+          <a:ln w="0">
+            <a:noFill/>
+          </a:ln>
+        </p:spPr>
+        <p:txBody>
+          <a:bodyPr lIns="0" tIns="0" rIns="0" bIns="0" anchor="b">
+            <a:noAutofit/>
+          </a:bodyPr>
+          <a:lstStyle>
+            <a:lvl1pPr indent="0" algn="r">
+              <a:buNone/>
+              <a:defRPr lang="en-US" sz="1400" b="0" strike="noStrike" spc="-1">
+                <a:solidFill>
+                  <a:srgbClr val="000000"/>
+                </a:solidFill>
+                <a:latin typeface="Times New Roman"/>
+              </a:defRPr>
+            </a:lvl1pPr>
+          </a:lstStyle>
+          <a:p>
+            <a:pPr indent="0" algn="r">
+              <a:buNone/>
+            </a:pPr>
+            <a:fld id="{787176D2-EBFC-4A02-A660-5C9EFB5B3E7A}" type="slidenum">
+              <a:rPr lang="en-US" sz="1400" b="0" strike="noStrike" spc="-1">
+                <a:solidFill>
+                  <a:srgbClr val="000000"/>
+                </a:solidFill>
+                <a:latin typeface="Times New Roman"/>
+              </a:rPr>
+              <a:t>‹#›</a:t>
+            </a:fld>
+            <a:endParaRPr lang="en-US" sz="1400" b="0" strike="noStrike" spc="-1">
+              <a:solidFill>
+                <a:srgbClr val="000000"/>
+              </a:solidFill>
+              <a:latin typeface="Times New Roman"/>
+            </a:endParaRPr>
+          </a:p>
+        </p:txBody>
+      </p:sp>
+    </p:spTree>
+  </p:cSld>
+  <p:clrMap bg1="lt1" tx1="dk1" bg2="lt2" tx2="dk2" accent1="accent1" accent2="accent2" accent3="accent3" accent4="accent4" accent5="accent5" accent6="accent6" hlink="hlink" folHlink="folHlink"/>
+  <p:notesStyle>
+    <a:lvl1pPr marL="0" algn="l" defTabSz="914400" rtl="0" eaLnBrk="1" latinLnBrk="0" hangingPunct="1">
+      <a:defRPr sz="1200" kern="1200">
+        <a:solidFill>
+          <a:schemeClr val="tx1"/>
+        </a:solidFill>
+        <a:latin typeface="+mn-lt"/>
+        <a:ea typeface="+mn-ea"/>
+        <a:cs typeface="+mn-cs"/>
+      </a:defRPr>
+    </a:lvl1pPr>
+    <a:lvl2pPr marL="457200" algn="l" defTabSz="914400" rtl="0" eaLnBrk="1" latinLnBrk="0" hangingPunct="1">
+      <a:defRPr sz="1200" kern="1200">
+        <a:solidFill>
+          <a:schemeClr val="tx1"/>
+        </a:solidFill>
+        <a:latin typeface="+mn-lt"/>
+        <a:ea typeface="+mn-ea"/>
+        <a:cs typeface="+mn-cs"/>
+      </a:defRPr>
+    </a:lvl2pPr>
+    <a:lvl3pPr marL="914400" algn="l" defTabSz="914400" rtl="0" eaLnBrk="1" latinLnBrk="0" hangingPunct="1">
+      <a:defRPr sz="1200" kern="1200">
+        <a:solidFill>
+          <a:schemeClr val="tx1"/>
+        </a:solidFill>
+        <a:latin typeface="+mn-lt"/>
+        <a:ea typeface="+mn-ea"/>
+        <a:cs typeface="+mn-cs"/>
+      </a:defRPr>
+    </a:lvl3pPr>
+    <a:lvl4pPr marL="1371600" algn="l" defTabSz="914400" rtl="0" eaLnBrk="1" latinLnBrk="0" hangingPunct="1">
+      <a:defRPr sz="1200" kern="1200">
+        <a:solidFill>
+          <a:schemeClr val="tx1"/>
+        </a:solidFill>
+        <a:latin typeface="+mn-lt"/>
+        <a:ea typeface="+mn-ea"/>
+        <a:cs typeface="+mn-cs"/>
+      </a:defRPr>
+    </a:lvl4pPr>
+    <a:lvl5pPr marL="1828800" algn="l" defTabSz="914400" rtl="0" eaLnBrk="1" latinLnBrk="0" hangingPunct="1">
+      <a:defRPr sz="1200" kern="1200">
+        <a:solidFill>
+          <a:schemeClr val="tx1"/>
+        </a:solidFill>
+        <a:latin typeface="+mn-lt"/>
+        <a:ea typeface="+mn-ea"/>
+        <a:cs typeface="+mn-cs"/>
+      </a:defRPr>
+    </a:lvl5pPr>
+    <a:lvl6pPr marL="2286000" algn="l" defTabSz="914400" rtl="0" eaLnBrk="1" latinLnBrk="0" hangingPunct="1">
+      <a:defRPr sz="1200" kern="1200">
+        <a:solidFill>
+          <a:schemeClr val="tx1"/>
+        </a:solidFill>
+        <a:latin typeface="+mn-lt"/>
+        <a:ea typeface="+mn-ea"/>
+        <a:cs typeface="+mn-cs"/>
+      </a:defRPr>
+    </a:lvl6pPr>
+    <a:lvl7pPr marL="2743200" algn="l" defTabSz="914400" rtl="0" eaLnBrk="1" latinLnBrk="0" hangingPunct="1">
+      <a:defRPr sz="1200" kern="1200">
+        <a:solidFill>
+          <a:schemeClr val="tx1"/>
+        </a:solidFill>
+        <a:latin typeface="+mn-lt"/>
+        <a:ea typeface="+mn-ea"/>
+        <a:cs typeface="+mn-cs"/>
+      </a:defRPr>
+    </a:lvl7pPr>
+    <a:lvl8pPr marL="3200400" algn="l" defTabSz="914400" rtl="0" eaLnBrk="1" latinLnBrk="0" hangingPunct="1">
+      <a:defRPr sz="1200" kern="1200">
+        <a:solidFill>
+          <a:schemeClr val="tx1"/>
+        </a:solidFill>
+        <a:latin typeface="+mn-lt"/>
+        <a:ea typeface="+mn-ea"/>
+        <a:cs typeface="+mn-cs"/>
+      </a:defRPr>
+    </a:lvl8pPr>
+    <a:lvl9pPr marL="3657600" algn="l" defTabSz="914400" rtl="0" eaLnBrk="1" latinLnBrk="0" hangingPunct="1">
+      <a:defRPr sz="1200" kern="1200">
+        <a:solidFill>
+          <a:schemeClr val="tx1"/>
+        </a:solidFill>
+        <a:latin typeface="+mn-lt"/>
+        <a:ea typeface="+mn-ea"/>
+        <a:cs typeface="+mn-cs"/>
+      </a:defRPr>
+    </a:lvl9pPr>
+  </p:notesStyle>
+</p:notesMaster>
+</file>
+
+<file path=ppt/notesSlides/notesSlide1.xml><?xml version="1.0" encoding="utf-8"?>
+<p:notes xmlns:a="http://schemas.openxmlformats.org/drawingml/2006/main" xmlns:r="http://schemas.openxmlformats.org/officeDocument/2006/relationships" xmlns:p="http://schemas.openxmlformats.org/presentationml/2006/main">
   <p:cSld>
     <p:spTree>
       <p:nvGrpSpPr>
@@ -58,9 +569,9 @@
       </p:grpSpPr>
       <p:sp>
         <p:nvSpPr>
-          <p:cNvPr id="82" name="PlaceHolder 1"/>
-          <p:cNvSpPr>
-            <a:spLocks noGrp="1"/>
+          <p:cNvPr id="148" name="PlaceHolder 1"/>
+          <p:cNvSpPr>
+            <a:spLocks noGrp="1" noRot="1" noChangeAspect="1"/>
           </p:cNvSpPr>
           <p:nvPr>
             <p:ph type="sldImg"/>
@@ -68,81 +579,50 @@
         </p:nvSpPr>
         <p:spPr>
           <a:xfrm>
-            <a:off x="533520" y="764280"/>
-            <a:ext cx="6704640" cy="3771360"/>
-          </a:xfrm>
-          <a:prstGeom prst="rect">
-            <a:avLst/>
-          </a:prstGeom>
-          <a:noFill/>
-          <a:ln w="0">
-            <a:noFill/>
-          </a:ln>
-        </p:spPr>
-        <p:txBody>
-          <a:bodyPr lIns="0" rIns="0" tIns="0" bIns="0" anchor="ctr">
+            <a:off x="685800" y="1143000"/>
+            <a:ext cx="5486040" cy="3085920"/>
+          </a:xfrm>
+          <a:prstGeom prst="rect">
+            <a:avLst/>
+          </a:prstGeom>
+          <a:ln w="0">
+            <a:noFill/>
+          </a:ln>
+        </p:spPr>
+      </p:sp>
+      <p:sp>
+        <p:nvSpPr>
+          <p:cNvPr id="149" name="PlaceHolder 2"/>
+          <p:cNvSpPr>
+            <a:spLocks noGrp="1"/>
+          </p:cNvSpPr>
+          <p:nvPr>
+            <p:ph type="body"/>
+          </p:nvPr>
+        </p:nvSpPr>
+        <p:spPr>
+          <a:xfrm>
+            <a:off x="685800" y="4400640"/>
+            <a:ext cx="5486040" cy="3600000"/>
+          </a:xfrm>
+          <a:prstGeom prst="rect">
+            <a:avLst/>
+          </a:prstGeom>
+          <a:noFill/>
+          <a:ln w="0">
+            <a:noFill/>
+          </a:ln>
+        </p:spPr>
+        <p:txBody>
+          <a:bodyPr numCol="1" spcCol="0" anchor="t">
             <a:noAutofit/>
           </a:bodyPr>
-          <a:p>
-            <a:r>
-              <a:rPr b="0" lang="en-US" sz="3800" spc="-1" strike="noStrike">
-                <a:solidFill>
-                  <a:srgbClr val="000000"/>
-                </a:solidFill>
-                <a:latin typeface="Calibri"/>
-              </a:rPr>
-              <a:t>Click to move the slide</a:t>
-            </a:r>
-            <a:endParaRPr b="0" lang="en-US" sz="3800" spc="-1" strike="noStrike">
-              <a:solidFill>
-                <a:srgbClr val="000000"/>
-              </a:solidFill>
-              <a:latin typeface="Calibri"/>
-            </a:endParaRPr>
-          </a:p>
-        </p:txBody>
-      </p:sp>
-      <p:sp>
-        <p:nvSpPr>
-          <p:cNvPr id="83" name="PlaceHolder 2"/>
-          <p:cNvSpPr>
-            <a:spLocks noGrp="1"/>
-          </p:cNvSpPr>
-          <p:nvPr>
-            <p:ph type="body"/>
-          </p:nvPr>
-        </p:nvSpPr>
-        <p:spPr>
-          <a:xfrm>
-            <a:off x="777240" y="4777560"/>
-            <a:ext cx="6217560" cy="4525920"/>
-          </a:xfrm>
-          <a:prstGeom prst="rect">
-            <a:avLst/>
-          </a:prstGeom>
-          <a:noFill/>
-          <a:ln w="0">
-            <a:noFill/>
-          </a:ln>
-        </p:spPr>
-        <p:txBody>
-          <a:bodyPr lIns="0" rIns="0" tIns="0" bIns="0" anchor="t">
-            <a:noAutofit/>
-          </a:bodyPr>
+          <a:lstStyle/>
           <a:p>
             <a:pPr marL="216000" indent="0">
               <a:buNone/>
             </a:pPr>
-            <a:r>
-              <a:rPr b="0" lang="en-US" sz="2000" spc="-1" strike="noStrike">
-                <a:solidFill>
-                  <a:srgbClr val="000000"/>
-                </a:solidFill>
-                <a:latin typeface="Arial"/>
-              </a:rPr>
-              <a:t>Click to edit the notes format</a:t>
-            </a:r>
-            <a:endParaRPr b="0" lang="en-US" sz="2000" spc="-1" strike="noStrike">
+            <a:endParaRPr lang="en-US" sz="1800" b="0" strike="noStrike" spc="-1">
               <a:solidFill>
                 <a:srgbClr val="000000"/>
               </a:solidFill>
@@ -153,45 +633,62 @@
       </p:sp>
       <p:sp>
         <p:nvSpPr>
-          <p:cNvPr id="84" name="PlaceHolder 3"/>
-          <p:cNvSpPr>
-            <a:spLocks noGrp="1"/>
-          </p:cNvSpPr>
-          <p:nvPr>
-            <p:ph type="hdr"/>
-          </p:nvPr>
-        </p:nvSpPr>
-        <p:spPr>
-          <a:xfrm>
-            <a:off x="0" y="0"/>
-            <a:ext cx="3372840" cy="502560"/>
-          </a:xfrm>
-          <a:prstGeom prst="rect">
-            <a:avLst/>
-          </a:prstGeom>
-          <a:noFill/>
-          <a:ln w="0">
-            <a:noFill/>
-          </a:ln>
-        </p:spPr>
-        <p:txBody>
-          <a:bodyPr lIns="0" rIns="0" tIns="0" bIns="0" anchor="t">
+          <p:cNvPr id="150" name="PlaceHolder 3"/>
+          <p:cNvSpPr>
+            <a:spLocks noGrp="1"/>
+          </p:cNvSpPr>
+          <p:nvPr>
+            <p:ph type="sldNum" idx="8"/>
+          </p:nvPr>
+        </p:nvSpPr>
+        <p:spPr>
+          <a:xfrm>
+            <a:off x="3884760" y="8685360"/>
+            <a:ext cx="2971440" cy="458280"/>
+          </a:xfrm>
+          <a:prstGeom prst="rect">
+            <a:avLst/>
+          </a:prstGeom>
+          <a:noFill/>
+          <a:ln w="0">
+            <a:noFill/>
+          </a:ln>
+        </p:spPr>
+        <p:txBody>
+          <a:bodyPr numCol="1" spcCol="0" anchor="b">
             <a:noAutofit/>
           </a:bodyPr>
-          <a:p>
-            <a:pPr indent="0">
+          <a:lstStyle>
+            <a:lvl1pPr indent="0" algn="r">
+              <a:lnSpc>
+                <a:spcPct val="100000"/>
+              </a:lnSpc>
               <a:buNone/>
-            </a:pPr>
-            <a:r>
-              <a:rPr b="0" lang="en-US" sz="1400" spc="-1" strike="noStrike">
+              <a:defRPr lang="en-US" sz="1200" b="0" strike="noStrike" spc="-1">
                 <a:solidFill>
                   <a:srgbClr val="000000"/>
                 </a:solidFill>
-                <a:latin typeface="Times New Roman"/>
-              </a:rPr>
-              <a:t>&lt;header&gt;</a:t>
-            </a:r>
-            <a:endParaRPr b="0" lang="en-US" sz="1400" spc="-1" strike="noStrike">
+                <a:latin typeface="Calibri"/>
+              </a:defRPr>
+            </a:lvl1pPr>
+          </a:lstStyle>
+          <a:p>
+            <a:pPr indent="0" algn="r">
+              <a:lnSpc>
+                <a:spcPct val="100000"/>
+              </a:lnSpc>
+              <a:buNone/>
+            </a:pPr>
+            <a:fld id="{3E0762DC-A186-4792-AC6D-BE7C35A40883}" type="slidenum">
+              <a:rPr lang="en-US" sz="1200" b="0" strike="noStrike" spc="-1">
+                <a:solidFill>
+                  <a:srgbClr val="000000"/>
+                </a:solidFill>
+                <a:latin typeface="Calibri"/>
+              </a:rPr>
+              <a:t>1</a:t>
+            </a:fld>
+            <a:endParaRPr lang="en-US" sz="1200" b="0" strike="noStrike" spc="-1">
               <a:solidFill>
                 <a:srgbClr val="000000"/>
               </a:solidFill>
@@ -200,345 +697,16 @@
           </a:p>
         </p:txBody>
       </p:sp>
-      <p:sp>
-        <p:nvSpPr>
-          <p:cNvPr id="85" name="PlaceHolder 4"/>
-          <p:cNvSpPr>
-            <a:spLocks noGrp="1"/>
-          </p:cNvSpPr>
-          <p:nvPr>
-            <p:ph type="dt" idx="5"/>
-          </p:nvPr>
-        </p:nvSpPr>
-        <p:spPr>
-          <a:xfrm>
-            <a:off x="4399200" y="0"/>
-            <a:ext cx="3372840" cy="502560"/>
-          </a:xfrm>
-          <a:prstGeom prst="rect">
-            <a:avLst/>
-          </a:prstGeom>
-          <a:noFill/>
-          <a:ln w="0">
-            <a:noFill/>
-          </a:ln>
-        </p:spPr>
-        <p:txBody>
-          <a:bodyPr lIns="0" rIns="0" tIns="0" bIns="0" anchor="t">
-            <a:noAutofit/>
-          </a:bodyPr>
-          <a:lstStyle>
-            <a:lvl1pPr indent="0" algn="r">
-              <a:buNone/>
-              <a:defRPr b="0" lang="en-US" sz="1400" spc="-1" strike="noStrike">
-                <a:solidFill>
-                  <a:srgbClr val="000000"/>
-                </a:solidFill>
-                <a:latin typeface="Times New Roman"/>
-              </a:defRPr>
-            </a:lvl1pPr>
-          </a:lstStyle>
-          <a:p>
-            <a:pPr indent="0" algn="r">
-              <a:buNone/>
-            </a:pPr>
-            <a:r>
-              <a:rPr b="0" lang="en-US" sz="1400" spc="-1" strike="noStrike">
-                <a:solidFill>
-                  <a:srgbClr val="000000"/>
-                </a:solidFill>
-                <a:latin typeface="Times New Roman"/>
-              </a:rPr>
-              <a:t>&lt;date/time&gt;</a:t>
-            </a:r>
-            <a:endParaRPr b="0" lang="en-US" sz="1400" spc="-1" strike="noStrike">
-              <a:solidFill>
-                <a:srgbClr val="000000"/>
-              </a:solidFill>
-              <a:latin typeface="Times New Roman"/>
-            </a:endParaRPr>
-          </a:p>
-        </p:txBody>
-      </p:sp>
-      <p:sp>
-        <p:nvSpPr>
-          <p:cNvPr id="86" name="PlaceHolder 5"/>
-          <p:cNvSpPr>
-            <a:spLocks noGrp="1"/>
-          </p:cNvSpPr>
-          <p:nvPr>
-            <p:ph type="ftr" idx="6"/>
-          </p:nvPr>
-        </p:nvSpPr>
-        <p:spPr>
-          <a:xfrm>
-            <a:off x="0" y="9555480"/>
-            <a:ext cx="3372840" cy="502560"/>
-          </a:xfrm>
-          <a:prstGeom prst="rect">
-            <a:avLst/>
-          </a:prstGeom>
-          <a:noFill/>
-          <a:ln w="0">
-            <a:noFill/>
-          </a:ln>
-        </p:spPr>
-        <p:txBody>
-          <a:bodyPr lIns="0" rIns="0" tIns="0" bIns="0" anchor="b">
-            <a:noAutofit/>
-          </a:bodyPr>
-          <a:lstStyle>
-            <a:lvl1pPr indent="0">
-              <a:buNone/>
-              <a:defRPr b="0" lang="en-US" sz="1400" spc="-1" strike="noStrike">
-                <a:solidFill>
-                  <a:srgbClr val="000000"/>
-                </a:solidFill>
-                <a:latin typeface="Times New Roman"/>
-              </a:defRPr>
-            </a:lvl1pPr>
-          </a:lstStyle>
-          <a:p>
-            <a:pPr indent="0">
-              <a:buNone/>
-            </a:pPr>
-            <a:r>
-              <a:rPr b="0" lang="en-US" sz="1400" spc="-1" strike="noStrike">
-                <a:solidFill>
-                  <a:srgbClr val="000000"/>
-                </a:solidFill>
-                <a:latin typeface="Times New Roman"/>
-              </a:rPr>
-              <a:t>&lt;footer&gt;</a:t>
-            </a:r>
-            <a:endParaRPr b="0" lang="en-US" sz="1400" spc="-1" strike="noStrike">
-              <a:solidFill>
-                <a:srgbClr val="000000"/>
-              </a:solidFill>
-              <a:latin typeface="Times New Roman"/>
-            </a:endParaRPr>
-          </a:p>
-        </p:txBody>
-      </p:sp>
-      <p:sp>
-        <p:nvSpPr>
-          <p:cNvPr id="87" name="PlaceHolder 6"/>
-          <p:cNvSpPr>
-            <a:spLocks noGrp="1"/>
-          </p:cNvSpPr>
-          <p:nvPr>
-            <p:ph type="sldNum" idx="7"/>
-          </p:nvPr>
-        </p:nvSpPr>
-        <p:spPr>
-          <a:xfrm>
-            <a:off x="4399200" y="9555480"/>
-            <a:ext cx="3372840" cy="502560"/>
-          </a:xfrm>
-          <a:prstGeom prst="rect">
-            <a:avLst/>
-          </a:prstGeom>
-          <a:noFill/>
-          <a:ln w="0">
-            <a:noFill/>
-          </a:ln>
-        </p:spPr>
-        <p:txBody>
-          <a:bodyPr lIns="0" rIns="0" tIns="0" bIns="0" anchor="b">
-            <a:noAutofit/>
-          </a:bodyPr>
-          <a:lstStyle>
-            <a:lvl1pPr indent="0" algn="r">
-              <a:buNone/>
-              <a:defRPr b="0" lang="en-US" sz="1400" spc="-1" strike="noStrike">
-                <a:solidFill>
-                  <a:srgbClr val="000000"/>
-                </a:solidFill>
-                <a:latin typeface="Times New Roman"/>
-              </a:defRPr>
-            </a:lvl1pPr>
-          </a:lstStyle>
-          <a:p>
-            <a:pPr indent="0" algn="r">
-              <a:buNone/>
-            </a:pPr>
-            <a:fld id="{787176D2-EBFC-4A02-A660-5C9EFB5B3E7A}" type="slidenum">
-              <a:rPr b="0" lang="en-US" sz="1400" spc="-1" strike="noStrike">
-                <a:solidFill>
-                  <a:srgbClr val="000000"/>
-                </a:solidFill>
-                <a:latin typeface="Times New Roman"/>
-              </a:rPr>
-              <a:t>&lt;number&gt;</a:t>
-            </a:fld>
-            <a:endParaRPr b="0" lang="en-US" sz="1400" spc="-1" strike="noStrike">
-              <a:solidFill>
-                <a:srgbClr val="000000"/>
-              </a:solidFill>
-              <a:latin typeface="Times New Roman"/>
-            </a:endParaRPr>
-          </a:p>
-        </p:txBody>
-      </p:sp>
     </p:spTree>
   </p:cSld>
-  <p:clrMap bg1="lt1" bg2="lt2" tx1="dk1" tx2="dk2" accent1="accent1" accent2="accent2" accent3="accent3" accent4="accent4" accent5="accent5" accent6="accent6" hlink="hlink" folHlink="folHlink"/>
-</p:notesMaster>
-</file>
-
-<file path=ppt/notesSlides/notesSlide1.xml><?xml version="1.0" encoding="utf-8"?>
-<p:notes xmlns:a="http://schemas.openxmlformats.org/drawingml/2006/main" xmlns:p="http://schemas.openxmlformats.org/presentationml/2006/main" xmlns:r="http://schemas.openxmlformats.org/officeDocument/2006/relationships" xmlns:p14="http://schemas.microsoft.com/office/powerpoint/2010/main" xmlns:p15="http://schemas.microsoft.com/office/powerpoint/2012/main" xmlns:mc="http://schemas.openxmlformats.org/markup-compatibility/2006">
-  <p:cSld>
-    <p:spTree>
-      <p:nvGrpSpPr>
-        <p:cNvPr id="1" name=""/>
-        <p:cNvGrpSpPr/>
-        <p:nvPr/>
-      </p:nvGrpSpPr>
-      <p:grpSpPr>
-        <a:xfrm>
-          <a:off x="0" y="0"/>
-          <a:ext cx="0" cy="0"/>
-          <a:chOff x="0" y="0"/>
-          <a:chExt cx="0" cy="0"/>
-        </a:xfrm>
-      </p:grpSpPr>
-      <p:sp>
-        <p:nvSpPr>
-          <p:cNvPr id="148" name="PlaceHolder 1"/>
-          <p:cNvSpPr>
-            <a:spLocks noGrp="1"/>
-          </p:cNvSpPr>
-          <p:nvPr>
-            <p:ph type="sldImg"/>
-          </p:nvPr>
-        </p:nvSpPr>
-        <p:spPr>
-          <a:xfrm>
-            <a:off x="685800" y="1143000"/>
-            <a:ext cx="5486040" cy="3085920"/>
-          </a:xfrm>
-          <a:prstGeom prst="rect">
-            <a:avLst/>
-          </a:prstGeom>
-          <a:ln w="0">
-            <a:noFill/>
-          </a:ln>
-        </p:spPr>
-      </p:sp>
-      <p:sp>
-        <p:nvSpPr>
-          <p:cNvPr id="149" name="PlaceHolder 2"/>
-          <p:cNvSpPr>
-            <a:spLocks noGrp="1"/>
-          </p:cNvSpPr>
-          <p:nvPr>
-            <p:ph type="body"/>
-          </p:nvPr>
-        </p:nvSpPr>
-        <p:spPr>
-          <a:xfrm>
-            <a:off x="685800" y="4400640"/>
-            <a:ext cx="5486040" cy="3600000"/>
-          </a:xfrm>
-          <a:prstGeom prst="rect">
-            <a:avLst/>
-          </a:prstGeom>
-          <a:noFill/>
-          <a:ln w="0">
-            <a:noFill/>
-          </a:ln>
-        </p:spPr>
-        <p:txBody>
-          <a:bodyPr numCol="1" spcCol="0" anchor="t">
-            <a:noAutofit/>
-          </a:bodyPr>
-          <a:p>
-            <a:pPr marL="216000" indent="0">
-              <a:buNone/>
-            </a:pPr>
-            <a:endParaRPr b="0" lang="en-US" sz="1800" spc="-1" strike="noStrike">
-              <a:solidFill>
-                <a:srgbClr val="000000"/>
-              </a:solidFill>
-              <a:latin typeface="Arial"/>
-            </a:endParaRPr>
-          </a:p>
-        </p:txBody>
-      </p:sp>
-      <p:sp>
-        <p:nvSpPr>
-          <p:cNvPr id="150" name="PlaceHolder 3"/>
-          <p:cNvSpPr>
-            <a:spLocks noGrp="1"/>
-          </p:cNvSpPr>
-          <p:nvPr>
-            <p:ph type="sldNum" idx="8"/>
-          </p:nvPr>
-        </p:nvSpPr>
-        <p:spPr>
-          <a:xfrm>
-            <a:off x="3884760" y="8685360"/>
-            <a:ext cx="2971440" cy="458280"/>
-          </a:xfrm>
-          <a:prstGeom prst="rect">
-            <a:avLst/>
-          </a:prstGeom>
-          <a:noFill/>
-          <a:ln w="0">
-            <a:noFill/>
-          </a:ln>
-        </p:spPr>
-        <p:txBody>
-          <a:bodyPr numCol="1" spcCol="0" anchor="b">
-            <a:noAutofit/>
-          </a:bodyPr>
-          <a:lstStyle>
-            <a:lvl1pPr indent="0" algn="r">
-              <a:lnSpc>
-                <a:spcPct val="100000"/>
-              </a:lnSpc>
-              <a:buNone/>
-              <a:defRPr b="0" lang="en-US" sz="1200" spc="-1" strike="noStrike">
-                <a:solidFill>
-                  <a:srgbClr val="000000"/>
-                </a:solidFill>
-                <a:latin typeface="Calibri"/>
-              </a:defRPr>
-            </a:lvl1pPr>
-          </a:lstStyle>
-          <a:p>
-            <a:pPr indent="0" algn="r">
-              <a:lnSpc>
-                <a:spcPct val="100000"/>
-              </a:lnSpc>
-              <a:buNone/>
-            </a:pPr>
-            <a:fld id="{3E0762DC-A186-4792-AC6D-BE7C35A40883}" type="slidenum">
-              <a:rPr b="0" lang="en-US" sz="1200" spc="-1" strike="noStrike">
-                <a:solidFill>
-                  <a:srgbClr val="000000"/>
-                </a:solidFill>
-                <a:latin typeface="Calibri"/>
-              </a:rPr>
-              <a:t>&lt;number&gt;</a:t>
-            </a:fld>
-            <a:endParaRPr b="0" lang="en-US" sz="1200" spc="-1" strike="noStrike">
-              <a:solidFill>
-                <a:srgbClr val="000000"/>
-              </a:solidFill>
-              <a:latin typeface="Times New Roman"/>
-            </a:endParaRPr>
-          </a:p>
-        </p:txBody>
-      </p:sp>
-    </p:spTree>
-  </p:cSld>
+  <p:clrMapOvr>
+    <a:masterClrMapping/>
+  </p:clrMapOvr>
 </p:notes>
 </file>
 
 <file path=ppt/slideLayouts/slideLayout1.xml><?xml version="1.0" encoding="utf-8"?>
-<p:sldLayout xmlns:a="http://schemas.openxmlformats.org/drawingml/2006/main" xmlns:p="http://schemas.openxmlformats.org/presentationml/2006/main" xmlns:r="http://schemas.openxmlformats.org/officeDocument/2006/relationships" xmlns:p14="http://schemas.microsoft.com/office/powerpoint/2010/main" xmlns:p15="http://schemas.microsoft.com/office/powerpoint/2012/main" xmlns:mc="http://schemas.openxmlformats.org/markup-compatibility/2006" type="blank" preserve="1">
+<p:sldLayout xmlns:a="http://schemas.openxmlformats.org/drawingml/2006/main" xmlns:r="http://schemas.openxmlformats.org/officeDocument/2006/relationships" xmlns:p="http://schemas.openxmlformats.org/presentationml/2006/main" type="blank" preserve="1">
   <p:cSld name="Blank Slide">
     <p:spTree>
       <p:nvGrpSpPr>
@@ -567,6 +735,7 @@
         <p:spPr/>
         <p:txBody>
           <a:bodyPr/>
+          <a:lstStyle/>
           <a:p>
             <a:r>
               <a:t>Footer</a:t>
@@ -587,20 +756,25 @@
         <p:spPr/>
         <p:txBody>
           <a:bodyPr/>
+          <a:lstStyle/>
           <a:p>
             <a:fld id="{261BD66D-FD54-47F7-AAEB-96F500C90CB3}" type="slidenum">
-              <a:t>&lt;#&gt;</a:t>
+              <a:t>‹#›</a:t>
             </a:fld>
+            <a:endParaRPr/>
           </a:p>
         </p:txBody>
       </p:sp>
     </p:spTree>
   </p:cSld>
+  <p:clrMapOvr>
+    <a:masterClrMapping/>
+  </p:clrMapOvr>
 </p:sldLayout>
 </file>
 
 <file path=ppt/slideLayouts/slideLayout10.xml><?xml version="1.0" encoding="utf-8"?>
-<p:sldLayout xmlns:a="http://schemas.openxmlformats.org/drawingml/2006/main" xmlns:p="http://schemas.openxmlformats.org/presentationml/2006/main" xmlns:r="http://schemas.openxmlformats.org/officeDocument/2006/relationships" xmlns:p14="http://schemas.microsoft.com/office/powerpoint/2010/main" xmlns:p15="http://schemas.microsoft.com/office/powerpoint/2012/main" xmlns:mc="http://schemas.openxmlformats.org/markup-compatibility/2006" type="objOverTx" preserve="1">
+<p:sldLayout xmlns:a="http://schemas.openxmlformats.org/drawingml/2006/main" xmlns:r="http://schemas.openxmlformats.org/officeDocument/2006/relationships" xmlns:p="http://schemas.openxmlformats.org/presentationml/2006/main" type="objOverTx" preserve="1">
   <p:cSld name="Title, Content over Content">
     <p:spTree>
       <p:nvGrpSpPr>
@@ -640,14 +814,15 @@
           </a:ln>
         </p:spPr>
         <p:txBody>
-          <a:bodyPr lIns="0" rIns="0" tIns="0" bIns="0" anchor="ctr">
+          <a:bodyPr lIns="0" tIns="0" rIns="0" bIns="0" anchor="ctr">
             <a:noAutofit/>
           </a:bodyPr>
+          <a:lstStyle/>
           <a:p>
             <a:pPr indent="0">
               <a:buNone/>
             </a:pPr>
-            <a:endParaRPr b="0" lang="en-US" sz="3800" spc="-1" strike="noStrike">
+            <a:endParaRPr lang="en-US" sz="3800" b="0" strike="noStrike" spc="-1">
               <a:solidFill>
                 <a:srgbClr val="000000"/>
               </a:solidFill>
@@ -680,9 +855,10 @@
           </a:ln>
         </p:spPr>
         <p:txBody>
-          <a:bodyPr lIns="0" rIns="0" tIns="0" bIns="0" anchor="t">
+          <a:bodyPr lIns="0" tIns="0" rIns="0" bIns="0" anchor="t">
             <a:normAutofit/>
           </a:bodyPr>
+          <a:lstStyle/>
           <a:p>
             <a:pPr indent="0">
               <a:lnSpc>
@@ -693,7 +869,7 @@
               </a:spcBef>
               <a:buNone/>
             </a:pPr>
-            <a:endParaRPr b="0" lang="en-US" sz="2800" spc="-1" strike="noStrike">
+            <a:endParaRPr lang="en-US" sz="2800" b="0" strike="noStrike" spc="-1">
               <a:solidFill>
                 <a:srgbClr val="404040"/>
               </a:solidFill>
@@ -726,9 +902,10 @@
           </a:ln>
         </p:spPr>
         <p:txBody>
-          <a:bodyPr lIns="0" rIns="0" tIns="0" bIns="0" anchor="t">
+          <a:bodyPr lIns="0" tIns="0" rIns="0" bIns="0" anchor="t">
             <a:normAutofit/>
           </a:bodyPr>
+          <a:lstStyle/>
           <a:p>
             <a:pPr indent="0">
               <a:lnSpc>
@@ -739,7 +916,7 @@
               </a:spcBef>
               <a:buNone/>
             </a:pPr>
-            <a:endParaRPr b="0" lang="en-US" sz="2800" spc="-1" strike="noStrike">
+            <a:endParaRPr lang="en-US" sz="2800" b="0" strike="noStrike" spc="-1">
               <a:solidFill>
                 <a:srgbClr val="404040"/>
               </a:solidFill>
@@ -761,6 +938,7 @@
         <p:spPr/>
         <p:txBody>
           <a:bodyPr/>
+          <a:lstStyle/>
           <a:p>
             <a:r>
               <a:t>Footer</a:t>
@@ -781,20 +959,25 @@
         <p:spPr/>
         <p:txBody>
           <a:bodyPr/>
+          <a:lstStyle/>
           <a:p>
             <a:fld id="{75272A43-8B3B-40F2-AE9B-2B9A787A8BD7}" type="slidenum">
-              <a:t>&lt;#&gt;</a:t>
+              <a:t>‹#›</a:t>
             </a:fld>
+            <a:endParaRPr/>
           </a:p>
         </p:txBody>
       </p:sp>
     </p:spTree>
   </p:cSld>
+  <p:clrMapOvr>
+    <a:masterClrMapping/>
+  </p:clrMapOvr>
 </p:sldLayout>
 </file>
 
 <file path=ppt/slideLayouts/slideLayout11.xml><?xml version="1.0" encoding="utf-8"?>
-<p:sldLayout xmlns:a="http://schemas.openxmlformats.org/drawingml/2006/main" xmlns:p="http://schemas.openxmlformats.org/presentationml/2006/main" xmlns:r="http://schemas.openxmlformats.org/officeDocument/2006/relationships" xmlns:p14="http://schemas.microsoft.com/office/powerpoint/2010/main" xmlns:p15="http://schemas.microsoft.com/office/powerpoint/2012/main" xmlns:mc="http://schemas.openxmlformats.org/markup-compatibility/2006" type="fourObj" preserve="1">
+<p:sldLayout xmlns:a="http://schemas.openxmlformats.org/drawingml/2006/main" xmlns:r="http://schemas.openxmlformats.org/officeDocument/2006/relationships" xmlns:p="http://schemas.openxmlformats.org/presentationml/2006/main" type="fourObj" preserve="1">
   <p:cSld name="Title, 4 Content">
     <p:spTree>
       <p:nvGrpSpPr>
@@ -834,14 +1017,15 @@
           </a:ln>
         </p:spPr>
         <p:txBody>
-          <a:bodyPr lIns="0" rIns="0" tIns="0" bIns="0" anchor="ctr">
+          <a:bodyPr lIns="0" tIns="0" rIns="0" bIns="0" anchor="ctr">
             <a:noAutofit/>
           </a:bodyPr>
+          <a:lstStyle/>
           <a:p>
             <a:pPr indent="0">
               <a:buNone/>
             </a:pPr>
-            <a:endParaRPr b="0" lang="en-US" sz="3800" spc="-1" strike="noStrike">
+            <a:endParaRPr lang="en-US" sz="3800" b="0" strike="noStrike" spc="-1">
               <a:solidFill>
                 <a:srgbClr val="000000"/>
               </a:solidFill>
@@ -874,9 +1058,10 @@
           </a:ln>
         </p:spPr>
         <p:txBody>
-          <a:bodyPr lIns="0" rIns="0" tIns="0" bIns="0" anchor="t">
+          <a:bodyPr lIns="0" tIns="0" rIns="0" bIns="0" anchor="t">
             <a:normAutofit/>
           </a:bodyPr>
+          <a:lstStyle/>
           <a:p>
             <a:pPr indent="0">
               <a:lnSpc>
@@ -887,7 +1072,7 @@
               </a:spcBef>
               <a:buNone/>
             </a:pPr>
-            <a:endParaRPr b="0" lang="en-US" sz="2800" spc="-1" strike="noStrike">
+            <a:endParaRPr lang="en-US" sz="2800" b="0" strike="noStrike" spc="-1">
               <a:solidFill>
                 <a:srgbClr val="404040"/>
               </a:solidFill>
@@ -920,9 +1105,10 @@
           </a:ln>
         </p:spPr>
         <p:txBody>
-          <a:bodyPr lIns="0" rIns="0" tIns="0" bIns="0" anchor="t">
+          <a:bodyPr lIns="0" tIns="0" rIns="0" bIns="0" anchor="t">
             <a:normAutofit/>
           </a:bodyPr>
+          <a:lstStyle/>
           <a:p>
             <a:pPr indent="0">
               <a:lnSpc>
@@ -933,7 +1119,7 @@
               </a:spcBef>
               <a:buNone/>
             </a:pPr>
-            <a:endParaRPr b="0" lang="en-US" sz="2800" spc="-1" strike="noStrike">
+            <a:endParaRPr lang="en-US" sz="2800" b="0" strike="noStrike" spc="-1">
               <a:solidFill>
                 <a:srgbClr val="404040"/>
               </a:solidFill>
@@ -966,9 +1152,10 @@
           </a:ln>
         </p:spPr>
         <p:txBody>
-          <a:bodyPr lIns="0" rIns="0" tIns="0" bIns="0" anchor="t">
+          <a:bodyPr lIns="0" tIns="0" rIns="0" bIns="0" anchor="t">
             <a:normAutofit/>
           </a:bodyPr>
+          <a:lstStyle/>
           <a:p>
             <a:pPr indent="0">
               <a:lnSpc>
@@ -979,7 +1166,7 @@
               </a:spcBef>
               <a:buNone/>
             </a:pPr>
-            <a:endParaRPr b="0" lang="en-US" sz="2800" spc="-1" strike="noStrike">
+            <a:endParaRPr lang="en-US" sz="2800" b="0" strike="noStrike" spc="-1">
               <a:solidFill>
                 <a:srgbClr val="404040"/>
               </a:solidFill>
@@ -1012,9 +1199,10 @@
           </a:ln>
         </p:spPr>
         <p:txBody>
-          <a:bodyPr lIns="0" rIns="0" tIns="0" bIns="0" anchor="t">
+          <a:bodyPr lIns="0" tIns="0" rIns="0" bIns="0" anchor="t">
             <a:normAutofit/>
           </a:bodyPr>
+          <a:lstStyle/>
           <a:p>
             <a:pPr indent="0">
               <a:lnSpc>
@@ -1025,7 +1213,7 @@
               </a:spcBef>
               <a:buNone/>
             </a:pPr>
-            <a:endParaRPr b="0" lang="en-US" sz="2800" spc="-1" strike="noStrike">
+            <a:endParaRPr lang="en-US" sz="2800" b="0" strike="noStrike" spc="-1">
               <a:solidFill>
                 <a:srgbClr val="404040"/>
               </a:solidFill>
@@ -1047,6 +1235,7 @@
         <p:spPr/>
         <p:txBody>
           <a:bodyPr/>
+          <a:lstStyle/>
           <a:p>
             <a:r>
               <a:t>Footer</a:t>
@@ -1067,20 +1256,25 @@
         <p:spPr/>
         <p:txBody>
           <a:bodyPr/>
+          <a:lstStyle/>
           <a:p>
             <a:fld id="{6515A2AB-590E-4569-9A42-18E48EF13EED}" type="slidenum">
-              <a:t>&lt;#&gt;</a:t>
+              <a:t>‹#›</a:t>
             </a:fld>
+            <a:endParaRPr/>
           </a:p>
         </p:txBody>
       </p:sp>
     </p:spTree>
   </p:cSld>
+  <p:clrMapOvr>
+    <a:masterClrMapping/>
+  </p:clrMapOvr>
 </p:sldLayout>
 </file>
 
 <file path=ppt/slideLayouts/slideLayout12.xml><?xml version="1.0" encoding="utf-8"?>
-<p:sldLayout xmlns:a="http://schemas.openxmlformats.org/drawingml/2006/main" xmlns:p="http://schemas.openxmlformats.org/presentationml/2006/main" xmlns:r="http://schemas.openxmlformats.org/officeDocument/2006/relationships" xmlns:p14="http://schemas.microsoft.com/office/powerpoint/2010/main" xmlns:p15="http://schemas.microsoft.com/office/powerpoint/2012/main" xmlns:mc="http://schemas.openxmlformats.org/markup-compatibility/2006" type="blank" preserve="1">
+<p:sldLayout xmlns:a="http://schemas.openxmlformats.org/drawingml/2006/main" xmlns:r="http://schemas.openxmlformats.org/officeDocument/2006/relationships" xmlns:p="http://schemas.openxmlformats.org/presentationml/2006/main" type="blank" preserve="1">
   <p:cSld name="Title, 6 Content">
     <p:spTree>
       <p:nvGrpSpPr>
@@ -1120,14 +1314,15 @@
           </a:ln>
         </p:spPr>
         <p:txBody>
-          <a:bodyPr lIns="0" rIns="0" tIns="0" bIns="0" anchor="ctr">
+          <a:bodyPr lIns="0" tIns="0" rIns="0" bIns="0" anchor="ctr">
             <a:noAutofit/>
           </a:bodyPr>
+          <a:lstStyle/>
           <a:p>
             <a:pPr indent="0">
               <a:buNone/>
             </a:pPr>
-            <a:endParaRPr b="0" lang="en-US" sz="3800" spc="-1" strike="noStrike">
+            <a:endParaRPr lang="en-US" sz="3800" b="0" strike="noStrike" spc="-1">
               <a:solidFill>
                 <a:srgbClr val="000000"/>
               </a:solidFill>
@@ -1160,9 +1355,10 @@
           </a:ln>
         </p:spPr>
         <p:txBody>
-          <a:bodyPr lIns="0" rIns="0" tIns="0" bIns="0" anchor="t">
+          <a:bodyPr lIns="0" tIns="0" rIns="0" bIns="0" anchor="t">
             <a:normAutofit/>
           </a:bodyPr>
+          <a:lstStyle/>
           <a:p>
             <a:pPr indent="0">
               <a:lnSpc>
@@ -1173,7 +1369,7 @@
               </a:spcBef>
               <a:buNone/>
             </a:pPr>
-            <a:endParaRPr b="0" lang="en-US" sz="2800" spc="-1" strike="noStrike">
+            <a:endParaRPr lang="en-US" sz="2800" b="0" strike="noStrike" spc="-1">
               <a:solidFill>
                 <a:srgbClr val="404040"/>
               </a:solidFill>
@@ -1206,9 +1402,10 @@
           </a:ln>
         </p:spPr>
         <p:txBody>
-          <a:bodyPr lIns="0" rIns="0" tIns="0" bIns="0" anchor="t">
+          <a:bodyPr lIns="0" tIns="0" rIns="0" bIns="0" anchor="t">
             <a:normAutofit/>
           </a:bodyPr>
+          <a:lstStyle/>
           <a:p>
             <a:pPr indent="0">
               <a:lnSpc>
@@ -1219,7 +1416,7 @@
               </a:spcBef>
               <a:buNone/>
             </a:pPr>
-            <a:endParaRPr b="0" lang="en-US" sz="2800" spc="-1" strike="noStrike">
+            <a:endParaRPr lang="en-US" sz="2800" b="0" strike="noStrike" spc="-1">
               <a:solidFill>
                 <a:srgbClr val="404040"/>
               </a:solidFill>
@@ -1252,9 +1449,10 @@
           </a:ln>
         </p:spPr>
         <p:txBody>
-          <a:bodyPr lIns="0" rIns="0" tIns="0" bIns="0" anchor="t">
+          <a:bodyPr lIns="0" tIns="0" rIns="0" bIns="0" anchor="t">
             <a:normAutofit/>
           </a:bodyPr>
+          <a:lstStyle/>
           <a:p>
             <a:pPr indent="0">
               <a:lnSpc>
@@ -1265,7 +1463,7 @@
               </a:spcBef>
               <a:buNone/>
             </a:pPr>
-            <a:endParaRPr b="0" lang="en-US" sz="2800" spc="-1" strike="noStrike">
+            <a:endParaRPr lang="en-US" sz="2800" b="0" strike="noStrike" spc="-1">
               <a:solidFill>
                 <a:srgbClr val="404040"/>
               </a:solidFill>
@@ -1298,9 +1496,10 @@
           </a:ln>
         </p:spPr>
         <p:txBody>
-          <a:bodyPr lIns="0" rIns="0" tIns="0" bIns="0" anchor="t">
+          <a:bodyPr lIns="0" tIns="0" rIns="0" bIns="0" anchor="t">
             <a:normAutofit/>
           </a:bodyPr>
+          <a:lstStyle/>
           <a:p>
             <a:pPr indent="0">
               <a:lnSpc>
@@ -1311,7 +1510,7 @@
               </a:spcBef>
               <a:buNone/>
             </a:pPr>
-            <a:endParaRPr b="0" lang="en-US" sz="2800" spc="-1" strike="noStrike">
+            <a:endParaRPr lang="en-US" sz="2800" b="0" strike="noStrike" spc="-1">
               <a:solidFill>
                 <a:srgbClr val="404040"/>
               </a:solidFill>
@@ -1344,9 +1543,10 @@
           </a:ln>
         </p:spPr>
         <p:txBody>
-          <a:bodyPr lIns="0" rIns="0" tIns="0" bIns="0" anchor="t">
+          <a:bodyPr lIns="0" tIns="0" rIns="0" bIns="0" anchor="t">
             <a:normAutofit/>
           </a:bodyPr>
+          <a:lstStyle/>
           <a:p>
             <a:pPr indent="0">
               <a:lnSpc>
@@ -1357,7 +1557,7 @@
               </a:spcBef>
               <a:buNone/>
             </a:pPr>
-            <a:endParaRPr b="0" lang="en-US" sz="2800" spc="-1" strike="noStrike">
+            <a:endParaRPr lang="en-US" sz="2800" b="0" strike="noStrike" spc="-1">
               <a:solidFill>
                 <a:srgbClr val="404040"/>
               </a:solidFill>
@@ -1390,9 +1590,10 @@
           </a:ln>
         </p:spPr>
         <p:txBody>
-          <a:bodyPr lIns="0" rIns="0" tIns="0" bIns="0" anchor="t">
+          <a:bodyPr lIns="0" tIns="0" rIns="0" bIns="0" anchor="t">
             <a:normAutofit/>
           </a:bodyPr>
+          <a:lstStyle/>
           <a:p>
             <a:pPr indent="0">
               <a:lnSpc>
@@ -1403,7 +1604,7 @@
               </a:spcBef>
               <a:buNone/>
             </a:pPr>
-            <a:endParaRPr b="0" lang="en-US" sz="2800" spc="-1" strike="noStrike">
+            <a:endParaRPr lang="en-US" sz="2800" b="0" strike="noStrike" spc="-1">
               <a:solidFill>
                 <a:srgbClr val="404040"/>
               </a:solidFill>
@@ -1425,6 +1626,7 @@
         <p:spPr/>
         <p:txBody>
           <a:bodyPr/>
+          <a:lstStyle/>
           <a:p>
             <a:r>
               <a:t>Footer</a:t>
@@ -1445,20 +1647,25 @@
         <p:spPr/>
         <p:txBody>
           <a:bodyPr/>
+          <a:lstStyle/>
           <a:p>
             <a:fld id="{2925DF1E-48ED-4116-B7A9-59B595972F52}" type="slidenum">
-              <a:t>&lt;#&gt;</a:t>
+              <a:t>‹#›</a:t>
             </a:fld>
+            <a:endParaRPr/>
           </a:p>
         </p:txBody>
       </p:sp>
     </p:spTree>
   </p:cSld>
+  <p:clrMapOvr>
+    <a:masterClrMapping/>
+  </p:clrMapOvr>
 </p:sldLayout>
 </file>
 
 <file path=ppt/slideLayouts/slideLayout13.xml><?xml version="1.0" encoding="utf-8"?>
-<p:sldLayout xmlns:a="http://schemas.openxmlformats.org/drawingml/2006/main" xmlns:p="http://schemas.openxmlformats.org/presentationml/2006/main" xmlns:r="http://schemas.openxmlformats.org/officeDocument/2006/relationships" xmlns:p14="http://schemas.microsoft.com/office/powerpoint/2010/main" xmlns:p15="http://schemas.microsoft.com/office/powerpoint/2012/main" xmlns:mc="http://schemas.openxmlformats.org/markup-compatibility/2006" type="blank" preserve="1">
+<p:sldLayout xmlns:a="http://schemas.openxmlformats.org/drawingml/2006/main" xmlns:r="http://schemas.openxmlformats.org/officeDocument/2006/relationships" xmlns:p="http://schemas.openxmlformats.org/presentationml/2006/main" type="blank" preserve="1">
   <p:cSld name="Blank Slide">
     <p:spTree>
       <p:nvGrpSpPr>
@@ -1487,6 +1694,7 @@
         <p:spPr/>
         <p:txBody>
           <a:bodyPr/>
+          <a:lstStyle/>
           <a:p>
             <a:r>
               <a:t>Footer</a:t>
@@ -1507,20 +1715,25 @@
         <p:spPr/>
         <p:txBody>
           <a:bodyPr/>
+          <a:lstStyle/>
           <a:p>
             <a:fld id="{CAAAD8B5-279F-4B89-81EC-8EF6003310BA}" type="slidenum">
-              <a:t>&lt;#&gt;</a:t>
+              <a:t>‹#›</a:t>
             </a:fld>
+            <a:endParaRPr/>
           </a:p>
         </p:txBody>
       </p:sp>
     </p:spTree>
   </p:cSld>
+  <p:clrMapOvr>
+    <a:masterClrMapping/>
+  </p:clrMapOvr>
 </p:sldLayout>
 </file>
 
 <file path=ppt/slideLayouts/slideLayout14.xml><?xml version="1.0" encoding="utf-8"?>
-<p:sldLayout xmlns:a="http://schemas.openxmlformats.org/drawingml/2006/main" xmlns:p="http://schemas.openxmlformats.org/presentationml/2006/main" xmlns:r="http://schemas.openxmlformats.org/officeDocument/2006/relationships" xmlns:p14="http://schemas.microsoft.com/office/powerpoint/2010/main" xmlns:p15="http://schemas.microsoft.com/office/powerpoint/2012/main" xmlns:mc="http://schemas.openxmlformats.org/markup-compatibility/2006" type="tx" preserve="1">
+<p:sldLayout xmlns:a="http://schemas.openxmlformats.org/drawingml/2006/main" xmlns:r="http://schemas.openxmlformats.org/officeDocument/2006/relationships" xmlns:p="http://schemas.openxmlformats.org/presentationml/2006/main" type="tx" preserve="1">
   <p:cSld name="Title Slide">
     <p:spTree>
       <p:nvGrpSpPr>
@@ -1560,14 +1773,15 @@
           </a:ln>
         </p:spPr>
         <p:txBody>
-          <a:bodyPr lIns="0" rIns="0" tIns="0" bIns="0" anchor="ctr">
+          <a:bodyPr lIns="0" tIns="0" rIns="0" bIns="0" anchor="ctr">
             <a:noAutofit/>
           </a:bodyPr>
+          <a:lstStyle/>
           <a:p>
             <a:pPr indent="0">
               <a:buNone/>
             </a:pPr>
-            <a:endParaRPr b="0" lang="en-US" sz="3800" spc="-1" strike="noStrike">
+            <a:endParaRPr lang="en-US" sz="3800" b="0" strike="noStrike" spc="-1">
               <a:solidFill>
                 <a:srgbClr val="000000"/>
               </a:solidFill>
@@ -1600,14 +1814,15 @@
           </a:ln>
         </p:spPr>
         <p:txBody>
-          <a:bodyPr lIns="0" rIns="0" tIns="0" bIns="0" anchor="ctr">
+          <a:bodyPr lIns="0" tIns="0" rIns="0" bIns="0" anchor="ctr">
             <a:noAutofit/>
           </a:bodyPr>
+          <a:lstStyle/>
           <a:p>
             <a:pPr indent="0" algn="ctr">
               <a:buNone/>
             </a:pPr>
-            <a:endParaRPr b="0" lang="en-US" sz="3200" spc="-1" strike="noStrike">
+            <a:endParaRPr lang="en-US" sz="3200" b="0" strike="noStrike" spc="-1">
               <a:solidFill>
                 <a:srgbClr val="000000"/>
               </a:solidFill>
@@ -1629,6 +1844,7 @@
         <p:spPr/>
         <p:txBody>
           <a:bodyPr/>
+          <a:lstStyle/>
           <a:p>
             <a:r>
               <a:t>Footer</a:t>
@@ -1649,20 +1865,25 @@
         <p:spPr/>
         <p:txBody>
           <a:bodyPr/>
+          <a:lstStyle/>
           <a:p>
             <a:fld id="{CBE0E33F-34C5-422B-9385-127197AAB9B7}" type="slidenum">
-              <a:t>&lt;#&gt;</a:t>
+              <a:t>‹#›</a:t>
             </a:fld>
+            <a:endParaRPr/>
           </a:p>
         </p:txBody>
       </p:sp>
     </p:spTree>
   </p:cSld>
+  <p:clrMapOvr>
+    <a:masterClrMapping/>
+  </p:clrMapOvr>
 </p:sldLayout>
 </file>
 
 <file path=ppt/slideLayouts/slideLayout15.xml><?xml version="1.0" encoding="utf-8"?>
-<p:sldLayout xmlns:a="http://schemas.openxmlformats.org/drawingml/2006/main" xmlns:p="http://schemas.openxmlformats.org/presentationml/2006/main" xmlns:r="http://schemas.openxmlformats.org/officeDocument/2006/relationships" xmlns:p14="http://schemas.microsoft.com/office/powerpoint/2010/main" xmlns:p15="http://schemas.microsoft.com/office/powerpoint/2012/main" xmlns:mc="http://schemas.openxmlformats.org/markup-compatibility/2006" type="obj" preserve="1">
+<p:sldLayout xmlns:a="http://schemas.openxmlformats.org/drawingml/2006/main" xmlns:r="http://schemas.openxmlformats.org/officeDocument/2006/relationships" xmlns:p="http://schemas.openxmlformats.org/presentationml/2006/main" type="obj" preserve="1">
   <p:cSld name="Title, Content">
     <p:spTree>
       <p:nvGrpSpPr>
@@ -1702,14 +1923,15 @@
           </a:ln>
         </p:spPr>
         <p:txBody>
-          <a:bodyPr lIns="0" rIns="0" tIns="0" bIns="0" anchor="ctr">
+          <a:bodyPr lIns="0" tIns="0" rIns="0" bIns="0" anchor="ctr">
             <a:noAutofit/>
           </a:bodyPr>
+          <a:lstStyle/>
           <a:p>
             <a:pPr indent="0">
               <a:buNone/>
             </a:pPr>
-            <a:endParaRPr b="0" lang="en-US" sz="3800" spc="-1" strike="noStrike">
+            <a:endParaRPr lang="en-US" sz="3800" b="0" strike="noStrike" spc="-1">
               <a:solidFill>
                 <a:srgbClr val="000000"/>
               </a:solidFill>
@@ -1742,9 +1964,10 @@
           </a:ln>
         </p:spPr>
         <p:txBody>
-          <a:bodyPr lIns="0" rIns="0" tIns="0" bIns="0" anchor="t">
+          <a:bodyPr lIns="0" tIns="0" rIns="0" bIns="0" anchor="t">
             <a:normAutofit/>
           </a:bodyPr>
+          <a:lstStyle/>
           <a:p>
             <a:pPr indent="0">
               <a:lnSpc>
@@ -1755,7 +1978,7 @@
               </a:spcBef>
               <a:buNone/>
             </a:pPr>
-            <a:endParaRPr b="0" lang="en-US" sz="2800" spc="-1" strike="noStrike">
+            <a:endParaRPr lang="en-US" sz="2800" b="0" strike="noStrike" spc="-1">
               <a:solidFill>
                 <a:srgbClr val="404040"/>
               </a:solidFill>
@@ -1777,6 +2000,7 @@
         <p:spPr/>
         <p:txBody>
           <a:bodyPr/>
+          <a:lstStyle/>
           <a:p>
             <a:r>
               <a:t>Footer</a:t>
@@ -1797,20 +2021,25 @@
         <p:spPr/>
         <p:txBody>
           <a:bodyPr/>
+          <a:lstStyle/>
           <a:p>
             <a:fld id="{C18BE481-FCC8-44BF-B520-C53F45461345}" type="slidenum">
-              <a:t>&lt;#&gt;</a:t>
+              <a:t>‹#›</a:t>
             </a:fld>
+            <a:endParaRPr/>
           </a:p>
         </p:txBody>
       </p:sp>
     </p:spTree>
   </p:cSld>
+  <p:clrMapOvr>
+    <a:masterClrMapping/>
+  </p:clrMapOvr>
 </p:sldLayout>
 </file>
 
 <file path=ppt/slideLayouts/slideLayout16.xml><?xml version="1.0" encoding="utf-8"?>
-<p:sldLayout xmlns:a="http://schemas.openxmlformats.org/drawingml/2006/main" xmlns:p="http://schemas.openxmlformats.org/presentationml/2006/main" xmlns:r="http://schemas.openxmlformats.org/officeDocument/2006/relationships" xmlns:p14="http://schemas.microsoft.com/office/powerpoint/2010/main" xmlns:p15="http://schemas.microsoft.com/office/powerpoint/2012/main" xmlns:mc="http://schemas.openxmlformats.org/markup-compatibility/2006" type="twoObj" preserve="1">
+<p:sldLayout xmlns:a="http://schemas.openxmlformats.org/drawingml/2006/main" xmlns:r="http://schemas.openxmlformats.org/officeDocument/2006/relationships" xmlns:p="http://schemas.openxmlformats.org/presentationml/2006/main" type="twoObj" preserve="1">
   <p:cSld name="Title, 2 Content">
     <p:spTree>
       <p:nvGrpSpPr>
@@ -1850,14 +2079,15 @@
           </a:ln>
         </p:spPr>
         <p:txBody>
-          <a:bodyPr lIns="0" rIns="0" tIns="0" bIns="0" anchor="ctr">
+          <a:bodyPr lIns="0" tIns="0" rIns="0" bIns="0" anchor="ctr">
             <a:noAutofit/>
           </a:bodyPr>
+          <a:lstStyle/>
           <a:p>
             <a:pPr indent="0">
               <a:buNone/>
             </a:pPr>
-            <a:endParaRPr b="0" lang="en-US" sz="3800" spc="-1" strike="noStrike">
+            <a:endParaRPr lang="en-US" sz="3800" b="0" strike="noStrike" spc="-1">
               <a:solidFill>
                 <a:srgbClr val="000000"/>
               </a:solidFill>
@@ -1890,9 +2120,10 @@
           </a:ln>
         </p:spPr>
         <p:txBody>
-          <a:bodyPr lIns="0" rIns="0" tIns="0" bIns="0" anchor="t">
+          <a:bodyPr lIns="0" tIns="0" rIns="0" bIns="0" anchor="t">
             <a:normAutofit/>
           </a:bodyPr>
+          <a:lstStyle/>
           <a:p>
             <a:pPr indent="0">
               <a:lnSpc>
@@ -1903,7 +2134,7 @@
               </a:spcBef>
               <a:buNone/>
             </a:pPr>
-            <a:endParaRPr b="0" lang="en-US" sz="2800" spc="-1" strike="noStrike">
+            <a:endParaRPr lang="en-US" sz="2800" b="0" strike="noStrike" spc="-1">
               <a:solidFill>
                 <a:srgbClr val="404040"/>
               </a:solidFill>
@@ -1936,9 +2167,10 @@
           </a:ln>
         </p:spPr>
         <p:txBody>
-          <a:bodyPr lIns="0" rIns="0" tIns="0" bIns="0" anchor="t">
+          <a:bodyPr lIns="0" tIns="0" rIns="0" bIns="0" anchor="t">
             <a:normAutofit/>
           </a:bodyPr>
+          <a:lstStyle/>
           <a:p>
             <a:pPr indent="0">
               <a:lnSpc>
@@ -1949,7 +2181,7 @@
               </a:spcBef>
               <a:buNone/>
             </a:pPr>
-            <a:endParaRPr b="0" lang="en-US" sz="2800" spc="-1" strike="noStrike">
+            <a:endParaRPr lang="en-US" sz="2800" b="0" strike="noStrike" spc="-1">
               <a:solidFill>
                 <a:srgbClr val="404040"/>
               </a:solidFill>
@@ -1971,6 +2203,7 @@
         <p:spPr/>
         <p:txBody>
           <a:bodyPr/>
+          <a:lstStyle/>
           <a:p>
             <a:r>
               <a:t>Footer</a:t>
@@ -1991,20 +2224,25 @@
         <p:spPr/>
         <p:txBody>
           <a:bodyPr/>
+          <a:lstStyle/>
           <a:p>
             <a:fld id="{722703C1-D453-4AB3-BA19-59EB765C9D80}" type="slidenum">
-              <a:t>&lt;#&gt;</a:t>
+              <a:t>‹#›</a:t>
             </a:fld>
+            <a:endParaRPr/>
           </a:p>
         </p:txBody>
       </p:sp>
     </p:spTree>
   </p:cSld>
+  <p:clrMapOvr>
+    <a:masterClrMapping/>
+  </p:clrMapOvr>
 </p:sldLayout>
 </file>
 
 <file path=ppt/slideLayouts/slideLayout17.xml><?xml version="1.0" encoding="utf-8"?>
-<p:sldLayout xmlns:a="http://schemas.openxmlformats.org/drawingml/2006/main" xmlns:p="http://schemas.openxmlformats.org/presentationml/2006/main" xmlns:r="http://schemas.openxmlformats.org/officeDocument/2006/relationships" xmlns:p14="http://schemas.microsoft.com/office/powerpoint/2010/main" xmlns:p15="http://schemas.microsoft.com/office/powerpoint/2012/main" xmlns:mc="http://schemas.openxmlformats.org/markup-compatibility/2006" type="titleOnly" preserve="1">
+<p:sldLayout xmlns:a="http://schemas.openxmlformats.org/drawingml/2006/main" xmlns:r="http://schemas.openxmlformats.org/officeDocument/2006/relationships" xmlns:p="http://schemas.openxmlformats.org/presentationml/2006/main" type="titleOnly" preserve="1">
   <p:cSld name="Title Only">
     <p:spTree>
       <p:nvGrpSpPr>
@@ -2044,14 +2282,15 @@
           </a:ln>
         </p:spPr>
         <p:txBody>
-          <a:bodyPr lIns="0" rIns="0" tIns="0" bIns="0" anchor="ctr">
+          <a:bodyPr lIns="0" tIns="0" rIns="0" bIns="0" anchor="ctr">
             <a:noAutofit/>
           </a:bodyPr>
+          <a:lstStyle/>
           <a:p>
             <a:pPr indent="0">
               <a:buNone/>
             </a:pPr>
-            <a:endParaRPr b="0" lang="en-US" sz="3800" spc="-1" strike="noStrike">
+            <a:endParaRPr lang="en-US" sz="3800" b="0" strike="noStrike" spc="-1">
               <a:solidFill>
                 <a:srgbClr val="000000"/>
               </a:solidFill>
@@ -2073,6 +2312,7 @@
         <p:spPr/>
         <p:txBody>
           <a:bodyPr/>
+          <a:lstStyle/>
           <a:p>
             <a:r>
               <a:t>Footer</a:t>
@@ -2093,20 +2333,25 @@
         <p:spPr/>
         <p:txBody>
           <a:bodyPr/>
+          <a:lstStyle/>
           <a:p>
             <a:fld id="{AA60E4DC-31E8-46D0-BABD-7526B004DE66}" type="slidenum">
-              <a:t>&lt;#&gt;</a:t>
+              <a:t>‹#›</a:t>
             </a:fld>
+            <a:endParaRPr/>
           </a:p>
         </p:txBody>
       </p:sp>
     </p:spTree>
   </p:cSld>
+  <p:clrMapOvr>
+    <a:masterClrMapping/>
+  </p:clrMapOvr>
 </p:sldLayout>
 </file>
 
 <file path=ppt/slideLayouts/slideLayout18.xml><?xml version="1.0" encoding="utf-8"?>
-<p:sldLayout xmlns:a="http://schemas.openxmlformats.org/drawingml/2006/main" xmlns:p="http://schemas.openxmlformats.org/presentationml/2006/main" xmlns:r="http://schemas.openxmlformats.org/officeDocument/2006/relationships" xmlns:p14="http://schemas.microsoft.com/office/powerpoint/2010/main" xmlns:p15="http://schemas.microsoft.com/office/powerpoint/2012/main" xmlns:mc="http://schemas.openxmlformats.org/markup-compatibility/2006" type="objOnly" preserve="1">
+<p:sldLayout xmlns:a="http://schemas.openxmlformats.org/drawingml/2006/main" xmlns:r="http://schemas.openxmlformats.org/officeDocument/2006/relationships" xmlns:p="http://schemas.openxmlformats.org/presentationml/2006/main" type="objOnly" preserve="1">
   <p:cSld name="Centered Text">
     <p:spTree>
       <p:nvGrpSpPr>
@@ -2146,12 +2391,13 @@
           </a:ln>
         </p:spPr>
         <p:txBody>
-          <a:bodyPr lIns="0" rIns="0" tIns="0" bIns="0" anchor="ctr">
+          <a:bodyPr lIns="0" tIns="0" rIns="0" bIns="0" anchor="ctr">
             <a:noAutofit/>
           </a:bodyPr>
+          <a:lstStyle/>
           <a:p>
             <a:pPr algn="ctr"/>
-            <a:endParaRPr b="0" lang="en-US" sz="3200" spc="-1" strike="noStrike">
+            <a:endParaRPr lang="en-US" sz="3200" b="0" strike="noStrike" spc="-1">
               <a:solidFill>
                 <a:srgbClr val="000000"/>
               </a:solidFill>
@@ -2173,6 +2419,7 @@
         <p:spPr/>
         <p:txBody>
           <a:bodyPr/>
+          <a:lstStyle/>
           <a:p>
             <a:r>
               <a:t>Footer</a:t>
@@ -2193,20 +2440,25 @@
         <p:spPr/>
         <p:txBody>
           <a:bodyPr/>
+          <a:lstStyle/>
           <a:p>
             <a:fld id="{412DE55D-1B5E-46A6-B66C-CAA9107A2E0B}" type="slidenum">
-              <a:t>&lt;#&gt;</a:t>
+              <a:t>‹#›</a:t>
             </a:fld>
+            <a:endParaRPr/>
           </a:p>
         </p:txBody>
       </p:sp>
     </p:spTree>
   </p:cSld>
+  <p:clrMapOvr>
+    <a:masterClrMapping/>
+  </p:clrMapOvr>
 </p:sldLayout>
 </file>
 
 <file path=ppt/slideLayouts/slideLayout19.xml><?xml version="1.0" encoding="utf-8"?>
-<p:sldLayout xmlns:a="http://schemas.openxmlformats.org/drawingml/2006/main" xmlns:p="http://schemas.openxmlformats.org/presentationml/2006/main" xmlns:r="http://schemas.openxmlformats.org/officeDocument/2006/relationships" xmlns:p14="http://schemas.microsoft.com/office/powerpoint/2010/main" xmlns:p15="http://schemas.microsoft.com/office/powerpoint/2012/main" xmlns:mc="http://schemas.openxmlformats.org/markup-compatibility/2006" type="twoObjAndObj" preserve="1">
+<p:sldLayout xmlns:a="http://schemas.openxmlformats.org/drawingml/2006/main" xmlns:r="http://schemas.openxmlformats.org/officeDocument/2006/relationships" xmlns:p="http://schemas.openxmlformats.org/presentationml/2006/main" type="twoObjAndObj" preserve="1">
   <p:cSld name="Title, 2 Content and Content">
     <p:spTree>
       <p:nvGrpSpPr>
@@ -2246,14 +2498,15 @@
           </a:ln>
         </p:spPr>
         <p:txBody>
-          <a:bodyPr lIns="0" rIns="0" tIns="0" bIns="0" anchor="ctr">
+          <a:bodyPr lIns="0" tIns="0" rIns="0" bIns="0" anchor="ctr">
             <a:noAutofit/>
           </a:bodyPr>
+          <a:lstStyle/>
           <a:p>
             <a:pPr indent="0">
               <a:buNone/>
             </a:pPr>
-            <a:endParaRPr b="0" lang="en-US" sz="3800" spc="-1" strike="noStrike">
+            <a:endParaRPr lang="en-US" sz="3800" b="0" strike="noStrike" spc="-1">
               <a:solidFill>
                 <a:srgbClr val="000000"/>
               </a:solidFill>
@@ -2286,9 +2539,10 @@
           </a:ln>
         </p:spPr>
         <p:txBody>
-          <a:bodyPr lIns="0" rIns="0" tIns="0" bIns="0" anchor="t">
+          <a:bodyPr lIns="0" tIns="0" rIns="0" bIns="0" anchor="t">
             <a:normAutofit/>
           </a:bodyPr>
+          <a:lstStyle/>
           <a:p>
             <a:pPr indent="0">
               <a:lnSpc>
@@ -2299,7 +2553,7 @@
               </a:spcBef>
               <a:buNone/>
             </a:pPr>
-            <a:endParaRPr b="0" lang="en-US" sz="2800" spc="-1" strike="noStrike">
+            <a:endParaRPr lang="en-US" sz="2800" b="0" strike="noStrike" spc="-1">
               <a:solidFill>
                 <a:srgbClr val="404040"/>
               </a:solidFill>
@@ -2332,9 +2586,10 @@
           </a:ln>
         </p:spPr>
         <p:txBody>
-          <a:bodyPr lIns="0" rIns="0" tIns="0" bIns="0" anchor="t">
+          <a:bodyPr lIns="0" tIns="0" rIns="0" bIns="0" anchor="t">
             <a:normAutofit/>
           </a:bodyPr>
+          <a:lstStyle/>
           <a:p>
             <a:pPr indent="0">
               <a:lnSpc>
@@ -2345,7 +2600,7 @@
               </a:spcBef>
               <a:buNone/>
             </a:pPr>
-            <a:endParaRPr b="0" lang="en-US" sz="2800" spc="-1" strike="noStrike">
+            <a:endParaRPr lang="en-US" sz="2800" b="0" strike="noStrike" spc="-1">
               <a:solidFill>
                 <a:srgbClr val="404040"/>
               </a:solidFill>
@@ -2378,9 +2633,10 @@
           </a:ln>
         </p:spPr>
         <p:txBody>
-          <a:bodyPr lIns="0" rIns="0" tIns="0" bIns="0" anchor="t">
+          <a:bodyPr lIns="0" tIns="0" rIns="0" bIns="0" anchor="t">
             <a:normAutofit/>
           </a:bodyPr>
+          <a:lstStyle/>
           <a:p>
             <a:pPr indent="0">
               <a:lnSpc>
@@ -2391,7 +2647,7 @@
               </a:spcBef>
               <a:buNone/>
             </a:pPr>
-            <a:endParaRPr b="0" lang="en-US" sz="2800" spc="-1" strike="noStrike">
+            <a:endParaRPr lang="en-US" sz="2800" b="0" strike="noStrike" spc="-1">
               <a:solidFill>
                 <a:srgbClr val="404040"/>
               </a:solidFill>
@@ -2413,6 +2669,7 @@
         <p:spPr/>
         <p:txBody>
           <a:bodyPr/>
+          <a:lstStyle/>
           <a:p>
             <a:r>
               <a:t>Footer</a:t>
@@ -2433,20 +2690,25 @@
         <p:spPr/>
         <p:txBody>
           <a:bodyPr/>
+          <a:lstStyle/>
           <a:p>
             <a:fld id="{FD52AAD9-EAD9-4EBA-B516-C32B39C7856B}" type="slidenum">
-              <a:t>&lt;#&gt;</a:t>
+              <a:t>‹#›</a:t>
             </a:fld>
+            <a:endParaRPr/>
           </a:p>
         </p:txBody>
       </p:sp>
     </p:spTree>
   </p:cSld>
+  <p:clrMapOvr>
+    <a:masterClrMapping/>
+  </p:clrMapOvr>
 </p:sldLayout>
 </file>
 
 <file path=ppt/slideLayouts/slideLayout2.xml><?xml version="1.0" encoding="utf-8"?>
-<p:sldLayout xmlns:a="http://schemas.openxmlformats.org/drawingml/2006/main" xmlns:p="http://schemas.openxmlformats.org/presentationml/2006/main" xmlns:r="http://schemas.openxmlformats.org/officeDocument/2006/relationships" xmlns:p14="http://schemas.microsoft.com/office/powerpoint/2010/main" xmlns:p15="http://schemas.microsoft.com/office/powerpoint/2012/main" xmlns:mc="http://schemas.openxmlformats.org/markup-compatibility/2006" type="tx" preserve="1">
+<p:sldLayout xmlns:a="http://schemas.openxmlformats.org/drawingml/2006/main" xmlns:r="http://schemas.openxmlformats.org/officeDocument/2006/relationships" xmlns:p="http://schemas.openxmlformats.org/presentationml/2006/main" type="tx" preserve="1">
   <p:cSld name="Title Slide">
     <p:spTree>
       <p:nvGrpSpPr>
@@ -2486,14 +2748,15 @@
           </a:ln>
         </p:spPr>
         <p:txBody>
-          <a:bodyPr lIns="0" rIns="0" tIns="0" bIns="0" anchor="ctr">
+          <a:bodyPr lIns="0" tIns="0" rIns="0" bIns="0" anchor="ctr">
             <a:noAutofit/>
           </a:bodyPr>
+          <a:lstStyle/>
           <a:p>
             <a:pPr indent="0">
               <a:buNone/>
             </a:pPr>
-            <a:endParaRPr b="0" lang="en-US" sz="3800" spc="-1" strike="noStrike">
+            <a:endParaRPr lang="en-US" sz="3800" b="0" strike="noStrike" spc="-1">
               <a:solidFill>
                 <a:srgbClr val="000000"/>
               </a:solidFill>
@@ -2526,14 +2789,15 @@
           </a:ln>
         </p:spPr>
         <p:txBody>
-          <a:bodyPr lIns="0" rIns="0" tIns="0" bIns="0" anchor="ctr">
+          <a:bodyPr lIns="0" tIns="0" rIns="0" bIns="0" anchor="ctr">
             <a:noAutofit/>
           </a:bodyPr>
+          <a:lstStyle/>
           <a:p>
             <a:pPr indent="0" algn="ctr">
               <a:buNone/>
             </a:pPr>
-            <a:endParaRPr b="0" lang="en-US" sz="3200" spc="-1" strike="noStrike">
+            <a:endParaRPr lang="en-US" sz="3200" b="0" strike="noStrike" spc="-1">
               <a:solidFill>
                 <a:srgbClr val="000000"/>
               </a:solidFill>
@@ -2555,6 +2819,7 @@
         <p:spPr/>
         <p:txBody>
           <a:bodyPr/>
+          <a:lstStyle/>
           <a:p>
             <a:r>
               <a:t>Footer</a:t>
@@ -2564,7 +2829,7 @@
       </p:sp>
       <p:sp>
         <p:nvSpPr>
-          <p:cNvPr id="5" name="PlaceHolder 4"/>
+          <p:cNvPr id="2" name="PlaceHolder 4"/>
           <p:cNvSpPr>
             <a:spLocks noGrp="1"/>
           </p:cNvSpPr>
@@ -2575,20 +2840,25 @@
         <p:spPr/>
         <p:txBody>
           <a:bodyPr/>
+          <a:lstStyle/>
           <a:p>
             <a:fld id="{2F97C0A5-D764-4816-850E-7D6F02101080}" type="slidenum">
-              <a:t>&lt;#&gt;</a:t>
+              <a:t>‹#›</a:t>
             </a:fld>
+            <a:endParaRPr/>
           </a:p>
         </p:txBody>
       </p:sp>
     </p:spTree>
   </p:cSld>
+  <p:clrMapOvr>
+    <a:masterClrMapping/>
+  </p:clrMapOvr>
 </p:sldLayout>
 </file>
 
 <file path=ppt/slideLayouts/slideLayout20.xml><?xml version="1.0" encoding="utf-8"?>
-<p:sldLayout xmlns:a="http://schemas.openxmlformats.org/drawingml/2006/main" xmlns:p="http://schemas.openxmlformats.org/presentationml/2006/main" xmlns:r="http://schemas.openxmlformats.org/officeDocument/2006/relationships" xmlns:p14="http://schemas.microsoft.com/office/powerpoint/2010/main" xmlns:p15="http://schemas.microsoft.com/office/powerpoint/2012/main" xmlns:mc="http://schemas.openxmlformats.org/markup-compatibility/2006" type="objAndTwoObj" preserve="1">
+<p:sldLayout xmlns:a="http://schemas.openxmlformats.org/drawingml/2006/main" xmlns:r="http://schemas.openxmlformats.org/officeDocument/2006/relationships" xmlns:p="http://schemas.openxmlformats.org/presentationml/2006/main" type="objAndTwoObj" preserve="1">
   <p:cSld name="Title Content and 2 Content">
     <p:spTree>
       <p:nvGrpSpPr>
@@ -2628,14 +2898,15 @@
           </a:ln>
         </p:spPr>
         <p:txBody>
-          <a:bodyPr lIns="0" rIns="0" tIns="0" bIns="0" anchor="ctr">
+          <a:bodyPr lIns="0" tIns="0" rIns="0" bIns="0" anchor="ctr">
             <a:noAutofit/>
           </a:bodyPr>
+          <a:lstStyle/>
           <a:p>
             <a:pPr indent="0">
               <a:buNone/>
             </a:pPr>
-            <a:endParaRPr b="0" lang="en-US" sz="3800" spc="-1" strike="noStrike">
+            <a:endParaRPr lang="en-US" sz="3800" b="0" strike="noStrike" spc="-1">
               <a:solidFill>
                 <a:srgbClr val="000000"/>
               </a:solidFill>
@@ -2668,9 +2939,10 @@
           </a:ln>
         </p:spPr>
         <p:txBody>
-          <a:bodyPr lIns="0" rIns="0" tIns="0" bIns="0" anchor="t">
+          <a:bodyPr lIns="0" tIns="0" rIns="0" bIns="0" anchor="t">
             <a:normAutofit/>
           </a:bodyPr>
+          <a:lstStyle/>
           <a:p>
             <a:pPr indent="0">
               <a:lnSpc>
@@ -2681,7 +2953,7 @@
               </a:spcBef>
               <a:buNone/>
             </a:pPr>
-            <a:endParaRPr b="0" lang="en-US" sz="2800" spc="-1" strike="noStrike">
+            <a:endParaRPr lang="en-US" sz="2800" b="0" strike="noStrike" spc="-1">
               <a:solidFill>
                 <a:srgbClr val="404040"/>
               </a:solidFill>
@@ -2714,9 +2986,10 @@
           </a:ln>
         </p:spPr>
         <p:txBody>
-          <a:bodyPr lIns="0" rIns="0" tIns="0" bIns="0" anchor="t">
+          <a:bodyPr lIns="0" tIns="0" rIns="0" bIns="0" anchor="t">
             <a:normAutofit/>
           </a:bodyPr>
+          <a:lstStyle/>
           <a:p>
             <a:pPr indent="0">
               <a:lnSpc>
@@ -2727,7 +3000,7 @@
               </a:spcBef>
               <a:buNone/>
             </a:pPr>
-            <a:endParaRPr b="0" lang="en-US" sz="2800" spc="-1" strike="noStrike">
+            <a:endParaRPr lang="en-US" sz="2800" b="0" strike="noStrike" spc="-1">
               <a:solidFill>
                 <a:srgbClr val="404040"/>
               </a:solidFill>
@@ -2760,9 +3033,10 @@
           </a:ln>
         </p:spPr>
         <p:txBody>
-          <a:bodyPr lIns="0" rIns="0" tIns="0" bIns="0" anchor="t">
+          <a:bodyPr lIns="0" tIns="0" rIns="0" bIns="0" anchor="t">
             <a:normAutofit/>
           </a:bodyPr>
+          <a:lstStyle/>
           <a:p>
             <a:pPr indent="0">
               <a:lnSpc>
@@ -2773,7 +3047,7 @@
               </a:spcBef>
               <a:buNone/>
             </a:pPr>
-            <a:endParaRPr b="0" lang="en-US" sz="2800" spc="-1" strike="noStrike">
+            <a:endParaRPr lang="en-US" sz="2800" b="0" strike="noStrike" spc="-1">
               <a:solidFill>
                 <a:srgbClr val="404040"/>
               </a:solidFill>
@@ -2795,6 +3069,7 @@
         <p:spPr/>
         <p:txBody>
           <a:bodyPr/>
+          <a:lstStyle/>
           <a:p>
             <a:r>
               <a:t>Footer</a:t>
@@ -2815,20 +3090,25 @@
         <p:spPr/>
         <p:txBody>
           <a:bodyPr/>
+          <a:lstStyle/>
           <a:p>
             <a:fld id="{66D7BB7E-AE6C-404E-A654-0277CE47ED13}" type="slidenum">
-              <a:t>&lt;#&gt;</a:t>
+              <a:t>‹#›</a:t>
             </a:fld>
+            <a:endParaRPr/>
           </a:p>
         </p:txBody>
       </p:sp>
     </p:spTree>
   </p:cSld>
+  <p:clrMapOvr>
+    <a:masterClrMapping/>
+  </p:clrMapOvr>
 </p:sldLayout>
 </file>
 
 <file path=ppt/slideLayouts/slideLayout21.xml><?xml version="1.0" encoding="utf-8"?>
-<p:sldLayout xmlns:a="http://schemas.openxmlformats.org/drawingml/2006/main" xmlns:p="http://schemas.openxmlformats.org/presentationml/2006/main" xmlns:r="http://schemas.openxmlformats.org/officeDocument/2006/relationships" xmlns:p14="http://schemas.microsoft.com/office/powerpoint/2010/main" xmlns:p15="http://schemas.microsoft.com/office/powerpoint/2012/main" xmlns:mc="http://schemas.openxmlformats.org/markup-compatibility/2006" type="twoObjOverTx" preserve="1">
+<p:sldLayout xmlns:a="http://schemas.openxmlformats.org/drawingml/2006/main" xmlns:r="http://schemas.openxmlformats.org/officeDocument/2006/relationships" xmlns:p="http://schemas.openxmlformats.org/presentationml/2006/main" type="twoObjOverTx" preserve="1">
   <p:cSld name="Title, 2 Content over Content">
     <p:spTree>
       <p:nvGrpSpPr>
@@ -2868,14 +3148,15 @@
           </a:ln>
         </p:spPr>
         <p:txBody>
-          <a:bodyPr lIns="0" rIns="0" tIns="0" bIns="0" anchor="ctr">
+          <a:bodyPr lIns="0" tIns="0" rIns="0" bIns="0" anchor="ctr">
             <a:noAutofit/>
           </a:bodyPr>
+          <a:lstStyle/>
           <a:p>
             <a:pPr indent="0">
               <a:buNone/>
             </a:pPr>
-            <a:endParaRPr b="0" lang="en-US" sz="3800" spc="-1" strike="noStrike">
+            <a:endParaRPr lang="en-US" sz="3800" b="0" strike="noStrike" spc="-1">
               <a:solidFill>
                 <a:srgbClr val="000000"/>
               </a:solidFill>
@@ -2908,9 +3189,10 @@
           </a:ln>
         </p:spPr>
         <p:txBody>
-          <a:bodyPr lIns="0" rIns="0" tIns="0" bIns="0" anchor="t">
+          <a:bodyPr lIns="0" tIns="0" rIns="0" bIns="0" anchor="t">
             <a:normAutofit/>
           </a:bodyPr>
+          <a:lstStyle/>
           <a:p>
             <a:pPr indent="0">
               <a:lnSpc>
@@ -2921,7 +3203,7 @@
               </a:spcBef>
               <a:buNone/>
             </a:pPr>
-            <a:endParaRPr b="0" lang="en-US" sz="2800" spc="-1" strike="noStrike">
+            <a:endParaRPr lang="en-US" sz="2800" b="0" strike="noStrike" spc="-1">
               <a:solidFill>
                 <a:srgbClr val="404040"/>
               </a:solidFill>
@@ -2954,9 +3236,10 @@
           </a:ln>
         </p:spPr>
         <p:txBody>
-          <a:bodyPr lIns="0" rIns="0" tIns="0" bIns="0" anchor="t">
+          <a:bodyPr lIns="0" tIns="0" rIns="0" bIns="0" anchor="t">
             <a:normAutofit/>
           </a:bodyPr>
+          <a:lstStyle/>
           <a:p>
             <a:pPr indent="0">
               <a:lnSpc>
@@ -2967,7 +3250,7 @@
               </a:spcBef>
               <a:buNone/>
             </a:pPr>
-            <a:endParaRPr b="0" lang="en-US" sz="2800" spc="-1" strike="noStrike">
+            <a:endParaRPr lang="en-US" sz="2800" b="0" strike="noStrike" spc="-1">
               <a:solidFill>
                 <a:srgbClr val="404040"/>
               </a:solidFill>
@@ -3000,9 +3283,10 @@
           </a:ln>
         </p:spPr>
         <p:txBody>
-          <a:bodyPr lIns="0" rIns="0" tIns="0" bIns="0" anchor="t">
+          <a:bodyPr lIns="0" tIns="0" rIns="0" bIns="0" anchor="t">
             <a:normAutofit/>
           </a:bodyPr>
+          <a:lstStyle/>
           <a:p>
             <a:pPr indent="0">
               <a:lnSpc>
@@ -3013,7 +3297,7 @@
               </a:spcBef>
               <a:buNone/>
             </a:pPr>
-            <a:endParaRPr b="0" lang="en-US" sz="2800" spc="-1" strike="noStrike">
+            <a:endParaRPr lang="en-US" sz="2800" b="0" strike="noStrike" spc="-1">
               <a:solidFill>
                 <a:srgbClr val="404040"/>
               </a:solidFill>
@@ -3035,6 +3319,7 @@
         <p:spPr/>
         <p:txBody>
           <a:bodyPr/>
+          <a:lstStyle/>
           <a:p>
             <a:r>
               <a:t>Footer</a:t>
@@ -3055,20 +3340,25 @@
         <p:spPr/>
         <p:txBody>
           <a:bodyPr/>
+          <a:lstStyle/>
           <a:p>
             <a:fld id="{8F55694E-3D1E-4A19-9263-8DE34C8E6FDB}" type="slidenum">
-              <a:t>&lt;#&gt;</a:t>
+              <a:t>‹#›</a:t>
             </a:fld>
+            <a:endParaRPr/>
           </a:p>
         </p:txBody>
       </p:sp>
     </p:spTree>
   </p:cSld>
+  <p:clrMapOvr>
+    <a:masterClrMapping/>
+  </p:clrMapOvr>
 </p:sldLayout>
 </file>
 
 <file path=ppt/slideLayouts/slideLayout22.xml><?xml version="1.0" encoding="utf-8"?>
-<p:sldLayout xmlns:a="http://schemas.openxmlformats.org/drawingml/2006/main" xmlns:p="http://schemas.openxmlformats.org/presentationml/2006/main" xmlns:r="http://schemas.openxmlformats.org/officeDocument/2006/relationships" xmlns:p14="http://schemas.microsoft.com/office/powerpoint/2010/main" xmlns:p15="http://schemas.microsoft.com/office/powerpoint/2012/main" xmlns:mc="http://schemas.openxmlformats.org/markup-compatibility/2006" type="objOverTx" preserve="1">
+<p:sldLayout xmlns:a="http://schemas.openxmlformats.org/drawingml/2006/main" xmlns:r="http://schemas.openxmlformats.org/officeDocument/2006/relationships" xmlns:p="http://schemas.openxmlformats.org/presentationml/2006/main" type="objOverTx" preserve="1">
   <p:cSld name="Title, Content over Content">
     <p:spTree>
       <p:nvGrpSpPr>
@@ -3108,14 +3398,15 @@
           </a:ln>
         </p:spPr>
         <p:txBody>
-          <a:bodyPr lIns="0" rIns="0" tIns="0" bIns="0" anchor="ctr">
+          <a:bodyPr lIns="0" tIns="0" rIns="0" bIns="0" anchor="ctr">
             <a:noAutofit/>
           </a:bodyPr>
+          <a:lstStyle/>
           <a:p>
             <a:pPr indent="0">
               <a:buNone/>
             </a:pPr>
-            <a:endParaRPr b="0" lang="en-US" sz="3800" spc="-1" strike="noStrike">
+            <a:endParaRPr lang="en-US" sz="3800" b="0" strike="noStrike" spc="-1">
               <a:solidFill>
                 <a:srgbClr val="000000"/>
               </a:solidFill>
@@ -3148,9 +3439,10 @@
           </a:ln>
         </p:spPr>
         <p:txBody>
-          <a:bodyPr lIns="0" rIns="0" tIns="0" bIns="0" anchor="t">
+          <a:bodyPr lIns="0" tIns="0" rIns="0" bIns="0" anchor="t">
             <a:normAutofit/>
           </a:bodyPr>
+          <a:lstStyle/>
           <a:p>
             <a:pPr indent="0">
               <a:lnSpc>
@@ -3161,7 +3453,7 @@
               </a:spcBef>
               <a:buNone/>
             </a:pPr>
-            <a:endParaRPr b="0" lang="en-US" sz="2800" spc="-1" strike="noStrike">
+            <a:endParaRPr lang="en-US" sz="2800" b="0" strike="noStrike" spc="-1">
               <a:solidFill>
                 <a:srgbClr val="404040"/>
               </a:solidFill>
@@ -3194,9 +3486,10 @@
           </a:ln>
         </p:spPr>
         <p:txBody>
-          <a:bodyPr lIns="0" rIns="0" tIns="0" bIns="0" anchor="t">
+          <a:bodyPr lIns="0" tIns="0" rIns="0" bIns="0" anchor="t">
             <a:normAutofit/>
           </a:bodyPr>
+          <a:lstStyle/>
           <a:p>
             <a:pPr indent="0">
               <a:lnSpc>
@@ -3207,7 +3500,7 @@
               </a:spcBef>
               <a:buNone/>
             </a:pPr>
-            <a:endParaRPr b="0" lang="en-US" sz="2800" spc="-1" strike="noStrike">
+            <a:endParaRPr lang="en-US" sz="2800" b="0" strike="noStrike" spc="-1">
               <a:solidFill>
                 <a:srgbClr val="404040"/>
               </a:solidFill>
@@ -3229,6 +3522,7 @@
         <p:spPr/>
         <p:txBody>
           <a:bodyPr/>
+          <a:lstStyle/>
           <a:p>
             <a:r>
               <a:t>Footer</a:t>
@@ -3249,20 +3543,25 @@
         <p:spPr/>
         <p:txBody>
           <a:bodyPr/>
+          <a:lstStyle/>
           <a:p>
             <a:fld id="{64A08854-952C-41AD-9A3D-49BDD1705990}" type="slidenum">
-              <a:t>&lt;#&gt;</a:t>
+              <a:t>‹#›</a:t>
             </a:fld>
+            <a:endParaRPr/>
           </a:p>
         </p:txBody>
       </p:sp>
     </p:spTree>
   </p:cSld>
+  <p:clrMapOvr>
+    <a:masterClrMapping/>
+  </p:clrMapOvr>
 </p:sldLayout>
 </file>
 
 <file path=ppt/slideLayouts/slideLayout23.xml><?xml version="1.0" encoding="utf-8"?>
-<p:sldLayout xmlns:a="http://schemas.openxmlformats.org/drawingml/2006/main" xmlns:p="http://schemas.openxmlformats.org/presentationml/2006/main" xmlns:r="http://schemas.openxmlformats.org/officeDocument/2006/relationships" xmlns:p14="http://schemas.microsoft.com/office/powerpoint/2010/main" xmlns:p15="http://schemas.microsoft.com/office/powerpoint/2012/main" xmlns:mc="http://schemas.openxmlformats.org/markup-compatibility/2006" type="fourObj" preserve="1">
+<p:sldLayout xmlns:a="http://schemas.openxmlformats.org/drawingml/2006/main" xmlns:r="http://schemas.openxmlformats.org/officeDocument/2006/relationships" xmlns:p="http://schemas.openxmlformats.org/presentationml/2006/main" type="fourObj" preserve="1">
   <p:cSld name="Title, 4 Content">
     <p:spTree>
       <p:nvGrpSpPr>
@@ -3302,14 +3601,15 @@
           </a:ln>
         </p:spPr>
         <p:txBody>
-          <a:bodyPr lIns="0" rIns="0" tIns="0" bIns="0" anchor="ctr">
+          <a:bodyPr lIns="0" tIns="0" rIns="0" bIns="0" anchor="ctr">
             <a:noAutofit/>
           </a:bodyPr>
+          <a:lstStyle/>
           <a:p>
             <a:pPr indent="0">
               <a:buNone/>
             </a:pPr>
-            <a:endParaRPr b="0" lang="en-US" sz="3800" spc="-1" strike="noStrike">
+            <a:endParaRPr lang="en-US" sz="3800" b="0" strike="noStrike" spc="-1">
               <a:solidFill>
                 <a:srgbClr val="000000"/>
               </a:solidFill>
@@ -3342,9 +3642,10 @@
           </a:ln>
         </p:spPr>
         <p:txBody>
-          <a:bodyPr lIns="0" rIns="0" tIns="0" bIns="0" anchor="t">
+          <a:bodyPr lIns="0" tIns="0" rIns="0" bIns="0" anchor="t">
             <a:normAutofit/>
           </a:bodyPr>
+          <a:lstStyle/>
           <a:p>
             <a:pPr indent="0">
               <a:lnSpc>
@@ -3355,7 +3656,7 @@
               </a:spcBef>
               <a:buNone/>
             </a:pPr>
-            <a:endParaRPr b="0" lang="en-US" sz="2800" spc="-1" strike="noStrike">
+            <a:endParaRPr lang="en-US" sz="2800" b="0" strike="noStrike" spc="-1">
               <a:solidFill>
                 <a:srgbClr val="404040"/>
               </a:solidFill>
@@ -3388,9 +3689,10 @@
           </a:ln>
         </p:spPr>
         <p:txBody>
-          <a:bodyPr lIns="0" rIns="0" tIns="0" bIns="0" anchor="t">
+          <a:bodyPr lIns="0" tIns="0" rIns="0" bIns="0" anchor="t">
             <a:normAutofit/>
           </a:bodyPr>
+          <a:lstStyle/>
           <a:p>
             <a:pPr indent="0">
               <a:lnSpc>
@@ -3401,7 +3703,7 @@
               </a:spcBef>
               <a:buNone/>
             </a:pPr>
-            <a:endParaRPr b="0" lang="en-US" sz="2800" spc="-1" strike="noStrike">
+            <a:endParaRPr lang="en-US" sz="2800" b="0" strike="noStrike" spc="-1">
               <a:solidFill>
                 <a:srgbClr val="404040"/>
               </a:solidFill>
@@ -3434,9 +3736,10 @@
           </a:ln>
         </p:spPr>
         <p:txBody>
-          <a:bodyPr lIns="0" rIns="0" tIns="0" bIns="0" anchor="t">
+          <a:bodyPr lIns="0" tIns="0" rIns="0" bIns="0" anchor="t">
             <a:normAutofit/>
           </a:bodyPr>
+          <a:lstStyle/>
           <a:p>
             <a:pPr indent="0">
               <a:lnSpc>
@@ -3447,7 +3750,7 @@
               </a:spcBef>
               <a:buNone/>
             </a:pPr>
-            <a:endParaRPr b="0" lang="en-US" sz="2800" spc="-1" strike="noStrike">
+            <a:endParaRPr lang="en-US" sz="2800" b="0" strike="noStrike" spc="-1">
               <a:solidFill>
                 <a:srgbClr val="404040"/>
               </a:solidFill>
@@ -3480,9 +3783,10 @@
           </a:ln>
         </p:spPr>
         <p:txBody>
-          <a:bodyPr lIns="0" rIns="0" tIns="0" bIns="0" anchor="t">
+          <a:bodyPr lIns="0" tIns="0" rIns="0" bIns="0" anchor="t">
             <a:normAutofit/>
           </a:bodyPr>
+          <a:lstStyle/>
           <a:p>
             <a:pPr indent="0">
               <a:lnSpc>
@@ -3493,7 +3797,7 @@
               </a:spcBef>
               <a:buNone/>
             </a:pPr>
-            <a:endParaRPr b="0" lang="en-US" sz="2800" spc="-1" strike="noStrike">
+            <a:endParaRPr lang="en-US" sz="2800" b="0" strike="noStrike" spc="-1">
               <a:solidFill>
                 <a:srgbClr val="404040"/>
               </a:solidFill>
@@ -3515,6 +3819,7 @@
         <p:spPr/>
         <p:txBody>
           <a:bodyPr/>
+          <a:lstStyle/>
           <a:p>
             <a:r>
               <a:t>Footer</a:t>
@@ -3535,20 +3840,25 @@
         <p:spPr/>
         <p:txBody>
           <a:bodyPr/>
+          <a:lstStyle/>
           <a:p>
             <a:fld id="{B5C49E98-2183-40AB-B978-6BDBF38E3474}" type="slidenum">
-              <a:t>&lt;#&gt;</a:t>
+              <a:t>‹#›</a:t>
             </a:fld>
+            <a:endParaRPr/>
           </a:p>
         </p:txBody>
       </p:sp>
     </p:spTree>
   </p:cSld>
+  <p:clrMapOvr>
+    <a:masterClrMapping/>
+  </p:clrMapOvr>
 </p:sldLayout>
 </file>
 
 <file path=ppt/slideLayouts/slideLayout24.xml><?xml version="1.0" encoding="utf-8"?>
-<p:sldLayout xmlns:a="http://schemas.openxmlformats.org/drawingml/2006/main" xmlns:p="http://schemas.openxmlformats.org/presentationml/2006/main" xmlns:r="http://schemas.openxmlformats.org/officeDocument/2006/relationships" xmlns:p14="http://schemas.microsoft.com/office/powerpoint/2010/main" xmlns:p15="http://schemas.microsoft.com/office/powerpoint/2012/main" xmlns:mc="http://schemas.openxmlformats.org/markup-compatibility/2006" type="blank" preserve="1">
+<p:sldLayout xmlns:a="http://schemas.openxmlformats.org/drawingml/2006/main" xmlns:r="http://schemas.openxmlformats.org/officeDocument/2006/relationships" xmlns:p="http://schemas.openxmlformats.org/presentationml/2006/main" type="blank" preserve="1">
   <p:cSld name="Title, 6 Content">
     <p:spTree>
       <p:nvGrpSpPr>
@@ -3588,14 +3898,15 @@
           </a:ln>
         </p:spPr>
         <p:txBody>
-          <a:bodyPr lIns="0" rIns="0" tIns="0" bIns="0" anchor="ctr">
+          <a:bodyPr lIns="0" tIns="0" rIns="0" bIns="0" anchor="ctr">
             <a:noAutofit/>
           </a:bodyPr>
+          <a:lstStyle/>
           <a:p>
             <a:pPr indent="0">
               <a:buNone/>
             </a:pPr>
-            <a:endParaRPr b="0" lang="en-US" sz="3800" spc="-1" strike="noStrike">
+            <a:endParaRPr lang="en-US" sz="3800" b="0" strike="noStrike" spc="-1">
               <a:solidFill>
                 <a:srgbClr val="000000"/>
               </a:solidFill>
@@ -3628,9 +3939,10 @@
           </a:ln>
         </p:spPr>
         <p:txBody>
-          <a:bodyPr lIns="0" rIns="0" tIns="0" bIns="0" anchor="t">
+          <a:bodyPr lIns="0" tIns="0" rIns="0" bIns="0" anchor="t">
             <a:normAutofit/>
           </a:bodyPr>
+          <a:lstStyle/>
           <a:p>
             <a:pPr indent="0">
               <a:lnSpc>
@@ -3641,7 +3953,7 @@
               </a:spcBef>
               <a:buNone/>
             </a:pPr>
-            <a:endParaRPr b="0" lang="en-US" sz="2800" spc="-1" strike="noStrike">
+            <a:endParaRPr lang="en-US" sz="2800" b="0" strike="noStrike" spc="-1">
               <a:solidFill>
                 <a:srgbClr val="404040"/>
               </a:solidFill>
@@ -3674,9 +3986,10 @@
           </a:ln>
         </p:spPr>
         <p:txBody>
-          <a:bodyPr lIns="0" rIns="0" tIns="0" bIns="0" anchor="t">
+          <a:bodyPr lIns="0" tIns="0" rIns="0" bIns="0" anchor="t">
             <a:normAutofit/>
           </a:bodyPr>
+          <a:lstStyle/>
           <a:p>
             <a:pPr indent="0">
               <a:lnSpc>
@@ -3687,7 +4000,7 @@
               </a:spcBef>
               <a:buNone/>
             </a:pPr>
-            <a:endParaRPr b="0" lang="en-US" sz="2800" spc="-1" strike="noStrike">
+            <a:endParaRPr lang="en-US" sz="2800" b="0" strike="noStrike" spc="-1">
               <a:solidFill>
                 <a:srgbClr val="404040"/>
               </a:solidFill>
@@ -3720,9 +4033,10 @@
           </a:ln>
         </p:spPr>
         <p:txBody>
-          <a:bodyPr lIns="0" rIns="0" tIns="0" bIns="0" anchor="t">
+          <a:bodyPr lIns="0" tIns="0" rIns="0" bIns="0" anchor="t">
             <a:normAutofit/>
           </a:bodyPr>
+          <a:lstStyle/>
           <a:p>
             <a:pPr indent="0">
               <a:lnSpc>
@@ -3733,7 +4047,7 @@
               </a:spcBef>
               <a:buNone/>
             </a:pPr>
-            <a:endParaRPr b="0" lang="en-US" sz="2800" spc="-1" strike="noStrike">
+            <a:endParaRPr lang="en-US" sz="2800" b="0" strike="noStrike" spc="-1">
               <a:solidFill>
                 <a:srgbClr val="404040"/>
               </a:solidFill>
@@ -3766,9 +4080,10 @@
           </a:ln>
         </p:spPr>
         <p:txBody>
-          <a:bodyPr lIns="0" rIns="0" tIns="0" bIns="0" anchor="t">
+          <a:bodyPr lIns="0" tIns="0" rIns="0" bIns="0" anchor="t">
             <a:normAutofit/>
           </a:bodyPr>
+          <a:lstStyle/>
           <a:p>
             <a:pPr indent="0">
               <a:lnSpc>
@@ -3779,7 +4094,7 @@
               </a:spcBef>
               <a:buNone/>
             </a:pPr>
-            <a:endParaRPr b="0" lang="en-US" sz="2800" spc="-1" strike="noStrike">
+            <a:endParaRPr lang="en-US" sz="2800" b="0" strike="noStrike" spc="-1">
               <a:solidFill>
                 <a:srgbClr val="404040"/>
               </a:solidFill>
@@ -3812,9 +4127,10 @@
           </a:ln>
         </p:spPr>
         <p:txBody>
-          <a:bodyPr lIns="0" rIns="0" tIns="0" bIns="0" anchor="t">
+          <a:bodyPr lIns="0" tIns="0" rIns="0" bIns="0" anchor="t">
             <a:normAutofit/>
           </a:bodyPr>
+          <a:lstStyle/>
           <a:p>
             <a:pPr indent="0">
               <a:lnSpc>
@@ -3825,7 +4141,7 @@
               </a:spcBef>
               <a:buNone/>
             </a:pPr>
-            <a:endParaRPr b="0" lang="en-US" sz="2800" spc="-1" strike="noStrike">
+            <a:endParaRPr lang="en-US" sz="2800" b="0" strike="noStrike" spc="-1">
               <a:solidFill>
                 <a:srgbClr val="404040"/>
               </a:solidFill>
@@ -3858,9 +4174,10 @@
           </a:ln>
         </p:spPr>
         <p:txBody>
-          <a:bodyPr lIns="0" rIns="0" tIns="0" bIns="0" anchor="t">
+          <a:bodyPr lIns="0" tIns="0" rIns="0" bIns="0" anchor="t">
             <a:normAutofit/>
           </a:bodyPr>
+          <a:lstStyle/>
           <a:p>
             <a:pPr indent="0">
               <a:lnSpc>
@@ -3871,7 +4188,7 @@
               </a:spcBef>
               <a:buNone/>
             </a:pPr>
-            <a:endParaRPr b="0" lang="en-US" sz="2800" spc="-1" strike="noStrike">
+            <a:endParaRPr lang="en-US" sz="2800" b="0" strike="noStrike" spc="-1">
               <a:solidFill>
                 <a:srgbClr val="404040"/>
               </a:solidFill>
@@ -3893,6 +4210,7 @@
         <p:spPr/>
         <p:txBody>
           <a:bodyPr/>
+          <a:lstStyle/>
           <a:p>
             <a:r>
               <a:t>Footer</a:t>
@@ -3913,20 +4231,25 @@
         <p:spPr/>
         <p:txBody>
           <a:bodyPr/>
+          <a:lstStyle/>
           <a:p>
             <a:fld id="{A3A494CE-3985-4625-850D-55E779386EB7}" type="slidenum">
-              <a:t>&lt;#&gt;</a:t>
+              <a:t>‹#›</a:t>
             </a:fld>
+            <a:endParaRPr/>
           </a:p>
         </p:txBody>
       </p:sp>
     </p:spTree>
   </p:cSld>
+  <p:clrMapOvr>
+    <a:masterClrMapping/>
+  </p:clrMapOvr>
 </p:sldLayout>
 </file>
 
 <file path=ppt/slideLayouts/slideLayout3.xml><?xml version="1.0" encoding="utf-8"?>
-<p:sldLayout xmlns:a="http://schemas.openxmlformats.org/drawingml/2006/main" xmlns:p="http://schemas.openxmlformats.org/presentationml/2006/main" xmlns:r="http://schemas.openxmlformats.org/officeDocument/2006/relationships" xmlns:p14="http://schemas.microsoft.com/office/powerpoint/2010/main" xmlns:p15="http://schemas.microsoft.com/office/powerpoint/2012/main" xmlns:mc="http://schemas.openxmlformats.org/markup-compatibility/2006" type="obj" preserve="1">
+<p:sldLayout xmlns:a="http://schemas.openxmlformats.org/drawingml/2006/main" xmlns:r="http://schemas.openxmlformats.org/officeDocument/2006/relationships" xmlns:p="http://schemas.openxmlformats.org/presentationml/2006/main" type="obj" preserve="1">
   <p:cSld name="Title, Content">
     <p:spTree>
       <p:nvGrpSpPr>
@@ -3966,14 +4289,15 @@
           </a:ln>
         </p:spPr>
         <p:txBody>
-          <a:bodyPr lIns="0" rIns="0" tIns="0" bIns="0" anchor="ctr">
+          <a:bodyPr lIns="0" tIns="0" rIns="0" bIns="0" anchor="ctr">
             <a:noAutofit/>
           </a:bodyPr>
+          <a:lstStyle/>
           <a:p>
             <a:pPr indent="0">
               <a:buNone/>
             </a:pPr>
-            <a:endParaRPr b="0" lang="en-US" sz="3800" spc="-1" strike="noStrike">
+            <a:endParaRPr lang="en-US" sz="3800" b="0" strike="noStrike" spc="-1">
               <a:solidFill>
                 <a:srgbClr val="000000"/>
               </a:solidFill>
@@ -4006,9 +4330,10 @@
           </a:ln>
         </p:spPr>
         <p:txBody>
-          <a:bodyPr lIns="0" rIns="0" tIns="0" bIns="0" anchor="t">
+          <a:bodyPr lIns="0" tIns="0" rIns="0" bIns="0" anchor="t">
             <a:normAutofit/>
           </a:bodyPr>
+          <a:lstStyle/>
           <a:p>
             <a:pPr indent="0">
               <a:lnSpc>
@@ -4019,7 +4344,7 @@
               </a:spcBef>
               <a:buNone/>
             </a:pPr>
-            <a:endParaRPr b="0" lang="en-US" sz="2800" spc="-1" strike="noStrike">
+            <a:endParaRPr lang="en-US" sz="2800" b="0" strike="noStrike" spc="-1">
               <a:solidFill>
                 <a:srgbClr val="404040"/>
               </a:solidFill>
@@ -4041,6 +4366,7 @@
         <p:spPr/>
         <p:txBody>
           <a:bodyPr/>
+          <a:lstStyle/>
           <a:p>
             <a:r>
               <a:t>Footer</a:t>
@@ -4061,20 +4387,25 @@
         <p:spPr/>
         <p:txBody>
           <a:bodyPr/>
+          <a:lstStyle/>
           <a:p>
             <a:fld id="{8FAC4355-B1A7-445D-861E-619C421FFF47}" type="slidenum">
-              <a:t>&lt;#&gt;</a:t>
+              <a:t>‹#›</a:t>
             </a:fld>
+            <a:endParaRPr/>
           </a:p>
         </p:txBody>
       </p:sp>
     </p:spTree>
   </p:cSld>
+  <p:clrMapOvr>
+    <a:masterClrMapping/>
+  </p:clrMapOvr>
 </p:sldLayout>
 </file>
 
 <file path=ppt/slideLayouts/slideLayout4.xml><?xml version="1.0" encoding="utf-8"?>
-<p:sldLayout xmlns:a="http://schemas.openxmlformats.org/drawingml/2006/main" xmlns:p="http://schemas.openxmlformats.org/presentationml/2006/main" xmlns:r="http://schemas.openxmlformats.org/officeDocument/2006/relationships" xmlns:p14="http://schemas.microsoft.com/office/powerpoint/2010/main" xmlns:p15="http://schemas.microsoft.com/office/powerpoint/2012/main" xmlns:mc="http://schemas.openxmlformats.org/markup-compatibility/2006" type="twoObj" preserve="1">
+<p:sldLayout xmlns:a="http://schemas.openxmlformats.org/drawingml/2006/main" xmlns:r="http://schemas.openxmlformats.org/officeDocument/2006/relationships" xmlns:p="http://schemas.openxmlformats.org/presentationml/2006/main" type="twoObj" preserve="1">
   <p:cSld name="Title, 2 Content">
     <p:spTree>
       <p:nvGrpSpPr>
@@ -4114,14 +4445,15 @@
           </a:ln>
         </p:spPr>
         <p:txBody>
-          <a:bodyPr lIns="0" rIns="0" tIns="0" bIns="0" anchor="ctr">
+          <a:bodyPr lIns="0" tIns="0" rIns="0" bIns="0" anchor="ctr">
             <a:noAutofit/>
           </a:bodyPr>
+          <a:lstStyle/>
           <a:p>
             <a:pPr indent="0">
               <a:buNone/>
             </a:pPr>
-            <a:endParaRPr b="0" lang="en-US" sz="3800" spc="-1" strike="noStrike">
+            <a:endParaRPr lang="en-US" sz="3800" b="0" strike="noStrike" spc="-1">
               <a:solidFill>
                 <a:srgbClr val="000000"/>
               </a:solidFill>
@@ -4154,9 +4486,10 @@
           </a:ln>
         </p:spPr>
         <p:txBody>
-          <a:bodyPr lIns="0" rIns="0" tIns="0" bIns="0" anchor="t">
+          <a:bodyPr lIns="0" tIns="0" rIns="0" bIns="0" anchor="t">
             <a:normAutofit/>
           </a:bodyPr>
+          <a:lstStyle/>
           <a:p>
             <a:pPr indent="0">
               <a:lnSpc>
@@ -4167,7 +4500,7 @@
               </a:spcBef>
               <a:buNone/>
             </a:pPr>
-            <a:endParaRPr b="0" lang="en-US" sz="2800" spc="-1" strike="noStrike">
+            <a:endParaRPr lang="en-US" sz="2800" b="0" strike="noStrike" spc="-1">
               <a:solidFill>
                 <a:srgbClr val="404040"/>
               </a:solidFill>
@@ -4200,9 +4533,10 @@
           </a:ln>
         </p:spPr>
         <p:txBody>
-          <a:bodyPr lIns="0" rIns="0" tIns="0" bIns="0" anchor="t">
+          <a:bodyPr lIns="0" tIns="0" rIns="0" bIns="0" anchor="t">
             <a:normAutofit/>
           </a:bodyPr>
+          <a:lstStyle/>
           <a:p>
             <a:pPr indent="0">
               <a:lnSpc>
@@ -4213,7 +4547,7 @@
               </a:spcBef>
               <a:buNone/>
             </a:pPr>
-            <a:endParaRPr b="0" lang="en-US" sz="2800" spc="-1" strike="noStrike">
+            <a:endParaRPr lang="en-US" sz="2800" b="0" strike="noStrike" spc="-1">
               <a:solidFill>
                 <a:srgbClr val="404040"/>
               </a:solidFill>
@@ -4235,6 +4569,7 @@
         <p:spPr/>
         <p:txBody>
           <a:bodyPr/>
+          <a:lstStyle/>
           <a:p>
             <a:r>
               <a:t>Footer</a:t>
@@ -4255,20 +4590,25 @@
         <p:spPr/>
         <p:txBody>
           <a:bodyPr/>
+          <a:lstStyle/>
           <a:p>
             <a:fld id="{B3F53884-D492-4EF1-92CA-87EF87B5A389}" type="slidenum">
-              <a:t>&lt;#&gt;</a:t>
+              <a:t>‹#›</a:t>
             </a:fld>
+            <a:endParaRPr/>
           </a:p>
         </p:txBody>
       </p:sp>
     </p:spTree>
   </p:cSld>
+  <p:clrMapOvr>
+    <a:masterClrMapping/>
+  </p:clrMapOvr>
 </p:sldLayout>
 </file>
 
 <file path=ppt/slideLayouts/slideLayout5.xml><?xml version="1.0" encoding="utf-8"?>
-<p:sldLayout xmlns:a="http://schemas.openxmlformats.org/drawingml/2006/main" xmlns:p="http://schemas.openxmlformats.org/presentationml/2006/main" xmlns:r="http://schemas.openxmlformats.org/officeDocument/2006/relationships" xmlns:p14="http://schemas.microsoft.com/office/powerpoint/2010/main" xmlns:p15="http://schemas.microsoft.com/office/powerpoint/2012/main" xmlns:mc="http://schemas.openxmlformats.org/markup-compatibility/2006" type="titleOnly" preserve="1">
+<p:sldLayout xmlns:a="http://schemas.openxmlformats.org/drawingml/2006/main" xmlns:r="http://schemas.openxmlformats.org/officeDocument/2006/relationships" xmlns:p="http://schemas.openxmlformats.org/presentationml/2006/main" type="titleOnly" preserve="1">
   <p:cSld name="Title Only">
     <p:spTree>
       <p:nvGrpSpPr>
@@ -4308,14 +4648,15 @@
           </a:ln>
         </p:spPr>
         <p:txBody>
-          <a:bodyPr lIns="0" rIns="0" tIns="0" bIns="0" anchor="ctr">
+          <a:bodyPr lIns="0" tIns="0" rIns="0" bIns="0" anchor="ctr">
             <a:noAutofit/>
           </a:bodyPr>
+          <a:lstStyle/>
           <a:p>
             <a:pPr indent="0">
               <a:buNone/>
             </a:pPr>
-            <a:endParaRPr b="0" lang="en-US" sz="3800" spc="-1" strike="noStrike">
+            <a:endParaRPr lang="en-US" sz="3800" b="0" strike="noStrike" spc="-1">
               <a:solidFill>
                 <a:srgbClr val="000000"/>
               </a:solidFill>
@@ -4337,6 +4678,7 @@
         <p:spPr/>
         <p:txBody>
           <a:bodyPr/>
+          <a:lstStyle/>
           <a:p>
             <a:r>
               <a:t>Footer</a:t>
@@ -4357,20 +4699,25 @@
         <p:spPr/>
         <p:txBody>
           <a:bodyPr/>
+          <a:lstStyle/>
           <a:p>
             <a:fld id="{E1239AD1-D7E3-42A5-9ABA-FFF34018250F}" type="slidenum">
-              <a:t>&lt;#&gt;</a:t>
+              <a:t>‹#›</a:t>
             </a:fld>
+            <a:endParaRPr/>
           </a:p>
         </p:txBody>
       </p:sp>
     </p:spTree>
   </p:cSld>
+  <p:clrMapOvr>
+    <a:masterClrMapping/>
+  </p:clrMapOvr>
 </p:sldLayout>
 </file>
 
 <file path=ppt/slideLayouts/slideLayout6.xml><?xml version="1.0" encoding="utf-8"?>
-<p:sldLayout xmlns:a="http://schemas.openxmlformats.org/drawingml/2006/main" xmlns:p="http://schemas.openxmlformats.org/presentationml/2006/main" xmlns:r="http://schemas.openxmlformats.org/officeDocument/2006/relationships" xmlns:p14="http://schemas.microsoft.com/office/powerpoint/2010/main" xmlns:p15="http://schemas.microsoft.com/office/powerpoint/2012/main" xmlns:mc="http://schemas.openxmlformats.org/markup-compatibility/2006" type="objOnly" preserve="1">
+<p:sldLayout xmlns:a="http://schemas.openxmlformats.org/drawingml/2006/main" xmlns:r="http://schemas.openxmlformats.org/officeDocument/2006/relationships" xmlns:p="http://schemas.openxmlformats.org/presentationml/2006/main" type="objOnly" preserve="1">
   <p:cSld name="Centered Text">
     <p:spTree>
       <p:nvGrpSpPr>
@@ -4410,12 +4757,13 @@
           </a:ln>
         </p:spPr>
         <p:txBody>
-          <a:bodyPr lIns="0" rIns="0" tIns="0" bIns="0" anchor="ctr">
+          <a:bodyPr lIns="0" tIns="0" rIns="0" bIns="0" anchor="ctr">
             <a:noAutofit/>
           </a:bodyPr>
+          <a:lstStyle/>
           <a:p>
             <a:pPr algn="ctr"/>
-            <a:endParaRPr b="0" lang="en-US" sz="3200" spc="-1" strike="noStrike">
+            <a:endParaRPr lang="en-US" sz="3200" b="0" strike="noStrike" spc="-1">
               <a:solidFill>
                 <a:srgbClr val="000000"/>
               </a:solidFill>
@@ -4437,6 +4785,7 @@
         <p:spPr/>
         <p:txBody>
           <a:bodyPr/>
+          <a:lstStyle/>
           <a:p>
             <a:r>
               <a:t>Footer</a:t>
@@ -4457,20 +4806,25 @@
         <p:spPr/>
         <p:txBody>
           <a:bodyPr/>
+          <a:lstStyle/>
           <a:p>
             <a:fld id="{BFC10B7D-2754-4EEF-AF98-624DE70F675B}" type="slidenum">
-              <a:t>&lt;#&gt;</a:t>
+              <a:t>‹#›</a:t>
             </a:fld>
+            <a:endParaRPr/>
           </a:p>
         </p:txBody>
       </p:sp>
     </p:spTree>
   </p:cSld>
+  <p:clrMapOvr>
+    <a:masterClrMapping/>
+  </p:clrMapOvr>
 </p:sldLayout>
 </file>
 
 <file path=ppt/slideLayouts/slideLayout7.xml><?xml version="1.0" encoding="utf-8"?>
-<p:sldLayout xmlns:a="http://schemas.openxmlformats.org/drawingml/2006/main" xmlns:p="http://schemas.openxmlformats.org/presentationml/2006/main" xmlns:r="http://schemas.openxmlformats.org/officeDocument/2006/relationships" xmlns:p14="http://schemas.microsoft.com/office/powerpoint/2010/main" xmlns:p15="http://schemas.microsoft.com/office/powerpoint/2012/main" xmlns:mc="http://schemas.openxmlformats.org/markup-compatibility/2006" type="twoObjAndObj" preserve="1">
+<p:sldLayout xmlns:a="http://schemas.openxmlformats.org/drawingml/2006/main" xmlns:r="http://schemas.openxmlformats.org/officeDocument/2006/relationships" xmlns:p="http://schemas.openxmlformats.org/presentationml/2006/main" type="twoObjAndObj" preserve="1">
   <p:cSld name="Title, 2 Content and Content">
     <p:spTree>
       <p:nvGrpSpPr>
@@ -4510,14 +4864,15 @@
           </a:ln>
         </p:spPr>
         <p:txBody>
-          <a:bodyPr lIns="0" rIns="0" tIns="0" bIns="0" anchor="ctr">
+          <a:bodyPr lIns="0" tIns="0" rIns="0" bIns="0" anchor="ctr">
             <a:noAutofit/>
           </a:bodyPr>
+          <a:lstStyle/>
           <a:p>
             <a:pPr indent="0">
               <a:buNone/>
             </a:pPr>
-            <a:endParaRPr b="0" lang="en-US" sz="3800" spc="-1" strike="noStrike">
+            <a:endParaRPr lang="en-US" sz="3800" b="0" strike="noStrike" spc="-1">
               <a:solidFill>
                 <a:srgbClr val="000000"/>
               </a:solidFill>
@@ -4550,9 +4905,10 @@
           </a:ln>
         </p:spPr>
         <p:txBody>
-          <a:bodyPr lIns="0" rIns="0" tIns="0" bIns="0" anchor="t">
+          <a:bodyPr lIns="0" tIns="0" rIns="0" bIns="0" anchor="t">
             <a:normAutofit/>
           </a:bodyPr>
+          <a:lstStyle/>
           <a:p>
             <a:pPr indent="0">
               <a:lnSpc>
@@ -4563,7 +4919,7 @@
               </a:spcBef>
               <a:buNone/>
             </a:pPr>
-            <a:endParaRPr b="0" lang="en-US" sz="2800" spc="-1" strike="noStrike">
+            <a:endParaRPr lang="en-US" sz="2800" b="0" strike="noStrike" spc="-1">
               <a:solidFill>
                 <a:srgbClr val="404040"/>
               </a:solidFill>
@@ -4596,9 +4952,10 @@
           </a:ln>
         </p:spPr>
         <p:txBody>
-          <a:bodyPr lIns="0" rIns="0" tIns="0" bIns="0" anchor="t">
+          <a:bodyPr lIns="0" tIns="0" rIns="0" bIns="0" anchor="t">
             <a:normAutofit/>
           </a:bodyPr>
+          <a:lstStyle/>
           <a:p>
             <a:pPr indent="0">
               <a:lnSpc>
@@ -4609,7 +4966,7 @@
               </a:spcBef>
               <a:buNone/>
             </a:pPr>
-            <a:endParaRPr b="0" lang="en-US" sz="2800" spc="-1" strike="noStrike">
+            <a:endParaRPr lang="en-US" sz="2800" b="0" strike="noStrike" spc="-1">
               <a:solidFill>
                 <a:srgbClr val="404040"/>
               </a:solidFill>
@@ -4642,9 +4999,10 @@
           </a:ln>
         </p:spPr>
         <p:txBody>
-          <a:bodyPr lIns="0" rIns="0" tIns="0" bIns="0" anchor="t">
+          <a:bodyPr lIns="0" tIns="0" rIns="0" bIns="0" anchor="t">
             <a:normAutofit/>
           </a:bodyPr>
+          <a:lstStyle/>
           <a:p>
             <a:pPr indent="0">
               <a:lnSpc>
@@ -4655,7 +5013,7 @@
               </a:spcBef>
               <a:buNone/>
             </a:pPr>
-            <a:endParaRPr b="0" lang="en-US" sz="2800" spc="-1" strike="noStrike">
+            <a:endParaRPr lang="en-US" sz="2800" b="0" strike="noStrike" spc="-1">
               <a:solidFill>
                 <a:srgbClr val="404040"/>
               </a:solidFill>
@@ -4677,6 +5035,7 @@
         <p:spPr/>
         <p:txBody>
           <a:bodyPr/>
+          <a:lstStyle/>
           <a:p>
             <a:r>
               <a:t>Footer</a:t>
@@ -4697,20 +5056,25 @@
         <p:spPr/>
         <p:txBody>
           <a:bodyPr/>
+          <a:lstStyle/>
           <a:p>
             <a:fld id="{CBA01B53-9D6F-4871-9FF6-9B1CCD645817}" type="slidenum">
-              <a:t>&lt;#&gt;</a:t>
+              <a:t>‹#›</a:t>
             </a:fld>
+            <a:endParaRPr/>
           </a:p>
         </p:txBody>
       </p:sp>
     </p:spTree>
   </p:cSld>
+  <p:clrMapOvr>
+    <a:masterClrMapping/>
+  </p:clrMapOvr>
 </p:sldLayout>
 </file>
 
 <file path=ppt/slideLayouts/slideLayout8.xml><?xml version="1.0" encoding="utf-8"?>
-<p:sldLayout xmlns:a="http://schemas.openxmlformats.org/drawingml/2006/main" xmlns:p="http://schemas.openxmlformats.org/presentationml/2006/main" xmlns:r="http://schemas.openxmlformats.org/officeDocument/2006/relationships" xmlns:p14="http://schemas.microsoft.com/office/powerpoint/2010/main" xmlns:p15="http://schemas.microsoft.com/office/powerpoint/2012/main" xmlns:mc="http://schemas.openxmlformats.org/markup-compatibility/2006" type="objAndTwoObj" preserve="1">
+<p:sldLayout xmlns:a="http://schemas.openxmlformats.org/drawingml/2006/main" xmlns:r="http://schemas.openxmlformats.org/officeDocument/2006/relationships" xmlns:p="http://schemas.openxmlformats.org/presentationml/2006/main" type="objAndTwoObj" preserve="1">
   <p:cSld name="Title Content and 2 Content">
     <p:spTree>
       <p:nvGrpSpPr>
@@ -4750,14 +5114,15 @@
           </a:ln>
         </p:spPr>
         <p:txBody>
-          <a:bodyPr lIns="0" rIns="0" tIns="0" bIns="0" anchor="ctr">
+          <a:bodyPr lIns="0" tIns="0" rIns="0" bIns="0" anchor="ctr">
             <a:noAutofit/>
           </a:bodyPr>
+          <a:lstStyle/>
           <a:p>
             <a:pPr indent="0">
               <a:buNone/>
             </a:pPr>
-            <a:endParaRPr b="0" lang="en-US" sz="3800" spc="-1" strike="noStrike">
+            <a:endParaRPr lang="en-US" sz="3800" b="0" strike="noStrike" spc="-1">
               <a:solidFill>
                 <a:srgbClr val="000000"/>
               </a:solidFill>
@@ -4790,9 +5155,10 @@
           </a:ln>
         </p:spPr>
         <p:txBody>
-          <a:bodyPr lIns="0" rIns="0" tIns="0" bIns="0" anchor="t">
+          <a:bodyPr lIns="0" tIns="0" rIns="0" bIns="0" anchor="t">
             <a:normAutofit/>
           </a:bodyPr>
+          <a:lstStyle/>
           <a:p>
             <a:pPr indent="0">
               <a:lnSpc>
@@ -4803,7 +5169,7 @@
               </a:spcBef>
               <a:buNone/>
             </a:pPr>
-            <a:endParaRPr b="0" lang="en-US" sz="2800" spc="-1" strike="noStrike">
+            <a:endParaRPr lang="en-US" sz="2800" b="0" strike="noStrike" spc="-1">
               <a:solidFill>
                 <a:srgbClr val="404040"/>
               </a:solidFill>
@@ -4836,9 +5202,10 @@
           </a:ln>
         </p:spPr>
         <p:txBody>
-          <a:bodyPr lIns="0" rIns="0" tIns="0" bIns="0" anchor="t">
+          <a:bodyPr lIns="0" tIns="0" rIns="0" bIns="0" anchor="t">
             <a:normAutofit/>
           </a:bodyPr>
+          <a:lstStyle/>
           <a:p>
             <a:pPr indent="0">
               <a:lnSpc>
@@ -4849,7 +5216,7 @@
               </a:spcBef>
               <a:buNone/>
             </a:pPr>
-            <a:endParaRPr b="0" lang="en-US" sz="2800" spc="-1" strike="noStrike">
+            <a:endParaRPr lang="en-US" sz="2800" b="0" strike="noStrike" spc="-1">
               <a:solidFill>
                 <a:srgbClr val="404040"/>
               </a:solidFill>
@@ -4882,9 +5249,10 @@
           </a:ln>
         </p:spPr>
         <p:txBody>
-          <a:bodyPr lIns="0" rIns="0" tIns="0" bIns="0" anchor="t">
+          <a:bodyPr lIns="0" tIns="0" rIns="0" bIns="0" anchor="t">
             <a:normAutofit/>
           </a:bodyPr>
+          <a:lstStyle/>
           <a:p>
             <a:pPr indent="0">
               <a:lnSpc>
@@ -4895,7 +5263,7 @@
               </a:spcBef>
               <a:buNone/>
             </a:pPr>
-            <a:endParaRPr b="0" lang="en-US" sz="2800" spc="-1" strike="noStrike">
+            <a:endParaRPr lang="en-US" sz="2800" b="0" strike="noStrike" spc="-1">
               <a:solidFill>
                 <a:srgbClr val="404040"/>
               </a:solidFill>
@@ -4917,6 +5285,7 @@
         <p:spPr/>
         <p:txBody>
           <a:bodyPr/>
+          <a:lstStyle/>
           <a:p>
             <a:r>
               <a:t>Footer</a:t>
@@ -4937,20 +5306,25 @@
         <p:spPr/>
         <p:txBody>
           <a:bodyPr/>
+          <a:lstStyle/>
           <a:p>
             <a:fld id="{E650164B-F0AC-4728-928F-1FF09170CCCC}" type="slidenum">
-              <a:t>&lt;#&gt;</a:t>
+              <a:t>‹#›</a:t>
             </a:fld>
+            <a:endParaRPr/>
           </a:p>
         </p:txBody>
       </p:sp>
     </p:spTree>
   </p:cSld>
+  <p:clrMapOvr>
+    <a:masterClrMapping/>
+  </p:clrMapOvr>
 </p:sldLayout>
 </file>
 
 <file path=ppt/slideLayouts/slideLayout9.xml><?xml version="1.0" encoding="utf-8"?>
-<p:sldLayout xmlns:a="http://schemas.openxmlformats.org/drawingml/2006/main" xmlns:p="http://schemas.openxmlformats.org/presentationml/2006/main" xmlns:r="http://schemas.openxmlformats.org/officeDocument/2006/relationships" xmlns:p14="http://schemas.microsoft.com/office/powerpoint/2010/main" xmlns:p15="http://schemas.microsoft.com/office/powerpoint/2012/main" xmlns:mc="http://schemas.openxmlformats.org/markup-compatibility/2006" type="twoObjOverTx" preserve="1">
+<p:sldLayout xmlns:a="http://schemas.openxmlformats.org/drawingml/2006/main" xmlns:r="http://schemas.openxmlformats.org/officeDocument/2006/relationships" xmlns:p="http://schemas.openxmlformats.org/presentationml/2006/main" type="twoObjOverTx" preserve="1">
   <p:cSld name="Title, 2 Content over Content">
     <p:spTree>
       <p:nvGrpSpPr>
@@ -4990,14 +5364,15 @@
           </a:ln>
         </p:spPr>
         <p:txBody>
-          <a:bodyPr lIns="0" rIns="0" tIns="0" bIns="0" anchor="ctr">
+          <a:bodyPr lIns="0" tIns="0" rIns="0" bIns="0" anchor="ctr">
             <a:noAutofit/>
           </a:bodyPr>
+          <a:lstStyle/>
           <a:p>
             <a:pPr indent="0">
               <a:buNone/>
             </a:pPr>
-            <a:endParaRPr b="0" lang="en-US" sz="3800" spc="-1" strike="noStrike">
+            <a:endParaRPr lang="en-US" sz="3800" b="0" strike="noStrike" spc="-1">
               <a:solidFill>
                 <a:srgbClr val="000000"/>
               </a:solidFill>
@@ -5030,9 +5405,10 @@
           </a:ln>
         </p:spPr>
         <p:txBody>
-          <a:bodyPr lIns="0" rIns="0" tIns="0" bIns="0" anchor="t">
+          <a:bodyPr lIns="0" tIns="0" rIns="0" bIns="0" anchor="t">
             <a:normAutofit/>
           </a:bodyPr>
+          <a:lstStyle/>
           <a:p>
             <a:pPr indent="0">
               <a:lnSpc>
@@ -5043,7 +5419,7 @@
               </a:spcBef>
               <a:buNone/>
             </a:pPr>
-            <a:endParaRPr b="0" lang="en-US" sz="2800" spc="-1" strike="noStrike">
+            <a:endParaRPr lang="en-US" sz="2800" b="0" strike="noStrike" spc="-1">
               <a:solidFill>
                 <a:srgbClr val="404040"/>
               </a:solidFill>
@@ -5076,9 +5452,10 @@
           </a:ln>
         </p:spPr>
         <p:txBody>
-          <a:bodyPr lIns="0" rIns="0" tIns="0" bIns="0" anchor="t">
+          <a:bodyPr lIns="0" tIns="0" rIns="0" bIns="0" anchor="t">
             <a:normAutofit/>
           </a:bodyPr>
+          <a:lstStyle/>
           <a:p>
             <a:pPr indent="0">
               <a:lnSpc>
@@ -5089,7 +5466,7 @@
               </a:spcBef>
               <a:buNone/>
             </a:pPr>
-            <a:endParaRPr b="0" lang="en-US" sz="2800" spc="-1" strike="noStrike">
+            <a:endParaRPr lang="en-US" sz="2800" b="0" strike="noStrike" spc="-1">
               <a:solidFill>
                 <a:srgbClr val="404040"/>
               </a:solidFill>
@@ -5122,9 +5499,10 @@
           </a:ln>
         </p:spPr>
         <p:txBody>
-          <a:bodyPr lIns="0" rIns="0" tIns="0" bIns="0" anchor="t">
+          <a:bodyPr lIns="0" tIns="0" rIns="0" bIns="0" anchor="t">
             <a:normAutofit/>
           </a:bodyPr>
+          <a:lstStyle/>
           <a:p>
             <a:pPr indent="0">
               <a:lnSpc>
@@ -5135,7 +5513,7 @@
               </a:spcBef>
               <a:buNone/>
             </a:pPr>
-            <a:endParaRPr b="0" lang="en-US" sz="2800" spc="-1" strike="noStrike">
+            <a:endParaRPr lang="en-US" sz="2800" b="0" strike="noStrike" spc="-1">
               <a:solidFill>
                 <a:srgbClr val="404040"/>
               </a:solidFill>
@@ -5157,6 +5535,7 @@
         <p:spPr/>
         <p:txBody>
           <a:bodyPr/>
+          <a:lstStyle/>
           <a:p>
             <a:r>
               <a:t>Footer</a:t>
@@ -5177,27 +5556,33 @@
         <p:spPr/>
         <p:txBody>
           <a:bodyPr/>
+          <a:lstStyle/>
           <a:p>
             <a:fld id="{F563BC0E-EF90-4BA7-A678-59274B92B221}" type="slidenum">
-              <a:t>&lt;#&gt;</a:t>
+              <a:t>‹#›</a:t>
             </a:fld>
+            <a:endParaRPr/>
           </a:p>
         </p:txBody>
       </p:sp>
     </p:spTree>
   </p:cSld>
+  <p:clrMapOvr>
+    <a:masterClrMapping/>
+  </p:clrMapOvr>
 </p:sldLayout>
 </file>
 
 <file path=ppt/slideMasters/slideMaster1.xml><?xml version="1.0" encoding="utf-8"?>
-<p:sldMaster xmlns:a="http://schemas.openxmlformats.org/drawingml/2006/main" xmlns:p="http://schemas.openxmlformats.org/presentationml/2006/main" xmlns:r="http://schemas.openxmlformats.org/officeDocument/2006/relationships" xmlns:p14="http://schemas.microsoft.com/office/powerpoint/2010/main" xmlns:p15="http://schemas.microsoft.com/office/powerpoint/2012/main" xmlns:mc="http://schemas.openxmlformats.org/markup-compatibility/2006">
+<p:sldMaster xmlns:a="http://schemas.openxmlformats.org/drawingml/2006/main" xmlns:r="http://schemas.openxmlformats.org/officeDocument/2006/relationships" xmlns:p="http://schemas.openxmlformats.org/presentationml/2006/main">
   <p:cSld>
     <p:bg>
       <p:bgPr>
         <a:blipFill rotWithShape="0">
-          <a:blip r:embed="rId2"/>
+          <a:blip r:embed="rId14"/>
           <a:stretch/>
         </a:blipFill>
+        <a:effectLst/>
       </p:bgPr>
     </p:bg>
     <p:spTree>
@@ -5216,12 +5601,12 @@
       </p:grpSpPr>
       <p:pic>
         <p:nvPicPr>
-          <p:cNvPr id="0" name="Picture 6" descr=""/>
+          <p:cNvPr id="5" name="Picture 6"/>
           <p:cNvPicPr/>
           <p:nvPr/>
         </p:nvPicPr>
         <p:blipFill>
-          <a:blip r:embed="rId3"/>
+          <a:blip r:embed="rId15"/>
           <a:stretch/>
         </p:blipFill>
         <p:spPr>
@@ -5239,7 +5624,7 @@
       </p:pic>
       <p:sp>
         <p:nvSpPr>
-          <p:cNvPr id="1" name="PlaceHolder 1"/>
+          <p:cNvPr id="6" name="PlaceHolder 1"/>
           <p:cNvSpPr>
             <a:spLocks noGrp="1"/>
           </p:cNvSpPr>
@@ -5270,9 +5655,9 @@
                 <a:spcPct val="100000"/>
               </a:lnSpc>
               <a:buNone/>
-              <a:defRPr b="0" lang="en-US" sz="1000" spc="-1" strike="noStrike">
-                <a:solidFill>
-                  <a:srgbClr val="ffffff"/>
+              <a:defRPr lang="en-US" sz="1000" b="0" strike="noStrike" spc="-1">
+                <a:solidFill>
+                  <a:srgbClr val="FFFFFF"/>
                 </a:solidFill>
                 <a:latin typeface="Century Gothic"/>
               </a:defRPr>
@@ -5286,15 +5671,15 @@
               <a:buNone/>
             </a:pPr>
             <a:fld id="{10D724AA-BDF8-4679-9B74-FC1F044ED899}" type="slidenum">
-              <a:rPr b="0" lang="en-US" sz="1000" spc="-1" strike="noStrike">
-                <a:solidFill>
-                  <a:srgbClr val="ffffff"/>
+              <a:rPr lang="en-US" sz="1000" b="0" strike="noStrike" spc="-1">
+                <a:solidFill>
+                  <a:srgbClr val="FFFFFF"/>
                 </a:solidFill>
                 <a:latin typeface="Century Gothic"/>
               </a:rPr>
-              <a:t>&lt;number&gt;</a:t>
+              <a:t>‹#›</a:t>
             </a:fld>
-            <a:endParaRPr b="0" lang="en-US" sz="1000" spc="-1" strike="noStrike">
+            <a:endParaRPr lang="en-US" sz="1000" b="0" strike="noStrike" spc="-1">
               <a:solidFill>
                 <a:srgbClr val="000000"/>
               </a:solidFill>
@@ -5333,7 +5718,7 @@
           <a:lstStyle>
             <a:lvl1pPr indent="0" algn="ctr">
               <a:buNone/>
-              <a:defRPr b="0" lang="en-US" sz="1400" spc="-1" strike="noStrike">
+              <a:defRPr lang="en-US" sz="1400" b="0" strike="noStrike" spc="-1">
                 <a:solidFill>
                   <a:srgbClr val="000000"/>
                 </a:solidFill>
@@ -5346,7 +5731,7 @@
               <a:buNone/>
             </a:pPr>
             <a:r>
-              <a:rPr b="0" lang="en-US" sz="1400" spc="-1" strike="noStrike">
+              <a:rPr lang="en-US" sz="1400" b="0" strike="noStrike" spc="-1">
                 <a:solidFill>
                   <a:srgbClr val="000000"/>
                 </a:solidFill>
@@ -5354,12 +5739,6 @@
               </a:rPr>
               <a:t>&lt;footer&gt;</a:t>
             </a:r>
-            <a:endParaRPr b="0" lang="en-US" sz="1400" spc="-1" strike="noStrike">
-              <a:solidFill>
-                <a:srgbClr val="000000"/>
-              </a:solidFill>
-              <a:latin typeface="Times New Roman"/>
-            </a:endParaRPr>
           </a:p>
         </p:txBody>
       </p:sp>
@@ -5387,15 +5766,16 @@
           </a:ln>
         </p:spPr>
         <p:txBody>
-          <a:bodyPr lIns="0" rIns="0" tIns="0" bIns="0" anchor="ctr">
+          <a:bodyPr lIns="0" tIns="0" rIns="0" bIns="0" anchor="ctr">
             <a:noAutofit/>
           </a:bodyPr>
+          <a:lstStyle/>
           <a:p>
             <a:pPr indent="0">
               <a:buNone/>
             </a:pPr>
             <a:r>
-              <a:rPr b="0" lang="en-US" sz="3800" spc="-1" strike="noStrike">
+              <a:rPr lang="en-US" sz="3800" b="0" strike="noStrike" spc="-1">
                 <a:solidFill>
                   <a:srgbClr val="000000"/>
                 </a:solidFill>
@@ -5403,12 +5783,6 @@
               </a:rPr>
               <a:t>Click to edit the title text format</a:t>
             </a:r>
-            <a:endParaRPr b="0" lang="en-US" sz="3800" spc="-1" strike="noStrike">
-              <a:solidFill>
-                <a:srgbClr val="000000"/>
-              </a:solidFill>
-              <a:latin typeface="Calibri"/>
-            </a:endParaRPr>
           </a:p>
         </p:txBody>
       </p:sp>
@@ -5436,9 +5810,10 @@
           </a:ln>
         </p:spPr>
         <p:txBody>
-          <a:bodyPr lIns="0" rIns="0" tIns="0" bIns="0" anchor="t">
+          <a:bodyPr lIns="0" tIns="0" rIns="0" bIns="0" anchor="t">
             <a:normAutofit/>
           </a:bodyPr>
+          <a:lstStyle/>
           <a:p>
             <a:pPr marL="432000" indent="-324000">
               <a:lnSpc>
@@ -5455,7 +5830,7 @@
               <a:buChar char=""/>
             </a:pPr>
             <a:r>
-              <a:rPr b="0" lang="en-US" sz="2800" spc="-1" strike="noStrike">
+              <a:rPr lang="en-US" sz="2800" b="0" strike="noStrike" spc="-1">
                 <a:solidFill>
                   <a:srgbClr val="404040"/>
                 </a:solidFill>
@@ -5463,15 +5838,9 @@
               </a:rPr>
               <a:t>Click to edit the outline text format</a:t>
             </a:r>
-            <a:endParaRPr b="0" lang="en-US" sz="2800" spc="-1" strike="noStrike">
-              <a:solidFill>
-                <a:srgbClr val="404040"/>
-              </a:solidFill>
-              <a:latin typeface="Century Gothic"/>
-            </a:endParaRPr>
-          </a:p>
-          <a:p>
-            <a:pPr lvl="1" marL="864000" indent="-324000">
+          </a:p>
+          <a:p>
+            <a:pPr marL="864000" lvl="1" indent="-324000">
               <a:lnSpc>
                 <a:spcPct val="90000"/>
               </a:lnSpc>
@@ -5486,7 +5855,7 @@
               <a:buChar char=""/>
             </a:pPr>
             <a:r>
-              <a:rPr b="0" lang="en-US" sz="2000" spc="-1" strike="noStrike">
+              <a:rPr lang="en-US" sz="2000" b="0" strike="noStrike" spc="-1">
                 <a:solidFill>
                   <a:srgbClr val="404040"/>
                 </a:solidFill>
@@ -5494,15 +5863,9 @@
               </a:rPr>
               <a:t>Second Outline Level</a:t>
             </a:r>
-            <a:endParaRPr b="0" lang="en-US" sz="2000" spc="-1" strike="noStrike">
-              <a:solidFill>
-                <a:srgbClr val="404040"/>
-              </a:solidFill>
-              <a:latin typeface="Century Gothic"/>
-            </a:endParaRPr>
-          </a:p>
-          <a:p>
-            <a:pPr lvl="2" marL="1296000" indent="-288000">
+          </a:p>
+          <a:p>
+            <a:pPr marL="1296000" lvl="2" indent="-288000">
               <a:lnSpc>
                 <a:spcPct val="90000"/>
               </a:lnSpc>
@@ -5517,7 +5880,7 @@
               <a:buChar char=""/>
             </a:pPr>
             <a:r>
-              <a:rPr b="0" lang="en-US" sz="1800" spc="-1" strike="noStrike">
+              <a:rPr lang="en-US" sz="1800" b="0" strike="noStrike" spc="-1">
                 <a:solidFill>
                   <a:srgbClr val="404040"/>
                 </a:solidFill>
@@ -5525,15 +5888,9 @@
               </a:rPr>
               <a:t>Third Outline Level</a:t>
             </a:r>
-            <a:endParaRPr b="0" lang="en-US" sz="1800" spc="-1" strike="noStrike">
-              <a:solidFill>
-                <a:srgbClr val="404040"/>
-              </a:solidFill>
-              <a:latin typeface="Century Gothic"/>
-            </a:endParaRPr>
-          </a:p>
-          <a:p>
-            <a:pPr lvl="3" marL="1728000" indent="-216000">
+          </a:p>
+          <a:p>
+            <a:pPr marL="1728000" lvl="3" indent="-216000">
               <a:lnSpc>
                 <a:spcPct val="90000"/>
               </a:lnSpc>
@@ -5548,7 +5905,7 @@
               <a:buChar char=""/>
             </a:pPr>
             <a:r>
-              <a:rPr b="0" lang="en-US" sz="1800" spc="-1" strike="noStrike">
+              <a:rPr lang="en-US" sz="1800" b="0" strike="noStrike" spc="-1">
                 <a:solidFill>
                   <a:srgbClr val="404040"/>
                 </a:solidFill>
@@ -5556,15 +5913,9 @@
               </a:rPr>
               <a:t>Fourth Outline Level</a:t>
             </a:r>
-            <a:endParaRPr b="0" lang="en-US" sz="1800" spc="-1" strike="noStrike">
-              <a:solidFill>
-                <a:srgbClr val="404040"/>
-              </a:solidFill>
-              <a:latin typeface="Century Gothic"/>
-            </a:endParaRPr>
-          </a:p>
-          <a:p>
-            <a:pPr lvl="4" marL="2160000" indent="-216000">
+          </a:p>
+          <a:p>
+            <a:pPr marL="2160000" lvl="4" indent="-216000">
               <a:lnSpc>
                 <a:spcPct val="90000"/>
               </a:lnSpc>
@@ -5579,7 +5930,7 @@
               <a:buChar char=""/>
             </a:pPr>
             <a:r>
-              <a:rPr b="0" lang="en-US" sz="2000" spc="-1" strike="noStrike">
+              <a:rPr lang="en-US" sz="2000" b="0" strike="noStrike" spc="-1">
                 <a:solidFill>
                   <a:srgbClr val="404040"/>
                 </a:solidFill>
@@ -5587,15 +5938,9 @@
               </a:rPr>
               <a:t>Fifth Outline Level</a:t>
             </a:r>
-            <a:endParaRPr b="0" lang="en-US" sz="2000" spc="-1" strike="noStrike">
-              <a:solidFill>
-                <a:srgbClr val="404040"/>
-              </a:solidFill>
-              <a:latin typeface="Century Gothic"/>
-            </a:endParaRPr>
-          </a:p>
-          <a:p>
-            <a:pPr lvl="5" marL="2592000" indent="-216000">
+          </a:p>
+          <a:p>
+            <a:pPr marL="2592000" lvl="5" indent="-216000">
               <a:lnSpc>
                 <a:spcPct val="90000"/>
               </a:lnSpc>
@@ -5610,7 +5955,7 @@
               <a:buChar char=""/>
             </a:pPr>
             <a:r>
-              <a:rPr b="0" lang="en-US" sz="2000" spc="-1" strike="noStrike">
+              <a:rPr lang="en-US" sz="2000" b="0" strike="noStrike" spc="-1">
                 <a:solidFill>
                   <a:srgbClr val="404040"/>
                 </a:solidFill>
@@ -5618,15 +5963,9 @@
               </a:rPr>
               <a:t>Sixth Outline Level</a:t>
             </a:r>
-            <a:endParaRPr b="0" lang="en-US" sz="2000" spc="-1" strike="noStrike">
-              <a:solidFill>
-                <a:srgbClr val="404040"/>
-              </a:solidFill>
-              <a:latin typeface="Century Gothic"/>
-            </a:endParaRPr>
-          </a:p>
-          <a:p>
-            <a:pPr lvl="6" marL="3024000" indent="-216000">
+          </a:p>
+          <a:p>
+            <a:pPr marL="3024000" lvl="6" indent="-216000">
               <a:lnSpc>
                 <a:spcPct val="90000"/>
               </a:lnSpc>
@@ -5641,7 +5980,7 @@
               <a:buChar char=""/>
             </a:pPr>
             <a:r>
-              <a:rPr b="0" lang="en-US" sz="2000" spc="-1" strike="noStrike">
+              <a:rPr lang="en-US" sz="2000" b="0" strike="noStrike" spc="-1">
                 <a:solidFill>
                   <a:srgbClr val="404040"/>
                 </a:solidFill>
@@ -5649,44 +5988,319 @@
               </a:rPr>
               <a:t>Seventh Outline Level</a:t>
             </a:r>
-            <a:endParaRPr b="0" lang="en-US" sz="2000" spc="-1" strike="noStrike">
-              <a:solidFill>
-                <a:srgbClr val="404040"/>
-              </a:solidFill>
-              <a:latin typeface="Century Gothic"/>
-            </a:endParaRPr>
           </a:p>
         </p:txBody>
       </p:sp>
     </p:spTree>
   </p:cSld>
-  <p:clrMap bg1="lt1" bg2="lt2" tx1="dk1" tx2="dk2" accent1="accent1" accent2="accent2" accent3="accent3" accent4="accent4" accent5="accent5" accent6="accent6" hlink="hlink" folHlink="folHlink"/>
+  <p:clrMap bg1="lt1" tx1="dk1" bg2="lt2" tx2="dk2" accent1="accent1" accent2="accent2" accent3="accent3" accent4="accent4" accent5="accent5" accent6="accent6" hlink="hlink" folHlink="folHlink"/>
   <p:sldLayoutIdLst>
-    <p:sldLayoutId id="2147483649" r:id="rId4"/>
-    <p:sldLayoutId id="2147483650" r:id="rId5"/>
-    <p:sldLayoutId id="2147483651" r:id="rId6"/>
-    <p:sldLayoutId id="2147483652" r:id="rId7"/>
-    <p:sldLayoutId id="2147483653" r:id="rId8"/>
-    <p:sldLayoutId id="2147483654" r:id="rId9"/>
-    <p:sldLayoutId id="2147483655" r:id="rId10"/>
-    <p:sldLayoutId id="2147483656" r:id="rId11"/>
-    <p:sldLayoutId id="2147483657" r:id="rId12"/>
-    <p:sldLayoutId id="2147483658" r:id="rId13"/>
-    <p:sldLayoutId id="2147483659" r:id="rId14"/>
-    <p:sldLayoutId id="2147483660" r:id="rId15"/>
+    <p:sldLayoutId id="2147483649" r:id="rId1"/>
+    <p:sldLayoutId id="2147483650" r:id="rId2"/>
+    <p:sldLayoutId id="2147483651" r:id="rId3"/>
+    <p:sldLayoutId id="2147483652" r:id="rId4"/>
+    <p:sldLayoutId id="2147483653" r:id="rId5"/>
+    <p:sldLayoutId id="2147483654" r:id="rId6"/>
+    <p:sldLayoutId id="2147483655" r:id="rId7"/>
+    <p:sldLayoutId id="2147483656" r:id="rId8"/>
+    <p:sldLayoutId id="2147483657" r:id="rId9"/>
+    <p:sldLayoutId id="2147483658" r:id="rId10"/>
+    <p:sldLayoutId id="2147483659" r:id="rId11"/>
+    <p:sldLayoutId id="2147483660" r:id="rId12"/>
   </p:sldLayoutIdLst>
+  <p:txStyles>
+    <p:titleStyle>
+      <a:lvl1pPr algn="l" defTabSz="914400" rtl="0" eaLnBrk="1" latinLnBrk="0" hangingPunct="1">
+        <a:lnSpc>
+          <a:spcPct val="90000"/>
+        </a:lnSpc>
+        <a:spcBef>
+          <a:spcPct val="0"/>
+        </a:spcBef>
+        <a:buNone/>
+        <a:defRPr sz="4400" kern="1200">
+          <a:solidFill>
+            <a:schemeClr val="tx1"/>
+          </a:solidFill>
+          <a:latin typeface="+mj-lt"/>
+          <a:ea typeface="+mj-ea"/>
+          <a:cs typeface="+mj-cs"/>
+        </a:defRPr>
+      </a:lvl1pPr>
+    </p:titleStyle>
+    <p:bodyStyle>
+      <a:lvl1pPr marL="228600" indent="-228600" algn="l" defTabSz="914400" rtl="0" eaLnBrk="1" latinLnBrk="0" hangingPunct="1">
+        <a:lnSpc>
+          <a:spcPct val="90000"/>
+        </a:lnSpc>
+        <a:spcBef>
+          <a:spcPts val="1000"/>
+        </a:spcBef>
+        <a:buFont typeface="Arial" panose="020B0604020202020204" pitchFamily="34" charset="0"/>
+        <a:buChar char="•"/>
+        <a:defRPr sz="2800" kern="1200">
+          <a:solidFill>
+            <a:schemeClr val="tx1"/>
+          </a:solidFill>
+          <a:latin typeface="+mn-lt"/>
+          <a:ea typeface="+mn-ea"/>
+          <a:cs typeface="+mn-cs"/>
+        </a:defRPr>
+      </a:lvl1pPr>
+      <a:lvl2pPr marL="685800" indent="-228600" algn="l" defTabSz="914400" rtl="0" eaLnBrk="1" latinLnBrk="0" hangingPunct="1">
+        <a:lnSpc>
+          <a:spcPct val="90000"/>
+        </a:lnSpc>
+        <a:spcBef>
+          <a:spcPts val="500"/>
+        </a:spcBef>
+        <a:buFont typeface="Arial" panose="020B0604020202020204" pitchFamily="34" charset="0"/>
+        <a:buChar char="•"/>
+        <a:defRPr sz="2400" kern="1200">
+          <a:solidFill>
+            <a:schemeClr val="tx1"/>
+          </a:solidFill>
+          <a:latin typeface="+mn-lt"/>
+          <a:ea typeface="+mn-ea"/>
+          <a:cs typeface="+mn-cs"/>
+        </a:defRPr>
+      </a:lvl2pPr>
+      <a:lvl3pPr marL="1143000" indent="-228600" algn="l" defTabSz="914400" rtl="0" eaLnBrk="1" latinLnBrk="0" hangingPunct="1">
+        <a:lnSpc>
+          <a:spcPct val="90000"/>
+        </a:lnSpc>
+        <a:spcBef>
+          <a:spcPts val="500"/>
+        </a:spcBef>
+        <a:buFont typeface="Arial" panose="020B0604020202020204" pitchFamily="34" charset="0"/>
+        <a:buChar char="•"/>
+        <a:defRPr sz="2000" kern="1200">
+          <a:solidFill>
+            <a:schemeClr val="tx1"/>
+          </a:solidFill>
+          <a:latin typeface="+mn-lt"/>
+          <a:ea typeface="+mn-ea"/>
+          <a:cs typeface="+mn-cs"/>
+        </a:defRPr>
+      </a:lvl3pPr>
+      <a:lvl4pPr marL="1600200" indent="-228600" algn="l" defTabSz="914400" rtl="0" eaLnBrk="1" latinLnBrk="0" hangingPunct="1">
+        <a:lnSpc>
+          <a:spcPct val="90000"/>
+        </a:lnSpc>
+        <a:spcBef>
+          <a:spcPts val="500"/>
+        </a:spcBef>
+        <a:buFont typeface="Arial" panose="020B0604020202020204" pitchFamily="34" charset="0"/>
+        <a:buChar char="•"/>
+        <a:defRPr sz="1800" kern="1200">
+          <a:solidFill>
+            <a:schemeClr val="tx1"/>
+          </a:solidFill>
+          <a:latin typeface="+mn-lt"/>
+          <a:ea typeface="+mn-ea"/>
+          <a:cs typeface="+mn-cs"/>
+        </a:defRPr>
+      </a:lvl4pPr>
+      <a:lvl5pPr marL="2057400" indent="-228600" algn="l" defTabSz="914400" rtl="0" eaLnBrk="1" latinLnBrk="0" hangingPunct="1">
+        <a:lnSpc>
+          <a:spcPct val="90000"/>
+        </a:lnSpc>
+        <a:spcBef>
+          <a:spcPts val="500"/>
+        </a:spcBef>
+        <a:buFont typeface="Arial" panose="020B0604020202020204" pitchFamily="34" charset="0"/>
+        <a:buChar char="•"/>
+        <a:defRPr sz="1800" kern="1200">
+          <a:solidFill>
+            <a:schemeClr val="tx1"/>
+          </a:solidFill>
+          <a:latin typeface="+mn-lt"/>
+          <a:ea typeface="+mn-ea"/>
+          <a:cs typeface="+mn-cs"/>
+        </a:defRPr>
+      </a:lvl5pPr>
+      <a:lvl6pPr marL="2514600" indent="-228600" algn="l" defTabSz="914400" rtl="0" eaLnBrk="1" latinLnBrk="0" hangingPunct="1">
+        <a:lnSpc>
+          <a:spcPct val="90000"/>
+        </a:lnSpc>
+        <a:spcBef>
+          <a:spcPts val="500"/>
+        </a:spcBef>
+        <a:buFont typeface="Arial" panose="020B0604020202020204" pitchFamily="34" charset="0"/>
+        <a:buChar char="•"/>
+        <a:defRPr sz="1800" kern="1200">
+          <a:solidFill>
+            <a:schemeClr val="tx1"/>
+          </a:solidFill>
+          <a:latin typeface="+mn-lt"/>
+          <a:ea typeface="+mn-ea"/>
+          <a:cs typeface="+mn-cs"/>
+        </a:defRPr>
+      </a:lvl6pPr>
+      <a:lvl7pPr marL="2971800" indent="-228600" algn="l" defTabSz="914400" rtl="0" eaLnBrk="1" latinLnBrk="0" hangingPunct="1">
+        <a:lnSpc>
+          <a:spcPct val="90000"/>
+        </a:lnSpc>
+        <a:spcBef>
+          <a:spcPts val="500"/>
+        </a:spcBef>
+        <a:buFont typeface="Arial" panose="020B0604020202020204" pitchFamily="34" charset="0"/>
+        <a:buChar char="•"/>
+        <a:defRPr sz="1800" kern="1200">
+          <a:solidFill>
+            <a:schemeClr val="tx1"/>
+          </a:solidFill>
+          <a:latin typeface="+mn-lt"/>
+          <a:ea typeface="+mn-ea"/>
+          <a:cs typeface="+mn-cs"/>
+        </a:defRPr>
+      </a:lvl7pPr>
+      <a:lvl8pPr marL="3429000" indent="-228600" algn="l" defTabSz="914400" rtl="0" eaLnBrk="1" latinLnBrk="0" hangingPunct="1">
+        <a:lnSpc>
+          <a:spcPct val="90000"/>
+        </a:lnSpc>
+        <a:spcBef>
+          <a:spcPts val="500"/>
+        </a:spcBef>
+        <a:buFont typeface="Arial" panose="020B0604020202020204" pitchFamily="34" charset="0"/>
+        <a:buChar char="•"/>
+        <a:defRPr sz="1800" kern="1200">
+          <a:solidFill>
+            <a:schemeClr val="tx1"/>
+          </a:solidFill>
+          <a:latin typeface="+mn-lt"/>
+          <a:ea typeface="+mn-ea"/>
+          <a:cs typeface="+mn-cs"/>
+        </a:defRPr>
+      </a:lvl8pPr>
+      <a:lvl9pPr marL="3886200" indent="-228600" algn="l" defTabSz="914400" rtl="0" eaLnBrk="1" latinLnBrk="0" hangingPunct="1">
+        <a:lnSpc>
+          <a:spcPct val="90000"/>
+        </a:lnSpc>
+        <a:spcBef>
+          <a:spcPts val="500"/>
+        </a:spcBef>
+        <a:buFont typeface="Arial" panose="020B0604020202020204" pitchFamily="34" charset="0"/>
+        <a:buChar char="•"/>
+        <a:defRPr sz="1800" kern="1200">
+          <a:solidFill>
+            <a:schemeClr val="tx1"/>
+          </a:solidFill>
+          <a:latin typeface="+mn-lt"/>
+          <a:ea typeface="+mn-ea"/>
+          <a:cs typeface="+mn-cs"/>
+        </a:defRPr>
+      </a:lvl9pPr>
+    </p:bodyStyle>
+    <p:otherStyle>
+      <a:defPPr>
+        <a:defRPr lang="en-US"/>
+      </a:defPPr>
+      <a:lvl1pPr marL="0" algn="l" defTabSz="914400" rtl="0" eaLnBrk="1" latinLnBrk="0" hangingPunct="1">
+        <a:defRPr sz="1800" kern="1200">
+          <a:solidFill>
+            <a:schemeClr val="tx1"/>
+          </a:solidFill>
+          <a:latin typeface="+mn-lt"/>
+          <a:ea typeface="+mn-ea"/>
+          <a:cs typeface="+mn-cs"/>
+        </a:defRPr>
+      </a:lvl1pPr>
+      <a:lvl2pPr marL="457200" algn="l" defTabSz="914400" rtl="0" eaLnBrk="1" latinLnBrk="0" hangingPunct="1">
+        <a:defRPr sz="1800" kern="1200">
+          <a:solidFill>
+            <a:schemeClr val="tx1"/>
+          </a:solidFill>
+          <a:latin typeface="+mn-lt"/>
+          <a:ea typeface="+mn-ea"/>
+          <a:cs typeface="+mn-cs"/>
+        </a:defRPr>
+      </a:lvl2pPr>
+      <a:lvl3pPr marL="914400" algn="l" defTabSz="914400" rtl="0" eaLnBrk="1" latinLnBrk="0" hangingPunct="1">
+        <a:defRPr sz="1800" kern="1200">
+          <a:solidFill>
+            <a:schemeClr val="tx1"/>
+          </a:solidFill>
+          <a:latin typeface="+mn-lt"/>
+          <a:ea typeface="+mn-ea"/>
+          <a:cs typeface="+mn-cs"/>
+        </a:defRPr>
+      </a:lvl3pPr>
+      <a:lvl4pPr marL="1371600" algn="l" defTabSz="914400" rtl="0" eaLnBrk="1" latinLnBrk="0" hangingPunct="1">
+        <a:defRPr sz="1800" kern="1200">
+          <a:solidFill>
+            <a:schemeClr val="tx1"/>
+          </a:solidFill>
+          <a:latin typeface="+mn-lt"/>
+          <a:ea typeface="+mn-ea"/>
+          <a:cs typeface="+mn-cs"/>
+        </a:defRPr>
+      </a:lvl4pPr>
+      <a:lvl5pPr marL="1828800" algn="l" defTabSz="914400" rtl="0" eaLnBrk="1" latinLnBrk="0" hangingPunct="1">
+        <a:defRPr sz="1800" kern="1200">
+          <a:solidFill>
+            <a:schemeClr val="tx1"/>
+          </a:solidFill>
+          <a:latin typeface="+mn-lt"/>
+          <a:ea typeface="+mn-ea"/>
+          <a:cs typeface="+mn-cs"/>
+        </a:defRPr>
+      </a:lvl5pPr>
+      <a:lvl6pPr marL="2286000" algn="l" defTabSz="914400" rtl="0" eaLnBrk="1" latinLnBrk="0" hangingPunct="1">
+        <a:defRPr sz="1800" kern="1200">
+          <a:solidFill>
+            <a:schemeClr val="tx1"/>
+          </a:solidFill>
+          <a:latin typeface="+mn-lt"/>
+          <a:ea typeface="+mn-ea"/>
+          <a:cs typeface="+mn-cs"/>
+        </a:defRPr>
+      </a:lvl6pPr>
+      <a:lvl7pPr marL="2743200" algn="l" defTabSz="914400" rtl="0" eaLnBrk="1" latinLnBrk="0" hangingPunct="1">
+        <a:defRPr sz="1800" kern="1200">
+          <a:solidFill>
+            <a:schemeClr val="tx1"/>
+          </a:solidFill>
+          <a:latin typeface="+mn-lt"/>
+          <a:ea typeface="+mn-ea"/>
+          <a:cs typeface="+mn-cs"/>
+        </a:defRPr>
+      </a:lvl7pPr>
+      <a:lvl8pPr marL="3200400" algn="l" defTabSz="914400" rtl="0" eaLnBrk="1" latinLnBrk="0" hangingPunct="1">
+        <a:defRPr sz="1800" kern="1200">
+          <a:solidFill>
+            <a:schemeClr val="tx1"/>
+          </a:solidFill>
+          <a:latin typeface="+mn-lt"/>
+          <a:ea typeface="+mn-ea"/>
+          <a:cs typeface="+mn-cs"/>
+        </a:defRPr>
+      </a:lvl8pPr>
+      <a:lvl9pPr marL="3657600" algn="l" defTabSz="914400" rtl="0" eaLnBrk="1" latinLnBrk="0" hangingPunct="1">
+        <a:defRPr sz="1800" kern="1200">
+          <a:solidFill>
+            <a:schemeClr val="tx1"/>
+          </a:solidFill>
+          <a:latin typeface="+mn-lt"/>
+          <a:ea typeface="+mn-ea"/>
+          <a:cs typeface="+mn-cs"/>
+        </a:defRPr>
+      </a:lvl9pPr>
+    </p:otherStyle>
+  </p:txStyles>
 </p:sldMaster>
 </file>
 
 <file path=ppt/slideMasters/slideMaster2.xml><?xml version="1.0" encoding="utf-8"?>
-<p:sldMaster xmlns:a="http://schemas.openxmlformats.org/drawingml/2006/main" xmlns:p="http://schemas.openxmlformats.org/presentationml/2006/main" xmlns:r="http://schemas.openxmlformats.org/officeDocument/2006/relationships" xmlns:p14="http://schemas.microsoft.com/office/powerpoint/2010/main" xmlns:p15="http://schemas.microsoft.com/office/powerpoint/2012/main" xmlns:mc="http://schemas.openxmlformats.org/markup-compatibility/2006">
+<p:sldMaster xmlns:a="http://schemas.openxmlformats.org/drawingml/2006/main" xmlns:r="http://schemas.openxmlformats.org/officeDocument/2006/relationships" xmlns:p="http://schemas.openxmlformats.org/presentationml/2006/main">
   <p:cSld>
     <p:bg>
       <p:bgPr>
         <a:blipFill rotWithShape="0">
-          <a:blip r:embed="rId2"/>
+          <a:blip r:embed="rId14"/>
           <a:stretch/>
         </a:blipFill>
+        <a:effectLst/>
       </p:bgPr>
     </p:bg>
     <p:spTree>
@@ -5705,12 +6319,12 @@
       </p:grpSpPr>
       <p:pic>
         <p:nvPicPr>
-          <p:cNvPr id="41" name="Picture 6" descr=""/>
+          <p:cNvPr id="41" name="Picture 6"/>
           <p:cNvPicPr/>
           <p:nvPr/>
         </p:nvPicPr>
         <p:blipFill>
-          <a:blip r:embed="rId3"/>
+          <a:blip r:embed="rId15"/>
           <a:stretch/>
         </p:blipFill>
         <p:spPr>
@@ -5753,6 +6367,7 @@
           <a:bodyPr numCol="1" spcCol="0" anchor="ctr">
             <a:noAutofit/>
           </a:bodyPr>
+          <a:lstStyle/>
           <a:p>
             <a:pPr indent="0">
               <a:lnSpc>
@@ -5761,15 +6376,15 @@
               <a:buNone/>
             </a:pPr>
             <a:r>
-              <a:rPr b="0" lang="en-US" sz="3800" spc="-1" strike="noStrike" cap="all">
-                <a:solidFill>
-                  <a:srgbClr val="265b4d"/>
+              <a:rPr lang="en-US" sz="3800" b="0" strike="noStrike" cap="all" spc="-1">
+                <a:solidFill>
+                  <a:srgbClr val="265B4D"/>
                 </a:solidFill>
                 <a:latin typeface="Century Gothic"/>
               </a:rPr>
               <a:t>Click to edit Master title style</a:t>
             </a:r>
-            <a:endParaRPr b="0" lang="en-US" sz="3800" spc="-1" strike="noStrike">
+            <a:endParaRPr lang="en-US" sz="3800" b="0" strike="noStrike" spc="-1">
               <a:solidFill>
                 <a:srgbClr val="000000"/>
               </a:solidFill>
@@ -5805,6 +6420,7 @@
           <a:bodyPr numCol="1" spcCol="0" anchor="t">
             <a:noAutofit/>
           </a:bodyPr>
+          <a:lstStyle/>
           <a:p>
             <a:pPr marL="228600" indent="-228600">
               <a:lnSpc>
@@ -5820,7 +6436,7 @@
               <a:buChar char="•"/>
             </a:pPr>
             <a:r>
-              <a:rPr b="0" lang="en-US" sz="2400" spc="-1" strike="noStrike">
+              <a:rPr lang="en-US" sz="2400" b="0" strike="noStrike" spc="-1">
                 <a:solidFill>
                   <a:srgbClr val="404040"/>
                 </a:solidFill>
@@ -5828,15 +6444,9 @@
               </a:rPr>
               <a:t>Click to edit Master text styles</a:t>
             </a:r>
-            <a:endParaRPr b="0" lang="en-US" sz="2400" spc="-1" strike="noStrike">
-              <a:solidFill>
-                <a:srgbClr val="404040"/>
-              </a:solidFill>
-              <a:latin typeface="Century Gothic"/>
-            </a:endParaRPr>
-          </a:p>
-          <a:p>
-            <a:pPr lvl="1" marL="685800" indent="-228600">
+          </a:p>
+          <a:p>
+            <a:pPr marL="685800" lvl="1" indent="-228600">
               <a:lnSpc>
                 <a:spcPct val="90000"/>
               </a:lnSpc>
@@ -5850,7 +6460,7 @@
               <a:buChar char="•"/>
             </a:pPr>
             <a:r>
-              <a:rPr b="0" lang="en-US" sz="2000" spc="-1" strike="noStrike">
+              <a:rPr lang="en-US" sz="2000" b="0" strike="noStrike" spc="-1">
                 <a:solidFill>
                   <a:srgbClr val="404040"/>
                 </a:solidFill>
@@ -5858,15 +6468,9 @@
               </a:rPr>
               <a:t>Second level</a:t>
             </a:r>
-            <a:endParaRPr b="0" lang="en-US" sz="2000" spc="-1" strike="noStrike">
-              <a:solidFill>
-                <a:srgbClr val="404040"/>
-              </a:solidFill>
-              <a:latin typeface="Century Gothic"/>
-            </a:endParaRPr>
-          </a:p>
-          <a:p>
-            <a:pPr lvl="2" marL="1143000" indent="-228600">
+          </a:p>
+          <a:p>
+            <a:pPr marL="1143000" lvl="2" indent="-228600">
               <a:lnSpc>
                 <a:spcPct val="90000"/>
               </a:lnSpc>
@@ -5880,7 +6484,7 @@
               <a:buChar char="•"/>
             </a:pPr>
             <a:r>
-              <a:rPr b="0" lang="en-US" sz="1800" spc="-1" strike="noStrike">
+              <a:rPr lang="en-US" sz="1800" b="0" strike="noStrike" spc="-1">
                 <a:solidFill>
                   <a:srgbClr val="404040"/>
                 </a:solidFill>
@@ -5888,15 +6492,9 @@
               </a:rPr>
               <a:t>Third level</a:t>
             </a:r>
-            <a:endParaRPr b="0" lang="en-US" sz="1800" spc="-1" strike="noStrike">
-              <a:solidFill>
-                <a:srgbClr val="404040"/>
-              </a:solidFill>
-              <a:latin typeface="Century Gothic"/>
-            </a:endParaRPr>
-          </a:p>
-          <a:p>
-            <a:pPr lvl="3" marL="1600200" indent="-228600">
+          </a:p>
+          <a:p>
+            <a:pPr marL="1600200" lvl="3" indent="-228600">
               <a:lnSpc>
                 <a:spcPct val="90000"/>
               </a:lnSpc>
@@ -5910,7 +6508,7 @@
               <a:buChar char="•"/>
             </a:pPr>
             <a:r>
-              <a:rPr b="0" lang="en-US" sz="1600" spc="-1" strike="noStrike">
+              <a:rPr lang="en-US" sz="1600" b="0" strike="noStrike" spc="-1">
                 <a:solidFill>
                   <a:srgbClr val="404040"/>
                 </a:solidFill>
@@ -5918,15 +6516,9 @@
               </a:rPr>
               <a:t>Fourth level</a:t>
             </a:r>
-            <a:endParaRPr b="0" lang="en-US" sz="1600" spc="-1" strike="noStrike">
-              <a:solidFill>
-                <a:srgbClr val="404040"/>
-              </a:solidFill>
-              <a:latin typeface="Century Gothic"/>
-            </a:endParaRPr>
-          </a:p>
-          <a:p>
-            <a:pPr lvl="4" marL="2057400" indent="-228600">
+          </a:p>
+          <a:p>
+            <a:pPr marL="2057400" lvl="4" indent="-228600">
               <a:lnSpc>
                 <a:spcPct val="90000"/>
               </a:lnSpc>
@@ -5940,7 +6532,7 @@
               <a:buChar char="•"/>
             </a:pPr>
             <a:r>
-              <a:rPr b="0" lang="en-US" sz="1600" spc="-1" strike="noStrike">
+              <a:rPr lang="en-US" sz="1600" b="0" strike="noStrike" spc="-1">
                 <a:solidFill>
                   <a:srgbClr val="404040"/>
                 </a:solidFill>
@@ -5948,12 +6540,6 @@
               </a:rPr>
               <a:t>Fifth level</a:t>
             </a:r>
-            <a:endParaRPr b="0" lang="en-US" sz="1600" spc="-1" strike="noStrike">
-              <a:solidFill>
-                <a:srgbClr val="404040"/>
-              </a:solidFill>
-              <a:latin typeface="Century Gothic"/>
-            </a:endParaRPr>
           </a:p>
         </p:txBody>
       </p:sp>
@@ -5990,9 +6576,9 @@
                 <a:spcPct val="100000"/>
               </a:lnSpc>
               <a:buNone/>
-              <a:defRPr b="0" lang="en-US" sz="1000" spc="-1" strike="noStrike">
-                <a:solidFill>
-                  <a:srgbClr val="ffffff"/>
+              <a:defRPr lang="en-US" sz="1000" b="0" strike="noStrike" spc="-1">
+                <a:solidFill>
+                  <a:srgbClr val="FFFFFF"/>
                 </a:solidFill>
                 <a:latin typeface="Century Gothic"/>
               </a:defRPr>
@@ -6006,15 +6592,15 @@
               <a:buNone/>
             </a:pPr>
             <a:fld id="{1D3DC061-A734-4F27-85C7-E536A5093AD9}" type="slidenum">
-              <a:rPr b="0" lang="en-US" sz="1000" spc="-1" strike="noStrike">
-                <a:solidFill>
-                  <a:srgbClr val="ffffff"/>
+              <a:rPr lang="en-US" sz="1000" b="0" strike="noStrike" spc="-1">
+                <a:solidFill>
+                  <a:srgbClr val="FFFFFF"/>
                 </a:solidFill>
                 <a:latin typeface="Century Gothic"/>
               </a:rPr>
-              <a:t>&lt;number&gt;</a:t>
+              <a:t>‹#›</a:t>
             </a:fld>
-            <a:endParaRPr b="0" lang="en-US" sz="1000" spc="-1" strike="noStrike">
+            <a:endParaRPr lang="en-US" sz="1000" b="0" strike="noStrike" spc="-1">
               <a:solidFill>
                 <a:srgbClr val="000000"/>
               </a:solidFill>
@@ -6053,7 +6639,7 @@
           <a:lstStyle>
             <a:lvl1pPr indent="0" algn="ctr">
               <a:buNone/>
-              <a:defRPr b="0" lang="en-US" sz="1400" spc="-1" strike="noStrike">
+              <a:defRPr lang="en-US" sz="1400" b="0" strike="noStrike" spc="-1">
                 <a:solidFill>
                   <a:srgbClr val="000000"/>
                 </a:solidFill>
@@ -6066,7 +6652,7 @@
               <a:buNone/>
             </a:pPr>
             <a:r>
-              <a:rPr b="0" lang="en-US" sz="1400" spc="-1" strike="noStrike">
+              <a:rPr lang="en-US" sz="1400" b="0" strike="noStrike" spc="-1">
                 <a:solidFill>
                   <a:srgbClr val="000000"/>
                 </a:solidFill>
@@ -6074,44 +6660,319 @@
               </a:rPr>
               <a:t>&lt;footer&gt;</a:t>
             </a:r>
-            <a:endParaRPr b="0" lang="en-US" sz="1400" spc="-1" strike="noStrike">
-              <a:solidFill>
-                <a:srgbClr val="000000"/>
-              </a:solidFill>
-              <a:latin typeface="Times New Roman"/>
-            </a:endParaRPr>
           </a:p>
         </p:txBody>
       </p:sp>
     </p:spTree>
   </p:cSld>
-  <p:clrMap bg1="lt1" bg2="lt2" tx1="dk1" tx2="dk2" accent1="accent1" accent2="accent2" accent3="accent3" accent4="accent4" accent5="accent5" accent6="accent6" hlink="hlink" folHlink="folHlink"/>
+  <p:clrMap bg1="lt1" tx1="dk1" bg2="lt2" tx2="dk2" accent1="accent1" accent2="accent2" accent3="accent3" accent4="accent4" accent5="accent5" accent6="accent6" hlink="hlink" folHlink="folHlink"/>
   <p:sldLayoutIdLst>
-    <p:sldLayoutId id="2147483662" r:id="rId4"/>
-    <p:sldLayoutId id="2147483663" r:id="rId5"/>
-    <p:sldLayoutId id="2147483664" r:id="rId6"/>
-    <p:sldLayoutId id="2147483665" r:id="rId7"/>
-    <p:sldLayoutId id="2147483666" r:id="rId8"/>
-    <p:sldLayoutId id="2147483667" r:id="rId9"/>
-    <p:sldLayoutId id="2147483668" r:id="rId10"/>
-    <p:sldLayoutId id="2147483669" r:id="rId11"/>
-    <p:sldLayoutId id="2147483670" r:id="rId12"/>
-    <p:sldLayoutId id="2147483671" r:id="rId13"/>
-    <p:sldLayoutId id="2147483672" r:id="rId14"/>
-    <p:sldLayoutId id="2147483673" r:id="rId15"/>
+    <p:sldLayoutId id="2147483662" r:id="rId1"/>
+    <p:sldLayoutId id="2147483663" r:id="rId2"/>
+    <p:sldLayoutId id="2147483664" r:id="rId3"/>
+    <p:sldLayoutId id="2147483665" r:id="rId4"/>
+    <p:sldLayoutId id="2147483666" r:id="rId5"/>
+    <p:sldLayoutId id="2147483667" r:id="rId6"/>
+    <p:sldLayoutId id="2147483668" r:id="rId7"/>
+    <p:sldLayoutId id="2147483669" r:id="rId8"/>
+    <p:sldLayoutId id="2147483670" r:id="rId9"/>
+    <p:sldLayoutId id="2147483671" r:id="rId10"/>
+    <p:sldLayoutId id="2147483672" r:id="rId11"/>
+    <p:sldLayoutId id="2147483673" r:id="rId12"/>
   </p:sldLayoutIdLst>
+  <p:txStyles>
+    <p:titleStyle>
+      <a:lvl1pPr algn="l" defTabSz="914400" rtl="0" eaLnBrk="1" latinLnBrk="0" hangingPunct="1">
+        <a:lnSpc>
+          <a:spcPct val="90000"/>
+        </a:lnSpc>
+        <a:spcBef>
+          <a:spcPct val="0"/>
+        </a:spcBef>
+        <a:buNone/>
+        <a:defRPr sz="4400" kern="1200">
+          <a:solidFill>
+            <a:schemeClr val="tx1"/>
+          </a:solidFill>
+          <a:latin typeface="+mj-lt"/>
+          <a:ea typeface="+mj-ea"/>
+          <a:cs typeface="+mj-cs"/>
+        </a:defRPr>
+      </a:lvl1pPr>
+    </p:titleStyle>
+    <p:bodyStyle>
+      <a:lvl1pPr marL="228600" indent="-228600" algn="l" defTabSz="914400" rtl="0" eaLnBrk="1" latinLnBrk="0" hangingPunct="1">
+        <a:lnSpc>
+          <a:spcPct val="90000"/>
+        </a:lnSpc>
+        <a:spcBef>
+          <a:spcPts val="1000"/>
+        </a:spcBef>
+        <a:buFont typeface="Arial" panose="020B0604020202020204" pitchFamily="34" charset="0"/>
+        <a:buChar char="•"/>
+        <a:defRPr sz="2800" kern="1200">
+          <a:solidFill>
+            <a:schemeClr val="tx1"/>
+          </a:solidFill>
+          <a:latin typeface="+mn-lt"/>
+          <a:ea typeface="+mn-ea"/>
+          <a:cs typeface="+mn-cs"/>
+        </a:defRPr>
+      </a:lvl1pPr>
+      <a:lvl2pPr marL="685800" indent="-228600" algn="l" defTabSz="914400" rtl="0" eaLnBrk="1" latinLnBrk="0" hangingPunct="1">
+        <a:lnSpc>
+          <a:spcPct val="90000"/>
+        </a:lnSpc>
+        <a:spcBef>
+          <a:spcPts val="500"/>
+        </a:spcBef>
+        <a:buFont typeface="Arial" panose="020B0604020202020204" pitchFamily="34" charset="0"/>
+        <a:buChar char="•"/>
+        <a:defRPr sz="2400" kern="1200">
+          <a:solidFill>
+            <a:schemeClr val="tx1"/>
+          </a:solidFill>
+          <a:latin typeface="+mn-lt"/>
+          <a:ea typeface="+mn-ea"/>
+          <a:cs typeface="+mn-cs"/>
+        </a:defRPr>
+      </a:lvl2pPr>
+      <a:lvl3pPr marL="1143000" indent="-228600" algn="l" defTabSz="914400" rtl="0" eaLnBrk="1" latinLnBrk="0" hangingPunct="1">
+        <a:lnSpc>
+          <a:spcPct val="90000"/>
+        </a:lnSpc>
+        <a:spcBef>
+          <a:spcPts val="500"/>
+        </a:spcBef>
+        <a:buFont typeface="Arial" panose="020B0604020202020204" pitchFamily="34" charset="0"/>
+        <a:buChar char="•"/>
+        <a:defRPr sz="2000" kern="1200">
+          <a:solidFill>
+            <a:schemeClr val="tx1"/>
+          </a:solidFill>
+          <a:latin typeface="+mn-lt"/>
+          <a:ea typeface="+mn-ea"/>
+          <a:cs typeface="+mn-cs"/>
+        </a:defRPr>
+      </a:lvl3pPr>
+      <a:lvl4pPr marL="1600200" indent="-228600" algn="l" defTabSz="914400" rtl="0" eaLnBrk="1" latinLnBrk="0" hangingPunct="1">
+        <a:lnSpc>
+          <a:spcPct val="90000"/>
+        </a:lnSpc>
+        <a:spcBef>
+          <a:spcPts val="500"/>
+        </a:spcBef>
+        <a:buFont typeface="Arial" panose="020B0604020202020204" pitchFamily="34" charset="0"/>
+        <a:buChar char="•"/>
+        <a:defRPr sz="1800" kern="1200">
+          <a:solidFill>
+            <a:schemeClr val="tx1"/>
+          </a:solidFill>
+          <a:latin typeface="+mn-lt"/>
+          <a:ea typeface="+mn-ea"/>
+          <a:cs typeface="+mn-cs"/>
+        </a:defRPr>
+      </a:lvl4pPr>
+      <a:lvl5pPr marL="2057400" indent="-228600" algn="l" defTabSz="914400" rtl="0" eaLnBrk="1" latinLnBrk="0" hangingPunct="1">
+        <a:lnSpc>
+          <a:spcPct val="90000"/>
+        </a:lnSpc>
+        <a:spcBef>
+          <a:spcPts val="500"/>
+        </a:spcBef>
+        <a:buFont typeface="Arial" panose="020B0604020202020204" pitchFamily="34" charset="0"/>
+        <a:buChar char="•"/>
+        <a:defRPr sz="1800" kern="1200">
+          <a:solidFill>
+            <a:schemeClr val="tx1"/>
+          </a:solidFill>
+          <a:latin typeface="+mn-lt"/>
+          <a:ea typeface="+mn-ea"/>
+          <a:cs typeface="+mn-cs"/>
+        </a:defRPr>
+      </a:lvl5pPr>
+      <a:lvl6pPr marL="2514600" indent="-228600" algn="l" defTabSz="914400" rtl="0" eaLnBrk="1" latinLnBrk="0" hangingPunct="1">
+        <a:lnSpc>
+          <a:spcPct val="90000"/>
+        </a:lnSpc>
+        <a:spcBef>
+          <a:spcPts val="500"/>
+        </a:spcBef>
+        <a:buFont typeface="Arial" panose="020B0604020202020204" pitchFamily="34" charset="0"/>
+        <a:buChar char="•"/>
+        <a:defRPr sz="1800" kern="1200">
+          <a:solidFill>
+            <a:schemeClr val="tx1"/>
+          </a:solidFill>
+          <a:latin typeface="+mn-lt"/>
+          <a:ea typeface="+mn-ea"/>
+          <a:cs typeface="+mn-cs"/>
+        </a:defRPr>
+      </a:lvl6pPr>
+      <a:lvl7pPr marL="2971800" indent="-228600" algn="l" defTabSz="914400" rtl="0" eaLnBrk="1" latinLnBrk="0" hangingPunct="1">
+        <a:lnSpc>
+          <a:spcPct val="90000"/>
+        </a:lnSpc>
+        <a:spcBef>
+          <a:spcPts val="500"/>
+        </a:spcBef>
+        <a:buFont typeface="Arial" panose="020B0604020202020204" pitchFamily="34" charset="0"/>
+        <a:buChar char="•"/>
+        <a:defRPr sz="1800" kern="1200">
+          <a:solidFill>
+            <a:schemeClr val="tx1"/>
+          </a:solidFill>
+          <a:latin typeface="+mn-lt"/>
+          <a:ea typeface="+mn-ea"/>
+          <a:cs typeface="+mn-cs"/>
+        </a:defRPr>
+      </a:lvl7pPr>
+      <a:lvl8pPr marL="3429000" indent="-228600" algn="l" defTabSz="914400" rtl="0" eaLnBrk="1" latinLnBrk="0" hangingPunct="1">
+        <a:lnSpc>
+          <a:spcPct val="90000"/>
+        </a:lnSpc>
+        <a:spcBef>
+          <a:spcPts val="500"/>
+        </a:spcBef>
+        <a:buFont typeface="Arial" panose="020B0604020202020204" pitchFamily="34" charset="0"/>
+        <a:buChar char="•"/>
+        <a:defRPr sz="1800" kern="1200">
+          <a:solidFill>
+            <a:schemeClr val="tx1"/>
+          </a:solidFill>
+          <a:latin typeface="+mn-lt"/>
+          <a:ea typeface="+mn-ea"/>
+          <a:cs typeface="+mn-cs"/>
+        </a:defRPr>
+      </a:lvl8pPr>
+      <a:lvl9pPr marL="3886200" indent="-228600" algn="l" defTabSz="914400" rtl="0" eaLnBrk="1" latinLnBrk="0" hangingPunct="1">
+        <a:lnSpc>
+          <a:spcPct val="90000"/>
+        </a:lnSpc>
+        <a:spcBef>
+          <a:spcPts val="500"/>
+        </a:spcBef>
+        <a:buFont typeface="Arial" panose="020B0604020202020204" pitchFamily="34" charset="0"/>
+        <a:buChar char="•"/>
+        <a:defRPr sz="1800" kern="1200">
+          <a:solidFill>
+            <a:schemeClr val="tx1"/>
+          </a:solidFill>
+          <a:latin typeface="+mn-lt"/>
+          <a:ea typeface="+mn-ea"/>
+          <a:cs typeface="+mn-cs"/>
+        </a:defRPr>
+      </a:lvl9pPr>
+    </p:bodyStyle>
+    <p:otherStyle>
+      <a:defPPr>
+        <a:defRPr lang="en-US"/>
+      </a:defPPr>
+      <a:lvl1pPr marL="0" algn="l" defTabSz="914400" rtl="0" eaLnBrk="1" latinLnBrk="0" hangingPunct="1">
+        <a:defRPr sz="1800" kern="1200">
+          <a:solidFill>
+            <a:schemeClr val="tx1"/>
+          </a:solidFill>
+          <a:latin typeface="+mn-lt"/>
+          <a:ea typeface="+mn-ea"/>
+          <a:cs typeface="+mn-cs"/>
+        </a:defRPr>
+      </a:lvl1pPr>
+      <a:lvl2pPr marL="457200" algn="l" defTabSz="914400" rtl="0" eaLnBrk="1" latinLnBrk="0" hangingPunct="1">
+        <a:defRPr sz="1800" kern="1200">
+          <a:solidFill>
+            <a:schemeClr val="tx1"/>
+          </a:solidFill>
+          <a:latin typeface="+mn-lt"/>
+          <a:ea typeface="+mn-ea"/>
+          <a:cs typeface="+mn-cs"/>
+        </a:defRPr>
+      </a:lvl2pPr>
+      <a:lvl3pPr marL="914400" algn="l" defTabSz="914400" rtl="0" eaLnBrk="1" latinLnBrk="0" hangingPunct="1">
+        <a:defRPr sz="1800" kern="1200">
+          <a:solidFill>
+            <a:schemeClr val="tx1"/>
+          </a:solidFill>
+          <a:latin typeface="+mn-lt"/>
+          <a:ea typeface="+mn-ea"/>
+          <a:cs typeface="+mn-cs"/>
+        </a:defRPr>
+      </a:lvl3pPr>
+      <a:lvl4pPr marL="1371600" algn="l" defTabSz="914400" rtl="0" eaLnBrk="1" latinLnBrk="0" hangingPunct="1">
+        <a:defRPr sz="1800" kern="1200">
+          <a:solidFill>
+            <a:schemeClr val="tx1"/>
+          </a:solidFill>
+          <a:latin typeface="+mn-lt"/>
+          <a:ea typeface="+mn-ea"/>
+          <a:cs typeface="+mn-cs"/>
+        </a:defRPr>
+      </a:lvl4pPr>
+      <a:lvl5pPr marL="1828800" algn="l" defTabSz="914400" rtl="0" eaLnBrk="1" latinLnBrk="0" hangingPunct="1">
+        <a:defRPr sz="1800" kern="1200">
+          <a:solidFill>
+            <a:schemeClr val="tx1"/>
+          </a:solidFill>
+          <a:latin typeface="+mn-lt"/>
+          <a:ea typeface="+mn-ea"/>
+          <a:cs typeface="+mn-cs"/>
+        </a:defRPr>
+      </a:lvl5pPr>
+      <a:lvl6pPr marL="2286000" algn="l" defTabSz="914400" rtl="0" eaLnBrk="1" latinLnBrk="0" hangingPunct="1">
+        <a:defRPr sz="1800" kern="1200">
+          <a:solidFill>
+            <a:schemeClr val="tx1"/>
+          </a:solidFill>
+          <a:latin typeface="+mn-lt"/>
+          <a:ea typeface="+mn-ea"/>
+          <a:cs typeface="+mn-cs"/>
+        </a:defRPr>
+      </a:lvl6pPr>
+      <a:lvl7pPr marL="2743200" algn="l" defTabSz="914400" rtl="0" eaLnBrk="1" latinLnBrk="0" hangingPunct="1">
+        <a:defRPr sz="1800" kern="1200">
+          <a:solidFill>
+            <a:schemeClr val="tx1"/>
+          </a:solidFill>
+          <a:latin typeface="+mn-lt"/>
+          <a:ea typeface="+mn-ea"/>
+          <a:cs typeface="+mn-cs"/>
+        </a:defRPr>
+      </a:lvl7pPr>
+      <a:lvl8pPr marL="3200400" algn="l" defTabSz="914400" rtl="0" eaLnBrk="1" latinLnBrk="0" hangingPunct="1">
+        <a:defRPr sz="1800" kern="1200">
+          <a:solidFill>
+            <a:schemeClr val="tx1"/>
+          </a:solidFill>
+          <a:latin typeface="+mn-lt"/>
+          <a:ea typeface="+mn-ea"/>
+          <a:cs typeface="+mn-cs"/>
+        </a:defRPr>
+      </a:lvl8pPr>
+      <a:lvl9pPr marL="3657600" algn="l" defTabSz="914400" rtl="0" eaLnBrk="1" latinLnBrk="0" hangingPunct="1">
+        <a:defRPr sz="1800" kern="1200">
+          <a:solidFill>
+            <a:schemeClr val="tx1"/>
+          </a:solidFill>
+          <a:latin typeface="+mn-lt"/>
+          <a:ea typeface="+mn-ea"/>
+          <a:cs typeface="+mn-cs"/>
+        </a:defRPr>
+      </a:lvl9pPr>
+    </p:otherStyle>
+  </p:txStyles>
 </p:sldMaster>
 </file>
 
 <file path=ppt/slides/slide1.xml><?xml version="1.0" encoding="utf-8"?>
-<p:sld xmlns:a="http://schemas.openxmlformats.org/drawingml/2006/main" xmlns:p="http://schemas.openxmlformats.org/presentationml/2006/main" xmlns:r="http://schemas.openxmlformats.org/officeDocument/2006/relationships" xmlns:p14="http://schemas.microsoft.com/office/powerpoint/2010/main" xmlns:p15="http://schemas.microsoft.com/office/powerpoint/2012/main" xmlns:mc="http://schemas.openxmlformats.org/markup-compatibility/2006">
+<p:sld xmlns:a="http://schemas.openxmlformats.org/drawingml/2006/main" xmlns:r="http://schemas.openxmlformats.org/officeDocument/2006/relationships" xmlns:p="http://schemas.openxmlformats.org/presentationml/2006/main">
   <p:cSld>
     <p:bg>
       <p:bgPr>
         <a:blipFill rotWithShape="0">
-          <a:blip r:embed="rId1"/>
+          <a:blip r:embed="rId3"/>
           <a:stretch/>
         </a:blipFill>
+        <a:effectLst/>
       </p:bgPr>
     </p:bg>
     <p:spTree>
@@ -6148,15 +7009,22 @@
           </a:ln>
         </p:spPr>
         <p:style>
-          <a:lnRef idx="0"/>
-          <a:fillRef idx="0"/>
-          <a:effectRef idx="0"/>
+          <a:lnRef idx="0">
+            <a:scrgbClr r="0" g="0" b="0"/>
+          </a:lnRef>
+          <a:fillRef idx="0">
+            <a:scrgbClr r="0" g="0" b="0"/>
+          </a:fillRef>
+          <a:effectRef idx="0">
+            <a:scrgbClr r="0" g="0" b="0"/>
+          </a:effectRef>
           <a:fontRef idx="minor"/>
         </p:style>
         <p:txBody>
-          <a:bodyPr lIns="90000" rIns="90000" tIns="45000" bIns="45000" anchor="t">
+          <a:bodyPr lIns="90000" tIns="45000" rIns="90000" bIns="45000" anchor="t">
             <a:noAutofit/>
           </a:bodyPr>
+          <a:lstStyle/>
           <a:p>
             <a:pPr>
               <a:lnSpc>
@@ -6164,16 +7032,16 @@
               </a:lnSpc>
             </a:pPr>
             <a:r>
-              <a:rPr b="1" lang="en-US" sz="4000" spc="-1" strike="noStrike" cap="all">
-                <a:solidFill>
-                  <a:srgbClr val="ffffff"/>
+              <a:rPr lang="en-US" sz="4000" b="1" strike="noStrike" cap="all" spc="-1">
+                <a:solidFill>
+                  <a:srgbClr val="FFFFFF"/>
                 </a:solidFill>
                 <a:latin typeface="Century Gothic"/>
                 <a:ea typeface="Century Gothic"/>
               </a:rPr>
               <a:t>Urban Economics</a:t>
             </a:r>
-            <a:endParaRPr b="0" lang="en-US" sz="4000" spc="-1" strike="noStrike">
+            <a:endParaRPr lang="en-US" sz="4000" b="0" strike="noStrike" spc="-1">
               <a:solidFill>
                 <a:srgbClr val="000000"/>
               </a:solidFill>
@@ -6187,16 +7055,16 @@
               </a:lnSpc>
             </a:pPr>
             <a:r>
-              <a:rPr b="1" lang="en-US" sz="6000" spc="-1" strike="noStrike" cap="all">
-                <a:solidFill>
-                  <a:srgbClr val="ffffff"/>
+              <a:rPr lang="en-US" sz="6000" b="1" strike="noStrike" cap="all" spc="-1">
+                <a:solidFill>
+                  <a:srgbClr val="FFFFFF"/>
                 </a:solidFill>
                 <a:latin typeface="Century Gothic"/>
                 <a:ea typeface="Century Gothic"/>
               </a:rPr>
               <a:t>Effects of economic conditions on crime</a:t>
             </a:r>
-            <a:endParaRPr b="0" lang="en-US" sz="6000" spc="-1" strike="noStrike">
+            <a:endParaRPr lang="en-US" sz="6000" b="0" strike="noStrike" spc="-1">
               <a:solidFill>
                 <a:srgbClr val="000000"/>
               </a:solidFill>
@@ -6210,26 +7078,16 @@
               </a:lnSpc>
             </a:pPr>
             <a:r>
-              <a:rPr b="1" lang="en-US" sz="4000" spc="-1" strike="noStrike" cap="all">
-                <a:solidFill>
-                  <a:srgbClr val="ffffff"/>
+              <a:rPr lang="en-US" sz="4000" b="1" strike="noStrike" cap="all" spc="-1">
+                <a:solidFill>
+                  <a:srgbClr val="FFFFFF"/>
                 </a:solidFill>
                 <a:latin typeface="Century Gothic"/>
                 <a:ea typeface="Century Gothic"/>
               </a:rPr>
-              <a:t>Prof. </a:t>
-            </a:r>
-            <a:r>
-              <a:rPr b="1" lang="en-US" sz="4000" spc="-1" strike="noStrike" cap="all">
-                <a:solidFill>
-                  <a:srgbClr val="ffffff"/>
-                </a:solidFill>
-                <a:latin typeface="Century Gothic"/>
-                <a:ea typeface="Century Gothic"/>
-              </a:rPr>
-              <a:t>HUSSAIN HADAH</a:t>
-            </a:r>
-            <a:endParaRPr b="0" lang="en-US" sz="4000" spc="-1" strike="noStrike">
+              <a:t>Prof. HUSSAIN HADAH</a:t>
+            </a:r>
+            <a:endParaRPr lang="en-US" sz="4000" b="0" strike="noStrike" spc="-1">
               <a:solidFill>
                 <a:srgbClr val="000000"/>
               </a:solidFill>
@@ -6240,19 +7098,14 @@
       </p:sp>
     </p:spTree>
   </p:cSld>
-  <mc:AlternateContent>
-    <mc:Choice Requires="p14">
-      <p:transition spd="slow" p14:dur="2000"/>
-    </mc:Choice>
-    <mc:Fallback>
-      <p:transition spd="slow"/>
-    </mc:Fallback>
-  </mc:AlternateContent>
+  <p:clrMapOvr>
+    <a:masterClrMapping/>
+  </p:clrMapOvr>
 </p:sld>
 </file>
 
 <file path=ppt/slides/slide10.xml><?xml version="1.0" encoding="utf-8"?>
-<p:sld xmlns:a="http://schemas.openxmlformats.org/drawingml/2006/main" xmlns:p="http://schemas.openxmlformats.org/presentationml/2006/main" xmlns:r="http://schemas.openxmlformats.org/officeDocument/2006/relationships" xmlns:p14="http://schemas.microsoft.com/office/powerpoint/2010/main" xmlns:p15="http://schemas.microsoft.com/office/powerpoint/2012/main" xmlns:mc="http://schemas.openxmlformats.org/markup-compatibility/2006">
+<p:sld xmlns:a="http://schemas.openxmlformats.org/drawingml/2006/main" xmlns:r="http://schemas.openxmlformats.org/officeDocument/2006/relationships" xmlns:p="http://schemas.openxmlformats.org/presentationml/2006/main">
   <p:cSld>
     <p:spTree>
       <p:nvGrpSpPr>
@@ -6295,6 +7148,7 @@
           <a:bodyPr numCol="1" spcCol="0" anchor="ctr">
             <a:noAutofit/>
           </a:bodyPr>
+          <a:lstStyle/>
           <a:p>
             <a:pPr indent="0">
               <a:lnSpc>
@@ -6303,15 +7157,15 @@
               <a:buNone/>
             </a:pPr>
             <a:r>
-              <a:rPr b="0" lang="en-US" sz="2000" spc="-1" strike="noStrike" cap="all">
-                <a:solidFill>
-                  <a:srgbClr val="265b4d"/>
+              <a:rPr lang="en-US" sz="2000" b="0" strike="noStrike" cap="all" spc="-1">
+                <a:solidFill>
+                  <a:srgbClr val="265B4D"/>
                 </a:solidFill>
                 <a:latin typeface="Century Gothic"/>
               </a:rPr>
               <a:t>Yang – Labor markets and recidivism</a:t>
             </a:r>
-            <a:endParaRPr b="0" lang="en-US" sz="2000" spc="-1" strike="noStrike">
+            <a:endParaRPr lang="en-US" sz="2000" b="0" strike="noStrike" spc="-1">
               <a:solidFill>
                 <a:srgbClr val="000000"/>
               </a:solidFill>
@@ -6347,6 +7201,7 @@
           <a:bodyPr numCol="1" spcCol="0" anchor="t">
             <a:noAutofit/>
           </a:bodyPr>
+          <a:lstStyle/>
           <a:p>
             <a:pPr marL="228600" indent="-228600">
               <a:lnSpc>
@@ -6362,7 +7217,7 @@
               <a:buChar char="•"/>
             </a:pPr>
             <a:r>
-              <a:rPr b="0" lang="en-US" sz="2400" spc="-1" strike="noStrike">
+              <a:rPr lang="en-US" sz="2400" b="0" strike="noStrike" spc="-1" dirty="0">
                 <a:solidFill>
                   <a:srgbClr val="404040"/>
                 </a:solidFill>
@@ -6370,160 +7225,130 @@
               </a:rPr>
               <a:t>This is the main results table</a:t>
             </a:r>
-            <a:endParaRPr b="0" lang="en-US" sz="2400" spc="-1" strike="noStrike">
+          </a:p>
+          <a:p>
+            <a:pPr marL="228600" indent="-228600">
+              <a:lnSpc>
+                <a:spcPct val="90000"/>
+              </a:lnSpc>
+              <a:spcBef>
+                <a:spcPts val="1001"/>
+              </a:spcBef>
+              <a:buClr>
+                <a:srgbClr val="404040"/>
+              </a:buClr>
+              <a:buFont typeface="Arial"/>
+              <a:buChar char="•"/>
+            </a:pPr>
+            <a:r>
+              <a:rPr lang="en-US" sz="2400" b="0" strike="noStrike" spc="-1" dirty="0">
+                <a:solidFill>
+                  <a:srgbClr val="404040"/>
+                </a:solidFill>
+                <a:latin typeface="Century Gothic"/>
+              </a:rPr>
+              <a:t>Results show that if the low-skill wage is higher, then recidivism decreases (hence the negative coefficient).</a:t>
+            </a:r>
+          </a:p>
+          <a:p>
+            <a:pPr marL="228600" indent="-228600">
+              <a:lnSpc>
+                <a:spcPct val="90000"/>
+              </a:lnSpc>
+              <a:spcBef>
+                <a:spcPts val="1001"/>
+              </a:spcBef>
+              <a:buClr>
+                <a:srgbClr val="404040"/>
+              </a:buClr>
+              <a:buFont typeface="Arial"/>
+              <a:buChar char="•"/>
+            </a:pPr>
+            <a:r>
+              <a:rPr lang="en-US" sz="2400" b="0" strike="noStrike" spc="-1" dirty="0">
+                <a:solidFill>
+                  <a:srgbClr val="404040"/>
+                </a:solidFill>
+                <a:latin typeface="Century Gothic"/>
+              </a:rPr>
+              <a:t>Results are very similar even when control variables are added.</a:t>
+            </a:r>
+          </a:p>
+          <a:p>
+            <a:pPr marL="228600" indent="-228600">
+              <a:lnSpc>
+                <a:spcPct val="90000"/>
+              </a:lnSpc>
+              <a:spcBef>
+                <a:spcPts val="1001"/>
+              </a:spcBef>
+              <a:buClr>
+                <a:srgbClr val="404040"/>
+              </a:buClr>
+              <a:buFont typeface="Arial"/>
+              <a:buChar char="•"/>
+            </a:pPr>
+            <a:r>
+              <a:rPr lang="en-US" sz="2400" b="0" strike="noStrike" spc="-1" dirty="0">
+                <a:solidFill>
+                  <a:srgbClr val="404040"/>
+                </a:solidFill>
+                <a:latin typeface="Century Gothic"/>
+              </a:rPr>
+              <a:t>Other results:</a:t>
+            </a:r>
+          </a:p>
+          <a:p>
+            <a:pPr marL="685800" lvl="1" indent="-228600">
+              <a:lnSpc>
+                <a:spcPct val="90000"/>
+              </a:lnSpc>
+              <a:spcBef>
+                <a:spcPts val="499"/>
+              </a:spcBef>
+              <a:buClr>
+                <a:srgbClr val="404040"/>
+              </a:buClr>
+              <a:buFont typeface="Arial"/>
+              <a:buChar char="•"/>
+            </a:pPr>
+            <a:r>
+              <a:rPr lang="en-US" sz="2000" b="0" strike="noStrike" spc="-1" dirty="0">
+                <a:solidFill>
+                  <a:srgbClr val="404040"/>
+                </a:solidFill>
+                <a:latin typeface="Century Gothic"/>
+              </a:rPr>
+              <a:t>Blacks, non-Hispanics, younger people, those with less education, men, and those with less time served are more likely to recidivate.</a:t>
+            </a:r>
+          </a:p>
+          <a:p>
+            <a:pPr indent="0">
+              <a:lnSpc>
+                <a:spcPct val="90000"/>
+              </a:lnSpc>
+              <a:spcBef>
+                <a:spcPts val="499"/>
+              </a:spcBef>
+              <a:buNone/>
+            </a:pPr>
+            <a:endParaRPr lang="en-US" sz="2000" b="0" strike="noStrike" spc="-1" dirty="0">
               <a:solidFill>
                 <a:srgbClr val="404040"/>
               </a:solidFill>
               <a:latin typeface="Century Gothic"/>
             </a:endParaRPr>
           </a:p>
-          <a:p>
-            <a:pPr marL="228600" indent="-228600">
-              <a:lnSpc>
-                <a:spcPct val="90000"/>
-              </a:lnSpc>
-              <a:spcBef>
-                <a:spcPts val="1001"/>
-              </a:spcBef>
-              <a:buClr>
-                <a:srgbClr val="404040"/>
-              </a:buClr>
-              <a:buFont typeface="Arial"/>
-              <a:buChar char="•"/>
-            </a:pPr>
-            <a:r>
-              <a:rPr b="0" lang="en-US" sz="2400" spc="-1" strike="noStrike">
-                <a:solidFill>
-                  <a:srgbClr val="404040"/>
-                </a:solidFill>
-                <a:latin typeface="Century Gothic"/>
-              </a:rPr>
-              <a:t>Results show that if the low-skill wage is higher, then recidivism decreases (hence the negative coefficient).</a:t>
-            </a:r>
-            <a:endParaRPr b="0" lang="en-US" sz="2400" spc="-1" strike="noStrike">
-              <a:solidFill>
-                <a:srgbClr val="404040"/>
-              </a:solidFill>
-              <a:latin typeface="Century Gothic"/>
-            </a:endParaRPr>
-          </a:p>
-          <a:p>
-            <a:pPr marL="228600" indent="-228600">
-              <a:lnSpc>
-                <a:spcPct val="90000"/>
-              </a:lnSpc>
-              <a:spcBef>
-                <a:spcPts val="1001"/>
-              </a:spcBef>
-              <a:buClr>
-                <a:srgbClr val="404040"/>
-              </a:buClr>
-              <a:buFont typeface="Arial"/>
-              <a:buChar char="•"/>
-            </a:pPr>
-            <a:r>
-              <a:rPr b="0" lang="en-US" sz="2400" spc="-1" strike="noStrike">
-                <a:solidFill>
-                  <a:srgbClr val="404040"/>
-                </a:solidFill>
-                <a:latin typeface="Century Gothic"/>
-              </a:rPr>
-              <a:t>Results are very similar even when control variables are added.</a:t>
-            </a:r>
-            <a:endParaRPr b="0" lang="en-US" sz="2400" spc="-1" strike="noStrike">
-              <a:solidFill>
-                <a:srgbClr val="404040"/>
-              </a:solidFill>
-              <a:latin typeface="Century Gothic"/>
-            </a:endParaRPr>
-          </a:p>
-          <a:p>
-            <a:pPr marL="228600" indent="-228600">
-              <a:lnSpc>
-                <a:spcPct val="90000"/>
-              </a:lnSpc>
-              <a:spcBef>
-                <a:spcPts val="1001"/>
-              </a:spcBef>
-              <a:buClr>
-                <a:srgbClr val="404040"/>
-              </a:buClr>
-              <a:buFont typeface="Arial"/>
-              <a:buChar char="•"/>
-            </a:pPr>
-            <a:r>
-              <a:rPr b="0" lang="en-US" sz="2400" spc="-1" strike="noStrike">
-                <a:solidFill>
-                  <a:srgbClr val="404040"/>
-                </a:solidFill>
-                <a:latin typeface="Century Gothic"/>
-              </a:rPr>
-              <a:t>Other results:</a:t>
-            </a:r>
-            <a:endParaRPr b="0" lang="en-US" sz="2400" spc="-1" strike="noStrike">
-              <a:solidFill>
-                <a:srgbClr val="404040"/>
-              </a:solidFill>
-              <a:latin typeface="Century Gothic"/>
-            </a:endParaRPr>
-          </a:p>
-          <a:p>
-            <a:pPr lvl="1" marL="685800" indent="-228600">
-              <a:lnSpc>
-                <a:spcPct val="90000"/>
-              </a:lnSpc>
-              <a:spcBef>
-                <a:spcPts val="499"/>
-              </a:spcBef>
-              <a:buClr>
-                <a:srgbClr val="404040"/>
-              </a:buClr>
-              <a:buFont typeface="Arial"/>
-              <a:buChar char="•"/>
-            </a:pPr>
-            <a:r>
-              <a:rPr b="0" lang="en-US" sz="2000" spc="-1" strike="noStrike">
-                <a:solidFill>
-                  <a:srgbClr val="404040"/>
-                </a:solidFill>
-                <a:latin typeface="Century Gothic"/>
-              </a:rPr>
-              <a:t>Blacks, non-Hispanics, younger people, those with less education, men, and those with less time served are more likely to recidivate.</a:t>
-            </a:r>
-            <a:endParaRPr b="0" lang="en-US" sz="2000" spc="-1" strike="noStrike">
-              <a:solidFill>
-                <a:srgbClr val="404040"/>
-              </a:solidFill>
-              <a:latin typeface="Century Gothic"/>
-            </a:endParaRPr>
-          </a:p>
-          <a:p>
-            <a:pPr indent="0">
-              <a:lnSpc>
-                <a:spcPct val="90000"/>
-              </a:lnSpc>
-              <a:spcBef>
-                <a:spcPts val="499"/>
-              </a:spcBef>
-              <a:buNone/>
-            </a:pPr>
-            <a:endParaRPr b="0" lang="en-US" sz="2000" spc="-1" strike="noStrike">
-              <a:solidFill>
-                <a:srgbClr val="404040"/>
-              </a:solidFill>
-              <a:latin typeface="Century Gothic"/>
-            </a:endParaRPr>
-          </a:p>
         </p:txBody>
       </p:sp>
       <p:pic>
         <p:nvPicPr>
-          <p:cNvPr id="109" name="Picture 4" descr=""/>
+          <p:cNvPr id="109" name="Picture 4"/>
           <p:cNvPicPr/>
           <p:nvPr/>
         </p:nvPicPr>
         <p:blipFill>
-          <a:blip r:embed="rId1"/>
+          <a:blip r:embed="rId2"/>
           <a:stretch/>
         </p:blipFill>
         <p:spPr>
@@ -6541,19 +7366,14 @@
       </p:pic>
     </p:spTree>
   </p:cSld>
-  <mc:AlternateContent>
-    <mc:Choice Requires="p14">
-      <p:transition spd="slow" p14:dur="2000"/>
-    </mc:Choice>
-    <mc:Fallback>
-      <p:transition spd="slow"/>
-    </mc:Fallback>
-  </mc:AlternateContent>
+  <p:clrMapOvr>
+    <a:masterClrMapping/>
+  </p:clrMapOvr>
 </p:sld>
 </file>
 
 <file path=ppt/slides/slide11.xml><?xml version="1.0" encoding="utf-8"?>
-<p:sld xmlns:a="http://schemas.openxmlformats.org/drawingml/2006/main" xmlns:p="http://schemas.openxmlformats.org/presentationml/2006/main" xmlns:r="http://schemas.openxmlformats.org/officeDocument/2006/relationships" xmlns:p14="http://schemas.microsoft.com/office/powerpoint/2010/main" xmlns:p15="http://schemas.microsoft.com/office/powerpoint/2012/main" xmlns:mc="http://schemas.openxmlformats.org/markup-compatibility/2006">
+<p:sld xmlns:a="http://schemas.openxmlformats.org/drawingml/2006/main" xmlns:r="http://schemas.openxmlformats.org/officeDocument/2006/relationships" xmlns:p="http://schemas.openxmlformats.org/presentationml/2006/main">
   <p:cSld>
     <p:spTree>
       <p:nvGrpSpPr>
@@ -6596,6 +7416,7 @@
           <a:bodyPr numCol="1" spcCol="0" anchor="ctr">
             <a:noAutofit/>
           </a:bodyPr>
+          <a:lstStyle/>
           <a:p>
             <a:pPr indent="0">
               <a:lnSpc>
@@ -6604,15 +7425,15 @@
               <a:buNone/>
             </a:pPr>
             <a:r>
-              <a:rPr b="0" lang="en-US" sz="3800" spc="-1" strike="noStrike" cap="all">
-                <a:solidFill>
-                  <a:srgbClr val="265b4d"/>
+              <a:rPr lang="en-US" sz="3800" b="0" strike="noStrike" cap="all" spc="-1">
+                <a:solidFill>
+                  <a:srgbClr val="265B4D"/>
                 </a:solidFill>
                 <a:latin typeface="Century Gothic"/>
               </a:rPr>
               <a:t>Yang – Labor markets and recidivism</a:t>
             </a:r>
-            <a:endParaRPr b="0" lang="en-US" sz="3800" spc="-1" strike="noStrike">
+            <a:endParaRPr lang="en-US" sz="3800" b="0" strike="noStrike" spc="-1">
               <a:solidFill>
                 <a:srgbClr val="000000"/>
               </a:solidFill>
@@ -6623,12 +7444,12 @@
       </p:sp>
       <p:pic>
         <p:nvPicPr>
-          <p:cNvPr id="111" name="Picture 4" descr=""/>
+          <p:cNvPr id="111" name="Picture 4"/>
           <p:cNvPicPr/>
           <p:nvPr/>
         </p:nvPicPr>
         <p:blipFill>
-          <a:blip r:embed="rId1"/>
+          <a:blip r:embed="rId2"/>
           <a:stretch/>
         </p:blipFill>
         <p:spPr>
@@ -6646,19 +7467,14 @@
       </p:pic>
     </p:spTree>
   </p:cSld>
-  <mc:AlternateContent>
-    <mc:Choice Requires="p14">
-      <p:transition spd="slow" p14:dur="2000"/>
-    </mc:Choice>
-    <mc:Fallback>
-      <p:transition spd="slow"/>
-    </mc:Fallback>
-  </mc:AlternateContent>
+  <p:clrMapOvr>
+    <a:masterClrMapping/>
+  </p:clrMapOvr>
 </p:sld>
 </file>
 
 <file path=ppt/slides/slide12.xml><?xml version="1.0" encoding="utf-8"?>
-<p:sld xmlns:a="http://schemas.openxmlformats.org/drawingml/2006/main" xmlns:p="http://schemas.openxmlformats.org/presentationml/2006/main" xmlns:r="http://schemas.openxmlformats.org/officeDocument/2006/relationships" xmlns:p14="http://schemas.microsoft.com/office/powerpoint/2010/main" xmlns:p15="http://schemas.microsoft.com/office/powerpoint/2012/main" xmlns:mc="http://schemas.openxmlformats.org/markup-compatibility/2006">
+<p:sld xmlns:a="http://schemas.openxmlformats.org/drawingml/2006/main" xmlns:r="http://schemas.openxmlformats.org/officeDocument/2006/relationships" xmlns:p="http://schemas.openxmlformats.org/presentationml/2006/main">
   <p:cSld>
     <p:spTree>
       <p:nvGrpSpPr>
@@ -6701,6 +7517,7 @@
           <a:bodyPr numCol="1" spcCol="0" anchor="ctr">
             <a:noAutofit/>
           </a:bodyPr>
+          <a:lstStyle/>
           <a:p>
             <a:pPr indent="0">
               <a:lnSpc>
@@ -6709,15 +7526,15 @@
               <a:buNone/>
             </a:pPr>
             <a:r>
-              <a:rPr b="0" lang="en-US" sz="3800" spc="-1" strike="noStrike" cap="all">
-                <a:solidFill>
-                  <a:srgbClr val="265b4d"/>
+              <a:rPr lang="en-US" sz="3800" b="0" strike="noStrike" cap="all" spc="-1">
+                <a:solidFill>
+                  <a:srgbClr val="265B4D"/>
                 </a:solidFill>
                 <a:latin typeface="Century Gothic"/>
               </a:rPr>
               <a:t>Yang – Labor markets and recidivism</a:t>
             </a:r>
-            <a:endParaRPr b="0" lang="en-US" sz="3800" spc="-1" strike="noStrike">
+            <a:endParaRPr lang="en-US" sz="3800" b="0" strike="noStrike" spc="-1">
               <a:solidFill>
                 <a:srgbClr val="000000"/>
               </a:solidFill>
@@ -6728,30 +7545,7 @@
       </p:sp>
       <p:pic>
         <p:nvPicPr>
-          <p:cNvPr id="113" name="Picture 4" descr=""/>
-          <p:cNvPicPr/>
-          <p:nvPr/>
-        </p:nvPicPr>
-        <p:blipFill>
-          <a:blip r:embed="rId1"/>
-          <a:stretch/>
-        </p:blipFill>
-        <p:spPr>
-          <a:xfrm>
-            <a:off x="304200" y="1323720"/>
-            <a:ext cx="7944480" cy="2104920"/>
-          </a:xfrm>
-          <a:prstGeom prst="rect">
-            <a:avLst/>
-          </a:prstGeom>
-          <a:ln w="0">
-            <a:noFill/>
-          </a:ln>
-        </p:spPr>
-      </p:pic>
-      <p:pic>
-        <p:nvPicPr>
-          <p:cNvPr id="114" name="Picture 6" descr=""/>
+          <p:cNvPr id="113" name="Picture 4"/>
           <p:cNvPicPr/>
           <p:nvPr/>
         </p:nvPicPr>
@@ -6761,6 +7555,29 @@
         </p:blipFill>
         <p:spPr>
           <a:xfrm>
+            <a:off x="304200" y="1323720"/>
+            <a:ext cx="7944480" cy="2104920"/>
+          </a:xfrm>
+          <a:prstGeom prst="rect">
+            <a:avLst/>
+          </a:prstGeom>
+          <a:ln w="0">
+            <a:noFill/>
+          </a:ln>
+        </p:spPr>
+      </p:pic>
+      <p:pic>
+        <p:nvPicPr>
+          <p:cNvPr id="114" name="Picture 6"/>
+          <p:cNvPicPr/>
+          <p:nvPr/>
+        </p:nvPicPr>
+        <p:blipFill>
+          <a:blip r:embed="rId3"/>
+          <a:stretch/>
+        </p:blipFill>
+        <p:spPr>
+          <a:xfrm>
             <a:off x="218160" y="3499560"/>
             <a:ext cx="8030160" cy="2228760"/>
           </a:xfrm>
@@ -6792,15 +7609,22 @@
           </a:ln>
         </p:spPr>
         <p:style>
-          <a:lnRef idx="0"/>
-          <a:fillRef idx="0"/>
-          <a:effectRef idx="0"/>
+          <a:lnRef idx="0">
+            <a:scrgbClr r="0" g="0" b="0"/>
+          </a:lnRef>
+          <a:fillRef idx="0">
+            <a:scrgbClr r="0" g="0" b="0"/>
+          </a:fillRef>
+          <a:effectRef idx="0">
+            <a:scrgbClr r="0" g="0" b="0"/>
+          </a:effectRef>
           <a:fontRef idx="minor"/>
         </p:style>
         <p:txBody>
-          <a:bodyPr lIns="90000" rIns="90000" tIns="45000" bIns="45000" anchor="t">
+          <a:bodyPr lIns="90000" tIns="45000" rIns="90000" bIns="45000" anchor="t">
             <a:spAutoFit/>
           </a:bodyPr>
+          <a:lstStyle/>
           <a:p>
             <a:pPr>
               <a:lnSpc>
@@ -6808,7 +7632,7 @@
               </a:lnSpc>
             </a:pPr>
             <a:r>
-              <a:rPr b="0" lang="en-US" sz="1800" spc="-1" strike="noStrike">
+              <a:rPr lang="en-US" sz="1800" b="0" strike="noStrike" spc="-1">
                 <a:solidFill>
                   <a:srgbClr val="000000"/>
                 </a:solidFill>
@@ -6816,7 +7640,7 @@
               </a:rPr>
               <a:t>These are additional heterogeneity tests.</a:t>
             </a:r>
-            <a:endParaRPr b="0" lang="en-US" sz="1800" spc="-1" strike="noStrike">
+            <a:endParaRPr lang="en-US" sz="1800" b="0" strike="noStrike" spc="-1">
               <a:solidFill>
                 <a:srgbClr val="000000"/>
               </a:solidFill>
@@ -6829,7 +7653,7 @@
                 <a:spcPct val="100000"/>
               </a:lnSpc>
             </a:pPr>
-            <a:endParaRPr b="0" lang="en-US" sz="1800" spc="-1" strike="noStrike">
+            <a:endParaRPr lang="en-US" sz="1800" b="0" strike="noStrike" spc="-1">
               <a:solidFill>
                 <a:srgbClr val="000000"/>
               </a:solidFill>
@@ -6843,7 +7667,7 @@
               </a:lnSpc>
             </a:pPr>
             <a:r>
-              <a:rPr b="0" lang="en-US" sz="1800" spc="-1" strike="noStrike">
+              <a:rPr lang="en-US" sz="1800" b="0" strike="noStrike" spc="-1">
                 <a:solidFill>
                   <a:srgbClr val="000000"/>
                 </a:solidFill>
@@ -6851,7 +7675,7 @@
               </a:rPr>
               <a:t>The idea is to see if certain groups/factors strengthen or weakened the effect of economic conditions on recidivism.</a:t>
             </a:r>
-            <a:endParaRPr b="0" lang="en-US" sz="1800" spc="-1" strike="noStrike">
+            <a:endParaRPr lang="en-US" sz="1800" b="0" strike="noStrike" spc="-1">
               <a:solidFill>
                 <a:srgbClr val="000000"/>
               </a:solidFill>
@@ -6864,7 +7688,7 @@
                 <a:spcPct val="100000"/>
               </a:lnSpc>
             </a:pPr>
-            <a:endParaRPr b="0" lang="en-US" sz="1800" spc="-1" strike="noStrike">
+            <a:endParaRPr lang="en-US" sz="1800" b="0" strike="noStrike" spc="-1">
               <a:solidFill>
                 <a:srgbClr val="000000"/>
               </a:solidFill>
@@ -6878,7 +7702,7 @@
               </a:lnSpc>
             </a:pPr>
             <a:r>
-              <a:rPr b="0" lang="en-US" sz="1800" spc="-1" strike="noStrike">
+              <a:rPr lang="en-US" sz="1800" b="0" strike="noStrike" spc="-1">
                 <a:solidFill>
                   <a:srgbClr val="000000"/>
                 </a:solidFill>
@@ -6886,7 +7710,7 @@
               </a:rPr>
               <a:t>E.g., larger effect on blacks and those with no prior conviction.</a:t>
             </a:r>
-            <a:endParaRPr b="0" lang="en-US" sz="1800" spc="-1" strike="noStrike">
+            <a:endParaRPr lang="en-US" sz="1800" b="0" strike="noStrike" spc="-1">
               <a:solidFill>
                 <a:srgbClr val="000000"/>
               </a:solidFill>
@@ -6897,19 +7721,14 @@
       </p:sp>
     </p:spTree>
   </p:cSld>
-  <mc:AlternateContent>
-    <mc:Choice Requires="p14">
-      <p:transition spd="slow" p14:dur="2000"/>
-    </mc:Choice>
-    <mc:Fallback>
-      <p:transition spd="slow"/>
-    </mc:Fallback>
-  </mc:AlternateContent>
+  <p:clrMapOvr>
+    <a:masterClrMapping/>
+  </p:clrMapOvr>
 </p:sld>
 </file>
 
 <file path=ppt/slides/slide13.xml><?xml version="1.0" encoding="utf-8"?>
-<p:sld xmlns:a="http://schemas.openxmlformats.org/drawingml/2006/main" xmlns:p="http://schemas.openxmlformats.org/presentationml/2006/main" xmlns:r="http://schemas.openxmlformats.org/officeDocument/2006/relationships" xmlns:p14="http://schemas.microsoft.com/office/powerpoint/2010/main" xmlns:p15="http://schemas.microsoft.com/office/powerpoint/2012/main" xmlns:mc="http://schemas.openxmlformats.org/markup-compatibility/2006">
+<p:sld xmlns:a="http://schemas.openxmlformats.org/drawingml/2006/main" xmlns:r="http://schemas.openxmlformats.org/officeDocument/2006/relationships" xmlns:p="http://schemas.openxmlformats.org/presentationml/2006/main">
   <p:cSld>
     <p:spTree>
       <p:nvGrpSpPr>
@@ -6952,6 +7771,7 @@
           <a:bodyPr numCol="1" spcCol="0" anchor="ctr">
             <a:noAutofit/>
           </a:bodyPr>
+          <a:lstStyle/>
           <a:p>
             <a:pPr indent="0">
               <a:lnSpc>
@@ -6960,15 +7780,15 @@
               <a:buNone/>
             </a:pPr>
             <a:r>
-              <a:rPr b="0" lang="en-US" sz="3200" spc="-1" strike="noStrike" cap="all">
-                <a:solidFill>
-                  <a:srgbClr val="265b4d"/>
+              <a:rPr lang="en-US" sz="3200" b="0" strike="noStrike" cap="all" spc="-1">
+                <a:solidFill>
+                  <a:srgbClr val="265B4D"/>
                 </a:solidFill>
                 <a:latin typeface="Century Gothic"/>
               </a:rPr>
               <a:t>Palmer et al – Emergency assistance on crime</a:t>
             </a:r>
-            <a:endParaRPr b="0" lang="en-US" sz="3200" spc="-1" strike="noStrike">
+            <a:endParaRPr lang="en-US" sz="3200" b="0" strike="noStrike" spc="-1">
               <a:solidFill>
                 <a:srgbClr val="000000"/>
               </a:solidFill>
@@ -7004,6 +7824,7 @@
           <a:bodyPr numCol="1" spcCol="0" anchor="t">
             <a:noAutofit/>
           </a:bodyPr>
+          <a:lstStyle/>
           <a:p>
             <a:pPr marL="228600" indent="-228600">
               <a:lnSpc>
@@ -7019,7 +7840,7 @@
               <a:buChar char="•"/>
             </a:pPr>
             <a:r>
-              <a:rPr b="0" lang="en-US" sz="2400" spc="-1" strike="noStrike">
+              <a:rPr lang="en-US" sz="2400" b="0" strike="noStrike" spc="-1" dirty="0">
                 <a:solidFill>
                   <a:srgbClr val="404040"/>
                 </a:solidFill>
@@ -7028,7 +7849,7 @@
               <a:t>Abstract: “</a:t>
             </a:r>
             <a:r>
-              <a:rPr b="0" lang="en-US" sz="2400" spc="-1" strike="noStrike">
+              <a:rPr lang="en-US" sz="2400" b="0" strike="noStrike" spc="-1" dirty="0">
                 <a:solidFill>
                   <a:srgbClr val="404040"/>
                 </a:solidFill>
@@ -7037,7 +7858,7 @@
               <a:t>Does emergency </a:t>
             </a:r>
             <a:r>
-              <a:rPr b="0" lang="en-US" sz="2400" spc="-1" strike="noStrike">
+              <a:rPr lang="en-US" sz="2400" b="0" strike="noStrike" spc="-1" dirty="0">
                 <a:solidFill>
                   <a:srgbClr val="404040"/>
                 </a:solidFill>
@@ -7046,7 +7867,7 @@
               <a:t>fi</a:t>
             </a:r>
             <a:r>
-              <a:rPr b="0" lang="en-US" sz="2400" spc="-1" strike="noStrike">
+              <a:rPr lang="en-US" sz="2400" b="0" strike="noStrike" spc="-1" dirty="0">
                 <a:solidFill>
                   <a:srgbClr val="404040"/>
                 </a:solidFill>
@@ -7055,7 +7876,7 @@
               <a:t>nancial assistance reduce criminal behavior among those experiencing negative shocks? To address this question, we exploit quasi-random variation in the allocation of temporary </a:t>
             </a:r>
             <a:r>
-              <a:rPr b="0" lang="en-US" sz="2400" spc="-1" strike="noStrike">
+              <a:rPr lang="en-US" sz="2400" b="0" strike="noStrike" spc="-1" dirty="0">
                 <a:solidFill>
                   <a:srgbClr val="404040"/>
                 </a:solidFill>
@@ -7064,7 +7885,7 @@
               <a:t>fi</a:t>
             </a:r>
             <a:r>
-              <a:rPr b="0" lang="en-US" sz="2400" spc="-1" strike="noStrike">
+              <a:rPr lang="en-US" sz="2400" b="0" strike="noStrike" spc="-1" dirty="0">
                 <a:solidFill>
                   <a:srgbClr val="404040"/>
                 </a:solidFill>
@@ -7073,10 +7894,10 @@
               <a:t>nancial assistance to eligible individuals and families that have experienced an economic shock. Chicago's Homelessness Prevention Call Center (HPCC) connects such families and individuals with assistance, but the availability of funding varies unpredictably. Consequently, we can determine the impact of temporary assistance on crime by comparing outcomes for those who call when funds are available to those who call when no funds are available…</a:t>
             </a:r>
             <a:br>
-              <a:rPr sz="2400"/>
+              <a:rPr sz="2400" dirty="0"/>
             </a:br>
             <a:r>
-              <a:rPr b="0" lang="en-US" sz="2400" spc="-1" strike="noStrike">
+              <a:rPr lang="en-US" sz="2400" b="0" strike="noStrike" spc="-1" dirty="0">
                 <a:solidFill>
                   <a:srgbClr val="404040"/>
                 </a:solidFill>
@@ -7084,30 +7905,19 @@
               </a:rPr>
               <a:t> </a:t>
             </a:r>
-            <a:endParaRPr b="0" lang="en-US" sz="2400" spc="-1" strike="noStrike">
-              <a:solidFill>
-                <a:srgbClr val="404040"/>
-              </a:solidFill>
-              <a:latin typeface="Century Gothic"/>
-            </a:endParaRPr>
           </a:p>
         </p:txBody>
       </p:sp>
     </p:spTree>
   </p:cSld>
-  <mc:AlternateContent>
-    <mc:Choice Requires="p14">
-      <p:transition spd="slow" p14:dur="2000"/>
-    </mc:Choice>
-    <mc:Fallback>
-      <p:transition spd="slow"/>
-    </mc:Fallback>
-  </mc:AlternateContent>
+  <p:clrMapOvr>
+    <a:masterClrMapping/>
+  </p:clrMapOvr>
 </p:sld>
 </file>
 
 <file path=ppt/slides/slide14.xml><?xml version="1.0" encoding="utf-8"?>
-<p:sld xmlns:a="http://schemas.openxmlformats.org/drawingml/2006/main" xmlns:p="http://schemas.openxmlformats.org/presentationml/2006/main" xmlns:r="http://schemas.openxmlformats.org/officeDocument/2006/relationships" xmlns:p14="http://schemas.microsoft.com/office/powerpoint/2010/main" xmlns:p15="http://schemas.microsoft.com/office/powerpoint/2012/main" xmlns:mc="http://schemas.openxmlformats.org/markup-compatibility/2006">
+<p:sld xmlns:a="http://schemas.openxmlformats.org/drawingml/2006/main" xmlns:r="http://schemas.openxmlformats.org/officeDocument/2006/relationships" xmlns:p="http://schemas.openxmlformats.org/presentationml/2006/main">
   <p:cSld>
     <p:spTree>
       <p:nvGrpSpPr>
@@ -7150,6 +7960,7 @@
           <a:bodyPr numCol="1" spcCol="0" anchor="ctr">
             <a:noAutofit/>
           </a:bodyPr>
+          <a:lstStyle/>
           <a:p>
             <a:pPr indent="0">
               <a:lnSpc>
@@ -7158,15 +7969,15 @@
               <a:buNone/>
             </a:pPr>
             <a:r>
-              <a:rPr b="0" lang="en-US" sz="3200" spc="-1" strike="noStrike" cap="all">
-                <a:solidFill>
-                  <a:srgbClr val="265b4d"/>
+              <a:rPr lang="en-US" sz="3200" b="0" strike="noStrike" cap="all" spc="-1">
+                <a:solidFill>
+                  <a:srgbClr val="265B4D"/>
                 </a:solidFill>
                 <a:latin typeface="Century Gothic"/>
               </a:rPr>
               <a:t>Palmer et al – Emergency assistance on crime</a:t>
             </a:r>
-            <a:endParaRPr b="0" lang="en-US" sz="3200" spc="-1" strike="noStrike">
+            <a:endParaRPr lang="en-US" sz="3200" b="0" strike="noStrike" spc="-1">
               <a:solidFill>
                 <a:srgbClr val="000000"/>
               </a:solidFill>
@@ -7202,6 +8013,7 @@
           <a:bodyPr numCol="1" spcCol="0" anchor="t">
             <a:noAutofit/>
           </a:bodyPr>
+          <a:lstStyle/>
           <a:p>
             <a:pPr marL="228600" indent="-228600">
               <a:lnSpc>
@@ -7217,42 +8029,33 @@
               <a:buChar char="•"/>
             </a:pPr>
             <a:r>
-              <a:rPr b="0" lang="en-US" sz="2100" spc="-1" strike="noStrike">
+              <a:rPr lang="en-US" sz="2100" b="0" strike="noStrike" spc="-1" dirty="0">
                 <a:solidFill>
                   <a:srgbClr val="404040"/>
                 </a:solidFill>
                 <a:latin typeface="AdvTT5235d5a9"/>
               </a:rPr>
-              <a:t>…</a:t>
-            </a:r>
-            <a:r>
-              <a:rPr b="0" lang="en-US" sz="2100" spc="-1" strike="noStrike">
+              <a:t>…Linking this call center information to arrest records from the Chicago Police Department, we </a:t>
+            </a:r>
+            <a:r>
+              <a:rPr lang="en-US" sz="2100" b="0" strike="noStrike" spc="-1" dirty="0">
                 <a:solidFill>
                   <a:srgbClr val="404040"/>
                 </a:solidFill>
+                <a:latin typeface="AdvTT5235d5a9+fb"/>
+              </a:rPr>
+              <a:t>fi</a:t>
+            </a:r>
+            <a:r>
+              <a:rPr lang="en-US" sz="2100" b="0" strike="noStrike" spc="-1" dirty="0">
+                <a:solidFill>
+                  <a:srgbClr val="404040"/>
+                </a:solidFill>
                 <a:latin typeface="AdvTT5235d5a9"/>
               </a:rPr>
-              <a:t>Linking this call center information to arrest records from the Chicago Police Department, we </a:t>
-            </a:r>
-            <a:r>
-              <a:rPr b="0" lang="en-US" sz="2100" spc="-1" strike="noStrike">
-                <a:solidFill>
-                  <a:srgbClr val="404040"/>
-                </a:solidFill>
-                <a:latin typeface="AdvTT5235d5a9+fb"/>
-              </a:rPr>
-              <a:t>fi</a:t>
-            </a:r>
-            <a:r>
-              <a:rPr b="0" lang="en-US" sz="2100" spc="-1" strike="noStrike">
-                <a:solidFill>
-                  <a:srgbClr val="404040"/>
-                </a:solidFill>
-                <a:latin typeface="AdvTT5235d5a9"/>
-              </a:rPr>
               <a:t>nd some evidence that total arrests fall between 1 and 2 years after the call. </a:t>
             </a:r>
-            <a:endParaRPr b="0" lang="en-US" sz="2100" spc="-1" strike="noStrike">
+            <a:endParaRPr lang="en-US" sz="2100" b="0" strike="noStrike" spc="-1" dirty="0">
               <a:solidFill>
                 <a:srgbClr val="404040"/>
               </a:solidFill>
@@ -7274,7 +8077,7 @@
               <a:buChar char="•"/>
             </a:pPr>
             <a:r>
-              <a:rPr b="0" lang="en-US" sz="2100" spc="-1" strike="noStrike">
+              <a:rPr lang="en-US" sz="2100" b="0" strike="noStrike" spc="-1" dirty="0">
                 <a:solidFill>
                   <a:srgbClr val="404040"/>
                 </a:solidFill>
@@ -7282,7 +8085,7 @@
               </a:rPr>
               <a:t>For violent crime, police arrest those for whom funds were available 51% less often than those who were eligible but for whom no funds were available. </a:t>
             </a:r>
-            <a:endParaRPr b="0" lang="en-US" sz="2100" spc="-1" strike="noStrike">
+            <a:endParaRPr lang="en-US" sz="2100" b="0" strike="noStrike" spc="-1" dirty="0">
               <a:solidFill>
                 <a:srgbClr val="404040"/>
               </a:solidFill>
@@ -7304,7 +8107,7 @@
               <a:buChar char="•"/>
             </a:pPr>
             <a:r>
-              <a:rPr b="0" lang="en-US" sz="2100" spc="-1" strike="noStrike">
+              <a:rPr lang="en-US" sz="2100" b="0" strike="noStrike" spc="-1" dirty="0">
                 <a:solidFill>
                   <a:srgbClr val="404040"/>
                 </a:solidFill>
@@ -7312,7 +8115,7 @@
               </a:rPr>
               <a:t>Single individuals drive this decrease. </a:t>
             </a:r>
-            <a:endParaRPr b="0" lang="en-US" sz="2100" spc="-1" strike="noStrike">
+            <a:endParaRPr lang="en-US" sz="2100" b="0" strike="noStrike" spc="-1" dirty="0">
               <a:solidFill>
                 <a:srgbClr val="404040"/>
               </a:solidFill>
@@ -7334,7 +8137,7 @@
               <a:buChar char="•"/>
             </a:pPr>
             <a:r>
-              <a:rPr b="0" lang="en-US" sz="2100" spc="-1" strike="noStrike">
+              <a:rPr lang="en-US" sz="2100" b="0" strike="noStrike" spc="-1" dirty="0">
                 <a:solidFill>
                   <a:srgbClr val="404040"/>
                 </a:solidFill>
@@ -7343,7 +8146,7 @@
               <a:t>The decline in crime appears to be related, in part, to greater housing stability</a:t>
             </a:r>
             <a:r>
-              <a:rPr b="0" lang="en-US" sz="2100" spc="-1" strike="noStrike">
+              <a:rPr lang="en-US" sz="2100" b="0" strike="noStrike" spc="-1" dirty="0">
                 <a:solidFill>
                   <a:srgbClr val="404040"/>
                 </a:solidFill>
@@ -7352,7 +8155,7 @@
               <a:t>—</a:t>
             </a:r>
             <a:r>
-              <a:rPr b="0" lang="en-US" sz="2100" spc="-1" strike="noStrike">
+              <a:rPr lang="en-US" sz="2100" b="0" strike="noStrike" spc="-1" dirty="0">
                 <a:solidFill>
                   <a:srgbClr val="404040"/>
                 </a:solidFill>
@@ -7361,7 +8164,7 @@
               <a:t>being referred to assistance signi</a:t>
             </a:r>
             <a:r>
-              <a:rPr b="0" lang="en-US" sz="2100" spc="-1" strike="noStrike">
+              <a:rPr lang="en-US" sz="2100" b="0" strike="noStrike" spc="-1" dirty="0">
                 <a:solidFill>
                   <a:srgbClr val="404040"/>
                 </a:solidFill>
@@ -7370,7 +8173,7 @@
               <a:t>fi</a:t>
             </a:r>
             <a:r>
-              <a:rPr b="0" lang="en-US" sz="2100" spc="-1" strike="noStrike">
+              <a:rPr lang="en-US" sz="2100" b="0" strike="noStrike" spc="-1" dirty="0">
                 <a:solidFill>
                   <a:srgbClr val="404040"/>
                 </a:solidFill>
@@ -7379,10 +8182,10 @@
               <a:t>cantly decreases arrests for homelessness-related, outdoor crimes such as trespassing…</a:t>
             </a:r>
             <a:br>
-              <a:rPr sz="2400"/>
+              <a:rPr sz="2400" dirty="0"/>
             </a:br>
             <a:r>
-              <a:rPr b="0" lang="en-US" sz="2400" spc="-1" strike="noStrike">
+              <a:rPr lang="en-US" sz="2400" b="0" strike="noStrike" spc="-1" dirty="0">
                 <a:solidFill>
                   <a:srgbClr val="404040"/>
                 </a:solidFill>
@@ -7390,30 +8193,19 @@
               </a:rPr>
               <a:t> </a:t>
             </a:r>
-            <a:endParaRPr b="0" lang="en-US" sz="2400" spc="-1" strike="noStrike">
-              <a:solidFill>
-                <a:srgbClr val="404040"/>
-              </a:solidFill>
-              <a:latin typeface="Century Gothic"/>
-            </a:endParaRPr>
           </a:p>
         </p:txBody>
       </p:sp>
     </p:spTree>
   </p:cSld>
-  <mc:AlternateContent>
-    <mc:Choice Requires="p14">
-      <p:transition spd="slow" p14:dur="2000"/>
-    </mc:Choice>
-    <mc:Fallback>
-      <p:transition spd="slow"/>
-    </mc:Fallback>
-  </mc:AlternateContent>
+  <p:clrMapOvr>
+    <a:masterClrMapping/>
+  </p:clrMapOvr>
 </p:sld>
 </file>
 
 <file path=ppt/slides/slide15.xml><?xml version="1.0" encoding="utf-8"?>
-<p:sld xmlns:a="http://schemas.openxmlformats.org/drawingml/2006/main" xmlns:p="http://schemas.openxmlformats.org/presentationml/2006/main" xmlns:r="http://schemas.openxmlformats.org/officeDocument/2006/relationships" xmlns:p14="http://schemas.microsoft.com/office/powerpoint/2010/main" xmlns:p15="http://schemas.microsoft.com/office/powerpoint/2012/main" xmlns:mc="http://schemas.openxmlformats.org/markup-compatibility/2006">
+<p:sld xmlns:a="http://schemas.openxmlformats.org/drawingml/2006/main" xmlns:r="http://schemas.openxmlformats.org/officeDocument/2006/relationships" xmlns:p="http://schemas.openxmlformats.org/presentationml/2006/main">
   <p:cSld>
     <p:spTree>
       <p:nvGrpSpPr>
@@ -7456,6 +8248,7 @@
           <a:bodyPr numCol="1" spcCol="0" anchor="ctr">
             <a:noAutofit/>
           </a:bodyPr>
+          <a:lstStyle/>
           <a:p>
             <a:pPr indent="0">
               <a:lnSpc>
@@ -7464,15 +8257,15 @@
               <a:buNone/>
             </a:pPr>
             <a:r>
-              <a:rPr b="0" lang="en-US" sz="3200" spc="-1" strike="noStrike" cap="all">
-                <a:solidFill>
-                  <a:srgbClr val="265b4d"/>
+              <a:rPr lang="en-US" sz="3200" b="0" strike="noStrike" cap="all" spc="-1">
+                <a:solidFill>
+                  <a:srgbClr val="265B4D"/>
                 </a:solidFill>
                 <a:latin typeface="Century Gothic"/>
               </a:rPr>
               <a:t>Palmer et al – Emergency assistance on crime</a:t>
             </a:r>
-            <a:endParaRPr b="0" lang="en-US" sz="3200" spc="-1" strike="noStrike">
+            <a:endParaRPr lang="en-US" sz="3200" b="0" strike="noStrike" spc="-1">
               <a:solidFill>
                 <a:srgbClr val="000000"/>
               </a:solidFill>
@@ -7508,6 +8301,7 @@
           <a:bodyPr numCol="1" spcCol="0" anchor="t">
             <a:noAutofit/>
           </a:bodyPr>
+          <a:lstStyle/>
           <a:p>
             <a:pPr marL="228600" indent="-228600">
               <a:lnSpc>
@@ -7523,7 +8317,7 @@
               <a:buChar char="•"/>
             </a:pPr>
             <a:r>
-              <a:rPr b="0" lang="en-US" sz="2100" spc="-1" strike="noStrike">
+              <a:rPr lang="en-US" sz="2100" b="0" strike="noStrike" spc="-1" dirty="0">
                 <a:solidFill>
                   <a:srgbClr val="404040"/>
                 </a:solidFill>
@@ -7532,7 +8326,7 @@
               <a:t>... However, we also </a:t>
             </a:r>
             <a:r>
-              <a:rPr b="0" lang="en-US" sz="2100" spc="-1" strike="noStrike">
+              <a:rPr lang="en-US" sz="2100" b="0" strike="noStrike" spc="-1" dirty="0">
                 <a:solidFill>
                   <a:srgbClr val="404040"/>
                 </a:solidFill>
@@ -7541,7 +8335,7 @@
               <a:t>fi</a:t>
             </a:r>
             <a:r>
-              <a:rPr b="0" lang="en-US" sz="2100" spc="-1" strike="noStrike">
+              <a:rPr lang="en-US" sz="2100" b="0" strike="noStrike" spc="-1" dirty="0">
                 <a:solidFill>
                   <a:srgbClr val="404040"/>
                 </a:solidFill>
@@ -7550,7 +8344,7 @@
               <a:t>nd that </a:t>
             </a:r>
             <a:r>
-              <a:rPr b="0" lang="en-US" sz="2100" spc="-1" strike="noStrike">
+              <a:rPr lang="en-US" sz="2100" b="0" strike="noStrike" spc="-1" dirty="0">
                 <a:solidFill>
                   <a:srgbClr val="404040"/>
                 </a:solidFill>
@@ -7559,7 +8353,7 @@
               <a:t>fi</a:t>
             </a:r>
             <a:r>
-              <a:rPr b="0" lang="en-US" sz="2100" spc="-1" strike="noStrike">
+              <a:rPr lang="en-US" sz="2100" b="0" strike="noStrike" spc="-1" dirty="0">
                 <a:solidFill>
                   <a:srgbClr val="404040"/>
                 </a:solidFill>
@@ -7567,7 +8361,7 @@
               </a:rPr>
               <a:t>nancial assistance leads to an increase in property crime arrests. </a:t>
             </a:r>
-            <a:endParaRPr b="0" lang="en-US" sz="2100" spc="-1" strike="noStrike">
+            <a:endParaRPr lang="en-US" sz="2100" b="0" strike="noStrike" spc="-1" dirty="0">
               <a:solidFill>
                 <a:srgbClr val="404040"/>
               </a:solidFill>
@@ -7589,7 +8383,7 @@
               <a:buChar char="•"/>
             </a:pPr>
             <a:r>
-              <a:rPr b="0" lang="en-US" sz="2100" spc="-1" strike="noStrike">
+              <a:rPr lang="en-US" sz="2100" b="0" strike="noStrike" spc="-1" dirty="0">
                 <a:solidFill>
                   <a:srgbClr val="404040"/>
                 </a:solidFill>
@@ -7597,7 +8391,7 @@
               </a:rPr>
               <a:t>This increase is evident for family heads, but not single individuals; </a:t>
             </a:r>
-            <a:endParaRPr b="0" lang="en-US" sz="2100" spc="-1" strike="noStrike">
+            <a:endParaRPr lang="en-US" sz="2100" b="0" strike="noStrike" spc="-1" dirty="0">
               <a:solidFill>
                 <a:srgbClr val="404040"/>
               </a:solidFill>
@@ -7619,7 +8413,7 @@
               <a:buChar char="•"/>
             </a:pPr>
             <a:r>
-              <a:rPr b="0" lang="en-US" sz="2100" spc="-1" strike="noStrike">
+              <a:rPr lang="en-US" sz="2100" b="0" strike="noStrike" spc="-1" dirty="0">
                 <a:solidFill>
                   <a:srgbClr val="404040"/>
                 </a:solidFill>
@@ -7628,7 +8422,7 @@
               <a:t>the increase is mostly due to shoplifting; and the timing of this increase suggests that </a:t>
             </a:r>
             <a:r>
-              <a:rPr b="0" lang="en-US" sz="2100" spc="-1" strike="noStrike">
+              <a:rPr lang="en-US" sz="2100" b="0" strike="noStrike" spc="-1" dirty="0">
                 <a:solidFill>
                   <a:srgbClr val="404040"/>
                 </a:solidFill>
@@ -7637,7 +8431,7 @@
               <a:t>fi</a:t>
             </a:r>
             <a:r>
-              <a:rPr b="0" lang="en-US" sz="2100" spc="-1" strike="noStrike">
+              <a:rPr lang="en-US" sz="2100" b="0" strike="noStrike" spc="-1" dirty="0">
                 <a:solidFill>
                   <a:srgbClr val="404040"/>
                 </a:solidFill>
@@ -7646,7 +8440,7 @@
               <a:t>nancial assistance enables some families to take on </a:t>
             </a:r>
             <a:r>
-              <a:rPr b="0" lang="en-US" sz="2100" spc="-1" strike="noStrike">
+              <a:rPr lang="en-US" sz="2100" b="0" strike="noStrike" spc="-1" dirty="0">
                 <a:solidFill>
                   <a:srgbClr val="404040"/>
                 </a:solidFill>
@@ -7655,7 +8449,7 @@
               <a:t>fi</a:t>
             </a:r>
             <a:r>
-              <a:rPr b="0" lang="en-US" sz="2100" spc="-1" strike="noStrike">
+              <a:rPr lang="en-US" sz="2100" b="0" strike="noStrike" spc="-1" dirty="0">
                 <a:solidFill>
                   <a:srgbClr val="404040"/>
                 </a:solidFill>
@@ -7663,7 +8457,7 @@
               </a:rPr>
               <a:t>nancial obligations that they are subsequently unable to meet. </a:t>
             </a:r>
-            <a:endParaRPr b="0" lang="en-US" sz="2100" spc="-1" strike="noStrike">
+            <a:endParaRPr lang="en-US" sz="2100" b="0" strike="noStrike" spc="-1" dirty="0">
               <a:solidFill>
                 <a:srgbClr val="404040"/>
               </a:solidFill>
@@ -7685,7 +8479,7 @@
               <a:buChar char="•"/>
             </a:pPr>
             <a:r>
-              <a:rPr b="0" lang="en-US" sz="2100" spc="-1" strike="noStrike">
+              <a:rPr lang="en-US" sz="2100" b="0" strike="noStrike" spc="-1" dirty="0">
                 <a:solidFill>
                   <a:srgbClr val="404040"/>
                 </a:solidFill>
@@ -7694,7 +8488,7 @@
               <a:t>Overall, the change in the mix of crime induced by </a:t>
             </a:r>
             <a:r>
-              <a:rPr b="0" lang="en-US" sz="2100" spc="-1" strike="noStrike">
+              <a:rPr lang="en-US" sz="2100" b="0" strike="noStrike" spc="-1" dirty="0">
                 <a:solidFill>
                   <a:srgbClr val="404040"/>
                 </a:solidFill>
@@ -7703,7 +8497,7 @@
               <a:t>fi</a:t>
             </a:r>
             <a:r>
-              <a:rPr b="0" lang="en-US" sz="2100" spc="-1" strike="noStrike">
+              <a:rPr lang="en-US" sz="2100" b="0" strike="noStrike" spc="-1" dirty="0">
                 <a:solidFill>
                   <a:srgbClr val="404040"/>
                 </a:solidFill>
@@ -7712,7 +8506,7 @@
               <a:t>nancial assistance generates considerable social bene</a:t>
             </a:r>
             <a:r>
-              <a:rPr b="0" lang="en-US" sz="2100" spc="-1" strike="noStrike">
+              <a:rPr lang="en-US" sz="2100" b="0" strike="noStrike" spc="-1" dirty="0">
                 <a:solidFill>
                   <a:srgbClr val="404040"/>
                 </a:solidFill>
@@ -7721,7 +8515,7 @@
               <a:t>fi</a:t>
             </a:r>
             <a:r>
-              <a:rPr b="0" lang="en-US" sz="2100" spc="-1" strike="noStrike">
+              <a:rPr lang="en-US" sz="2100" b="0" strike="noStrike" spc="-1" dirty="0">
                 <a:solidFill>
                   <a:srgbClr val="404040"/>
                 </a:solidFill>
@@ -7730,7 +8524,7 @@
               <a:t>ts due to the greater social cost of violence.</a:t>
             </a:r>
             <a:r>
-              <a:rPr b="0" lang="en-US" sz="2100" spc="-1" strike="noStrike">
+              <a:rPr lang="en-US" sz="2100" b="0" strike="noStrike" spc="-1" dirty="0">
                 <a:solidFill>
                   <a:srgbClr val="404040"/>
                 </a:solidFill>
@@ -7739,10 +8533,10 @@
               <a:t>”</a:t>
             </a:r>
             <a:br>
-              <a:rPr sz="2400"/>
+              <a:rPr sz="2400" dirty="0"/>
             </a:br>
             <a:r>
-              <a:rPr b="0" lang="en-US" sz="2400" spc="-1" strike="noStrike">
+              <a:rPr lang="en-US" sz="2400" b="0" strike="noStrike" spc="-1" dirty="0">
                 <a:solidFill>
                   <a:srgbClr val="404040"/>
                 </a:solidFill>
@@ -7750,30 +8544,19 @@
               </a:rPr>
               <a:t> </a:t>
             </a:r>
-            <a:endParaRPr b="0" lang="en-US" sz="2400" spc="-1" strike="noStrike">
-              <a:solidFill>
-                <a:srgbClr val="404040"/>
-              </a:solidFill>
-              <a:latin typeface="Century Gothic"/>
-            </a:endParaRPr>
           </a:p>
         </p:txBody>
       </p:sp>
     </p:spTree>
   </p:cSld>
-  <mc:AlternateContent>
-    <mc:Choice Requires="p14">
-      <p:transition spd="slow" p14:dur="2000"/>
-    </mc:Choice>
-    <mc:Fallback>
-      <p:transition spd="slow"/>
-    </mc:Fallback>
-  </mc:AlternateContent>
+  <p:clrMapOvr>
+    <a:masterClrMapping/>
+  </p:clrMapOvr>
 </p:sld>
 </file>
 
 <file path=ppt/slides/slide16.xml><?xml version="1.0" encoding="utf-8"?>
-<p:sld xmlns:a="http://schemas.openxmlformats.org/drawingml/2006/main" xmlns:p="http://schemas.openxmlformats.org/presentationml/2006/main" xmlns:r="http://schemas.openxmlformats.org/officeDocument/2006/relationships" xmlns:p14="http://schemas.microsoft.com/office/powerpoint/2010/main" xmlns:p15="http://schemas.microsoft.com/office/powerpoint/2012/main" xmlns:mc="http://schemas.openxmlformats.org/markup-compatibility/2006">
+<p:sld xmlns:a="http://schemas.openxmlformats.org/drawingml/2006/main" xmlns:r="http://schemas.openxmlformats.org/officeDocument/2006/relationships" xmlns:p="http://schemas.openxmlformats.org/presentationml/2006/main">
   <p:cSld>
     <p:spTree>
       <p:nvGrpSpPr>
@@ -7816,6 +8599,7 @@
           <a:bodyPr numCol="1" spcCol="0" anchor="ctr">
             <a:noAutofit/>
           </a:bodyPr>
+          <a:lstStyle/>
           <a:p>
             <a:pPr indent="0">
               <a:lnSpc>
@@ -7824,15 +8608,15 @@
               <a:buNone/>
             </a:pPr>
             <a:r>
-              <a:rPr b="0" lang="en-US" sz="2800" spc="-1" strike="noStrike" cap="all">
-                <a:solidFill>
-                  <a:srgbClr val="265b4d"/>
+              <a:rPr lang="en-US" sz="2800" b="0" strike="noStrike" cap="all" spc="-1">
+                <a:solidFill>
+                  <a:srgbClr val="265B4D"/>
                 </a:solidFill>
                 <a:latin typeface="Century Gothic"/>
               </a:rPr>
               <a:t>Palmer et al – Emergency assistance and Crime</a:t>
             </a:r>
-            <a:endParaRPr b="0" lang="en-US" sz="2800" spc="-1" strike="noStrike">
+            <a:endParaRPr lang="en-US" sz="2800" b="0" strike="noStrike" spc="-1">
               <a:solidFill>
                 <a:srgbClr val="000000"/>
               </a:solidFill>
@@ -7868,6 +8652,7 @@
           <a:bodyPr numCol="1" spcCol="0" anchor="t">
             <a:noAutofit/>
           </a:bodyPr>
+          <a:lstStyle/>
           <a:p>
             <a:pPr marL="228600" indent="-228600">
               <a:lnSpc>
@@ -7883,7 +8668,7 @@
               <a:buChar char="•"/>
             </a:pPr>
             <a:r>
-              <a:rPr b="0" lang="en-US" sz="2400" spc="-1" strike="noStrike">
+              <a:rPr lang="en-US" sz="2400" b="0" strike="noStrike" spc="-1" dirty="0">
                 <a:solidFill>
                   <a:srgbClr val="404040"/>
                 </a:solidFill>
@@ -7891,12 +8676,6 @@
               </a:rPr>
               <a:t>The researchers use “eligible calls”, which are the people who are eligible, based on the HPCC’s criteria, for the assistance.</a:t>
             </a:r>
-            <a:endParaRPr b="0" lang="en-US" sz="2400" spc="-1" strike="noStrike">
-              <a:solidFill>
-                <a:srgbClr val="404040"/>
-              </a:solidFill>
-              <a:latin typeface="Century Gothic"/>
-            </a:endParaRPr>
           </a:p>
           <a:p>
             <a:pPr marL="228600" indent="-228600">
@@ -7913,7 +8692,7 @@
               <a:buChar char="•"/>
             </a:pPr>
             <a:r>
-              <a:rPr b="0" lang="en-US" sz="2400" spc="-1" strike="noStrike">
+              <a:rPr lang="en-US" sz="2400" b="0" strike="noStrike" spc="-1" dirty="0">
                 <a:solidFill>
                   <a:srgbClr val="404040"/>
                 </a:solidFill>
@@ -7921,23 +8700,17 @@
               </a:rPr>
               <a:t>For these people it’s almost a coin toss if they get the funding.</a:t>
             </a:r>
-            <a:endParaRPr b="0" lang="en-US" sz="2400" spc="-1" strike="noStrike">
-              <a:solidFill>
-                <a:srgbClr val="404040"/>
-              </a:solidFill>
-              <a:latin typeface="Century Gothic"/>
-            </a:endParaRPr>
           </a:p>
         </p:txBody>
       </p:sp>
       <p:pic>
         <p:nvPicPr>
-          <p:cNvPr id="124" name="Picture 4" descr=""/>
+          <p:cNvPr id="124" name="Picture 4"/>
           <p:cNvPicPr/>
           <p:nvPr/>
         </p:nvPicPr>
         <p:blipFill>
-          <a:blip r:embed="rId1"/>
+          <a:blip r:embed="rId2"/>
           <a:stretch/>
         </p:blipFill>
         <p:spPr>
@@ -7955,19 +8728,14 @@
       </p:pic>
     </p:spTree>
   </p:cSld>
-  <mc:AlternateContent>
-    <mc:Choice Requires="p14">
-      <p:transition spd="slow" p14:dur="2000"/>
-    </mc:Choice>
-    <mc:Fallback>
-      <p:transition spd="slow"/>
-    </mc:Fallback>
-  </mc:AlternateContent>
+  <p:clrMapOvr>
+    <a:masterClrMapping/>
+  </p:clrMapOvr>
 </p:sld>
 </file>
 
 <file path=ppt/slides/slide17.xml><?xml version="1.0" encoding="utf-8"?>
-<p:sld xmlns:a="http://schemas.openxmlformats.org/drawingml/2006/main" xmlns:p="http://schemas.openxmlformats.org/presentationml/2006/main" xmlns:r="http://schemas.openxmlformats.org/officeDocument/2006/relationships" xmlns:p14="http://schemas.microsoft.com/office/powerpoint/2010/main" xmlns:p15="http://schemas.microsoft.com/office/powerpoint/2012/main" xmlns:mc="http://schemas.openxmlformats.org/markup-compatibility/2006">
+<p:sld xmlns:a="http://schemas.openxmlformats.org/drawingml/2006/main" xmlns:r="http://schemas.openxmlformats.org/officeDocument/2006/relationships" xmlns:p="http://schemas.openxmlformats.org/presentationml/2006/main">
   <p:cSld>
     <p:spTree>
       <p:nvGrpSpPr>
@@ -8010,6 +8778,7 @@
           <a:bodyPr numCol="1" spcCol="0" anchor="ctr">
             <a:noAutofit/>
           </a:bodyPr>
+          <a:lstStyle/>
           <a:p>
             <a:pPr indent="0">
               <a:lnSpc>
@@ -8018,15 +8787,15 @@
               <a:buNone/>
             </a:pPr>
             <a:r>
-              <a:rPr b="0" lang="en-US" sz="2800" spc="-1" strike="noStrike" cap="all">
-                <a:solidFill>
-                  <a:srgbClr val="265b4d"/>
+              <a:rPr lang="en-US" sz="2800" b="0" strike="noStrike" cap="all" spc="-1">
+                <a:solidFill>
+                  <a:srgbClr val="265B4D"/>
                 </a:solidFill>
                 <a:latin typeface="Century Gothic"/>
               </a:rPr>
               <a:t>Palmer et al – Emergency assistance and Crime</a:t>
             </a:r>
-            <a:endParaRPr b="0" lang="en-US" sz="2800" spc="-1" strike="noStrike">
+            <a:endParaRPr lang="en-US" sz="2800" b="0" strike="noStrike" spc="-1">
               <a:solidFill>
                 <a:srgbClr val="000000"/>
               </a:solidFill>
@@ -8062,6 +8831,7 @@
           <a:bodyPr numCol="1" spcCol="0" anchor="t">
             <a:noAutofit/>
           </a:bodyPr>
+          <a:lstStyle/>
           <a:p>
             <a:pPr marL="228600" indent="-228600">
               <a:lnSpc>
@@ -8077,7 +8847,7 @@
               <a:buChar char="•"/>
             </a:pPr>
             <a:r>
-              <a:rPr b="0" lang="en-US" sz="2400" spc="-1" strike="noStrike">
+              <a:rPr lang="en-US" sz="2400" b="0" strike="noStrike" spc="-1">
                 <a:solidFill>
                   <a:srgbClr val="404040"/>
                 </a:solidFill>
@@ -8085,23 +8855,17 @@
               </a:rPr>
               <a:t>For eligible callers, funding is pretty random.</a:t>
             </a:r>
-            <a:endParaRPr b="0" lang="en-US" sz="2400" spc="-1" strike="noStrike">
-              <a:solidFill>
-                <a:srgbClr val="404040"/>
-              </a:solidFill>
-              <a:latin typeface="Century Gothic"/>
-            </a:endParaRPr>
           </a:p>
         </p:txBody>
       </p:sp>
       <p:pic>
         <p:nvPicPr>
-          <p:cNvPr id="127" name="Picture 4" descr=""/>
+          <p:cNvPr id="127" name="Picture 4"/>
           <p:cNvPicPr/>
           <p:nvPr/>
         </p:nvPicPr>
         <p:blipFill>
-          <a:blip r:embed="rId1"/>
+          <a:blip r:embed="rId2"/>
           <a:stretch/>
         </p:blipFill>
         <p:spPr>
@@ -8119,19 +8883,14 @@
       </p:pic>
     </p:spTree>
   </p:cSld>
-  <mc:AlternateContent>
-    <mc:Choice Requires="p14">
-      <p:transition spd="slow" p14:dur="2000"/>
-    </mc:Choice>
-    <mc:Fallback>
-      <p:transition spd="slow"/>
-    </mc:Fallback>
-  </mc:AlternateContent>
+  <p:clrMapOvr>
+    <a:masterClrMapping/>
+  </p:clrMapOvr>
 </p:sld>
 </file>
 
 <file path=ppt/slides/slide18.xml><?xml version="1.0" encoding="utf-8"?>
-<p:sld xmlns:a="http://schemas.openxmlformats.org/drawingml/2006/main" xmlns:p="http://schemas.openxmlformats.org/presentationml/2006/main" xmlns:r="http://schemas.openxmlformats.org/officeDocument/2006/relationships" xmlns:p14="http://schemas.microsoft.com/office/powerpoint/2010/main" xmlns:p15="http://schemas.microsoft.com/office/powerpoint/2012/main" xmlns:mc="http://schemas.openxmlformats.org/markup-compatibility/2006">
+<p:sld xmlns:a="http://schemas.openxmlformats.org/drawingml/2006/main" xmlns:r="http://schemas.openxmlformats.org/officeDocument/2006/relationships" xmlns:p="http://schemas.openxmlformats.org/presentationml/2006/main">
   <p:cSld>
     <p:spTree>
       <p:nvGrpSpPr>
@@ -8174,6 +8933,7 @@
           <a:bodyPr numCol="1" spcCol="0" anchor="ctr">
             <a:noAutofit/>
           </a:bodyPr>
+          <a:lstStyle/>
           <a:p>
             <a:pPr indent="0">
               <a:lnSpc>
@@ -8182,15 +8942,15 @@
               <a:buNone/>
             </a:pPr>
             <a:r>
-              <a:rPr b="0" lang="en-US" sz="2000" spc="-1" strike="noStrike" cap="all">
-                <a:solidFill>
-                  <a:srgbClr val="265b4d"/>
+              <a:rPr lang="en-US" sz="2000" b="0" strike="noStrike" cap="all" spc="-1">
+                <a:solidFill>
+                  <a:srgbClr val="265B4D"/>
                 </a:solidFill>
                 <a:latin typeface="Century Gothic"/>
               </a:rPr>
               <a:t>Palmer et al – Emergency assistance and Crime</a:t>
             </a:r>
-            <a:endParaRPr b="0" lang="en-US" sz="2000" spc="-1" strike="noStrike">
+            <a:endParaRPr lang="en-US" sz="2000" b="0" strike="noStrike" spc="-1">
               <a:solidFill>
                 <a:srgbClr val="000000"/>
               </a:solidFill>
@@ -8226,6 +8986,7 @@
           <a:bodyPr numCol="1" spcCol="0" anchor="t">
             <a:noAutofit/>
           </a:bodyPr>
+          <a:lstStyle/>
           <a:p>
             <a:pPr marL="228600" indent="-228600">
               <a:lnSpc>
@@ -8241,7 +9002,7 @@
               <a:buChar char="•"/>
             </a:pPr>
             <a:r>
-              <a:rPr b="0" lang="en-US" sz="2400" spc="-1" strike="noStrike">
+              <a:rPr lang="en-US" sz="2400" b="0" strike="noStrike" spc="-1">
                 <a:solidFill>
                   <a:srgbClr val="404040"/>
                 </a:solidFill>
@@ -8249,12 +9010,6 @@
               </a:rPr>
               <a:t>This shows us what the sample of callers is like.</a:t>
             </a:r>
-            <a:endParaRPr b="0" lang="en-US" sz="2400" spc="-1" strike="noStrike">
-              <a:solidFill>
-                <a:srgbClr val="404040"/>
-              </a:solidFill>
-              <a:latin typeface="Century Gothic"/>
-            </a:endParaRPr>
           </a:p>
           <a:p>
             <a:pPr marL="228600" indent="-228600">
@@ -8271,7 +9026,7 @@
               <a:buChar char="•"/>
             </a:pPr>
             <a:r>
-              <a:rPr b="0" lang="en-US" sz="2400" spc="-1" strike="noStrike">
+              <a:rPr lang="en-US" sz="2400" b="0" strike="noStrike" spc="-1">
                 <a:solidFill>
                   <a:srgbClr val="404040"/>
                 </a:solidFill>
@@ -8279,12 +9034,6 @@
               </a:rPr>
               <a:t>E.g., about a third have ever been arrested before they call.</a:t>
             </a:r>
-            <a:endParaRPr b="0" lang="en-US" sz="2400" spc="-1" strike="noStrike">
-              <a:solidFill>
-                <a:srgbClr val="404040"/>
-              </a:solidFill>
-              <a:latin typeface="Century Gothic"/>
-            </a:endParaRPr>
           </a:p>
           <a:p>
             <a:pPr marL="228600" indent="-228600">
@@ -8301,7 +9050,7 @@
               <a:buChar char="•"/>
             </a:pPr>
             <a:r>
-              <a:rPr b="0" lang="en-US" sz="2400" spc="-1" strike="noStrike">
+              <a:rPr lang="en-US" sz="2400" b="0" strike="noStrike" spc="-1">
                 <a:solidFill>
                   <a:srgbClr val="404040"/>
                 </a:solidFill>
@@ -8309,12 +9058,6 @@
               </a:rPr>
               <a:t>83% women who call.</a:t>
             </a:r>
-            <a:endParaRPr b="0" lang="en-US" sz="2400" spc="-1" strike="noStrike">
-              <a:solidFill>
-                <a:srgbClr val="404040"/>
-              </a:solidFill>
-              <a:latin typeface="Century Gothic"/>
-            </a:endParaRPr>
           </a:p>
           <a:p>
             <a:pPr marL="228600" indent="-228600">
@@ -8331,7 +9074,7 @@
               <a:buChar char="•"/>
             </a:pPr>
             <a:r>
-              <a:rPr b="0" lang="en-US" sz="2400" spc="-1" strike="noStrike">
+              <a:rPr lang="en-US" sz="2400" b="0" strike="noStrike" spc="-1">
                 <a:solidFill>
                   <a:srgbClr val="404040"/>
                 </a:solidFill>
@@ -8339,12 +9082,6 @@
               </a:rPr>
               <a:t>89% black, non-Hispanic people</a:t>
             </a:r>
-            <a:endParaRPr b="0" lang="en-US" sz="2400" spc="-1" strike="noStrike">
-              <a:solidFill>
-                <a:srgbClr val="404040"/>
-              </a:solidFill>
-              <a:latin typeface="Century Gothic"/>
-            </a:endParaRPr>
           </a:p>
           <a:p>
             <a:pPr marL="228600" indent="-228600">
@@ -8361,7 +9098,7 @@
               <a:buChar char="•"/>
             </a:pPr>
             <a:r>
-              <a:rPr b="0" lang="en-US" sz="2400" spc="-1" strike="noStrike">
+              <a:rPr lang="en-US" sz="2400" b="0" strike="noStrike" spc="-1">
                 <a:solidFill>
                   <a:srgbClr val="404040"/>
                 </a:solidFill>
@@ -8369,23 +9106,17 @@
               </a:rPr>
               <a:t>Average monthly income just over $1,000</a:t>
             </a:r>
-            <a:endParaRPr b="0" lang="en-US" sz="2400" spc="-1" strike="noStrike">
-              <a:solidFill>
-                <a:srgbClr val="404040"/>
-              </a:solidFill>
-              <a:latin typeface="Century Gothic"/>
-            </a:endParaRPr>
           </a:p>
         </p:txBody>
       </p:sp>
       <p:pic>
         <p:nvPicPr>
-          <p:cNvPr id="130" name="Picture 6" descr=""/>
+          <p:cNvPr id="130" name="Picture 6"/>
           <p:cNvPicPr/>
           <p:nvPr/>
         </p:nvPicPr>
         <p:blipFill>
-          <a:blip r:embed="rId1"/>
+          <a:blip r:embed="rId2"/>
           <a:stretch/>
         </p:blipFill>
         <p:spPr>
@@ -8403,19 +9134,14 @@
       </p:pic>
     </p:spTree>
   </p:cSld>
-  <mc:AlternateContent>
-    <mc:Choice Requires="p14">
-      <p:transition spd="slow" p14:dur="2000"/>
-    </mc:Choice>
-    <mc:Fallback>
-      <p:transition spd="slow"/>
-    </mc:Fallback>
-  </mc:AlternateContent>
+  <p:clrMapOvr>
+    <a:masterClrMapping/>
+  </p:clrMapOvr>
 </p:sld>
 </file>
 
 <file path=ppt/slides/slide19.xml><?xml version="1.0" encoding="utf-8"?>
-<p:sld xmlns:a="http://schemas.openxmlformats.org/drawingml/2006/main" xmlns:p="http://schemas.openxmlformats.org/presentationml/2006/main" xmlns:r="http://schemas.openxmlformats.org/officeDocument/2006/relationships" xmlns:p14="http://schemas.microsoft.com/office/powerpoint/2010/main" xmlns:p15="http://schemas.microsoft.com/office/powerpoint/2012/main" xmlns:mc="http://schemas.openxmlformats.org/markup-compatibility/2006">
+<p:sld xmlns:a="http://schemas.openxmlformats.org/drawingml/2006/main" xmlns:r="http://schemas.openxmlformats.org/officeDocument/2006/relationships" xmlns:p="http://schemas.openxmlformats.org/presentationml/2006/main">
   <p:cSld>
     <p:spTree>
       <p:nvGrpSpPr>
@@ -8458,6 +9184,7 @@
           <a:bodyPr numCol="1" spcCol="0" anchor="ctr">
             <a:noAutofit/>
           </a:bodyPr>
+          <a:lstStyle/>
           <a:p>
             <a:pPr indent="0">
               <a:lnSpc>
@@ -8466,15 +9193,15 @@
               <a:buNone/>
             </a:pPr>
             <a:r>
-              <a:rPr b="0" lang="en-US" sz="1800" spc="-1" strike="noStrike" cap="all">
-                <a:solidFill>
-                  <a:srgbClr val="265b4d"/>
+              <a:rPr lang="en-US" sz="1800" b="0" strike="noStrike" cap="all" spc="-1">
+                <a:solidFill>
+                  <a:srgbClr val="265B4D"/>
                 </a:solidFill>
                 <a:latin typeface="Century Gothic"/>
               </a:rPr>
               <a:t>Palmer et al – Emergency assistance and Crime</a:t>
             </a:r>
-            <a:endParaRPr b="0" lang="en-US" sz="1800" spc="-1" strike="noStrike">
+            <a:endParaRPr lang="en-US" sz="1800" b="0" strike="noStrike" spc="-1">
               <a:solidFill>
                 <a:srgbClr val="000000"/>
               </a:solidFill>
@@ -8510,6 +9237,7 @@
           <a:bodyPr numCol="1" spcCol="0" anchor="t">
             <a:noAutofit/>
           </a:bodyPr>
+          <a:lstStyle/>
           <a:p>
             <a:pPr marL="228600" indent="-228600">
               <a:lnSpc>
@@ -8525,7 +9253,7 @@
               <a:buChar char="•"/>
             </a:pPr>
             <a:r>
-              <a:rPr b="0" lang="en-US" sz="2400" spc="-1" strike="noStrike">
+              <a:rPr lang="en-US" sz="2400" b="0" strike="noStrike" spc="-1" dirty="0">
                 <a:solidFill>
                   <a:srgbClr val="404040"/>
                 </a:solidFill>
@@ -8533,103 +9261,85 @@
               </a:rPr>
               <a:t>This is the main results table.</a:t>
             </a:r>
-            <a:endParaRPr b="0" lang="en-US" sz="2400" spc="-1" strike="noStrike">
+          </a:p>
+          <a:p>
+            <a:pPr marL="228600" indent="-228600">
+              <a:lnSpc>
+                <a:spcPct val="90000"/>
+              </a:lnSpc>
+              <a:spcBef>
+                <a:spcPts val="1001"/>
+              </a:spcBef>
+              <a:buClr>
+                <a:srgbClr val="404040"/>
+              </a:buClr>
+              <a:buFont typeface="Arial"/>
+              <a:buChar char="•"/>
+            </a:pPr>
+            <a:r>
+              <a:rPr lang="en-US" sz="2400" b="0" strike="noStrike" spc="-1" dirty="0">
+                <a:solidFill>
+                  <a:srgbClr val="404040"/>
+                </a:solidFill>
+                <a:latin typeface="Century Gothic"/>
+              </a:rPr>
+              <a:t>Effect are strongest (more statistically significant) for violent arrests.</a:t>
+            </a:r>
+          </a:p>
+          <a:p>
+            <a:pPr marL="228600" indent="-228600">
+              <a:lnSpc>
+                <a:spcPct val="90000"/>
+              </a:lnSpc>
+              <a:spcBef>
+                <a:spcPts val="1001"/>
+              </a:spcBef>
+              <a:buClr>
+                <a:srgbClr val="404040"/>
+              </a:buClr>
+              <a:buFont typeface="Arial"/>
+              <a:buChar char="•"/>
+            </a:pPr>
+            <a:r>
+              <a:rPr lang="en-US" sz="2400" b="0" strike="noStrike" spc="-1" dirty="0">
+                <a:solidFill>
+                  <a:srgbClr val="404040"/>
+                </a:solidFill>
+                <a:latin typeface="Century Gothic"/>
+              </a:rPr>
+              <a:t>E.g., one year after getting the funding, violent arrests are 0.0087 lower. Compared to average rate (control group mean of 0.017), this is a decrease of about 50%!!!</a:t>
+            </a:r>
+          </a:p>
+          <a:p>
+            <a:pPr indent="0">
+              <a:lnSpc>
+                <a:spcPct val="90000"/>
+              </a:lnSpc>
+              <a:spcBef>
+                <a:spcPts val="1001"/>
+              </a:spcBef>
+              <a:buNone/>
+              <a:tabLst>
+                <a:tab pos="0" algn="l"/>
+              </a:tabLst>
+            </a:pPr>
+            <a:endParaRPr lang="en-US" sz="2400" b="0" strike="noStrike" spc="-1" dirty="0">
               <a:solidFill>
                 <a:srgbClr val="404040"/>
               </a:solidFill>
               <a:latin typeface="Century Gothic"/>
             </a:endParaRPr>
           </a:p>
-          <a:p>
-            <a:pPr marL="228600" indent="-228600">
-              <a:lnSpc>
-                <a:spcPct val="90000"/>
-              </a:lnSpc>
-              <a:spcBef>
-                <a:spcPts val="1001"/>
-              </a:spcBef>
-              <a:buClr>
-                <a:srgbClr val="404040"/>
-              </a:buClr>
-              <a:buFont typeface="Arial"/>
-              <a:buChar char="•"/>
-            </a:pPr>
-            <a:r>
-              <a:rPr b="0" lang="en-US" sz="2400" spc="-1" strike="noStrike">
-                <a:solidFill>
-                  <a:srgbClr val="404040"/>
-                </a:solidFill>
-                <a:latin typeface="Century Gothic"/>
-              </a:rPr>
-              <a:t>Effect are strongest (more statistically significant) for violent arrests.</a:t>
-            </a:r>
-            <a:endParaRPr b="0" lang="en-US" sz="2400" spc="-1" strike="noStrike">
-              <a:solidFill>
-                <a:srgbClr val="404040"/>
-              </a:solidFill>
-              <a:latin typeface="Century Gothic"/>
-            </a:endParaRPr>
-          </a:p>
-          <a:p>
-            <a:pPr marL="228600" indent="-228600">
-              <a:lnSpc>
-                <a:spcPct val="90000"/>
-              </a:lnSpc>
-              <a:spcBef>
-                <a:spcPts val="1001"/>
-              </a:spcBef>
-              <a:buClr>
-                <a:srgbClr val="404040"/>
-              </a:buClr>
-              <a:buFont typeface="Arial"/>
-              <a:buChar char="•"/>
-            </a:pPr>
-            <a:r>
-              <a:rPr b="0" lang="en-US" sz="2400" spc="-1" strike="noStrike">
-                <a:solidFill>
-                  <a:srgbClr val="404040"/>
-                </a:solidFill>
-                <a:latin typeface="Century Gothic"/>
-              </a:rPr>
-              <a:t>E.g., one year after getting the funding, violent arrests are 0.0087 lower. Compared to average rate (control group mean of 0.017), this is a decrease of about 50%!!!</a:t>
-            </a:r>
-            <a:endParaRPr b="0" lang="en-US" sz="2400" spc="-1" strike="noStrike">
-              <a:solidFill>
-                <a:srgbClr val="404040"/>
-              </a:solidFill>
-              <a:latin typeface="Century Gothic"/>
-            </a:endParaRPr>
-          </a:p>
-          <a:p>
-            <a:pPr indent="0">
-              <a:lnSpc>
-                <a:spcPct val="90000"/>
-              </a:lnSpc>
-              <a:spcBef>
-                <a:spcPts val="1001"/>
-              </a:spcBef>
-              <a:buNone/>
-              <a:tabLst>
-                <a:tab algn="l" pos="0"/>
-              </a:tabLst>
-            </a:pPr>
-            <a:endParaRPr b="0" lang="en-US" sz="2400" spc="-1" strike="noStrike">
-              <a:solidFill>
-                <a:srgbClr val="404040"/>
-              </a:solidFill>
-              <a:latin typeface="Century Gothic"/>
-            </a:endParaRPr>
-          </a:p>
         </p:txBody>
       </p:sp>
       <p:pic>
         <p:nvPicPr>
-          <p:cNvPr id="133" name="Picture 4" descr=""/>
+          <p:cNvPr id="133" name="Picture 4"/>
           <p:cNvPicPr/>
           <p:nvPr/>
         </p:nvPicPr>
         <p:blipFill>
-          <a:blip r:embed="rId1"/>
+          <a:blip r:embed="rId2"/>
           <a:stretch/>
         </p:blipFill>
         <p:spPr>
@@ -8647,19 +9357,14 @@
       </p:pic>
     </p:spTree>
   </p:cSld>
-  <mc:AlternateContent>
-    <mc:Choice Requires="p14">
-      <p:transition spd="slow" p14:dur="2000"/>
-    </mc:Choice>
-    <mc:Fallback>
-      <p:transition spd="slow"/>
-    </mc:Fallback>
-  </mc:AlternateContent>
+  <p:clrMapOvr>
+    <a:masterClrMapping/>
+  </p:clrMapOvr>
 </p:sld>
 </file>
 
 <file path=ppt/slides/slide2.xml><?xml version="1.0" encoding="utf-8"?>
-<p:sld xmlns:a="http://schemas.openxmlformats.org/drawingml/2006/main" xmlns:p="http://schemas.openxmlformats.org/presentationml/2006/main" xmlns:r="http://schemas.openxmlformats.org/officeDocument/2006/relationships" xmlns:p14="http://schemas.microsoft.com/office/powerpoint/2010/main" xmlns:p15="http://schemas.microsoft.com/office/powerpoint/2012/main" xmlns:mc="http://schemas.openxmlformats.org/markup-compatibility/2006">
+<p:sld xmlns:a="http://schemas.openxmlformats.org/drawingml/2006/main" xmlns:r="http://schemas.openxmlformats.org/officeDocument/2006/relationships" xmlns:p="http://schemas.openxmlformats.org/presentationml/2006/main">
   <p:cSld>
     <p:spTree>
       <p:nvGrpSpPr>
@@ -8702,6 +9407,7 @@
           <a:bodyPr numCol="1" spcCol="0" anchor="ctr">
             <a:noAutofit/>
           </a:bodyPr>
+          <a:lstStyle/>
           <a:p>
             <a:pPr indent="0">
               <a:lnSpc>
@@ -8710,15 +9416,15 @@
               <a:buNone/>
             </a:pPr>
             <a:r>
-              <a:rPr b="0" lang="en-US" sz="3800" spc="-1" strike="noStrike" cap="all">
-                <a:solidFill>
-                  <a:srgbClr val="265b4d"/>
+              <a:rPr lang="en-US" sz="3800" b="0" strike="noStrike" cap="all" spc="-1">
+                <a:solidFill>
+                  <a:srgbClr val="265B4D"/>
                 </a:solidFill>
                 <a:latin typeface="Century Gothic"/>
               </a:rPr>
               <a:t>Plan for today</a:t>
             </a:r>
-            <a:endParaRPr b="0" lang="en-US" sz="3800" spc="-1" strike="noStrike">
+            <a:endParaRPr lang="en-US" sz="3800" b="0" strike="noStrike" spc="-1">
               <a:solidFill>
                 <a:srgbClr val="000000"/>
               </a:solidFill>
@@ -8754,6 +9460,7 @@
           <a:bodyPr numCol="1" spcCol="0" anchor="t">
             <a:noAutofit/>
           </a:bodyPr>
+          <a:lstStyle/>
           <a:p>
             <a:pPr marL="228600" indent="-228600">
               <a:lnSpc>
@@ -8769,7 +9476,7 @@
               <a:buChar char="•"/>
             </a:pPr>
             <a:r>
-              <a:rPr b="0" lang="en-US" sz="2400" spc="-1" strike="noStrike">
+              <a:rPr lang="en-US" sz="2400" b="0" strike="noStrike" spc="-1">
                 <a:solidFill>
                   <a:srgbClr val="404040"/>
                 </a:solidFill>
@@ -8777,7 +9484,58 @@
               </a:rPr>
               <a:t>Summarize two papers:</a:t>
             </a:r>
-            <a:endParaRPr b="0" lang="en-US" sz="2400" spc="-1" strike="noStrike">
+          </a:p>
+          <a:p>
+            <a:pPr marL="228600" indent="-228600">
+              <a:lnSpc>
+                <a:spcPct val="90000"/>
+              </a:lnSpc>
+              <a:spcBef>
+                <a:spcPts val="1001"/>
+              </a:spcBef>
+              <a:buClr>
+                <a:srgbClr val="404040"/>
+              </a:buClr>
+              <a:buFont typeface="Arial"/>
+              <a:buChar char="•"/>
+            </a:pPr>
+            <a:r>
+              <a:rPr lang="en-US" sz="2400" b="1" strike="noStrike" spc="-1">
+                <a:solidFill>
+                  <a:srgbClr val="404040"/>
+                </a:solidFill>
+                <a:latin typeface="URWPalladioL-Bold"/>
+              </a:rPr>
+              <a:t>Yang, Crystal S. </a:t>
+            </a:r>
+            <a:r>
+              <a:rPr lang="en-US" sz="2400" b="0" strike="noStrike" spc="-1">
+                <a:solidFill>
+                  <a:srgbClr val="404040"/>
+                </a:solidFill>
+                <a:latin typeface="URWPalladioL-Roma"/>
+              </a:rPr>
+              <a:t>2017. “Local labor markets and criminal recidivism.” </a:t>
+            </a:r>
+            <a:r>
+              <a:rPr lang="en-US" sz="2400" b="0" i="1" strike="noStrike" spc="-1">
+                <a:solidFill>
+                  <a:srgbClr val="404040"/>
+                </a:solidFill>
+                <a:latin typeface="URWPalladioL-Roma-Slant_167"/>
+              </a:rPr>
+              <a:t>Journal of Public Economics</a:t>
+            </a:r>
+            <a:r>
+              <a:rPr lang="en-US" sz="2400" b="0" strike="noStrike" spc="-1">
+                <a:solidFill>
+                  <a:srgbClr val="404040"/>
+                </a:solidFill>
+                <a:latin typeface="URWPalladioL-Roma"/>
+              </a:rPr>
+              <a:t>, 147: 16–29.</a:t>
+            </a:r>
+            <a:endParaRPr lang="en-US" sz="2400" b="0" strike="noStrike" spc="-1">
               <a:solidFill>
                 <a:srgbClr val="404040"/>
               </a:solidFill>
@@ -8799,25 +9557,25 @@
               <a:buChar char="•"/>
             </a:pPr>
             <a:r>
-              <a:rPr b="1" lang="en-US" sz="2400" spc="-1" strike="noStrike">
+              <a:rPr lang="en-US" sz="2400" b="1" strike="noStrike" spc="-1">
                 <a:solidFill>
                   <a:srgbClr val="404040"/>
                 </a:solidFill>
                 <a:latin typeface="URWPalladioL-Bold"/>
               </a:rPr>
-              <a:t>Yang, Crystal S. </a:t>
-            </a:r>
-            <a:r>
-              <a:rPr b="0" lang="en-US" sz="2400" spc="-1" strike="noStrike">
+              <a:t>Palmer, Caroline, David C. Phillips, and James X. Sullivan. </a:t>
+            </a:r>
+            <a:r>
+              <a:rPr lang="en-US" sz="2400" b="0" strike="noStrike" spc="-1">
                 <a:solidFill>
                   <a:srgbClr val="404040"/>
                 </a:solidFill>
                 <a:latin typeface="URWPalladioL-Roma"/>
               </a:rPr>
-              <a:t>2017. “Local labor markets and criminal recidivism.” </a:t>
-            </a:r>
-            <a:r>
-              <a:rPr b="0" i="1" lang="en-US" sz="2400" spc="-1" strike="noStrike">
+              <a:t>2019. “Does emergency financial assistance reduce crime?” </a:t>
+            </a:r>
+            <a:r>
+              <a:rPr lang="en-US" sz="2400" b="0" i="1" strike="noStrike" spc="-1">
                 <a:solidFill>
                   <a:srgbClr val="404040"/>
                 </a:solidFill>
@@ -8826,15 +9584,15 @@
               <a:t>Journal of Public Economics</a:t>
             </a:r>
             <a:r>
-              <a:rPr b="0" lang="en-US" sz="2400" spc="-1" strike="noStrike">
+              <a:rPr lang="en-US" sz="2400" b="0" strike="noStrike" spc="-1">
                 <a:solidFill>
                   <a:srgbClr val="404040"/>
                 </a:solidFill>
                 <a:latin typeface="URWPalladioL-Roma"/>
               </a:rPr>
-              <a:t>, 147: 16–29.</a:t>
-            </a:r>
-            <a:endParaRPr b="0" lang="en-US" sz="2400" spc="-1" strike="noStrike">
+              <a:t>, 169: 34–51.</a:t>
+            </a:r>
+            <a:endParaRPr lang="en-US" sz="2400" b="0" strike="noStrike" spc="-1">
               <a:solidFill>
                 <a:srgbClr val="404040"/>
               </a:solidFill>
@@ -8856,112 +9614,44 @@
               <a:buChar char="•"/>
             </a:pPr>
             <a:r>
-              <a:rPr b="1" lang="en-US" sz="2400" spc="-1" strike="noStrike">
+              <a:rPr lang="en-US" sz="2400" b="0" strike="noStrike" spc="-1">
                 <a:solidFill>
                   <a:srgbClr val="404040"/>
                 </a:solidFill>
-                <a:latin typeface="URWPalladioL-Bold"/>
-              </a:rPr>
-              <a:t>Palmer, Caroline, David C. Phillips, and James X. Sullivan. </a:t>
-            </a:r>
-            <a:r>
-              <a:rPr b="0" lang="en-US" sz="2400" spc="-1" strike="noStrike">
-                <a:solidFill>
-                  <a:srgbClr val="404040"/>
-                </a:solidFill>
-                <a:latin typeface="URWPalladioL-Roma"/>
-              </a:rPr>
-              <a:t>2019. “Does emergency financial assistance reduce crime?” </a:t>
-            </a:r>
-            <a:r>
-              <a:rPr b="0" i="1" lang="en-US" sz="2400" spc="-1" strike="noStrike">
-                <a:solidFill>
-                  <a:srgbClr val="404040"/>
-                </a:solidFill>
-                <a:latin typeface="URWPalladioL-Roma-Slant_167"/>
-              </a:rPr>
-              <a:t>Journal of Public Economics</a:t>
-            </a:r>
-            <a:r>
-              <a:rPr b="0" lang="en-US" sz="2400" spc="-1" strike="noStrike">
-                <a:solidFill>
-                  <a:srgbClr val="404040"/>
-                </a:solidFill>
-                <a:latin typeface="URWPalladioL-Roma"/>
-              </a:rPr>
-              <a:t>, 169: 34–51.</a:t>
-            </a:r>
-            <a:endParaRPr b="0" lang="en-US" sz="2400" spc="-1" strike="noStrike">
+                <a:latin typeface="Century Gothic"/>
+              </a:rPr>
+              <a:t>Remaining time for practice questions in groups.</a:t>
+            </a:r>
+          </a:p>
+          <a:p>
+            <a:pPr indent="0">
+              <a:lnSpc>
+                <a:spcPct val="90000"/>
+              </a:lnSpc>
+              <a:spcBef>
+                <a:spcPts val="1001"/>
+              </a:spcBef>
+              <a:buNone/>
+            </a:pPr>
+            <a:endParaRPr lang="en-US" sz="2400" b="0" strike="noStrike" spc="-1">
               <a:solidFill>
                 <a:srgbClr val="404040"/>
               </a:solidFill>
               <a:latin typeface="Century Gothic"/>
             </a:endParaRPr>
           </a:p>
-          <a:p>
-            <a:pPr marL="228600" indent="-228600">
-              <a:lnSpc>
-                <a:spcPct val="90000"/>
-              </a:lnSpc>
-              <a:spcBef>
-                <a:spcPts val="1001"/>
-              </a:spcBef>
-              <a:buClr>
-                <a:srgbClr val="404040"/>
-              </a:buClr>
-              <a:buFont typeface="Arial"/>
-              <a:buChar char="•"/>
-            </a:pPr>
-            <a:r>
-              <a:rPr b="0" lang="en-US" sz="2400" spc="-1" strike="noStrike">
-                <a:solidFill>
-                  <a:srgbClr val="404040"/>
-                </a:solidFill>
-                <a:latin typeface="Century Gothic"/>
-              </a:rPr>
-              <a:t>Remaining time for practice questions in groups.</a:t>
-            </a:r>
-            <a:endParaRPr b="0" lang="en-US" sz="2400" spc="-1" strike="noStrike">
-              <a:solidFill>
-                <a:srgbClr val="404040"/>
-              </a:solidFill>
-              <a:latin typeface="Century Gothic"/>
-            </a:endParaRPr>
-          </a:p>
-          <a:p>
-            <a:pPr indent="0">
-              <a:lnSpc>
-                <a:spcPct val="90000"/>
-              </a:lnSpc>
-              <a:spcBef>
-                <a:spcPts val="1001"/>
-              </a:spcBef>
-              <a:buNone/>
-            </a:pPr>
-            <a:endParaRPr b="0" lang="en-US" sz="2400" spc="-1" strike="noStrike">
-              <a:solidFill>
-                <a:srgbClr val="404040"/>
-              </a:solidFill>
-              <a:latin typeface="Century Gothic"/>
-            </a:endParaRPr>
-          </a:p>
         </p:txBody>
       </p:sp>
     </p:spTree>
   </p:cSld>
-  <mc:AlternateContent>
-    <mc:Choice Requires="p14">
-      <p:transition spd="slow" p14:dur="2000"/>
-    </mc:Choice>
-    <mc:Fallback>
-      <p:transition spd="slow"/>
-    </mc:Fallback>
-  </mc:AlternateContent>
+  <p:clrMapOvr>
+    <a:masterClrMapping/>
+  </p:clrMapOvr>
 </p:sld>
 </file>
 
 <file path=ppt/slides/slide20.xml><?xml version="1.0" encoding="utf-8"?>
-<p:sld xmlns:a="http://schemas.openxmlformats.org/drawingml/2006/main" xmlns:p="http://schemas.openxmlformats.org/presentationml/2006/main" xmlns:r="http://schemas.openxmlformats.org/officeDocument/2006/relationships" xmlns:p14="http://schemas.microsoft.com/office/powerpoint/2010/main" xmlns:p15="http://schemas.microsoft.com/office/powerpoint/2012/main" xmlns:mc="http://schemas.openxmlformats.org/markup-compatibility/2006">
+<p:sld xmlns:a="http://schemas.openxmlformats.org/drawingml/2006/main" xmlns:r="http://schemas.openxmlformats.org/officeDocument/2006/relationships" xmlns:p="http://schemas.openxmlformats.org/presentationml/2006/main">
   <p:cSld>
     <p:spTree>
       <p:nvGrpSpPr>
@@ -9004,6 +9694,7 @@
           <a:bodyPr numCol="1" spcCol="0" anchor="ctr">
             <a:noAutofit/>
           </a:bodyPr>
+          <a:lstStyle/>
           <a:p>
             <a:pPr indent="0">
               <a:lnSpc>
@@ -9012,15 +9703,15 @@
               <a:buNone/>
             </a:pPr>
             <a:r>
-              <a:rPr b="0" lang="en-US" sz="1800" spc="-1" strike="noStrike" cap="all">
-                <a:solidFill>
-                  <a:srgbClr val="265b4d"/>
+              <a:rPr lang="en-US" sz="1800" b="0" strike="noStrike" cap="all" spc="-1">
+                <a:solidFill>
+                  <a:srgbClr val="265B4D"/>
                 </a:solidFill>
                 <a:latin typeface="Century Gothic"/>
               </a:rPr>
               <a:t>Palmer et al – Emergency assistance and Crime</a:t>
             </a:r>
-            <a:endParaRPr b="0" lang="en-US" sz="1800" spc="-1" strike="noStrike">
+            <a:endParaRPr lang="en-US" sz="1800" b="0" strike="noStrike" spc="-1">
               <a:solidFill>
                 <a:srgbClr val="000000"/>
               </a:solidFill>
@@ -9056,6 +9747,7 @@
           <a:bodyPr numCol="1" spcCol="0" anchor="t">
             <a:noAutofit/>
           </a:bodyPr>
+          <a:lstStyle/>
           <a:p>
             <a:pPr marL="228600" indent="-228600">
               <a:lnSpc>
@@ -9071,7 +9763,7 @@
               <a:buChar char="•"/>
             </a:pPr>
             <a:r>
-              <a:rPr b="0" lang="en-US" sz="2400" spc="-1" strike="noStrike">
+              <a:rPr lang="en-US" sz="2400" b="0" strike="noStrike" spc="-1" dirty="0">
                 <a:solidFill>
                   <a:srgbClr val="404040"/>
                 </a:solidFill>
@@ -9079,12 +9771,6 @@
               </a:rPr>
               <a:t>There is an increase in property arrests three years later, due to getting the funding.</a:t>
             </a:r>
-            <a:endParaRPr b="0" lang="en-US" sz="2400" spc="-1" strike="noStrike">
-              <a:solidFill>
-                <a:srgbClr val="404040"/>
-              </a:solidFill>
-              <a:latin typeface="Century Gothic"/>
-            </a:endParaRPr>
           </a:p>
           <a:p>
             <a:pPr marL="228600" indent="-228600">
@@ -9101,7 +9787,7 @@
               <a:buChar char="•"/>
             </a:pPr>
             <a:r>
-              <a:rPr b="0" lang="en-US" sz="2400" spc="-1" strike="noStrike">
+              <a:rPr lang="en-US" sz="2400" b="0" strike="noStrike" spc="-1" dirty="0">
                 <a:solidFill>
                   <a:srgbClr val="404040"/>
                 </a:solidFill>
@@ -9109,12 +9795,6 @@
               </a:rPr>
               <a:t>The authors argue that this may be that when the families get the funding, they get requests for that money, and they overcommit on who they promise to give money to.</a:t>
             </a:r>
-            <a:endParaRPr b="0" lang="en-US" sz="2400" spc="-1" strike="noStrike">
-              <a:solidFill>
-                <a:srgbClr val="404040"/>
-              </a:solidFill>
-              <a:latin typeface="Century Gothic"/>
-            </a:endParaRPr>
           </a:p>
           <a:p>
             <a:pPr marL="228600" indent="-228600">
@@ -9131,7 +9811,7 @@
               <a:buChar char="•"/>
             </a:pPr>
             <a:r>
-              <a:rPr b="0" lang="en-US" sz="2400" spc="-1" strike="noStrike">
+              <a:rPr lang="en-US" sz="2400" b="0" strike="noStrike" spc="-1" dirty="0">
                 <a:solidFill>
                   <a:srgbClr val="404040"/>
                 </a:solidFill>
@@ -9139,23 +9819,17 @@
               </a:rPr>
               <a:t>This could lead to an incentive to commit shoplifting once those “debts” catch up.</a:t>
             </a:r>
-            <a:endParaRPr b="0" lang="en-US" sz="2400" spc="-1" strike="noStrike">
-              <a:solidFill>
-                <a:srgbClr val="404040"/>
-              </a:solidFill>
-              <a:latin typeface="Century Gothic"/>
-            </a:endParaRPr>
           </a:p>
         </p:txBody>
       </p:sp>
       <p:pic>
         <p:nvPicPr>
-          <p:cNvPr id="136" name="Picture 4" descr=""/>
+          <p:cNvPr id="136" name="Picture 4"/>
           <p:cNvPicPr/>
           <p:nvPr/>
         </p:nvPicPr>
         <p:blipFill>
-          <a:blip r:embed="rId1"/>
+          <a:blip r:embed="rId2"/>
           <a:stretch/>
         </p:blipFill>
         <p:spPr>
@@ -9173,19 +9847,14 @@
       </p:pic>
     </p:spTree>
   </p:cSld>
-  <mc:AlternateContent>
-    <mc:Choice Requires="p14">
-      <p:transition spd="slow" p14:dur="2000"/>
-    </mc:Choice>
-    <mc:Fallback>
-      <p:transition spd="slow"/>
-    </mc:Fallback>
-  </mc:AlternateContent>
+  <p:clrMapOvr>
+    <a:masterClrMapping/>
+  </p:clrMapOvr>
 </p:sld>
 </file>
 
 <file path=ppt/slides/slide21.xml><?xml version="1.0" encoding="utf-8"?>
-<p:sld xmlns:a="http://schemas.openxmlformats.org/drawingml/2006/main" xmlns:p="http://schemas.openxmlformats.org/presentationml/2006/main" xmlns:r="http://schemas.openxmlformats.org/officeDocument/2006/relationships" xmlns:p14="http://schemas.microsoft.com/office/powerpoint/2010/main" xmlns:p15="http://schemas.microsoft.com/office/powerpoint/2012/main" xmlns:mc="http://schemas.openxmlformats.org/markup-compatibility/2006">
+<p:sld xmlns:a="http://schemas.openxmlformats.org/drawingml/2006/main" xmlns:r="http://schemas.openxmlformats.org/officeDocument/2006/relationships" xmlns:p="http://schemas.openxmlformats.org/presentationml/2006/main">
   <p:cSld>
     <p:spTree>
       <p:nvGrpSpPr>
@@ -9228,6 +9897,7 @@
           <a:bodyPr numCol="1" spcCol="0" anchor="ctr">
             <a:noAutofit/>
           </a:bodyPr>
+          <a:lstStyle/>
           <a:p>
             <a:pPr indent="0">
               <a:lnSpc>
@@ -9236,15 +9906,15 @@
               <a:buNone/>
             </a:pPr>
             <a:r>
-              <a:rPr b="0" lang="en-US" sz="2800" spc="-1" strike="noStrike" cap="all">
-                <a:solidFill>
-                  <a:srgbClr val="265b4d"/>
+              <a:rPr lang="en-US" sz="2800" b="0" strike="noStrike" cap="all" spc="-1">
+                <a:solidFill>
+                  <a:srgbClr val="265B4D"/>
                 </a:solidFill>
                 <a:latin typeface="Century Gothic"/>
               </a:rPr>
               <a:t>Palmer et al – Emergency assistance and Crime</a:t>
             </a:r>
-            <a:endParaRPr b="0" lang="en-US" sz="2800" spc="-1" strike="noStrike">
+            <a:endParaRPr lang="en-US" sz="2800" b="0" strike="noStrike" spc="-1">
               <a:solidFill>
                 <a:srgbClr val="000000"/>
               </a:solidFill>
@@ -9280,6 +9950,7 @@
           <a:bodyPr numCol="1" spcCol="0" anchor="t">
             <a:noAutofit/>
           </a:bodyPr>
+          <a:lstStyle/>
           <a:p>
             <a:pPr marL="228600" indent="-228600">
               <a:lnSpc>
@@ -9295,7 +9966,7 @@
               <a:buChar char="•"/>
             </a:pPr>
             <a:r>
-              <a:rPr b="0" lang="en-US" sz="2400" spc="-1" strike="noStrike">
+              <a:rPr lang="en-US" sz="2400" b="0" strike="noStrike" spc="-1">
                 <a:solidFill>
                   <a:srgbClr val="404040"/>
                 </a:solidFill>
@@ -9303,12 +9974,6 @@
               </a:rPr>
               <a:t>Time on the x axis is relative to their eligible call.</a:t>
             </a:r>
-            <a:endParaRPr b="0" lang="en-US" sz="2400" spc="-1" strike="noStrike">
-              <a:solidFill>
-                <a:srgbClr val="404040"/>
-              </a:solidFill>
-              <a:latin typeface="Century Gothic"/>
-            </a:endParaRPr>
           </a:p>
           <a:p>
             <a:pPr marL="228600" indent="-228600">
@@ -9325,7 +9990,7 @@
               <a:buChar char="•"/>
             </a:pPr>
             <a:r>
-              <a:rPr b="0" lang="en-US" sz="2400" spc="-1" strike="noStrike">
+              <a:rPr lang="en-US" sz="2400" b="0" strike="noStrike" spc="-1">
                 <a:solidFill>
                   <a:srgbClr val="404040"/>
                 </a:solidFill>
@@ -9333,23 +9998,17 @@
               </a:rPr>
               <a:t>0 = month of their eligible call.</a:t>
             </a:r>
-            <a:endParaRPr b="0" lang="en-US" sz="2400" spc="-1" strike="noStrike">
-              <a:solidFill>
-                <a:srgbClr val="404040"/>
-              </a:solidFill>
-              <a:latin typeface="Century Gothic"/>
-            </a:endParaRPr>
           </a:p>
         </p:txBody>
       </p:sp>
       <p:pic>
         <p:nvPicPr>
-          <p:cNvPr id="139" name="Picture 4" descr=""/>
+          <p:cNvPr id="139" name="Picture 4"/>
           <p:cNvPicPr/>
           <p:nvPr/>
         </p:nvPicPr>
         <p:blipFill>
-          <a:blip r:embed="rId1"/>
+          <a:blip r:embed="rId2"/>
           <a:stretch/>
         </p:blipFill>
         <p:spPr>
@@ -9367,19 +10026,14 @@
       </p:pic>
     </p:spTree>
   </p:cSld>
-  <mc:AlternateContent>
-    <mc:Choice Requires="p14">
-      <p:transition spd="slow" p14:dur="2000"/>
-    </mc:Choice>
-    <mc:Fallback>
-      <p:transition spd="slow"/>
-    </mc:Fallback>
-  </mc:AlternateContent>
+  <p:clrMapOvr>
+    <a:masterClrMapping/>
+  </p:clrMapOvr>
 </p:sld>
 </file>
 
 <file path=ppt/slides/slide22.xml><?xml version="1.0" encoding="utf-8"?>
-<p:sld xmlns:a="http://schemas.openxmlformats.org/drawingml/2006/main" xmlns:p="http://schemas.openxmlformats.org/presentationml/2006/main" xmlns:r="http://schemas.openxmlformats.org/officeDocument/2006/relationships" xmlns:p14="http://schemas.microsoft.com/office/powerpoint/2010/main" xmlns:p15="http://schemas.microsoft.com/office/powerpoint/2012/main" xmlns:mc="http://schemas.openxmlformats.org/markup-compatibility/2006">
+<p:sld xmlns:a="http://schemas.openxmlformats.org/drawingml/2006/main" xmlns:r="http://schemas.openxmlformats.org/officeDocument/2006/relationships" xmlns:p="http://schemas.openxmlformats.org/presentationml/2006/main">
   <p:cSld>
     <p:spTree>
       <p:nvGrpSpPr>
@@ -9422,6 +10076,7 @@
           <a:bodyPr numCol="1" spcCol="0" anchor="ctr">
             <a:noAutofit/>
           </a:bodyPr>
+          <a:lstStyle/>
           <a:p>
             <a:pPr indent="0">
               <a:lnSpc>
@@ -9430,15 +10085,15 @@
               <a:buNone/>
             </a:pPr>
             <a:r>
-              <a:rPr b="0" lang="en-US" sz="2800" spc="-1" strike="noStrike" cap="all">
-                <a:solidFill>
-                  <a:srgbClr val="265b4d"/>
+              <a:rPr lang="en-US" sz="2800" b="0" strike="noStrike" cap="all" spc="-1">
+                <a:solidFill>
+                  <a:srgbClr val="265B4D"/>
                 </a:solidFill>
                 <a:latin typeface="Century Gothic"/>
               </a:rPr>
               <a:t>Palmer et al – Emergency assistance and Crime</a:t>
             </a:r>
-            <a:endParaRPr b="0" lang="en-US" sz="2800" spc="-1" strike="noStrike">
+            <a:endParaRPr lang="en-US" sz="2800" b="0" strike="noStrike" spc="-1">
               <a:solidFill>
                 <a:srgbClr val="000000"/>
               </a:solidFill>
@@ -9474,6 +10129,7 @@
           <a:bodyPr numCol="1" spcCol="0" anchor="t">
             <a:noAutofit/>
           </a:bodyPr>
+          <a:lstStyle/>
           <a:p>
             <a:pPr indent="0">
               <a:lnSpc>
@@ -9484,7 +10140,7 @@
               </a:spcBef>
               <a:buNone/>
             </a:pPr>
-            <a:endParaRPr b="0" lang="en-US" sz="2400" spc="-1" strike="noStrike">
+            <a:endParaRPr lang="en-US" sz="2400" b="0" strike="noStrike" spc="-1">
               <a:solidFill>
                 <a:srgbClr val="404040"/>
               </a:solidFill>
@@ -9495,30 +10151,7 @@
       </p:sp>
       <p:pic>
         <p:nvPicPr>
-          <p:cNvPr id="142" name="Picture 4" descr=""/>
-          <p:cNvPicPr/>
-          <p:nvPr/>
-        </p:nvPicPr>
-        <p:blipFill>
-          <a:blip r:embed="rId1"/>
-          <a:stretch/>
-        </p:blipFill>
-        <p:spPr>
-          <a:xfrm>
-            <a:off x="0" y="1508400"/>
-            <a:ext cx="5725080" cy="4400640"/>
-          </a:xfrm>
-          <a:prstGeom prst="rect">
-            <a:avLst/>
-          </a:prstGeom>
-          <a:ln w="0">
-            <a:noFill/>
-          </a:ln>
-        </p:spPr>
-      </p:pic>
-      <p:pic>
-        <p:nvPicPr>
-          <p:cNvPr id="143" name="Picture 6" descr=""/>
+          <p:cNvPr id="142" name="Picture 4"/>
           <p:cNvPicPr/>
           <p:nvPr/>
         </p:nvPicPr>
@@ -9528,6 +10161,29 @@
         </p:blipFill>
         <p:spPr>
           <a:xfrm>
+            <a:off x="0" y="1508400"/>
+            <a:ext cx="5725080" cy="4400640"/>
+          </a:xfrm>
+          <a:prstGeom prst="rect">
+            <a:avLst/>
+          </a:prstGeom>
+          <a:ln w="0">
+            <a:noFill/>
+          </a:ln>
+        </p:spPr>
+      </p:pic>
+      <p:pic>
+        <p:nvPicPr>
+          <p:cNvPr id="143" name="Picture 6"/>
+          <p:cNvPicPr/>
+          <p:nvPr/>
+        </p:nvPicPr>
+        <p:blipFill>
+          <a:blip r:embed="rId3"/>
+          <a:stretch/>
+        </p:blipFill>
+        <p:spPr>
+          <a:xfrm>
             <a:off x="5725440" y="1422720"/>
             <a:ext cx="5496480" cy="4486680"/>
           </a:xfrm>
@@ -9541,19 +10197,14 @@
       </p:pic>
     </p:spTree>
   </p:cSld>
-  <mc:AlternateContent>
-    <mc:Choice Requires="p14">
-      <p:transition spd="slow" p14:dur="2000"/>
-    </mc:Choice>
-    <mc:Fallback>
-      <p:transition spd="slow"/>
-    </mc:Fallback>
-  </mc:AlternateContent>
+  <p:clrMapOvr>
+    <a:masterClrMapping/>
+  </p:clrMapOvr>
 </p:sld>
 </file>
 
 <file path=ppt/slides/slide23.xml><?xml version="1.0" encoding="utf-8"?>
-<p:sld xmlns:a="http://schemas.openxmlformats.org/drawingml/2006/main" xmlns:p="http://schemas.openxmlformats.org/presentationml/2006/main" xmlns:r="http://schemas.openxmlformats.org/officeDocument/2006/relationships" xmlns:p14="http://schemas.microsoft.com/office/powerpoint/2010/main" xmlns:p15="http://schemas.microsoft.com/office/powerpoint/2012/main" xmlns:mc="http://schemas.openxmlformats.org/markup-compatibility/2006">
+<p:sld xmlns:a="http://schemas.openxmlformats.org/drawingml/2006/main" xmlns:r="http://schemas.openxmlformats.org/officeDocument/2006/relationships" xmlns:p="http://schemas.openxmlformats.org/presentationml/2006/main">
   <p:cSld>
     <p:spTree>
       <p:nvGrpSpPr>
@@ -9596,6 +10247,7 @@
           <a:bodyPr numCol="1" spcCol="0" anchor="ctr">
             <a:noAutofit/>
           </a:bodyPr>
+          <a:lstStyle/>
           <a:p>
             <a:pPr indent="0">
               <a:lnSpc>
@@ -9604,15 +10256,15 @@
               <a:buNone/>
             </a:pPr>
             <a:r>
-              <a:rPr b="0" lang="en-US" sz="3800" spc="-1" strike="noStrike" cap="all">
-                <a:solidFill>
-                  <a:srgbClr val="265b4d"/>
+              <a:rPr lang="en-US" sz="3800" b="0" strike="noStrike" cap="all" spc="-1">
+                <a:solidFill>
+                  <a:srgbClr val="265B4D"/>
                 </a:solidFill>
                 <a:latin typeface="Century Gothic"/>
               </a:rPr>
               <a:t>Practice questions</a:t>
             </a:r>
-            <a:endParaRPr b="0" lang="en-US" sz="3800" spc="-1" strike="noStrike">
+            <a:endParaRPr lang="en-US" sz="3800" b="0" strike="noStrike" spc="-1">
               <a:solidFill>
                 <a:srgbClr val="000000"/>
               </a:solidFill>
@@ -9648,6 +10300,7 @@
           <a:bodyPr numCol="1" spcCol="0" anchor="t">
             <a:noAutofit/>
           </a:bodyPr>
+          <a:lstStyle/>
           <a:p>
             <a:pPr marL="228600" indent="-228600">
               <a:lnSpc>
@@ -9663,7 +10316,7 @@
               <a:buChar char="•"/>
             </a:pPr>
             <a:r>
-              <a:rPr b="0" lang="en-US" sz="2400" spc="-1" strike="noStrike">
+              <a:rPr lang="en-US" sz="2400" b="0" strike="noStrike" spc="-1" dirty="0">
                 <a:solidFill>
                   <a:srgbClr val="404040"/>
                 </a:solidFill>
@@ -9671,12 +10324,6 @@
               </a:rPr>
               <a:t>You may be wondering what quiz/exam questions on this content might be like…</a:t>
             </a:r>
-            <a:endParaRPr b="0" lang="en-US" sz="2400" spc="-1" strike="noStrike">
-              <a:solidFill>
-                <a:srgbClr val="404040"/>
-              </a:solidFill>
-              <a:latin typeface="Century Gothic"/>
-            </a:endParaRPr>
           </a:p>
           <a:p>
             <a:pPr marL="228600" indent="-228600">
@@ -9693,20 +10340,14 @@
               <a:buChar char="•"/>
             </a:pPr>
             <a:r>
-              <a:rPr b="0" lang="en-US" sz="2400" spc="-1" strike="noStrike">
+              <a:rPr lang="en-US" sz="2400" b="0" strike="noStrike" spc="-1" dirty="0">
                 <a:solidFill>
                   <a:srgbClr val="404040"/>
                 </a:solidFill>
                 <a:latin typeface="Century Gothic"/>
               </a:rPr>
-              <a:t>The remaining class time will be dedicated to having you work on two practice problems.</a:t>
-            </a:r>
-            <a:endParaRPr b="0" lang="en-US" sz="2400" spc="-1" strike="noStrike">
-              <a:solidFill>
-                <a:srgbClr val="404040"/>
-              </a:solidFill>
-              <a:latin typeface="Century Gothic"/>
-            </a:endParaRPr>
+              <a:t>One question on Yang, one on Palmer et al.</a:t>
+            </a:r>
           </a:p>
           <a:p>
             <a:pPr marL="228600" indent="-228600">
@@ -9723,68 +10364,27 @@
               <a:buChar char="•"/>
             </a:pPr>
             <a:r>
-              <a:rPr b="0" lang="en-US" sz="2400" spc="-1" strike="noStrike">
+              <a:rPr lang="en-US" sz="2400" b="0" strike="noStrike" spc="-1" dirty="0">
                 <a:solidFill>
                   <a:srgbClr val="404040"/>
                 </a:solidFill>
                 <a:latin typeface="Century Gothic"/>
               </a:rPr>
-              <a:t>One question on Yang, one on Palmer et al.</a:t>
-            </a:r>
-            <a:endParaRPr b="0" lang="en-US" sz="2400" spc="-1" strike="noStrike">
-              <a:solidFill>
-                <a:srgbClr val="404040"/>
-              </a:solidFill>
-              <a:latin typeface="Century Gothic"/>
-            </a:endParaRPr>
-          </a:p>
-          <a:p>
-            <a:pPr marL="228600" indent="-228600">
-              <a:lnSpc>
-                <a:spcPct val="90000"/>
-              </a:lnSpc>
-              <a:spcBef>
-                <a:spcPts val="1001"/>
-              </a:spcBef>
-              <a:buClr>
-                <a:srgbClr val="404040"/>
-              </a:buClr>
-              <a:buFont typeface="Arial"/>
-              <a:buChar char="•"/>
-            </a:pPr>
-            <a:r>
-              <a:rPr b="0" lang="en-US" sz="2400" spc="-1" strike="noStrike">
-                <a:solidFill>
-                  <a:srgbClr val="404040"/>
-                </a:solidFill>
-                <a:latin typeface="Century Gothic"/>
-              </a:rPr>
               <a:t>If you want feedback on these practice problems, then please submit by Sunday.</a:t>
             </a:r>
-            <a:endParaRPr b="0" lang="en-US" sz="2400" spc="-1" strike="noStrike">
-              <a:solidFill>
-                <a:srgbClr val="404040"/>
-              </a:solidFill>
-              <a:latin typeface="Century Gothic"/>
-            </a:endParaRPr>
           </a:p>
         </p:txBody>
       </p:sp>
     </p:spTree>
   </p:cSld>
-  <mc:AlternateContent>
-    <mc:Choice Requires="p14">
-      <p:transition spd="slow" p14:dur="2000"/>
-    </mc:Choice>
-    <mc:Fallback>
-      <p:transition spd="slow"/>
-    </mc:Fallback>
-  </mc:AlternateContent>
+  <p:clrMapOvr>
+    <a:masterClrMapping/>
+  </p:clrMapOvr>
 </p:sld>
 </file>
 
-<file path=ppt/slides/slide24.xml><?xml version="1.0" encoding="utf-8"?>
-<p:sld xmlns:a="http://schemas.openxmlformats.org/drawingml/2006/main" xmlns:p="http://schemas.openxmlformats.org/presentationml/2006/main" xmlns:r="http://schemas.openxmlformats.org/officeDocument/2006/relationships" xmlns:p14="http://schemas.microsoft.com/office/powerpoint/2010/main" xmlns:p15="http://schemas.microsoft.com/office/powerpoint/2012/main" xmlns:mc="http://schemas.openxmlformats.org/markup-compatibility/2006">
+<file path=ppt/slides/slide3.xml><?xml version="1.0" encoding="utf-8"?>
+<p:sld xmlns:a="http://schemas.openxmlformats.org/drawingml/2006/main" xmlns:r="http://schemas.openxmlformats.org/officeDocument/2006/relationships" xmlns:p="http://schemas.openxmlformats.org/presentationml/2006/main">
   <p:cSld>
     <p:spTree>
       <p:nvGrpSpPr>
@@ -9802,7 +10402,7 @@
       </p:grpSpPr>
       <p:sp>
         <p:nvSpPr>
-          <p:cNvPr id="146" name="PlaceHolder 1"/>
+          <p:cNvPr id="91" name="PlaceHolder 1"/>
           <p:cNvSpPr>
             <a:spLocks noGrp="1"/>
           </p:cNvSpPr>
@@ -9827,6 +10427,7 @@
           <a:bodyPr numCol="1" spcCol="0" anchor="ctr">
             <a:noAutofit/>
           </a:bodyPr>
+          <a:lstStyle/>
           <a:p>
             <a:pPr indent="0">
               <a:lnSpc>
@@ -9835,15 +10436,15 @@
               <a:buNone/>
             </a:pPr>
             <a:r>
-              <a:rPr b="0" lang="en-US" sz="3800" spc="-1" strike="noStrike" cap="all">
-                <a:solidFill>
-                  <a:srgbClr val="265b4d"/>
+              <a:rPr lang="en-US" sz="3800" b="0" strike="noStrike" cap="all" spc="-1" dirty="0">
+                <a:solidFill>
+                  <a:srgbClr val="265B4D"/>
                 </a:solidFill>
                 <a:latin typeface="Century Gothic"/>
               </a:rPr>
-              <a:t>Practice questions</a:t>
-            </a:r>
-            <a:endParaRPr b="0" lang="en-US" sz="3800" spc="-1" strike="noStrike">
+              <a:t>Yang – Labor markets and recidivism</a:t>
+            </a:r>
+            <a:endParaRPr lang="en-US" sz="3800" b="0" strike="noStrike" spc="-1" dirty="0">
               <a:solidFill>
                 <a:srgbClr val="000000"/>
               </a:solidFill>
@@ -9854,7 +10455,7 @@
       </p:sp>
       <p:sp>
         <p:nvSpPr>
-          <p:cNvPr id="147" name="PlaceHolder 2"/>
+          <p:cNvPr id="92" name="PlaceHolder 2"/>
           <p:cNvSpPr>
             <a:spLocks noGrp="1"/>
           </p:cNvSpPr>
@@ -9864,7 +10465,7 @@
         </p:nvSpPr>
         <p:spPr>
           <a:xfrm>
-            <a:off x="838080" y="1825560"/>
+            <a:off x="838080" y="1690560"/>
             <a:ext cx="10515240" cy="4350960"/>
           </a:xfrm>
           <a:prstGeom prst="rect">
@@ -9879,6 +10480,7 @@
           <a:bodyPr numCol="1" spcCol="0" anchor="t">
             <a:noAutofit/>
           </a:bodyPr>
+          <a:lstStyle/>
           <a:p>
             <a:pPr marL="228600" indent="-228600">
               <a:lnSpc>
@@ -9894,227 +10496,45 @@
               <a:buChar char="•"/>
             </a:pPr>
             <a:r>
-              <a:rPr b="0" lang="en-US" sz="2400" spc="-1" strike="noStrike">
+              <a:rPr lang="en-US" sz="2400" b="0" strike="noStrike" spc="-1" dirty="0">
                 <a:solidFill>
                   <a:srgbClr val="404040"/>
                 </a:solidFill>
                 <a:latin typeface="Century Gothic"/>
               </a:rPr>
-              <a:t>For those on Zoom: I will randomize you into breakout rooms now and you can submit the answers as a group.</a:t>
-            </a:r>
-            <a:endParaRPr b="0" lang="en-US" sz="2400" spc="-1" strike="noStrike">
-              <a:solidFill>
-                <a:srgbClr val="404040"/>
-              </a:solidFill>
-              <a:latin typeface="Century Gothic"/>
-            </a:endParaRPr>
-          </a:p>
-          <a:p>
-            <a:pPr marL="228600" indent="-228600">
-              <a:lnSpc>
-                <a:spcPct val="90000"/>
-              </a:lnSpc>
-              <a:spcBef>
-                <a:spcPts val="1001"/>
-              </a:spcBef>
-              <a:buClr>
-                <a:srgbClr val="404040"/>
-              </a:buClr>
-              <a:buFont typeface="Arial"/>
-              <a:buChar char="•"/>
-            </a:pPr>
-            <a:r>
-              <a:rPr b="0" lang="en-US" sz="2400" spc="-1" strike="noStrike">
+              <a:t>Abstract: “</a:t>
+            </a:r>
+            <a:r>
+              <a:rPr lang="en-US" sz="2400" b="0" strike="noStrike" spc="-1" dirty="0">
                 <a:solidFill>
                   <a:srgbClr val="404040"/>
                 </a:solidFill>
+                <a:latin typeface="Gulliver"/>
+              </a:rPr>
+              <a:t>This paper estimates the impact of local labor market conditions on criminal recidivism using administrative prison records on four million offenders released from 43 states between 2000 and 2013. Exploiting the timing of each offender’s release from prison, I find that being released to a county with higher low-skilled wages significantly decreases the risk of recidivism. The impact of higher wages on recidivism is larger for both black offenders and first-time offenders, and in sectors that report being more willing to hire ex-offenders. These results are robust to individual- and county-level controls, such as policing and corrections activity, and do not appear to be driven by changes in the composition of released offenders during good or bad economic times.</a:t>
+            </a:r>
+            <a:r>
+              <a:rPr lang="en-US" sz="2400" b="0" strike="noStrike" spc="-1" dirty="0">
+                <a:solidFill>
+                  <a:srgbClr val="404040"/>
+                </a:solidFill>
                 <a:latin typeface="Century Gothic"/>
               </a:rPr>
-              <a:t>For those in person: you can either:</a:t>
-            </a:r>
-            <a:endParaRPr b="0" lang="en-US" sz="2400" spc="-1" strike="noStrike">
-              <a:solidFill>
-                <a:srgbClr val="404040"/>
-              </a:solidFill>
-              <a:latin typeface="Century Gothic"/>
-            </a:endParaRPr>
-          </a:p>
-          <a:p>
-            <a:pPr lvl="1" marL="685800" indent="-228600">
-              <a:lnSpc>
-                <a:spcPct val="90000"/>
-              </a:lnSpc>
-              <a:spcBef>
-                <a:spcPts val="499"/>
-              </a:spcBef>
-              <a:buClr>
-                <a:srgbClr val="404040"/>
-              </a:buClr>
-              <a:buFont typeface="Arial"/>
-              <a:buChar char="•"/>
-            </a:pPr>
-            <a:r>
-              <a:rPr b="0" lang="en-US" sz="2000" spc="-1" strike="noStrike">
-                <a:solidFill>
-                  <a:srgbClr val="404040"/>
-                </a:solidFill>
-                <a:latin typeface="Century Gothic"/>
-              </a:rPr>
-              <a:t>A) Form physically distanced groups in this classroom</a:t>
-            </a:r>
-            <a:endParaRPr b="0" lang="en-US" sz="2000" spc="-1" strike="noStrike">
-              <a:solidFill>
-                <a:srgbClr val="404040"/>
-              </a:solidFill>
-              <a:latin typeface="Century Gothic"/>
-            </a:endParaRPr>
-          </a:p>
-          <a:p>
-            <a:pPr lvl="1" marL="685800" indent="-228600">
-              <a:lnSpc>
-                <a:spcPct val="90000"/>
-              </a:lnSpc>
-              <a:spcBef>
-                <a:spcPts val="499"/>
-              </a:spcBef>
-              <a:buClr>
-                <a:srgbClr val="404040"/>
-              </a:buClr>
-              <a:buFont typeface="Arial"/>
-              <a:buChar char="•"/>
-            </a:pPr>
-            <a:r>
-              <a:rPr b="0" lang="en-US" sz="2000" spc="-1" strike="noStrike">
-                <a:solidFill>
-                  <a:srgbClr val="404040"/>
-                </a:solidFill>
-                <a:latin typeface="Century Gothic"/>
-              </a:rPr>
-              <a:t>B) Form physically distanced groups elsewhere (e.g., go outside)</a:t>
-            </a:r>
-            <a:endParaRPr b="0" lang="en-US" sz="2000" spc="-1" strike="noStrike">
-              <a:solidFill>
-                <a:srgbClr val="404040"/>
-              </a:solidFill>
-              <a:latin typeface="Century Gothic"/>
-            </a:endParaRPr>
-          </a:p>
-          <a:p>
-            <a:pPr lvl="1" marL="685800" indent="-228600">
-              <a:lnSpc>
-                <a:spcPct val="90000"/>
-              </a:lnSpc>
-              <a:spcBef>
-                <a:spcPts val="499"/>
-              </a:spcBef>
-              <a:buClr>
-                <a:srgbClr val="404040"/>
-              </a:buClr>
-              <a:buFont typeface="Arial"/>
-              <a:buChar char="•"/>
-            </a:pPr>
-            <a:r>
-              <a:rPr b="0" lang="en-US" sz="2000" spc="-1" strike="noStrike">
-                <a:solidFill>
-                  <a:srgbClr val="404040"/>
-                </a:solidFill>
-                <a:latin typeface="Century Gothic"/>
-              </a:rPr>
-              <a:t>C) Plan to collaborate at another time, either online or in-person</a:t>
-            </a:r>
-            <a:endParaRPr b="0" lang="en-US" sz="2000" spc="-1" strike="noStrike">
-              <a:solidFill>
-                <a:srgbClr val="404040"/>
-              </a:solidFill>
-              <a:latin typeface="Century Gothic"/>
-            </a:endParaRPr>
-          </a:p>
-          <a:p>
-            <a:pPr marL="228600" indent="-228600">
-              <a:lnSpc>
-                <a:spcPct val="90000"/>
-              </a:lnSpc>
-              <a:spcBef>
-                <a:spcPts val="1001"/>
-              </a:spcBef>
-              <a:buClr>
-                <a:srgbClr val="404040"/>
-              </a:buClr>
-              <a:buFont typeface="Arial"/>
-              <a:buChar char="•"/>
-            </a:pPr>
-            <a:r>
-              <a:rPr b="0" lang="en-US" sz="2400" spc="-1" strike="noStrike">
-                <a:solidFill>
-                  <a:srgbClr val="404040"/>
-                </a:solidFill>
-                <a:latin typeface="Century Gothic"/>
-              </a:rPr>
-              <a:t>I will hang here in person / on Zoom in case anyone has any questions.</a:t>
-            </a:r>
-            <a:endParaRPr b="0" lang="en-US" sz="2400" spc="-1" strike="noStrike">
-              <a:solidFill>
-                <a:srgbClr val="404040"/>
-              </a:solidFill>
-              <a:latin typeface="Century Gothic"/>
-            </a:endParaRPr>
-          </a:p>
-          <a:p>
-            <a:pPr marL="228600" indent="-228600">
-              <a:lnSpc>
-                <a:spcPct val="90000"/>
-              </a:lnSpc>
-              <a:spcBef>
-                <a:spcPts val="1001"/>
-              </a:spcBef>
-              <a:buClr>
-                <a:srgbClr val="404040"/>
-              </a:buClr>
-              <a:buFont typeface="Arial"/>
-              <a:buChar char="•"/>
-            </a:pPr>
-            <a:r>
-              <a:rPr b="0" lang="en-US" sz="2400" spc="-1" strike="noStrike">
-                <a:solidFill>
-                  <a:srgbClr val="404040"/>
-                </a:solidFill>
-                <a:latin typeface="Century Gothic"/>
-              </a:rPr>
-              <a:t>Thanks everyone! </a:t>
-            </a:r>
-            <a:r>
-              <a:rPr b="0" lang="en-US" sz="2400" spc="-1" strike="noStrike">
-                <a:solidFill>
-                  <a:srgbClr val="404040"/>
-                </a:solidFill>
-                <a:latin typeface="Wingdings"/>
-              </a:rPr>
-              <a:t></a:t>
-            </a:r>
-            <a:endParaRPr b="0" lang="en-US" sz="2400" spc="-1" strike="noStrike">
-              <a:solidFill>
-                <a:srgbClr val="404040"/>
-              </a:solidFill>
-              <a:latin typeface="Century Gothic"/>
-            </a:endParaRPr>
+              <a:t>”</a:t>
+            </a:r>
           </a:p>
         </p:txBody>
       </p:sp>
     </p:spTree>
   </p:cSld>
-  <mc:AlternateContent>
-    <mc:Choice Requires="p14">
-      <p:transition spd="slow" p14:dur="2000"/>
-    </mc:Choice>
-    <mc:Fallback>
-      <p:transition spd="slow"/>
-    </mc:Fallback>
-  </mc:AlternateContent>
+  <p:clrMapOvr>
+    <a:masterClrMapping/>
+  </p:clrMapOvr>
 </p:sld>
 </file>
 
-<file path=ppt/slides/slide3.xml><?xml version="1.0" encoding="utf-8"?>
-<p:sld xmlns:a="http://schemas.openxmlformats.org/drawingml/2006/main" xmlns:p="http://schemas.openxmlformats.org/presentationml/2006/main" xmlns:r="http://schemas.openxmlformats.org/officeDocument/2006/relationships" xmlns:p14="http://schemas.microsoft.com/office/powerpoint/2010/main" xmlns:p15="http://schemas.microsoft.com/office/powerpoint/2012/main" xmlns:mc="http://schemas.openxmlformats.org/markup-compatibility/2006">
+<file path=ppt/slides/slide4.xml><?xml version="1.0" encoding="utf-8"?>
+<p:sld xmlns:a="http://schemas.openxmlformats.org/drawingml/2006/main" xmlns:r="http://schemas.openxmlformats.org/officeDocument/2006/relationships" xmlns:p="http://schemas.openxmlformats.org/presentationml/2006/main">
   <p:cSld>
     <p:spTree>
       <p:nvGrpSpPr>
@@ -10132,7 +10552,7 @@
       </p:grpSpPr>
       <p:sp>
         <p:nvSpPr>
-          <p:cNvPr id="91" name="PlaceHolder 1"/>
+          <p:cNvPr id="93" name="PlaceHolder 1"/>
           <p:cNvSpPr>
             <a:spLocks noGrp="1"/>
           </p:cNvSpPr>
@@ -10157,6 +10577,7 @@
           <a:bodyPr numCol="1" spcCol="0" anchor="ctr">
             <a:noAutofit/>
           </a:bodyPr>
+          <a:lstStyle/>
           <a:p>
             <a:pPr indent="0">
               <a:lnSpc>
@@ -10165,15 +10586,15 @@
               <a:buNone/>
             </a:pPr>
             <a:r>
-              <a:rPr b="0" lang="en-US" sz="3800" spc="-1" strike="noStrike" cap="all">
-                <a:solidFill>
-                  <a:srgbClr val="265b4d"/>
+              <a:rPr lang="en-US" sz="3800" b="0" strike="noStrike" cap="all" spc="-1">
+                <a:solidFill>
+                  <a:srgbClr val="265B4D"/>
                 </a:solidFill>
                 <a:latin typeface="Century Gothic"/>
               </a:rPr>
               <a:t>Yang – Labor markets and recidivism</a:t>
             </a:r>
-            <a:endParaRPr b="0" lang="en-US" sz="3800" spc="-1" strike="noStrike">
+            <a:endParaRPr lang="en-US" sz="3800" b="0" strike="noStrike" spc="-1">
               <a:solidFill>
                 <a:srgbClr val="000000"/>
               </a:solidFill>
@@ -10184,7 +10605,7 @@
       </p:sp>
       <p:sp>
         <p:nvSpPr>
-          <p:cNvPr id="92" name="PlaceHolder 2"/>
+          <p:cNvPr id="94" name="PlaceHolder 2"/>
           <p:cNvSpPr>
             <a:spLocks noGrp="1"/>
           </p:cNvSpPr>
@@ -10195,7 +10616,7 @@
         <p:spPr>
           <a:xfrm>
             <a:off x="838080" y="1690560"/>
-            <a:ext cx="10515240" cy="4350960"/>
+            <a:ext cx="3332160" cy="4350960"/>
           </a:xfrm>
           <a:prstGeom prst="rect">
             <a:avLst/>
@@ -10209,6 +10630,7 @@
           <a:bodyPr numCol="1" spcCol="0" anchor="t">
             <a:noAutofit/>
           </a:bodyPr>
+          <a:lstStyle/>
           <a:p>
             <a:pPr marL="228600" indent="-228600">
               <a:lnSpc>
@@ -10224,56 +10646,74 @@
               <a:buChar char="•"/>
             </a:pPr>
             <a:r>
-              <a:rPr b="0" lang="en-US" sz="2400" spc="-1" strike="noStrike">
+              <a:rPr lang="en-US" sz="2400" b="0" strike="noStrike" spc="-1" dirty="0">
                 <a:solidFill>
                   <a:srgbClr val="404040"/>
                 </a:solidFill>
                 <a:latin typeface="Century Gothic"/>
               </a:rPr>
-              <a:t>Abstract: “</a:t>
-            </a:r>
-            <a:r>
-              <a:rPr b="0" lang="en-US" sz="2400" spc="-1" strike="noStrike">
+              <a:t>This is a summary statistics table showing you what her data looks like.</a:t>
+            </a:r>
+          </a:p>
+          <a:p>
+            <a:pPr marL="228600" indent="-228600">
+              <a:lnSpc>
+                <a:spcPct val="90000"/>
+              </a:lnSpc>
+              <a:spcBef>
+                <a:spcPts val="1001"/>
+              </a:spcBef>
+              <a:buClr>
+                <a:srgbClr val="404040"/>
+              </a:buClr>
+              <a:buFont typeface="Arial"/>
+              <a:buChar char="•"/>
+            </a:pPr>
+            <a:r>
+              <a:rPr lang="en-US" sz="2400" b="0" strike="noStrike" spc="-1" dirty="0">
                 <a:solidFill>
                   <a:srgbClr val="404040"/>
                 </a:solidFill>
-                <a:latin typeface="Gulliver"/>
-              </a:rPr>
-              <a:t>This paper estimates the impact of local labor market conditions on criminal recidivism using administrative prison records on four million offenders released from 43 states between 2000 and 2013. Exploiting the timing of each offender’s release from prison, I find that being released to a county with higher low-skilled wages significantly decreases the risk of recidivism. The impact of higher wages on recidivism is larger for both black offenders and first-time offenders, and in sectors that report being more willing to hire ex-offenders. These results are robust to individual- and county-level controls, such as policing and corrections activity, and do not appear to be driven by changes in the composition of released offenders during good or bad economic times.</a:t>
-            </a:r>
-            <a:r>
-              <a:rPr b="0" lang="en-US" sz="2400" spc="-1" strike="noStrike">
-                <a:solidFill>
-                  <a:srgbClr val="404040"/>
-                </a:solidFill>
                 <a:latin typeface="Century Gothic"/>
               </a:rPr>
-              <a:t>”</a:t>
-            </a:r>
-            <a:endParaRPr b="0" lang="en-US" sz="2400" spc="-1" strike="noStrike">
-              <a:solidFill>
-                <a:srgbClr val="404040"/>
-              </a:solidFill>
-              <a:latin typeface="Century Gothic"/>
-            </a:endParaRPr>
-          </a:p>
-        </p:txBody>
-      </p:sp>
+              <a:t>This one shows facts about how often people return to prison (recidivate)</a:t>
+            </a:r>
+          </a:p>
+        </p:txBody>
+      </p:sp>
+      <p:pic>
+        <p:nvPicPr>
+          <p:cNvPr id="95" name="Picture 4"/>
+          <p:cNvPicPr/>
+          <p:nvPr/>
+        </p:nvPicPr>
+        <p:blipFill>
+          <a:blip r:embed="rId2"/>
+          <a:stretch/>
+        </p:blipFill>
+        <p:spPr>
+          <a:xfrm>
+            <a:off x="4428000" y="1278720"/>
+            <a:ext cx="7763760" cy="4972320"/>
+          </a:xfrm>
+          <a:prstGeom prst="rect">
+            <a:avLst/>
+          </a:prstGeom>
+          <a:ln w="0">
+            <a:noFill/>
+          </a:ln>
+        </p:spPr>
+      </p:pic>
     </p:spTree>
   </p:cSld>
-  <mc:AlternateContent>
-    <mc:Choice Requires="p14">
-      <p:transition spd="slow" p14:dur="2000"/>
-    </mc:Choice>
-    <mc:Fallback>
-      <p:transition spd="slow"/>
-    </mc:Fallback>
-  </mc:AlternateContent>
+  <p:clrMapOvr>
+    <a:masterClrMapping/>
+  </p:clrMapOvr>
 </p:sld>
 </file>
 
-<file path=ppt/slides/slide4.xml><?xml version="1.0" encoding="utf-8"?>
-<p:sld xmlns:a="http://schemas.openxmlformats.org/drawingml/2006/main" xmlns:p="http://schemas.openxmlformats.org/presentationml/2006/main" xmlns:r="http://schemas.openxmlformats.org/officeDocument/2006/relationships" xmlns:p14="http://schemas.microsoft.com/office/powerpoint/2010/main" xmlns:p15="http://schemas.microsoft.com/office/powerpoint/2012/main" xmlns:mc="http://schemas.openxmlformats.org/markup-compatibility/2006">
+<file path=ppt/slides/slide5.xml><?xml version="1.0" encoding="utf-8"?>
+<p:sld xmlns:a="http://schemas.openxmlformats.org/drawingml/2006/main" xmlns:r="http://schemas.openxmlformats.org/officeDocument/2006/relationships" xmlns:p="http://schemas.openxmlformats.org/presentationml/2006/main">
   <p:cSld>
     <p:spTree>
       <p:nvGrpSpPr>
@@ -10291,7 +10731,7 @@
       </p:grpSpPr>
       <p:sp>
         <p:nvSpPr>
-          <p:cNvPr id="93" name="PlaceHolder 1"/>
+          <p:cNvPr id="96" name="PlaceHolder 1"/>
           <p:cNvSpPr>
             <a:spLocks noGrp="1"/>
           </p:cNvSpPr>
@@ -10316,6 +10756,7 @@
           <a:bodyPr numCol="1" spcCol="0" anchor="ctr">
             <a:noAutofit/>
           </a:bodyPr>
+          <a:lstStyle/>
           <a:p>
             <a:pPr indent="0">
               <a:lnSpc>
@@ -10324,15 +10765,15 @@
               <a:buNone/>
             </a:pPr>
             <a:r>
-              <a:rPr b="0" lang="en-US" sz="3800" spc="-1" strike="noStrike" cap="all">
-                <a:solidFill>
-                  <a:srgbClr val="265b4d"/>
+              <a:rPr lang="en-US" sz="2800" b="0" strike="noStrike" cap="all" spc="-1">
+                <a:solidFill>
+                  <a:srgbClr val="265B4D"/>
                 </a:solidFill>
                 <a:latin typeface="Century Gothic"/>
               </a:rPr>
               <a:t>Yang – Labor markets and recidivism</a:t>
             </a:r>
-            <a:endParaRPr b="0" lang="en-US" sz="3800" spc="-1" strike="noStrike">
+            <a:endParaRPr lang="en-US" sz="2800" b="0" strike="noStrike" spc="-1">
               <a:solidFill>
                 <a:srgbClr val="000000"/>
               </a:solidFill>
@@ -10343,7 +10784,7 @@
       </p:sp>
       <p:sp>
         <p:nvSpPr>
-          <p:cNvPr id="94" name="PlaceHolder 2"/>
+          <p:cNvPr id="97" name="PlaceHolder 2"/>
           <p:cNvSpPr>
             <a:spLocks noGrp="1"/>
           </p:cNvSpPr>
@@ -10354,7 +10795,7 @@
         <p:spPr>
           <a:xfrm>
             <a:off x="838080" y="1690560"/>
-            <a:ext cx="3332160" cy="4350960"/>
+            <a:ext cx="7073640" cy="4000680"/>
           </a:xfrm>
           <a:prstGeom prst="rect">
             <a:avLst/>
@@ -10368,6 +10809,7 @@
           <a:bodyPr numCol="1" spcCol="0" anchor="t">
             <a:noAutofit/>
           </a:bodyPr>
+          <a:lstStyle/>
           <a:p>
             <a:pPr marL="228600" indent="-228600">
               <a:lnSpc>
@@ -10383,20 +10825,14 @@
               <a:buChar char="•"/>
             </a:pPr>
             <a:r>
-              <a:rPr b="0" lang="en-US" sz="2400" spc="-1" strike="noStrike">
+              <a:rPr lang="en-US" sz="2400" b="0" strike="noStrike" spc="-1" dirty="0">
                 <a:solidFill>
                   <a:srgbClr val="404040"/>
                 </a:solidFill>
                 <a:latin typeface="Century Gothic"/>
               </a:rPr>
-              <a:t>This is a summary statistics table showing you what her data looks like.</a:t>
-            </a:r>
-            <a:endParaRPr b="0" lang="en-US" sz="2400" spc="-1" strike="noStrike">
-              <a:solidFill>
-                <a:srgbClr val="404040"/>
-              </a:solidFill>
-              <a:latin typeface="Century Gothic"/>
-            </a:endParaRPr>
+              <a:t>This is another summary statistics table, showing what her sample looks like.</a:t>
+            </a:r>
           </a:p>
           <a:p>
             <a:pPr marL="228600" indent="-228600">
@@ -10413,37 +10849,55 @@
               <a:buChar char="•"/>
             </a:pPr>
             <a:r>
-              <a:rPr b="0" lang="en-US" sz="2400" spc="-1" strike="noStrike">
+              <a:rPr lang="en-US" sz="2400" b="0" strike="noStrike" spc="-1" dirty="0">
                 <a:solidFill>
                   <a:srgbClr val="404040"/>
                 </a:solidFill>
                 <a:latin typeface="Century Gothic"/>
               </a:rPr>
-              <a:t>This one shows facts about how often people return to prison (recidivate)</a:t>
-            </a:r>
-            <a:endParaRPr b="0" lang="en-US" sz="2400" spc="-1" strike="noStrike">
-              <a:solidFill>
-                <a:srgbClr val="404040"/>
-              </a:solidFill>
-              <a:latin typeface="Century Gothic"/>
-            </a:endParaRPr>
+              <a:t>E.g., what is the demographic and educational make-up of her sample?</a:t>
+            </a:r>
+          </a:p>
+          <a:p>
+            <a:pPr marL="228600" indent="-228600">
+              <a:lnSpc>
+                <a:spcPct val="90000"/>
+              </a:lnSpc>
+              <a:spcBef>
+                <a:spcPts val="1001"/>
+              </a:spcBef>
+              <a:buClr>
+                <a:srgbClr val="404040"/>
+              </a:buClr>
+              <a:buFont typeface="Arial"/>
+              <a:buChar char="•"/>
+            </a:pPr>
+            <a:r>
+              <a:rPr lang="en-US" sz="2400" b="0" strike="noStrike" spc="-1" dirty="0">
+                <a:solidFill>
+                  <a:srgbClr val="404040"/>
+                </a:solidFill>
+                <a:latin typeface="Century Gothic"/>
+              </a:rPr>
+              <a:t>What kind of offenses were committed?</a:t>
+            </a:r>
           </a:p>
         </p:txBody>
       </p:sp>
       <p:pic>
         <p:nvPicPr>
-          <p:cNvPr id="95" name="Picture 4" descr=""/>
+          <p:cNvPr id="98" name="Picture 4"/>
           <p:cNvPicPr/>
           <p:nvPr/>
         </p:nvPicPr>
         <p:blipFill>
-          <a:blip r:embed="rId1"/>
+          <a:blip r:embed="rId2"/>
           <a:stretch/>
         </p:blipFill>
         <p:spPr>
           <a:xfrm>
-            <a:off x="4428000" y="1278720"/>
-            <a:ext cx="7763760" cy="4972320"/>
+            <a:off x="8538480" y="0"/>
+            <a:ext cx="3653280" cy="6857640"/>
           </a:xfrm>
           <a:prstGeom prst="rect">
             <a:avLst/>
@@ -10455,19 +10909,14 @@
       </p:pic>
     </p:spTree>
   </p:cSld>
-  <mc:AlternateContent>
-    <mc:Choice Requires="p14">
-      <p:transition spd="slow" p14:dur="2000"/>
-    </mc:Choice>
-    <mc:Fallback>
-      <p:transition spd="slow"/>
-    </mc:Fallback>
-  </mc:AlternateContent>
+  <p:clrMapOvr>
+    <a:masterClrMapping/>
+  </p:clrMapOvr>
 </p:sld>
 </file>
 
-<file path=ppt/slides/slide5.xml><?xml version="1.0" encoding="utf-8"?>
-<p:sld xmlns:a="http://schemas.openxmlformats.org/drawingml/2006/main" xmlns:p="http://schemas.openxmlformats.org/presentationml/2006/main" xmlns:r="http://schemas.openxmlformats.org/officeDocument/2006/relationships" xmlns:p14="http://schemas.microsoft.com/office/powerpoint/2010/main" xmlns:p15="http://schemas.microsoft.com/office/powerpoint/2012/main" xmlns:mc="http://schemas.openxmlformats.org/markup-compatibility/2006">
+<file path=ppt/slides/slide6.xml><?xml version="1.0" encoding="utf-8"?>
+<p:sld xmlns:a="http://schemas.openxmlformats.org/drawingml/2006/main" xmlns:r="http://schemas.openxmlformats.org/officeDocument/2006/relationships" xmlns:p="http://schemas.openxmlformats.org/presentationml/2006/main">
   <p:cSld>
     <p:spTree>
       <p:nvGrpSpPr>
@@ -10485,7 +10934,7 @@
       </p:grpSpPr>
       <p:sp>
         <p:nvSpPr>
-          <p:cNvPr id="96" name="PlaceHolder 1"/>
+          <p:cNvPr id="99" name="PlaceHolder 1"/>
           <p:cNvSpPr>
             <a:spLocks noGrp="1"/>
           </p:cNvSpPr>
@@ -10510,6 +10959,7 @@
           <a:bodyPr numCol="1" spcCol="0" anchor="ctr">
             <a:noAutofit/>
           </a:bodyPr>
+          <a:lstStyle/>
           <a:p>
             <a:pPr indent="0">
               <a:lnSpc>
@@ -10518,15 +10968,15 @@
               <a:buNone/>
             </a:pPr>
             <a:r>
-              <a:rPr b="0" lang="en-US" sz="2800" spc="-1" strike="noStrike" cap="all">
-                <a:solidFill>
-                  <a:srgbClr val="265b4d"/>
+              <a:rPr lang="en-US" sz="3800" b="0" strike="noStrike" cap="all" spc="-1">
+                <a:solidFill>
+                  <a:srgbClr val="265B4D"/>
                 </a:solidFill>
                 <a:latin typeface="Century Gothic"/>
               </a:rPr>
               <a:t>Yang – Labor markets and recidivism</a:t>
             </a:r>
-            <a:endParaRPr b="0" lang="en-US" sz="2800" spc="-1" strike="noStrike">
+            <a:endParaRPr lang="en-US" sz="3800" b="0" strike="noStrike" spc="-1">
               <a:solidFill>
                 <a:srgbClr val="000000"/>
               </a:solidFill>
@@ -10537,7 +10987,7 @@
       </p:sp>
       <p:sp>
         <p:nvSpPr>
-          <p:cNvPr id="97" name="PlaceHolder 2"/>
+          <p:cNvPr id="100" name="PlaceHolder 2"/>
           <p:cNvSpPr>
             <a:spLocks noGrp="1"/>
           </p:cNvSpPr>
@@ -10547,8 +10997,8 @@
         </p:nvSpPr>
         <p:spPr>
           <a:xfrm>
-            <a:off x="838080" y="1690560"/>
-            <a:ext cx="7073640" cy="4000680"/>
+            <a:off x="838080" y="1512360"/>
+            <a:ext cx="10515240" cy="4350960"/>
           </a:xfrm>
           <a:prstGeom prst="rect">
             <a:avLst/>
@@ -10562,6 +11012,7 @@
           <a:bodyPr numCol="1" spcCol="0" anchor="t">
             <a:noAutofit/>
           </a:bodyPr>
+          <a:lstStyle/>
           <a:p>
             <a:pPr marL="228600" indent="-228600">
               <a:lnSpc>
@@ -10577,20 +11028,14 @@
               <a:buChar char="•"/>
             </a:pPr>
             <a:r>
-              <a:rPr b="0" lang="en-US" sz="2400" spc="-1" strike="noStrike">
+              <a:rPr lang="en-US" sz="2400" b="0" strike="noStrike" spc="-1" dirty="0">
                 <a:solidFill>
                   <a:srgbClr val="404040"/>
                 </a:solidFill>
                 <a:latin typeface="Century Gothic"/>
               </a:rPr>
-              <a:t>This is another summary statistics table, showing what her sample looks like.</a:t>
-            </a:r>
-            <a:endParaRPr b="0" lang="en-US" sz="2400" spc="-1" strike="noStrike">
-              <a:solidFill>
-                <a:srgbClr val="404040"/>
-              </a:solidFill>
-              <a:latin typeface="Century Gothic"/>
-            </a:endParaRPr>
+              <a:t>Yang’s general approach is a version of a difference-in-differences.</a:t>
+            </a:r>
           </a:p>
           <a:p>
             <a:pPr marL="228600" indent="-228600">
@@ -10607,20 +11052,32 @@
               <a:buChar char="•"/>
             </a:pPr>
             <a:r>
-              <a:rPr b="0" lang="en-US" sz="2400" spc="-1" strike="noStrike">
+              <a:rPr lang="en-US" sz="2400" b="0" strike="noStrike" spc="-1" dirty="0">
                 <a:solidFill>
                   <a:srgbClr val="404040"/>
                 </a:solidFill>
                 <a:latin typeface="Century Gothic"/>
               </a:rPr>
-              <a:t>E.g., what is the demographic and educational make-up of her sample?</a:t>
-            </a:r>
-            <a:endParaRPr b="0" lang="en-US" sz="2400" spc="-1" strike="noStrike">
-              <a:solidFill>
-                <a:srgbClr val="404040"/>
-              </a:solidFill>
-              <a:latin typeface="Century Gothic"/>
-            </a:endParaRPr>
+              <a:t>The idea to compare people released from prison </a:t>
+            </a:r>
+            <a:r>
+              <a:rPr lang="en-US" sz="2400" b="0" i="1" strike="noStrike" spc="-1" dirty="0">
+                <a:solidFill>
+                  <a:srgbClr val="404040"/>
+                </a:solidFill>
+                <a:latin typeface="Century Gothic"/>
+              </a:rPr>
+              <a:t>in the same county </a:t>
+            </a:r>
+            <a:r>
+              <a:rPr lang="en-US" sz="2400" b="0" strike="noStrike" spc="-1" dirty="0">
+                <a:solidFill>
+                  <a:srgbClr val="404040"/>
+                </a:solidFill>
+                <a:latin typeface="Century Gothic"/>
+              </a:rPr>
+              <a:t>in good economic conditions versus bad economic conditions.</a:t>
+            </a:r>
           </a:p>
           <a:p>
             <a:pPr marL="228600" indent="-228600">
@@ -10637,61 +11094,51 @@
               <a:buChar char="•"/>
             </a:pPr>
             <a:r>
-              <a:rPr b="0" lang="en-US" sz="2400" spc="-1" strike="noStrike">
+              <a:rPr lang="en-US" sz="2400" b="0" strike="noStrike" spc="-1" dirty="0">
                 <a:solidFill>
                   <a:srgbClr val="404040"/>
                 </a:solidFill>
                 <a:latin typeface="Century Gothic"/>
               </a:rPr>
-              <a:t>What kind of offenses were committed?</a:t>
-            </a:r>
-            <a:endParaRPr b="0" lang="en-US" sz="2400" spc="-1" strike="noStrike">
-              <a:solidFill>
-                <a:srgbClr val="404040"/>
-              </a:solidFill>
-              <a:latin typeface="Century Gothic"/>
-            </a:endParaRPr>
-          </a:p>
-        </p:txBody>
-      </p:sp>
-      <p:pic>
-        <p:nvPicPr>
-          <p:cNvPr id="98" name="Picture 4" descr=""/>
-          <p:cNvPicPr/>
-          <p:nvPr/>
-        </p:nvPicPr>
-        <p:blipFill>
-          <a:blip r:embed="rId1"/>
-          <a:stretch/>
-        </p:blipFill>
-        <p:spPr>
-          <a:xfrm>
-            <a:off x="8538480" y="0"/>
-            <a:ext cx="3653280" cy="6857640"/>
-          </a:xfrm>
-          <a:prstGeom prst="rect">
-            <a:avLst/>
-          </a:prstGeom>
-          <a:ln w="0">
-            <a:noFill/>
-          </a:ln>
-        </p:spPr>
-      </p:pic>
+              <a:t>Yang measures economic conditions through wages in low skilled jobs.</a:t>
+            </a:r>
+          </a:p>
+          <a:p>
+            <a:pPr marL="228600" indent="-228600">
+              <a:lnSpc>
+                <a:spcPct val="90000"/>
+              </a:lnSpc>
+              <a:spcBef>
+                <a:spcPts val="1001"/>
+              </a:spcBef>
+              <a:buClr>
+                <a:srgbClr val="404040"/>
+              </a:buClr>
+              <a:buFont typeface="Arial"/>
+              <a:buChar char="•"/>
+            </a:pPr>
+            <a:r>
+              <a:rPr lang="en-US" sz="2400" b="0" strike="noStrike" spc="-1" dirty="0">
+                <a:solidFill>
+                  <a:srgbClr val="404040"/>
+                </a:solidFill>
+                <a:latin typeface="Century Gothic"/>
+              </a:rPr>
+              <a:t>These are the jobs that are most likely to hire those with criminal records.</a:t>
+            </a:r>
+          </a:p>
+        </p:txBody>
+      </p:sp>
     </p:spTree>
   </p:cSld>
-  <mc:AlternateContent>
-    <mc:Choice Requires="p14">
-      <p:transition spd="slow" p14:dur="2000"/>
-    </mc:Choice>
-    <mc:Fallback>
-      <p:transition spd="slow"/>
-    </mc:Fallback>
-  </mc:AlternateContent>
+  <p:clrMapOvr>
+    <a:masterClrMapping/>
+  </p:clrMapOvr>
 </p:sld>
 </file>
 
-<file path=ppt/slides/slide6.xml><?xml version="1.0" encoding="utf-8"?>
-<p:sld xmlns:a="http://schemas.openxmlformats.org/drawingml/2006/main" xmlns:p="http://schemas.openxmlformats.org/presentationml/2006/main" xmlns:r="http://schemas.openxmlformats.org/officeDocument/2006/relationships" xmlns:p14="http://schemas.microsoft.com/office/powerpoint/2010/main" xmlns:p15="http://schemas.microsoft.com/office/powerpoint/2012/main" xmlns:mc="http://schemas.openxmlformats.org/markup-compatibility/2006">
+<file path=ppt/slides/slide7.xml><?xml version="1.0" encoding="utf-8"?>
+<p:sld xmlns:a="http://schemas.openxmlformats.org/drawingml/2006/main" xmlns:r="http://schemas.openxmlformats.org/officeDocument/2006/relationships" xmlns:p="http://schemas.openxmlformats.org/presentationml/2006/main">
   <p:cSld>
     <p:spTree>
       <p:nvGrpSpPr>
@@ -10709,7 +11156,7 @@
       </p:grpSpPr>
       <p:sp>
         <p:nvSpPr>
-          <p:cNvPr id="99" name="PlaceHolder 1"/>
+          <p:cNvPr id="101" name="PlaceHolder 1"/>
           <p:cNvSpPr>
             <a:spLocks noGrp="1"/>
           </p:cNvSpPr>
@@ -10734,6 +11181,7 @@
           <a:bodyPr numCol="1" spcCol="0" anchor="ctr">
             <a:noAutofit/>
           </a:bodyPr>
+          <a:lstStyle/>
           <a:p>
             <a:pPr indent="0">
               <a:lnSpc>
@@ -10742,15 +11190,15 @@
               <a:buNone/>
             </a:pPr>
             <a:r>
-              <a:rPr b="0" lang="en-US" sz="3800" spc="-1" strike="noStrike" cap="all">
-                <a:solidFill>
-                  <a:srgbClr val="265b4d"/>
+              <a:rPr lang="en-US" sz="3800" b="0" strike="noStrike" cap="all" spc="-1">
+                <a:solidFill>
+                  <a:srgbClr val="265B4D"/>
                 </a:solidFill>
                 <a:latin typeface="Century Gothic"/>
               </a:rPr>
               <a:t>Yang – Labor markets and recidivism</a:t>
             </a:r>
-            <a:endParaRPr b="0" lang="en-US" sz="3800" spc="-1" strike="noStrike">
+            <a:endParaRPr lang="en-US" sz="3800" b="0" strike="noStrike" spc="-1">
               <a:solidFill>
                 <a:srgbClr val="000000"/>
               </a:solidFill>
@@ -10761,7 +11209,7 @@
       </p:sp>
       <p:sp>
         <p:nvSpPr>
-          <p:cNvPr id="100" name="PlaceHolder 2"/>
+          <p:cNvPr id="102" name="PlaceHolder 2"/>
           <p:cNvSpPr>
             <a:spLocks noGrp="1"/>
           </p:cNvSpPr>
@@ -10786,6 +11234,27 @@
           <a:bodyPr numCol="1" spcCol="0" anchor="t">
             <a:noAutofit/>
           </a:bodyPr>
+          <a:lstStyle/>
+          <a:p>
+            <a:pPr indent="0">
+              <a:lnSpc>
+                <a:spcPct val="90000"/>
+              </a:lnSpc>
+              <a:spcBef>
+                <a:spcPts val="1001"/>
+              </a:spcBef>
+              <a:buNone/>
+              <a:tabLst>
+                <a:tab pos="0" algn="l"/>
+              </a:tabLst>
+            </a:pPr>
+            <a:endParaRPr lang="en-US" sz="2400" b="0" strike="noStrike" spc="-1" dirty="0">
+              <a:solidFill>
+                <a:srgbClr val="404040"/>
+              </a:solidFill>
+              <a:latin typeface="Century Gothic"/>
+            </a:endParaRPr>
+          </a:p>
           <a:p>
             <a:pPr marL="228600" indent="-228600">
               <a:lnSpc>
@@ -10799,70 +11268,46 @@
               </a:buClr>
               <a:buFont typeface="Arial"/>
               <a:buChar char="•"/>
-            </a:pPr>
-            <a:r>
-              <a:rPr b="0" lang="en-US" sz="2400" spc="-1" strike="noStrike">
+              <a:tabLst>
+                <a:tab pos="0" algn="l"/>
+              </a:tabLst>
+            </a:pPr>
+            <a:r>
+              <a:rPr lang="en-US" sz="2400" b="0" strike="noStrike" spc="-1" dirty="0">
                 <a:solidFill>
                   <a:srgbClr val="404040"/>
                 </a:solidFill>
                 <a:latin typeface="Century Gothic"/>
               </a:rPr>
-              <a:t>Yang’s general approach is a version of a difference-in-differences.</a:t>
-            </a:r>
-            <a:endParaRPr b="0" lang="en-US" sz="2400" spc="-1" strike="noStrike">
-              <a:solidFill>
-                <a:srgbClr val="404040"/>
-              </a:solidFill>
-              <a:latin typeface="Century Gothic"/>
-            </a:endParaRPr>
-          </a:p>
-          <a:p>
-            <a:pPr marL="228600" indent="-228600">
-              <a:lnSpc>
-                <a:spcPct val="90000"/>
-              </a:lnSpc>
-              <a:spcBef>
-                <a:spcPts val="1001"/>
+              <a:t>By looking at people within the same county, during times with higher vs. lower wages, it removes any bias for the fixed differences between counties</a:t>
+            </a:r>
+          </a:p>
+          <a:p>
+            <a:pPr marL="685800" lvl="1" indent="-228600">
+              <a:lnSpc>
+                <a:spcPct val="90000"/>
+              </a:lnSpc>
+              <a:spcBef>
+                <a:spcPts val="499"/>
               </a:spcBef>
               <a:buClr>
                 <a:srgbClr val="404040"/>
               </a:buClr>
               <a:buFont typeface="Arial"/>
               <a:buChar char="•"/>
-            </a:pPr>
-            <a:r>
-              <a:rPr b="0" lang="en-US" sz="2400" spc="-1" strike="noStrike">
+              <a:tabLst>
+                <a:tab pos="0" algn="l"/>
+              </a:tabLst>
+            </a:pPr>
+            <a:r>
+              <a:rPr lang="en-US" sz="2000" b="0" strike="noStrike" spc="-1" dirty="0">
                 <a:solidFill>
                   <a:srgbClr val="404040"/>
                 </a:solidFill>
                 <a:latin typeface="Century Gothic"/>
               </a:rPr>
-              <a:t>The idea to compare people released from prison </a:t>
-            </a:r>
-            <a:r>
-              <a:rPr b="0" i="1" lang="en-US" sz="2400" spc="-1" strike="noStrike">
-                <a:solidFill>
-                  <a:srgbClr val="404040"/>
-                </a:solidFill>
-                <a:latin typeface="Century Gothic"/>
-              </a:rPr>
-              <a:t>in the same county </a:t>
-            </a:r>
-            <a:r>
-              <a:rPr b="0" lang="en-US" sz="2400" spc="-1" strike="noStrike">
-                <a:solidFill>
-                  <a:srgbClr val="404040"/>
-                </a:solidFill>
-                <a:latin typeface="Century Gothic"/>
-              </a:rPr>
-              <a:t>in good economic conditions versus bad economic conditions.</a:t>
-            </a:r>
-            <a:endParaRPr b="0" lang="en-US" sz="2400" spc="-1" strike="noStrike">
-              <a:solidFill>
-                <a:srgbClr val="404040"/>
-              </a:solidFill>
-              <a:latin typeface="Century Gothic"/>
-            </a:endParaRPr>
+              <a:t>Recidivism rates and other factors may be different between counties.</a:t>
+            </a:r>
           </a:p>
           <a:p>
             <a:pPr marL="228600" indent="-228600">
@@ -10877,22 +11322,19 @@
               </a:buClr>
               <a:buFont typeface="Arial"/>
               <a:buChar char="•"/>
-            </a:pPr>
-            <a:r>
-              <a:rPr b="0" lang="en-US" sz="2400" spc="-1" strike="noStrike">
+              <a:tabLst>
+                <a:tab pos="0" algn="l"/>
+              </a:tabLst>
+            </a:pPr>
+            <a:r>
+              <a:rPr lang="en-US" sz="2400" b="0" strike="noStrike" spc="-1" dirty="0">
                 <a:solidFill>
                   <a:srgbClr val="404040"/>
                 </a:solidFill>
                 <a:latin typeface="Century Gothic"/>
               </a:rPr>
-              <a:t>Yang measures economic conditions through wages in low skilled jobs.</a:t>
-            </a:r>
-            <a:endParaRPr b="0" lang="en-US" sz="2400" spc="-1" strike="noStrike">
-              <a:solidFill>
-                <a:srgbClr val="404040"/>
-              </a:solidFill>
-              <a:latin typeface="Century Gothic"/>
-            </a:endParaRPr>
+              <a:t>Comparisons between, rather than within counties would be more of an “apples to oranges” comparison.</a:t>
+            </a:r>
           </a:p>
           <a:p>
             <a:pPr marL="228600" indent="-228600">
@@ -10907,40 +11349,50 @@
               </a:buClr>
               <a:buFont typeface="Arial"/>
               <a:buChar char="•"/>
-            </a:pPr>
-            <a:r>
-              <a:rPr b="0" lang="en-US" sz="2400" spc="-1" strike="noStrike">
+              <a:tabLst>
+                <a:tab pos="0" algn="l"/>
+              </a:tabLst>
+            </a:pPr>
+            <a:r>
+              <a:rPr lang="en-US" sz="2400" b="0" strike="noStrike" spc="-1" dirty="0">
                 <a:solidFill>
                   <a:srgbClr val="404040"/>
                 </a:solidFill>
                 <a:latin typeface="Century Gothic"/>
               </a:rPr>
-              <a:t>These are the jobs that are most likely to hire those with criminal records.</a:t>
-            </a:r>
-            <a:endParaRPr b="0" lang="en-US" sz="2400" spc="-1" strike="noStrike">
-              <a:solidFill>
-                <a:srgbClr val="404040"/>
-              </a:solidFill>
-              <a:latin typeface="Century Gothic"/>
-            </a:endParaRPr>
+              <a:t>Like other </a:t>
+            </a:r>
+            <a:r>
+              <a:rPr lang="en-US" sz="2400" b="0" strike="noStrike" spc="-1" dirty="0" err="1">
+                <a:solidFill>
+                  <a:srgbClr val="404040"/>
+                </a:solidFill>
+                <a:latin typeface="Century Gothic"/>
+              </a:rPr>
+              <a:t>DiD</a:t>
+            </a:r>
+            <a:r>
+              <a:rPr lang="en-US" sz="2400" b="0" strike="noStrike" spc="-1" dirty="0">
+                <a:solidFill>
+                  <a:srgbClr val="404040"/>
+                </a:solidFill>
+                <a:latin typeface="Century Gothic"/>
+              </a:rPr>
+              <a:t> examples, where there are fixed differences that exist between groups.</a:t>
+            </a:r>
           </a:p>
         </p:txBody>
       </p:sp>
     </p:spTree>
   </p:cSld>
-  <mc:AlternateContent>
-    <mc:Choice Requires="p14">
-      <p:transition spd="slow" p14:dur="2000"/>
-    </mc:Choice>
-    <mc:Fallback>
-      <p:transition spd="slow"/>
-    </mc:Fallback>
-  </mc:AlternateContent>
+  <p:clrMapOvr>
+    <a:masterClrMapping/>
+  </p:clrMapOvr>
 </p:sld>
 </file>
 
-<file path=ppt/slides/slide7.xml><?xml version="1.0" encoding="utf-8"?>
-<p:sld xmlns:a="http://schemas.openxmlformats.org/drawingml/2006/main" xmlns:p="http://schemas.openxmlformats.org/presentationml/2006/main" xmlns:r="http://schemas.openxmlformats.org/officeDocument/2006/relationships" xmlns:p14="http://schemas.microsoft.com/office/powerpoint/2010/main" xmlns:p15="http://schemas.microsoft.com/office/powerpoint/2012/main" xmlns:mc="http://schemas.openxmlformats.org/markup-compatibility/2006">
+<file path=ppt/slides/slide8.xml><?xml version="1.0" encoding="utf-8"?>
+<p:sld xmlns:a="http://schemas.openxmlformats.org/drawingml/2006/main" xmlns:r="http://schemas.openxmlformats.org/officeDocument/2006/relationships" xmlns:p="http://schemas.openxmlformats.org/presentationml/2006/main">
   <p:cSld>
     <p:spTree>
       <p:nvGrpSpPr>
@@ -10958,7 +11410,7 @@
       </p:grpSpPr>
       <p:sp>
         <p:nvSpPr>
-          <p:cNvPr id="101" name="PlaceHolder 1"/>
+          <p:cNvPr id="103" name="PlaceHolder 1"/>
           <p:cNvSpPr>
             <a:spLocks noGrp="1"/>
           </p:cNvSpPr>
@@ -10983,6 +11435,7 @@
           <a:bodyPr numCol="1" spcCol="0" anchor="ctr">
             <a:noAutofit/>
           </a:bodyPr>
+          <a:lstStyle/>
           <a:p>
             <a:pPr indent="0">
               <a:lnSpc>
@@ -10991,15 +11444,15 @@
               <a:buNone/>
             </a:pPr>
             <a:r>
-              <a:rPr b="0" lang="en-US" sz="3800" spc="-1" strike="noStrike" cap="all">
-                <a:solidFill>
-                  <a:srgbClr val="265b4d"/>
+              <a:rPr lang="en-US" sz="3800" b="0" strike="noStrike" cap="all" spc="-1">
+                <a:solidFill>
+                  <a:srgbClr val="265B4D"/>
                 </a:solidFill>
                 <a:latin typeface="Century Gothic"/>
               </a:rPr>
               <a:t>Yang – Labor markets and recidivism</a:t>
             </a:r>
-            <a:endParaRPr b="0" lang="en-US" sz="3800" spc="-1" strike="noStrike">
+            <a:endParaRPr lang="en-US" sz="3800" b="0" strike="noStrike" spc="-1">
               <a:solidFill>
                 <a:srgbClr val="000000"/>
               </a:solidFill>
@@ -11010,7 +11463,7 @@
       </p:sp>
       <p:sp>
         <p:nvSpPr>
-          <p:cNvPr id="102" name="PlaceHolder 2"/>
+          <p:cNvPr id="104" name="PlaceHolder 2"/>
           <p:cNvSpPr>
             <a:spLocks noGrp="1"/>
           </p:cNvSpPr>
@@ -11035,6 +11488,79 @@
           <a:bodyPr numCol="1" spcCol="0" anchor="t">
             <a:noAutofit/>
           </a:bodyPr>
+          <a:lstStyle/>
+          <a:p>
+            <a:pPr marL="228600" indent="-228600">
+              <a:lnSpc>
+                <a:spcPct val="90000"/>
+              </a:lnSpc>
+              <a:spcBef>
+                <a:spcPts val="1001"/>
+              </a:spcBef>
+              <a:buClr>
+                <a:srgbClr val="404040"/>
+              </a:buClr>
+              <a:buFont typeface="Arial"/>
+              <a:buChar char="•"/>
+            </a:pPr>
+            <a:r>
+              <a:rPr lang="en-US" sz="2400" b="0" strike="noStrike" spc="-1" dirty="0">
+                <a:solidFill>
+                  <a:srgbClr val="404040"/>
+                </a:solidFill>
+                <a:latin typeface="Century Gothic"/>
+              </a:rPr>
+              <a:t>An assumption is required for Yang’s approach to provide an unbiased estimate of the causal effect of local economic conditions on crime.</a:t>
+            </a:r>
+          </a:p>
+          <a:p>
+            <a:pPr marL="228600" indent="-228600">
+              <a:lnSpc>
+                <a:spcPct val="90000"/>
+              </a:lnSpc>
+              <a:spcBef>
+                <a:spcPts val="1001"/>
+              </a:spcBef>
+              <a:buClr>
+                <a:srgbClr val="404040"/>
+              </a:buClr>
+              <a:buFont typeface="Arial"/>
+              <a:buChar char="•"/>
+            </a:pPr>
+            <a:r>
+              <a:rPr lang="en-US" sz="2400" b="0" strike="noStrike" spc="-1" dirty="0">
+                <a:solidFill>
+                  <a:srgbClr val="404040"/>
+                </a:solidFill>
+                <a:latin typeface="Century Gothic"/>
+              </a:rPr>
+              <a:t>The assumption is that when comparing those within the same county in good and bad economic times, there are no differences other than the different economic circumstances.</a:t>
+            </a:r>
+          </a:p>
+          <a:p>
+            <a:pPr marL="228600" indent="-228600">
+              <a:lnSpc>
+                <a:spcPct val="90000"/>
+              </a:lnSpc>
+              <a:spcBef>
+                <a:spcPts val="1001"/>
+              </a:spcBef>
+              <a:buClr>
+                <a:srgbClr val="404040"/>
+              </a:buClr>
+              <a:buFont typeface="Arial"/>
+              <a:buChar char="•"/>
+            </a:pPr>
+            <a:r>
+              <a:rPr lang="en-US" sz="2400" b="0" strike="noStrike" spc="-1" dirty="0">
+                <a:solidFill>
+                  <a:srgbClr val="404040"/>
+                </a:solidFill>
+                <a:latin typeface="Century Gothic"/>
+              </a:rPr>
+              <a:t>The ideal would be like a randomized control trial (RCT) -&gt; higher/lower wages are randomly assigned over time.</a:t>
+            </a:r>
+          </a:p>
           <a:p>
             <a:pPr indent="0">
               <a:lnSpc>
@@ -11044,166 +11570,26 @@
                 <a:spcPts val="1001"/>
               </a:spcBef>
               <a:buNone/>
-              <a:tabLst>
-                <a:tab algn="l" pos="0"/>
-              </a:tabLst>
-            </a:pPr>
-            <a:endParaRPr b="0" lang="en-US" sz="2400" spc="-1" strike="noStrike">
+            </a:pPr>
+            <a:endParaRPr lang="en-US" sz="2400" b="0" strike="noStrike" spc="-1" dirty="0">
               <a:solidFill>
                 <a:srgbClr val="404040"/>
               </a:solidFill>
               <a:latin typeface="Century Gothic"/>
             </a:endParaRPr>
           </a:p>
-          <a:p>
-            <a:pPr marL="228600" indent="-228600">
-              <a:lnSpc>
-                <a:spcPct val="90000"/>
-              </a:lnSpc>
-              <a:spcBef>
-                <a:spcPts val="1001"/>
-              </a:spcBef>
-              <a:buClr>
-                <a:srgbClr val="404040"/>
-              </a:buClr>
-              <a:buFont typeface="Arial"/>
-              <a:buChar char="•"/>
-              <a:tabLst>
-                <a:tab algn="l" pos="0"/>
-              </a:tabLst>
-            </a:pPr>
-            <a:r>
-              <a:rPr b="0" lang="en-US" sz="2400" spc="-1" strike="noStrike">
-                <a:solidFill>
-                  <a:srgbClr val="404040"/>
-                </a:solidFill>
-                <a:latin typeface="Century Gothic"/>
-              </a:rPr>
-              <a:t>By looking at people within the same county, during times with higher vs. lower wages, it removes any bias for the fixed differences between counties</a:t>
-            </a:r>
-            <a:endParaRPr b="0" lang="en-US" sz="2400" spc="-1" strike="noStrike">
-              <a:solidFill>
-                <a:srgbClr val="404040"/>
-              </a:solidFill>
-              <a:latin typeface="Century Gothic"/>
-            </a:endParaRPr>
-          </a:p>
-          <a:p>
-            <a:pPr lvl="1" marL="685800" indent="-228600">
-              <a:lnSpc>
-                <a:spcPct val="90000"/>
-              </a:lnSpc>
-              <a:spcBef>
-                <a:spcPts val="499"/>
-              </a:spcBef>
-              <a:buClr>
-                <a:srgbClr val="404040"/>
-              </a:buClr>
-              <a:buFont typeface="Arial"/>
-              <a:buChar char="•"/>
-              <a:tabLst>
-                <a:tab algn="l" pos="0"/>
-              </a:tabLst>
-            </a:pPr>
-            <a:r>
-              <a:rPr b="0" lang="en-US" sz="2000" spc="-1" strike="noStrike">
-                <a:solidFill>
-                  <a:srgbClr val="404040"/>
-                </a:solidFill>
-                <a:latin typeface="Century Gothic"/>
-              </a:rPr>
-              <a:t>Recidivism rates and other factors may be different between counties.</a:t>
-            </a:r>
-            <a:endParaRPr b="0" lang="en-US" sz="2000" spc="-1" strike="noStrike">
-              <a:solidFill>
-                <a:srgbClr val="404040"/>
-              </a:solidFill>
-              <a:latin typeface="Century Gothic"/>
-            </a:endParaRPr>
-          </a:p>
-          <a:p>
-            <a:pPr marL="228600" indent="-228600">
-              <a:lnSpc>
-                <a:spcPct val="90000"/>
-              </a:lnSpc>
-              <a:spcBef>
-                <a:spcPts val="1001"/>
-              </a:spcBef>
-              <a:buClr>
-                <a:srgbClr val="404040"/>
-              </a:buClr>
-              <a:buFont typeface="Arial"/>
-              <a:buChar char="•"/>
-              <a:tabLst>
-                <a:tab algn="l" pos="0"/>
-              </a:tabLst>
-            </a:pPr>
-            <a:r>
-              <a:rPr b="0" lang="en-US" sz="2400" spc="-1" strike="noStrike">
-                <a:solidFill>
-                  <a:srgbClr val="404040"/>
-                </a:solidFill>
-                <a:latin typeface="Century Gothic"/>
-              </a:rPr>
-              <a:t>Comparisons between, rather than within counties would be more of an “apples to oranges” comparison.</a:t>
-            </a:r>
-            <a:endParaRPr b="0" lang="en-US" sz="2400" spc="-1" strike="noStrike">
-              <a:solidFill>
-                <a:srgbClr val="404040"/>
-              </a:solidFill>
-              <a:latin typeface="Century Gothic"/>
-            </a:endParaRPr>
-          </a:p>
-          <a:p>
-            <a:pPr marL="228600" indent="-228600">
-              <a:lnSpc>
-                <a:spcPct val="90000"/>
-              </a:lnSpc>
-              <a:spcBef>
-                <a:spcPts val="1001"/>
-              </a:spcBef>
-              <a:buClr>
-                <a:srgbClr val="404040"/>
-              </a:buClr>
-              <a:buFont typeface="Arial"/>
-              <a:buChar char="•"/>
-              <a:tabLst>
-                <a:tab algn="l" pos="0"/>
-              </a:tabLst>
-            </a:pPr>
-            <a:r>
-              <a:rPr b="0" lang="en-US" sz="2400" spc="-1" strike="noStrike">
-                <a:solidFill>
-                  <a:srgbClr val="404040"/>
-                </a:solidFill>
-                <a:latin typeface="Century Gothic"/>
-              </a:rPr>
-              <a:t>Like other DiD examples, where there are fixed differences that exist between groups.</a:t>
-            </a:r>
-            <a:endParaRPr b="0" lang="en-US" sz="2400" spc="-1" strike="noStrike">
-              <a:solidFill>
-                <a:srgbClr val="404040"/>
-              </a:solidFill>
-              <a:latin typeface="Century Gothic"/>
-            </a:endParaRPr>
-          </a:p>
         </p:txBody>
       </p:sp>
     </p:spTree>
   </p:cSld>
-  <mc:AlternateContent>
-    <mc:Choice Requires="p14">
-      <p:transition spd="slow" p14:dur="2000"/>
-    </mc:Choice>
-    <mc:Fallback>
-      <p:transition spd="slow"/>
-    </mc:Fallback>
-  </mc:AlternateContent>
+  <p:clrMapOvr>
+    <a:masterClrMapping/>
+  </p:clrMapOvr>
 </p:sld>
 </file>
 
-<file path=ppt/slides/slide8.xml><?xml version="1.0" encoding="utf-8"?>
-<p:sld xmlns:a="http://schemas.openxmlformats.org/drawingml/2006/main" xmlns:p="http://schemas.openxmlformats.org/presentationml/2006/main" xmlns:r="http://schemas.openxmlformats.org/officeDocument/2006/relationships" xmlns:p14="http://schemas.microsoft.com/office/powerpoint/2010/main" xmlns:p15="http://schemas.microsoft.com/office/powerpoint/2012/main" xmlns:mc="http://schemas.openxmlformats.org/markup-compatibility/2006">
+<file path=ppt/slides/slide9.xml><?xml version="1.0" encoding="utf-8"?>
+<p:sld xmlns:a="http://schemas.openxmlformats.org/drawingml/2006/main" xmlns:r="http://schemas.openxmlformats.org/officeDocument/2006/relationships" xmlns:p="http://schemas.openxmlformats.org/presentationml/2006/main">
   <p:cSld>
     <p:spTree>
       <p:nvGrpSpPr>
@@ -11221,7 +11607,7 @@
       </p:grpSpPr>
       <p:sp>
         <p:nvSpPr>
-          <p:cNvPr id="103" name="PlaceHolder 1"/>
+          <p:cNvPr id="105" name="PlaceHolder 1"/>
           <p:cNvSpPr>
             <a:spLocks noGrp="1"/>
           </p:cNvSpPr>
@@ -11246,6 +11632,7 @@
           <a:bodyPr numCol="1" spcCol="0" anchor="ctr">
             <a:noAutofit/>
           </a:bodyPr>
+          <a:lstStyle/>
           <a:p>
             <a:pPr indent="0">
               <a:lnSpc>
@@ -11254,15 +11641,15 @@
               <a:buNone/>
             </a:pPr>
             <a:r>
-              <a:rPr b="0" lang="en-US" sz="3800" spc="-1" strike="noStrike" cap="all">
-                <a:solidFill>
-                  <a:srgbClr val="265b4d"/>
+              <a:rPr lang="en-US" sz="3800" b="0" strike="noStrike" cap="all" spc="-1">
+                <a:solidFill>
+                  <a:srgbClr val="265B4D"/>
                 </a:solidFill>
                 <a:latin typeface="Century Gothic"/>
               </a:rPr>
               <a:t>Yang – Labor markets and recidivism</a:t>
             </a:r>
-            <a:endParaRPr b="0" lang="en-US" sz="3800" spc="-1" strike="noStrike">
+            <a:endParaRPr lang="en-US" sz="3800" b="0" strike="noStrike" spc="-1">
               <a:solidFill>
                 <a:srgbClr val="000000"/>
               </a:solidFill>
@@ -11273,7 +11660,7 @@
       </p:sp>
       <p:sp>
         <p:nvSpPr>
-          <p:cNvPr id="104" name="PlaceHolder 2"/>
+          <p:cNvPr id="106" name="PlaceHolder 2"/>
           <p:cNvSpPr>
             <a:spLocks noGrp="1"/>
           </p:cNvSpPr>
@@ -11298,6 +11685,7 @@
           <a:bodyPr numCol="1" spcCol="0" anchor="t">
             <a:noAutofit/>
           </a:bodyPr>
+          <a:lstStyle/>
           <a:p>
             <a:pPr marL="228600" indent="-228600">
               <a:lnSpc>
@@ -11313,388 +11701,135 @@
               <a:buChar char="•"/>
             </a:pPr>
             <a:r>
-              <a:rPr b="0" lang="en-US" sz="2400" spc="-1" strike="noStrike">
+              <a:rPr lang="en-US" sz="2400" b="0" strike="noStrike" spc="-1" dirty="0">
                 <a:solidFill>
                   <a:srgbClr val="404040"/>
                 </a:solidFill>
                 <a:latin typeface="Century Gothic"/>
               </a:rPr>
-              <a:t>An assumption is required for Yang’s approach to provide an unbiased estimate of the causal effect of local economic conditions on crime.</a:t>
-            </a:r>
-            <a:endParaRPr b="0" lang="en-US" sz="2400" spc="-1" strike="noStrike">
+              <a:t>Obviously, that’s not possible.</a:t>
+            </a:r>
+          </a:p>
+          <a:p>
+            <a:pPr marL="228600" indent="-228600">
+              <a:lnSpc>
+                <a:spcPct val="90000"/>
+              </a:lnSpc>
+              <a:spcBef>
+                <a:spcPts val="1001"/>
+              </a:spcBef>
+              <a:buClr>
+                <a:srgbClr val="404040"/>
+              </a:buClr>
+              <a:buFont typeface="Arial"/>
+              <a:buChar char="•"/>
+            </a:pPr>
+            <a:r>
+              <a:rPr lang="en-US" sz="2400" b="0" strike="noStrike" spc="-1" dirty="0">
+                <a:solidFill>
+                  <a:srgbClr val="404040"/>
+                </a:solidFill>
+                <a:latin typeface="Century Gothic"/>
+              </a:rPr>
+              <a:t>But hopefully there are no important differences between good and bad economic times other than the economy.</a:t>
+            </a:r>
+          </a:p>
+          <a:p>
+            <a:pPr marL="228600" indent="-228600">
+              <a:lnSpc>
+                <a:spcPct val="90000"/>
+              </a:lnSpc>
+              <a:spcBef>
+                <a:spcPts val="1001"/>
+              </a:spcBef>
+              <a:buClr>
+                <a:srgbClr val="404040"/>
+              </a:buClr>
+              <a:buFont typeface="Arial"/>
+              <a:buChar char="•"/>
+            </a:pPr>
+            <a:r>
+              <a:rPr lang="en-US" sz="2400" b="0" strike="noStrike" spc="-1" dirty="0">
+                <a:solidFill>
+                  <a:srgbClr val="404040"/>
+                </a:solidFill>
+                <a:latin typeface="Century Gothic"/>
+              </a:rPr>
+              <a:t>Otherwise the treatment and control groups would be different.</a:t>
+            </a:r>
+          </a:p>
+          <a:p>
+            <a:pPr marL="228600" indent="-228600">
+              <a:lnSpc>
+                <a:spcPct val="90000"/>
+              </a:lnSpc>
+              <a:spcBef>
+                <a:spcPts val="1001"/>
+              </a:spcBef>
+              <a:buClr>
+                <a:srgbClr val="404040"/>
+              </a:buClr>
+              <a:buFont typeface="Arial"/>
+              <a:buChar char="•"/>
+            </a:pPr>
+            <a:r>
+              <a:rPr lang="en-US" sz="2400" b="0" strike="noStrike" spc="-1" dirty="0">
+                <a:solidFill>
+                  <a:srgbClr val="404040"/>
+                </a:solidFill>
+                <a:latin typeface="Century Gothic"/>
+              </a:rPr>
+              <a:t>The key example of possible differences are that the types of people released during good economic times, within the same county, could differ from those released during bad economic times, within the same county.</a:t>
+            </a:r>
+          </a:p>
+          <a:p>
+            <a:pPr marL="228600" indent="-228600">
+              <a:lnSpc>
+                <a:spcPct val="90000"/>
+              </a:lnSpc>
+              <a:spcBef>
+                <a:spcPts val="1001"/>
+              </a:spcBef>
+              <a:buClr>
+                <a:srgbClr val="404040"/>
+              </a:buClr>
+              <a:buFont typeface="Arial"/>
+              <a:buChar char="•"/>
+            </a:pPr>
+            <a:r>
+              <a:rPr lang="en-US" sz="2400" b="0" strike="noStrike" spc="-1" dirty="0">
+                <a:solidFill>
+                  <a:srgbClr val="404040"/>
+                </a:solidFill>
+                <a:latin typeface="Century Gothic"/>
+              </a:rPr>
+              <a:t>While some of this can be controlled for in the regression analysis (i.e. control variables), any differences that are not controlled for could cause bias.</a:t>
+            </a:r>
+          </a:p>
+          <a:p>
+            <a:pPr indent="0">
+              <a:lnSpc>
+                <a:spcPct val="90000"/>
+              </a:lnSpc>
+              <a:spcBef>
+                <a:spcPts val="1001"/>
+              </a:spcBef>
+              <a:buNone/>
+            </a:pPr>
+            <a:endParaRPr lang="en-US" sz="2400" b="0" strike="noStrike" spc="-1" dirty="0">
               <a:solidFill>
                 <a:srgbClr val="404040"/>
               </a:solidFill>
               <a:latin typeface="Century Gothic"/>
             </a:endParaRPr>
           </a:p>
-          <a:p>
-            <a:pPr marL="228600" indent="-228600">
-              <a:lnSpc>
-                <a:spcPct val="90000"/>
-              </a:lnSpc>
-              <a:spcBef>
-                <a:spcPts val="1001"/>
-              </a:spcBef>
-              <a:buClr>
-                <a:srgbClr val="404040"/>
-              </a:buClr>
-              <a:buFont typeface="Arial"/>
-              <a:buChar char="•"/>
-            </a:pPr>
-            <a:r>
-              <a:rPr b="0" lang="en-US" sz="2400" spc="-1" strike="noStrike">
-                <a:solidFill>
-                  <a:srgbClr val="404040"/>
-                </a:solidFill>
-                <a:latin typeface="Century Gothic"/>
-              </a:rPr>
-              <a:t>The assumption is that when comparing those within the same county in good and bad economic times, there are no differences other than the different economic circumstances.</a:t>
-            </a:r>
-            <a:endParaRPr b="0" lang="en-US" sz="2400" spc="-1" strike="noStrike">
-              <a:solidFill>
-                <a:srgbClr val="404040"/>
-              </a:solidFill>
-              <a:latin typeface="Century Gothic"/>
-            </a:endParaRPr>
-          </a:p>
-          <a:p>
-            <a:pPr marL="228600" indent="-228600">
-              <a:lnSpc>
-                <a:spcPct val="90000"/>
-              </a:lnSpc>
-              <a:spcBef>
-                <a:spcPts val="1001"/>
-              </a:spcBef>
-              <a:buClr>
-                <a:srgbClr val="404040"/>
-              </a:buClr>
-              <a:buFont typeface="Arial"/>
-              <a:buChar char="•"/>
-            </a:pPr>
-            <a:r>
-              <a:rPr b="0" lang="en-US" sz="2400" spc="-1" strike="noStrike">
-                <a:solidFill>
-                  <a:srgbClr val="404040"/>
-                </a:solidFill>
-                <a:latin typeface="Century Gothic"/>
-              </a:rPr>
-              <a:t>The ideal would be like a randomized control trial (RCT) -&gt; higher/lower wages are randomly assigned over time.</a:t>
-            </a:r>
-            <a:endParaRPr b="0" lang="en-US" sz="2400" spc="-1" strike="noStrike">
-              <a:solidFill>
-                <a:srgbClr val="404040"/>
-              </a:solidFill>
-              <a:latin typeface="Century Gothic"/>
-            </a:endParaRPr>
-          </a:p>
-          <a:p>
-            <a:pPr indent="0">
-              <a:lnSpc>
-                <a:spcPct val="90000"/>
-              </a:lnSpc>
-              <a:spcBef>
-                <a:spcPts val="1001"/>
-              </a:spcBef>
-              <a:buNone/>
-            </a:pPr>
-            <a:endParaRPr b="0" lang="en-US" sz="2400" spc="-1" strike="noStrike">
-              <a:solidFill>
-                <a:srgbClr val="404040"/>
-              </a:solidFill>
-              <a:latin typeface="Century Gothic"/>
-            </a:endParaRPr>
-          </a:p>
         </p:txBody>
       </p:sp>
     </p:spTree>
   </p:cSld>
-  <mc:AlternateContent>
-    <mc:Choice Requires="p14">
-      <p:transition spd="slow" p14:dur="2000"/>
-    </mc:Choice>
-    <mc:Fallback>
-      <p:transition spd="slow"/>
-    </mc:Fallback>
-  </mc:AlternateContent>
-</p:sld>
-</file>
-
-<file path=ppt/slides/slide9.xml><?xml version="1.0" encoding="utf-8"?>
-<p:sld xmlns:a="http://schemas.openxmlformats.org/drawingml/2006/main" xmlns:p="http://schemas.openxmlformats.org/presentationml/2006/main" xmlns:r="http://schemas.openxmlformats.org/officeDocument/2006/relationships" xmlns:p14="http://schemas.microsoft.com/office/powerpoint/2010/main" xmlns:p15="http://schemas.microsoft.com/office/powerpoint/2012/main" xmlns:mc="http://schemas.openxmlformats.org/markup-compatibility/2006">
-  <p:cSld>
-    <p:spTree>
-      <p:nvGrpSpPr>
-        <p:cNvPr id="1" name=""/>
-        <p:cNvGrpSpPr/>
-        <p:nvPr/>
-      </p:nvGrpSpPr>
-      <p:grpSpPr>
-        <a:xfrm>
-          <a:off x="0" y="0"/>
-          <a:ext cx="0" cy="0"/>
-          <a:chOff x="0" y="0"/>
-          <a:chExt cx="0" cy="0"/>
-        </a:xfrm>
-      </p:grpSpPr>
-      <p:sp>
-        <p:nvSpPr>
-          <p:cNvPr id="105" name="PlaceHolder 1"/>
-          <p:cNvSpPr>
-            <a:spLocks noGrp="1"/>
-          </p:cNvSpPr>
-          <p:nvPr>
-            <p:ph type="title"/>
-          </p:nvPr>
-        </p:nvSpPr>
-        <p:spPr>
-          <a:xfrm>
-            <a:off x="838080" y="365040"/>
-            <a:ext cx="10515240" cy="1325160"/>
-          </a:xfrm>
-          <a:prstGeom prst="rect">
-            <a:avLst/>
-          </a:prstGeom>
-          <a:noFill/>
-          <a:ln w="0">
-            <a:noFill/>
-          </a:ln>
-        </p:spPr>
-        <p:txBody>
-          <a:bodyPr numCol="1" spcCol="0" anchor="ctr">
-            <a:noAutofit/>
-          </a:bodyPr>
-          <a:p>
-            <a:pPr indent="0">
-              <a:lnSpc>
-                <a:spcPct val="90000"/>
-              </a:lnSpc>
-              <a:buNone/>
-            </a:pPr>
-            <a:r>
-              <a:rPr b="0" lang="en-US" sz="3800" spc="-1" strike="noStrike" cap="all">
-                <a:solidFill>
-                  <a:srgbClr val="265b4d"/>
-                </a:solidFill>
-                <a:latin typeface="Century Gothic"/>
-              </a:rPr>
-              <a:t>Yang – Labor markets and recidivism</a:t>
-            </a:r>
-            <a:endParaRPr b="0" lang="en-US" sz="3800" spc="-1" strike="noStrike">
-              <a:solidFill>
-                <a:srgbClr val="000000"/>
-              </a:solidFill>
-              <a:latin typeface="Calibri"/>
-            </a:endParaRPr>
-          </a:p>
-        </p:txBody>
-      </p:sp>
-      <p:sp>
-        <p:nvSpPr>
-          <p:cNvPr id="106" name="PlaceHolder 2"/>
-          <p:cNvSpPr>
-            <a:spLocks noGrp="1"/>
-          </p:cNvSpPr>
-          <p:nvPr>
-            <p:ph/>
-          </p:nvPr>
-        </p:nvSpPr>
-        <p:spPr>
-          <a:xfrm>
-            <a:off x="838080" y="1512360"/>
-            <a:ext cx="10515240" cy="4350960"/>
-          </a:xfrm>
-          <a:prstGeom prst="rect">
-            <a:avLst/>
-          </a:prstGeom>
-          <a:noFill/>
-          <a:ln w="0">
-            <a:noFill/>
-          </a:ln>
-        </p:spPr>
-        <p:txBody>
-          <a:bodyPr numCol="1" spcCol="0" anchor="t">
-            <a:noAutofit/>
-          </a:bodyPr>
-          <a:p>
-            <a:pPr marL="228600" indent="-228600">
-              <a:lnSpc>
-                <a:spcPct val="90000"/>
-              </a:lnSpc>
-              <a:spcBef>
-                <a:spcPts val="1001"/>
-              </a:spcBef>
-              <a:buClr>
-                <a:srgbClr val="404040"/>
-              </a:buClr>
-              <a:buFont typeface="Arial"/>
-              <a:buChar char="•"/>
-            </a:pPr>
-            <a:r>
-              <a:rPr b="0" lang="en-US" sz="2400" spc="-1" strike="noStrike">
-                <a:solidFill>
-                  <a:srgbClr val="404040"/>
-                </a:solidFill>
-                <a:latin typeface="Century Gothic"/>
-              </a:rPr>
-              <a:t>Obviously, that’s not possible.</a:t>
-            </a:r>
-            <a:endParaRPr b="0" lang="en-US" sz="2400" spc="-1" strike="noStrike">
-              <a:solidFill>
-                <a:srgbClr val="404040"/>
-              </a:solidFill>
-              <a:latin typeface="Century Gothic"/>
-            </a:endParaRPr>
-          </a:p>
-          <a:p>
-            <a:pPr marL="228600" indent="-228600">
-              <a:lnSpc>
-                <a:spcPct val="90000"/>
-              </a:lnSpc>
-              <a:spcBef>
-                <a:spcPts val="1001"/>
-              </a:spcBef>
-              <a:buClr>
-                <a:srgbClr val="404040"/>
-              </a:buClr>
-              <a:buFont typeface="Arial"/>
-              <a:buChar char="•"/>
-            </a:pPr>
-            <a:r>
-              <a:rPr b="0" lang="en-US" sz="2400" spc="-1" strike="noStrike">
-                <a:solidFill>
-                  <a:srgbClr val="404040"/>
-                </a:solidFill>
-                <a:latin typeface="Century Gothic"/>
-              </a:rPr>
-              <a:t>But hopefully there are no important differences between good and bad economic times other than the economy.</a:t>
-            </a:r>
-            <a:endParaRPr b="0" lang="en-US" sz="2400" spc="-1" strike="noStrike">
-              <a:solidFill>
-                <a:srgbClr val="404040"/>
-              </a:solidFill>
-              <a:latin typeface="Century Gothic"/>
-            </a:endParaRPr>
-          </a:p>
-          <a:p>
-            <a:pPr marL="228600" indent="-228600">
-              <a:lnSpc>
-                <a:spcPct val="90000"/>
-              </a:lnSpc>
-              <a:spcBef>
-                <a:spcPts val="1001"/>
-              </a:spcBef>
-              <a:buClr>
-                <a:srgbClr val="404040"/>
-              </a:buClr>
-              <a:buFont typeface="Arial"/>
-              <a:buChar char="•"/>
-            </a:pPr>
-            <a:r>
-              <a:rPr b="0" lang="en-US" sz="2400" spc="-1" strike="noStrike">
-                <a:solidFill>
-                  <a:srgbClr val="404040"/>
-                </a:solidFill>
-                <a:latin typeface="Century Gothic"/>
-              </a:rPr>
-              <a:t>Otherwise the treatment and control groups would be different.</a:t>
-            </a:r>
-            <a:endParaRPr b="0" lang="en-US" sz="2400" spc="-1" strike="noStrike">
-              <a:solidFill>
-                <a:srgbClr val="404040"/>
-              </a:solidFill>
-              <a:latin typeface="Century Gothic"/>
-            </a:endParaRPr>
-          </a:p>
-          <a:p>
-            <a:pPr marL="228600" indent="-228600">
-              <a:lnSpc>
-                <a:spcPct val="90000"/>
-              </a:lnSpc>
-              <a:spcBef>
-                <a:spcPts val="1001"/>
-              </a:spcBef>
-              <a:buClr>
-                <a:srgbClr val="404040"/>
-              </a:buClr>
-              <a:buFont typeface="Arial"/>
-              <a:buChar char="•"/>
-            </a:pPr>
-            <a:r>
-              <a:rPr b="0" lang="en-US" sz="2400" spc="-1" strike="noStrike">
-                <a:solidFill>
-                  <a:srgbClr val="404040"/>
-                </a:solidFill>
-                <a:latin typeface="Century Gothic"/>
-              </a:rPr>
-              <a:t>The key example of possible differences are that the types of people released during good economic times, within the same county, could differ from those released during bad economic times, within the same county.</a:t>
-            </a:r>
-            <a:endParaRPr b="0" lang="en-US" sz="2400" spc="-1" strike="noStrike">
-              <a:solidFill>
-                <a:srgbClr val="404040"/>
-              </a:solidFill>
-              <a:latin typeface="Century Gothic"/>
-            </a:endParaRPr>
-          </a:p>
-          <a:p>
-            <a:pPr marL="228600" indent="-228600">
-              <a:lnSpc>
-                <a:spcPct val="90000"/>
-              </a:lnSpc>
-              <a:spcBef>
-                <a:spcPts val="1001"/>
-              </a:spcBef>
-              <a:buClr>
-                <a:srgbClr val="404040"/>
-              </a:buClr>
-              <a:buFont typeface="Arial"/>
-              <a:buChar char="•"/>
-            </a:pPr>
-            <a:r>
-              <a:rPr b="0" lang="en-US" sz="2400" spc="-1" strike="noStrike">
-                <a:solidFill>
-                  <a:srgbClr val="404040"/>
-                </a:solidFill>
-                <a:latin typeface="Century Gothic"/>
-              </a:rPr>
-              <a:t>While some of this can be controlled for in the regression analysis (i.e. control variables), any differences that are not controlled for could cause bias.</a:t>
-            </a:r>
-            <a:endParaRPr b="0" lang="en-US" sz="2400" spc="-1" strike="noStrike">
-              <a:solidFill>
-                <a:srgbClr val="404040"/>
-              </a:solidFill>
-              <a:latin typeface="Century Gothic"/>
-            </a:endParaRPr>
-          </a:p>
-          <a:p>
-            <a:pPr indent="0">
-              <a:lnSpc>
-                <a:spcPct val="90000"/>
-              </a:lnSpc>
-              <a:spcBef>
-                <a:spcPts val="1001"/>
-              </a:spcBef>
-              <a:buNone/>
-            </a:pPr>
-            <a:endParaRPr b="0" lang="en-US" sz="2400" spc="-1" strike="noStrike">
-              <a:solidFill>
-                <a:srgbClr val="404040"/>
-              </a:solidFill>
-              <a:latin typeface="Century Gothic"/>
-            </a:endParaRPr>
-          </a:p>
-        </p:txBody>
-      </p:sp>
-    </p:spTree>
-  </p:cSld>
-  <mc:AlternateContent>
-    <mc:Choice Requires="p14">
-      <p:transition spd="slow" p14:dur="2000"/>
-    </mc:Choice>
-    <mc:Fallback>
-      <p:transition spd="slow"/>
-    </mc:Fallback>
-  </mc:AlternateContent>
+  <p:clrMapOvr>
+    <a:masterClrMapping/>
+  </p:clrMapOvr>
 </p:sld>
 </file>
 
@@ -11706,37 +11841,37 @@
         <a:srgbClr val="000000"/>
       </a:dk1>
       <a:lt1>
-        <a:srgbClr val="ffffff"/>
+        <a:srgbClr val="FFFFFF"/>
       </a:lt1>
       <a:dk2>
         <a:srgbClr val="404040"/>
       </a:dk2>
       <a:lt2>
-        <a:srgbClr val="e7e6e6"/>
+        <a:srgbClr val="E7E6E6"/>
       </a:lt2>
       <a:accent1>
-        <a:srgbClr val="71c5e8"/>
+        <a:srgbClr val="71C5E8"/>
       </a:accent1>
       <a:accent2>
-        <a:srgbClr val="285c4d"/>
+        <a:srgbClr val="285C4D"/>
       </a:accent2>
       <a:accent3>
-        <a:srgbClr val="a5a5a5"/>
+        <a:srgbClr val="A5A5A5"/>
       </a:accent3>
       <a:accent4>
-        <a:srgbClr val="b9d9eb"/>
+        <a:srgbClr val="B9D9EB"/>
       </a:accent4>
       <a:accent5>
-        <a:srgbClr val="daaa00"/>
+        <a:srgbClr val="DAAA00"/>
       </a:accent5>
       <a:accent6>
-        <a:srgbClr val="78be20"/>
+        <a:srgbClr val="78BE20"/>
       </a:accent6>
       <a:hlink>
-        <a:srgbClr val="71c5e8"/>
+        <a:srgbClr val="71C5E8"/>
       </a:hlink>
       <a:folHlink>
-        <a:srgbClr val="a5a5a5"/>
+        <a:srgbClr val="A5A5A5"/>
       </a:folHlink>
     </a:clrScheme>
     <a:fontScheme name="Office">
@@ -11898,6 +12033,8 @@
       </a:bgFillStyleLst>
     </a:fmtScheme>
   </a:themeElements>
+  <a:objectDefaults/>
+  <a:extraClrSchemeLst/>
 </a:theme>
 </file>
 
@@ -11909,37 +12046,37 @@
         <a:srgbClr val="000000"/>
       </a:dk1>
       <a:lt1>
-        <a:srgbClr val="ffffff"/>
+        <a:srgbClr val="FFFFFF"/>
       </a:lt1>
       <a:dk2>
         <a:srgbClr val="404040"/>
       </a:dk2>
       <a:lt2>
-        <a:srgbClr val="e7e6e6"/>
+        <a:srgbClr val="E7E6E6"/>
       </a:lt2>
       <a:accent1>
-        <a:srgbClr val="71c5e8"/>
+        <a:srgbClr val="71C5E8"/>
       </a:accent1>
       <a:accent2>
-        <a:srgbClr val="285c4d"/>
+        <a:srgbClr val="285C4D"/>
       </a:accent2>
       <a:accent3>
-        <a:srgbClr val="a5a5a5"/>
+        <a:srgbClr val="A5A5A5"/>
       </a:accent3>
       <a:accent4>
-        <a:srgbClr val="b9d9eb"/>
+        <a:srgbClr val="B9D9EB"/>
       </a:accent4>
       <a:accent5>
-        <a:srgbClr val="daaa00"/>
+        <a:srgbClr val="DAAA00"/>
       </a:accent5>
       <a:accent6>
-        <a:srgbClr val="78be20"/>
+        <a:srgbClr val="78BE20"/>
       </a:accent6>
       <a:hlink>
-        <a:srgbClr val="71c5e8"/>
+        <a:srgbClr val="71C5E8"/>
       </a:hlink>
       <a:folHlink>
-        <a:srgbClr val="a5a5a5"/>
+        <a:srgbClr val="A5A5A5"/>
       </a:folHlink>
     </a:clrScheme>
     <a:fontScheme name="Office">
@@ -12101,6 +12238,8 @@
       </a:bgFillStyleLst>
     </a:fmtScheme>
   </a:themeElements>
+  <a:objectDefaults/>
+  <a:extraClrSchemeLst/>
 </a:theme>
 </file>
 
@@ -12118,31 +12257,31 @@
         <a:srgbClr val="404040"/>
       </a:dk2>
       <a:lt2>
-        <a:srgbClr val="e7e6e6"/>
+        <a:srgbClr val="E7E6E6"/>
       </a:lt2>
       <a:accent1>
-        <a:srgbClr val="71c5e8"/>
+        <a:srgbClr val="71C5E8"/>
       </a:accent1>
       <a:accent2>
-        <a:srgbClr val="285c4d"/>
+        <a:srgbClr val="285C4D"/>
       </a:accent2>
       <a:accent3>
-        <a:srgbClr val="a5a5a5"/>
+        <a:srgbClr val="A5A5A5"/>
       </a:accent3>
       <a:accent4>
-        <a:srgbClr val="b9d9eb"/>
+        <a:srgbClr val="B9D9EB"/>
       </a:accent4>
       <a:accent5>
-        <a:srgbClr val="daaa00"/>
+        <a:srgbClr val="DAAA00"/>
       </a:accent5>
       <a:accent6>
-        <a:srgbClr val="78be20"/>
+        <a:srgbClr val="78BE20"/>
       </a:accent6>
       <a:hlink>
-        <a:srgbClr val="71c5e8"/>
+        <a:srgbClr val="71C5E8"/>
       </a:hlink>
       <a:folHlink>
-        <a:srgbClr val="a5a5a5"/>
+        <a:srgbClr val="A5A5A5"/>
       </a:folHlink>
     </a:clrScheme>
     <a:fontScheme name="Office">
@@ -12304,5 +12443,7 @@
       </a:bgFillStyleLst>
     </a:fmtScheme>
   </a:themeElements>
+  <a:objectDefaults/>
+  <a:extraClrSchemeLst/>
 </a:theme>
 </file>